--- a/Präsentation/Teil2_Präsentation20_01_2021.pptx
+++ b/Präsentation/Teil2_Präsentation20_01_2021.pptx
@@ -4,16 +4,23 @@
   <p:sldMasterIdLst>
     <p:sldMasterId id="2147483648" r:id="rId2"/>
     <p:sldMasterId id="2147483661" r:id="rId3"/>
+    <p:sldMasterId id="2147483674" r:id="rId4"/>
+    <p:sldMasterId id="2147483687" r:id="rId5"/>
   </p:sldMasterIdLst>
   <p:sldIdLst>
-    <p:sldId id="256" r:id="rId4"/>
-    <p:sldId id="257" r:id="rId5"/>
-    <p:sldId id="258" r:id="rId6"/>
-    <p:sldId id="259" r:id="rId7"/>
-    <p:sldId id="260" r:id="rId8"/>
-    <p:sldId id="261" r:id="rId9"/>
-    <p:sldId id="262" r:id="rId10"/>
-    <p:sldId id="263" r:id="rId11"/>
+    <p:sldId id="256" r:id="rId6"/>
+    <p:sldId id="257" r:id="rId7"/>
+    <p:sldId id="258" r:id="rId8"/>
+    <p:sldId id="259" r:id="rId9"/>
+    <p:sldId id="260" r:id="rId10"/>
+    <p:sldId id="261" r:id="rId11"/>
+    <p:sldId id="262" r:id="rId12"/>
+    <p:sldId id="263" r:id="rId13"/>
+    <p:sldId id="264" r:id="rId14"/>
+    <p:sldId id="265" r:id="rId15"/>
+    <p:sldId id="266" r:id="rId16"/>
+    <p:sldId id="267" r:id="rId17"/>
+    <p:sldId id="268" r:id="rId18"/>
   </p:sldIdLst>
   <p:sldSz cx="12192000" cy="6858000"/>
   <p:notesSz cx="7559675" cy="10691812"/>
@@ -5542,8 +5549,8 @@
         </p:nvSpPr>
         <p:spPr>
           <a:xfrm>
-            <a:off x="1451520" y="804600"/>
-            <a:ext cx="9602280" cy="1048320"/>
+            <a:off x="609480" y="273600"/>
+            <a:ext cx="10972440" cy="1144800"/>
           </a:xfrm>
           <a:prstGeom prst="rect">
             <a:avLst/>
@@ -5554,10 +5561,8 @@
             <a:noAutofit/>
           </a:bodyPr>
           <a:p>
-            <a:endParaRPr b="0" lang="de-DE" sz="1800" spc="-1" strike="noStrike">
-              <a:solidFill>
-                <a:srgbClr val="000000"/>
-              </a:solidFill>
+            <a:pPr algn="ctr"/>
+            <a:endParaRPr b="0" lang="de-DE" sz="4400" spc="-1" strike="noStrike">
               <a:latin typeface="Arial"/>
             </a:endParaRPr>
           </a:p>
@@ -5576,7 +5581,7 @@
         <p:spPr>
           <a:xfrm>
             <a:off x="609480" y="1604520"/>
-            <a:ext cx="10972080" cy="1896840"/>
+            <a:ext cx="10972440" cy="1896840"/>
           </a:xfrm>
           <a:prstGeom prst="rect">
             <a:avLst/>
@@ -5587,10 +5592,7 @@
             <a:normAutofit/>
           </a:bodyPr>
           <a:p>
-            <a:endParaRPr b="0" lang="de-DE" sz="2800" spc="-1" strike="noStrike">
-              <a:solidFill>
-                <a:srgbClr val="000000"/>
-              </a:solidFill>
+            <a:endParaRPr b="0" lang="de-DE" sz="3200" spc="-1" strike="noStrike">
               <a:latin typeface="Arial"/>
             </a:endParaRPr>
           </a:p>
@@ -5609,7 +5611,7 @@
         <p:spPr>
           <a:xfrm>
             <a:off x="609480" y="3682080"/>
-            <a:ext cx="10972080" cy="1896840"/>
+            <a:ext cx="10972440" cy="1896840"/>
           </a:xfrm>
           <a:prstGeom prst="rect">
             <a:avLst/>
@@ -5620,10 +5622,7 @@
             <a:normAutofit/>
           </a:bodyPr>
           <a:p>
-            <a:endParaRPr b="0" lang="de-DE" sz="2800" spc="-1" strike="noStrike">
-              <a:solidFill>
-                <a:srgbClr val="000000"/>
-              </a:solidFill>
+            <a:endParaRPr b="0" lang="de-DE" sz="3200" spc="-1" strike="noStrike">
               <a:latin typeface="Arial"/>
             </a:endParaRPr>
           </a:p>
@@ -5663,8 +5662,8 @@
         </p:nvSpPr>
         <p:spPr>
           <a:xfrm>
-            <a:off x="1451520" y="804600"/>
-            <a:ext cx="9602280" cy="1048320"/>
+            <a:off x="609480" y="273600"/>
+            <a:ext cx="10972440" cy="1144800"/>
           </a:xfrm>
           <a:prstGeom prst="rect">
             <a:avLst/>
@@ -5675,10 +5674,8 @@
             <a:noAutofit/>
           </a:bodyPr>
           <a:p>
-            <a:endParaRPr b="0" lang="de-DE" sz="1800" spc="-1" strike="noStrike">
-              <a:solidFill>
-                <a:srgbClr val="000000"/>
-              </a:solidFill>
+            <a:pPr algn="ctr"/>
+            <a:endParaRPr b="0" lang="de-DE" sz="4400" spc="-1" strike="noStrike">
               <a:latin typeface="Arial"/>
             </a:endParaRPr>
           </a:p>
@@ -5708,10 +5705,7 @@
             <a:normAutofit/>
           </a:bodyPr>
           <a:p>
-            <a:endParaRPr b="0" lang="de-DE" sz="2800" spc="-1" strike="noStrike">
-              <a:solidFill>
-                <a:srgbClr val="000000"/>
-              </a:solidFill>
+            <a:endParaRPr b="0" lang="de-DE" sz="3200" spc="-1" strike="noStrike">
               <a:latin typeface="Arial"/>
             </a:endParaRPr>
           </a:p>
@@ -5741,10 +5735,7 @@
             <a:normAutofit/>
           </a:bodyPr>
           <a:p>
-            <a:endParaRPr b="0" lang="de-DE" sz="2800" spc="-1" strike="noStrike">
-              <a:solidFill>
-                <a:srgbClr val="000000"/>
-              </a:solidFill>
+            <a:endParaRPr b="0" lang="de-DE" sz="3200" spc="-1" strike="noStrike">
               <a:latin typeface="Arial"/>
             </a:endParaRPr>
           </a:p>
@@ -5774,10 +5765,7 @@
             <a:normAutofit/>
           </a:bodyPr>
           <a:p>
-            <a:endParaRPr b="0" lang="de-DE" sz="2800" spc="-1" strike="noStrike">
-              <a:solidFill>
-                <a:srgbClr val="000000"/>
-              </a:solidFill>
+            <a:endParaRPr b="0" lang="de-DE" sz="3200" spc="-1" strike="noStrike">
               <a:latin typeface="Arial"/>
             </a:endParaRPr>
           </a:p>
@@ -5807,10 +5795,7 @@
             <a:normAutofit/>
           </a:bodyPr>
           <a:p>
-            <a:endParaRPr b="0" lang="de-DE" sz="2800" spc="-1" strike="noStrike">
-              <a:solidFill>
-                <a:srgbClr val="000000"/>
-              </a:solidFill>
+            <a:endParaRPr b="0" lang="de-DE" sz="3200" spc="-1" strike="noStrike">
               <a:latin typeface="Arial"/>
             </a:endParaRPr>
           </a:p>
@@ -5850,8 +5835,8 @@
         </p:nvSpPr>
         <p:spPr>
           <a:xfrm>
-            <a:off x="1451520" y="804600"/>
-            <a:ext cx="9602280" cy="1048320"/>
+            <a:off x="609480" y="273600"/>
+            <a:ext cx="10972440" cy="1144800"/>
           </a:xfrm>
           <a:prstGeom prst="rect">
             <a:avLst/>
@@ -5862,10 +5847,8 @@
             <a:noAutofit/>
           </a:bodyPr>
           <a:p>
-            <a:endParaRPr b="0" lang="de-DE" sz="1800" spc="-1" strike="noStrike">
-              <a:solidFill>
-                <a:srgbClr val="000000"/>
-              </a:solidFill>
+            <a:pPr algn="ctr"/>
+            <a:endParaRPr b="0" lang="de-DE" sz="4400" spc="-1" strike="noStrike">
               <a:latin typeface="Arial"/>
             </a:endParaRPr>
           </a:p>
@@ -5884,7 +5867,7 @@
         <p:spPr>
           <a:xfrm>
             <a:off x="609480" y="1604520"/>
-            <a:ext cx="3532680" cy="1896840"/>
+            <a:ext cx="3533040" cy="1896840"/>
           </a:xfrm>
           <a:prstGeom prst="rect">
             <a:avLst/>
@@ -5895,10 +5878,7 @@
             <a:normAutofit/>
           </a:bodyPr>
           <a:p>
-            <a:endParaRPr b="0" lang="de-DE" sz="2800" spc="-1" strike="noStrike">
-              <a:solidFill>
-                <a:srgbClr val="000000"/>
-              </a:solidFill>
+            <a:endParaRPr b="0" lang="de-DE" sz="3200" spc="-1" strike="noStrike">
               <a:latin typeface="Arial"/>
             </a:endParaRPr>
           </a:p>
@@ -5916,8 +5896,8 @@
         </p:nvSpPr>
         <p:spPr>
           <a:xfrm>
-            <a:off x="4319280" y="1604520"/>
-            <a:ext cx="3532680" cy="1896840"/>
+            <a:off x="4319640" y="1604520"/>
+            <a:ext cx="3533040" cy="1896840"/>
           </a:xfrm>
           <a:prstGeom prst="rect">
             <a:avLst/>
@@ -5928,10 +5908,7 @@
             <a:normAutofit/>
           </a:bodyPr>
           <a:p>
-            <a:endParaRPr b="0" lang="de-DE" sz="2800" spc="-1" strike="noStrike">
-              <a:solidFill>
-                <a:srgbClr val="000000"/>
-              </a:solidFill>
+            <a:endParaRPr b="0" lang="de-DE" sz="3200" spc="-1" strike="noStrike">
               <a:latin typeface="Arial"/>
             </a:endParaRPr>
           </a:p>
@@ -5949,8 +5926,8 @@
         </p:nvSpPr>
         <p:spPr>
           <a:xfrm>
-            <a:off x="8028720" y="1604520"/>
-            <a:ext cx="3532680" cy="1896840"/>
+            <a:off x="8029800" y="1604520"/>
+            <a:ext cx="3533040" cy="1896840"/>
           </a:xfrm>
           <a:prstGeom prst="rect">
             <a:avLst/>
@@ -5961,10 +5938,7 @@
             <a:normAutofit/>
           </a:bodyPr>
           <a:p>
-            <a:endParaRPr b="0" lang="de-DE" sz="2800" spc="-1" strike="noStrike">
-              <a:solidFill>
-                <a:srgbClr val="000000"/>
-              </a:solidFill>
+            <a:endParaRPr b="0" lang="de-DE" sz="3200" spc="-1" strike="noStrike">
               <a:latin typeface="Arial"/>
             </a:endParaRPr>
           </a:p>
@@ -5983,7 +5957,7 @@
         <p:spPr>
           <a:xfrm>
             <a:off x="609480" y="3682080"/>
-            <a:ext cx="3532680" cy="1896840"/>
+            <a:ext cx="3533040" cy="1896840"/>
           </a:xfrm>
           <a:prstGeom prst="rect">
             <a:avLst/>
@@ -5994,10 +5968,7 @@
             <a:normAutofit/>
           </a:bodyPr>
           <a:p>
-            <a:endParaRPr b="0" lang="de-DE" sz="2800" spc="-1" strike="noStrike">
-              <a:solidFill>
-                <a:srgbClr val="000000"/>
-              </a:solidFill>
+            <a:endParaRPr b="0" lang="de-DE" sz="3200" spc="-1" strike="noStrike">
               <a:latin typeface="Arial"/>
             </a:endParaRPr>
           </a:p>
@@ -6015,8 +5986,8 @@
         </p:nvSpPr>
         <p:spPr>
           <a:xfrm>
-            <a:off x="4319280" y="3682080"/>
-            <a:ext cx="3532680" cy="1896840"/>
+            <a:off x="4319640" y="3682080"/>
+            <a:ext cx="3533040" cy="1896840"/>
           </a:xfrm>
           <a:prstGeom prst="rect">
             <a:avLst/>
@@ -6027,10 +5998,7 @@
             <a:normAutofit/>
           </a:bodyPr>
           <a:p>
-            <a:endParaRPr b="0" lang="de-DE" sz="2800" spc="-1" strike="noStrike">
-              <a:solidFill>
-                <a:srgbClr val="000000"/>
-              </a:solidFill>
+            <a:endParaRPr b="0" lang="de-DE" sz="3200" spc="-1" strike="noStrike">
               <a:latin typeface="Arial"/>
             </a:endParaRPr>
           </a:p>
@@ -6048,8 +6016,8 @@
         </p:nvSpPr>
         <p:spPr>
           <a:xfrm>
-            <a:off x="8028720" y="3682080"/>
-            <a:ext cx="3532680" cy="1896840"/>
+            <a:off x="8029800" y="3682080"/>
+            <a:ext cx="3533040" cy="1896840"/>
           </a:xfrm>
           <a:prstGeom prst="rect">
             <a:avLst/>
@@ -6060,10 +6028,7 @@
             <a:normAutofit/>
           </a:bodyPr>
           <a:p>
-            <a:endParaRPr b="0" lang="de-DE" sz="2800" spc="-1" strike="noStrike">
-              <a:solidFill>
-                <a:srgbClr val="000000"/>
-              </a:solidFill>
+            <a:endParaRPr b="0" lang="de-DE" sz="3200" spc="-1" strike="noStrike">
               <a:latin typeface="Arial"/>
             </a:endParaRPr>
           </a:p>
@@ -6125,8 +6090,8 @@
         </p:nvSpPr>
         <p:spPr>
           <a:xfrm>
-            <a:off x="1451520" y="804600"/>
-            <a:ext cx="9602280" cy="1048320"/>
+            <a:off x="609480" y="273600"/>
+            <a:ext cx="10972440" cy="1144800"/>
           </a:xfrm>
           <a:prstGeom prst="rect">
             <a:avLst/>
@@ -6137,10 +6102,8 @@
             <a:noAutofit/>
           </a:bodyPr>
           <a:p>
-            <a:endParaRPr b="0" lang="de-DE" sz="1800" spc="-1" strike="noStrike">
-              <a:solidFill>
-                <a:srgbClr val="000000"/>
-              </a:solidFill>
+            <a:pPr algn="ctr"/>
+            <a:endParaRPr b="0" lang="de-DE" sz="4400" spc="-1" strike="noStrike">
               <a:latin typeface="Arial"/>
             </a:endParaRPr>
           </a:p>
@@ -6159,7 +6122,7 @@
         <p:spPr>
           <a:xfrm>
             <a:off x="609480" y="1604520"/>
-            <a:ext cx="10972080" cy="3976920"/>
+            <a:ext cx="10972440" cy="3977280"/>
           </a:xfrm>
           <a:prstGeom prst="rect">
             <a:avLst/>
@@ -6211,8 +6174,8 @@
         </p:nvSpPr>
         <p:spPr>
           <a:xfrm>
-            <a:off x="1451520" y="804600"/>
-            <a:ext cx="9602280" cy="1048320"/>
+            <a:off x="609480" y="273600"/>
+            <a:ext cx="10972440" cy="1144800"/>
           </a:xfrm>
           <a:prstGeom prst="rect">
             <a:avLst/>
@@ -6223,10 +6186,8 @@
             <a:noAutofit/>
           </a:bodyPr>
           <a:p>
-            <a:endParaRPr b="0" lang="de-DE" sz="1800" spc="-1" strike="noStrike">
-              <a:solidFill>
-                <a:srgbClr val="000000"/>
-              </a:solidFill>
+            <a:pPr algn="ctr"/>
+            <a:endParaRPr b="0" lang="de-DE" sz="4400" spc="-1" strike="noStrike">
               <a:latin typeface="Arial"/>
             </a:endParaRPr>
           </a:p>
@@ -6245,7 +6206,7 @@
         <p:spPr>
           <a:xfrm>
             <a:off x="609480" y="1604520"/>
-            <a:ext cx="10972080" cy="3976920"/>
+            <a:ext cx="10972440" cy="3977280"/>
           </a:xfrm>
           <a:prstGeom prst="rect">
             <a:avLst/>
@@ -6256,10 +6217,7 @@
             <a:normAutofit/>
           </a:bodyPr>
           <a:p>
-            <a:endParaRPr b="0" lang="de-DE" sz="2800" spc="-1" strike="noStrike">
-              <a:solidFill>
-                <a:srgbClr val="000000"/>
-              </a:solidFill>
+            <a:endParaRPr b="0" lang="de-DE" sz="3200" spc="-1" strike="noStrike">
               <a:latin typeface="Arial"/>
             </a:endParaRPr>
           </a:p>
@@ -6299,8 +6257,8 @@
         </p:nvSpPr>
         <p:spPr>
           <a:xfrm>
-            <a:off x="1451520" y="804600"/>
-            <a:ext cx="9602280" cy="1048320"/>
+            <a:off x="609480" y="273600"/>
+            <a:ext cx="10972440" cy="1144800"/>
           </a:xfrm>
           <a:prstGeom prst="rect">
             <a:avLst/>
@@ -6311,10 +6269,8 @@
             <a:noAutofit/>
           </a:bodyPr>
           <a:p>
-            <a:endParaRPr b="0" lang="de-DE" sz="1800" spc="-1" strike="noStrike">
-              <a:solidFill>
-                <a:srgbClr val="000000"/>
-              </a:solidFill>
+            <a:pPr algn="ctr"/>
+            <a:endParaRPr b="0" lang="de-DE" sz="4400" spc="-1" strike="noStrike">
               <a:latin typeface="Arial"/>
             </a:endParaRPr>
           </a:p>
@@ -6333,7 +6289,7 @@
         <p:spPr>
           <a:xfrm>
             <a:off x="609480" y="1604520"/>
-            <a:ext cx="5354280" cy="3976920"/>
+            <a:ext cx="5354280" cy="3977280"/>
           </a:xfrm>
           <a:prstGeom prst="rect">
             <a:avLst/>
@@ -6344,10 +6300,7 @@
             <a:normAutofit/>
           </a:bodyPr>
           <a:p>
-            <a:endParaRPr b="0" lang="de-DE" sz="2800" spc="-1" strike="noStrike">
-              <a:solidFill>
-                <a:srgbClr val="000000"/>
-              </a:solidFill>
+            <a:endParaRPr b="0" lang="de-DE" sz="3200" spc="-1" strike="noStrike">
               <a:latin typeface="Arial"/>
             </a:endParaRPr>
           </a:p>
@@ -6366,7 +6319,7 @@
         <p:spPr>
           <a:xfrm>
             <a:off x="6231960" y="1604520"/>
-            <a:ext cx="5354280" cy="3976920"/>
+            <a:ext cx="5354280" cy="3977280"/>
           </a:xfrm>
           <a:prstGeom prst="rect">
             <a:avLst/>
@@ -6377,10 +6330,7 @@
             <a:normAutofit/>
           </a:bodyPr>
           <a:p>
-            <a:endParaRPr b="0" lang="de-DE" sz="2800" spc="-1" strike="noStrike">
-              <a:solidFill>
-                <a:srgbClr val="000000"/>
-              </a:solidFill>
+            <a:endParaRPr b="0" lang="de-DE" sz="3200" spc="-1" strike="noStrike">
               <a:latin typeface="Arial"/>
             </a:endParaRPr>
           </a:p>
@@ -6420,8 +6370,8 @@
         </p:nvSpPr>
         <p:spPr>
           <a:xfrm>
-            <a:off x="1451520" y="804600"/>
-            <a:ext cx="9602280" cy="1048320"/>
+            <a:off x="609480" y="273600"/>
+            <a:ext cx="10972440" cy="1144800"/>
           </a:xfrm>
           <a:prstGeom prst="rect">
             <a:avLst/>
@@ -6432,10 +6382,8 @@
             <a:noAutofit/>
           </a:bodyPr>
           <a:p>
-            <a:endParaRPr b="0" lang="de-DE" sz="1800" spc="-1" strike="noStrike">
-              <a:solidFill>
-                <a:srgbClr val="000000"/>
-              </a:solidFill>
+            <a:pPr algn="ctr"/>
+            <a:endParaRPr b="0" lang="de-DE" sz="4400" spc="-1" strike="noStrike">
               <a:latin typeface="Arial"/>
             </a:endParaRPr>
           </a:p>
@@ -6475,8 +6423,8 @@
         </p:nvSpPr>
         <p:spPr>
           <a:xfrm>
-            <a:off x="1451520" y="804600"/>
-            <a:ext cx="9602280" cy="4860720"/>
+            <a:off x="609480" y="273600"/>
+            <a:ext cx="10972440" cy="5307840"/>
           </a:xfrm>
           <a:prstGeom prst="rect">
             <a:avLst/>
@@ -6528,8 +6476,8 @@
         </p:nvSpPr>
         <p:spPr>
           <a:xfrm>
-            <a:off x="1451520" y="804600"/>
-            <a:ext cx="9602280" cy="1048320"/>
+            <a:off x="609480" y="273600"/>
+            <a:ext cx="10972440" cy="1144800"/>
           </a:xfrm>
           <a:prstGeom prst="rect">
             <a:avLst/>
@@ -6540,10 +6488,8 @@
             <a:noAutofit/>
           </a:bodyPr>
           <a:p>
-            <a:endParaRPr b="0" lang="de-DE" sz="1800" spc="-1" strike="noStrike">
-              <a:solidFill>
-                <a:srgbClr val="000000"/>
-              </a:solidFill>
+            <a:pPr algn="ctr"/>
+            <a:endParaRPr b="0" lang="de-DE" sz="4400" spc="-1" strike="noStrike">
               <a:latin typeface="Arial"/>
             </a:endParaRPr>
           </a:p>
@@ -6573,10 +6519,7 @@
             <a:normAutofit/>
           </a:bodyPr>
           <a:p>
-            <a:endParaRPr b="0" lang="de-DE" sz="2800" spc="-1" strike="noStrike">
-              <a:solidFill>
-                <a:srgbClr val="000000"/>
-              </a:solidFill>
+            <a:endParaRPr b="0" lang="de-DE" sz="3200" spc="-1" strike="noStrike">
               <a:latin typeface="Arial"/>
             </a:endParaRPr>
           </a:p>
@@ -6595,7 +6538,7 @@
         <p:spPr>
           <a:xfrm>
             <a:off x="6231960" y="1604520"/>
-            <a:ext cx="5354280" cy="3976920"/>
+            <a:ext cx="5354280" cy="3977280"/>
           </a:xfrm>
           <a:prstGeom prst="rect">
             <a:avLst/>
@@ -6606,10 +6549,7 @@
             <a:normAutofit/>
           </a:bodyPr>
           <a:p>
-            <a:endParaRPr b="0" lang="de-DE" sz="2800" spc="-1" strike="noStrike">
-              <a:solidFill>
-                <a:srgbClr val="000000"/>
-              </a:solidFill>
+            <a:endParaRPr b="0" lang="de-DE" sz="3200" spc="-1" strike="noStrike">
               <a:latin typeface="Arial"/>
             </a:endParaRPr>
           </a:p>
@@ -6639,10 +6579,7 @@
             <a:normAutofit/>
           </a:bodyPr>
           <a:p>
-            <a:endParaRPr b="0" lang="de-DE" sz="2800" spc="-1" strike="noStrike">
-              <a:solidFill>
-                <a:srgbClr val="000000"/>
-              </a:solidFill>
+            <a:endParaRPr b="0" lang="de-DE" sz="3200" spc="-1" strike="noStrike">
               <a:latin typeface="Arial"/>
             </a:endParaRPr>
           </a:p>
@@ -6682,8 +6619,8 @@
         </p:nvSpPr>
         <p:spPr>
           <a:xfrm>
-            <a:off x="1451520" y="804600"/>
-            <a:ext cx="9602280" cy="1048320"/>
+            <a:off x="609480" y="273600"/>
+            <a:ext cx="10972440" cy="1144800"/>
           </a:xfrm>
           <a:prstGeom prst="rect">
             <a:avLst/>
@@ -6694,10 +6631,8 @@
             <a:noAutofit/>
           </a:bodyPr>
           <a:p>
-            <a:endParaRPr b="0" lang="de-DE" sz="1800" spc="-1" strike="noStrike">
-              <a:solidFill>
-                <a:srgbClr val="000000"/>
-              </a:solidFill>
+            <a:pPr algn="ctr"/>
+            <a:endParaRPr b="0" lang="de-DE" sz="4400" spc="-1" strike="noStrike">
               <a:latin typeface="Arial"/>
             </a:endParaRPr>
           </a:p>
@@ -6716,7 +6651,7 @@
         <p:spPr>
           <a:xfrm>
             <a:off x="609480" y="1604520"/>
-            <a:ext cx="10972080" cy="3976920"/>
+            <a:ext cx="10972440" cy="3977280"/>
           </a:xfrm>
           <a:prstGeom prst="rect">
             <a:avLst/>
@@ -6768,8 +6703,8 @@
         </p:nvSpPr>
         <p:spPr>
           <a:xfrm>
-            <a:off x="1451520" y="804600"/>
-            <a:ext cx="9602280" cy="1048320"/>
+            <a:off x="609480" y="273600"/>
+            <a:ext cx="10972440" cy="1144800"/>
           </a:xfrm>
           <a:prstGeom prst="rect">
             <a:avLst/>
@@ -6780,10 +6715,8 @@
             <a:noAutofit/>
           </a:bodyPr>
           <a:p>
-            <a:endParaRPr b="0" lang="de-DE" sz="1800" spc="-1" strike="noStrike">
-              <a:solidFill>
-                <a:srgbClr val="000000"/>
-              </a:solidFill>
+            <a:pPr algn="ctr"/>
+            <a:endParaRPr b="0" lang="de-DE" sz="4400" spc="-1" strike="noStrike">
               <a:latin typeface="Arial"/>
             </a:endParaRPr>
           </a:p>
@@ -6802,7 +6735,7 @@
         <p:spPr>
           <a:xfrm>
             <a:off x="609480" y="1604520"/>
-            <a:ext cx="5354280" cy="3976920"/>
+            <a:ext cx="5354280" cy="3977280"/>
           </a:xfrm>
           <a:prstGeom prst="rect">
             <a:avLst/>
@@ -6813,10 +6746,7 @@
             <a:normAutofit/>
           </a:bodyPr>
           <a:p>
-            <a:endParaRPr b="0" lang="de-DE" sz="2800" spc="-1" strike="noStrike">
-              <a:solidFill>
-                <a:srgbClr val="000000"/>
-              </a:solidFill>
+            <a:endParaRPr b="0" lang="de-DE" sz="3200" spc="-1" strike="noStrike">
               <a:latin typeface="Arial"/>
             </a:endParaRPr>
           </a:p>
@@ -6846,10 +6776,7 @@
             <a:normAutofit/>
           </a:bodyPr>
           <a:p>
-            <a:endParaRPr b="0" lang="de-DE" sz="2800" spc="-1" strike="noStrike">
-              <a:solidFill>
-                <a:srgbClr val="000000"/>
-              </a:solidFill>
+            <a:endParaRPr b="0" lang="de-DE" sz="3200" spc="-1" strike="noStrike">
               <a:latin typeface="Arial"/>
             </a:endParaRPr>
           </a:p>
@@ -6879,10 +6806,7 @@
             <a:normAutofit/>
           </a:bodyPr>
           <a:p>
-            <a:endParaRPr b="0" lang="de-DE" sz="2800" spc="-1" strike="noStrike">
-              <a:solidFill>
-                <a:srgbClr val="000000"/>
-              </a:solidFill>
+            <a:endParaRPr b="0" lang="de-DE" sz="3200" spc="-1" strike="noStrike">
               <a:latin typeface="Arial"/>
             </a:endParaRPr>
           </a:p>
@@ -6922,8 +6846,8 @@
         </p:nvSpPr>
         <p:spPr>
           <a:xfrm>
-            <a:off x="1451520" y="804600"/>
-            <a:ext cx="9602280" cy="1048320"/>
+            <a:off x="609480" y="273600"/>
+            <a:ext cx="10972440" cy="1144800"/>
           </a:xfrm>
           <a:prstGeom prst="rect">
             <a:avLst/>
@@ -6934,10 +6858,8 @@
             <a:noAutofit/>
           </a:bodyPr>
           <a:p>
-            <a:endParaRPr b="0" lang="de-DE" sz="1800" spc="-1" strike="noStrike">
-              <a:solidFill>
-                <a:srgbClr val="000000"/>
-              </a:solidFill>
+            <a:pPr algn="ctr"/>
+            <a:endParaRPr b="0" lang="de-DE" sz="4400" spc="-1" strike="noStrike">
               <a:latin typeface="Arial"/>
             </a:endParaRPr>
           </a:p>
@@ -6967,10 +6889,7 @@
             <a:normAutofit/>
           </a:bodyPr>
           <a:p>
-            <a:endParaRPr b="0" lang="de-DE" sz="2800" spc="-1" strike="noStrike">
-              <a:solidFill>
-                <a:srgbClr val="000000"/>
-              </a:solidFill>
+            <a:endParaRPr b="0" lang="de-DE" sz="3200" spc="-1" strike="noStrike">
               <a:latin typeface="Arial"/>
             </a:endParaRPr>
           </a:p>
@@ -7000,10 +6919,7 @@
             <a:normAutofit/>
           </a:bodyPr>
           <a:p>
-            <a:endParaRPr b="0" lang="de-DE" sz="2800" spc="-1" strike="noStrike">
-              <a:solidFill>
-                <a:srgbClr val="000000"/>
-              </a:solidFill>
+            <a:endParaRPr b="0" lang="de-DE" sz="3200" spc="-1" strike="noStrike">
               <a:latin typeface="Arial"/>
             </a:endParaRPr>
           </a:p>
@@ -7022,7 +6938,7 @@
         <p:spPr>
           <a:xfrm>
             <a:off x="609480" y="3682080"/>
-            <a:ext cx="10972080" cy="1896840"/>
+            <a:ext cx="10972440" cy="1896840"/>
           </a:xfrm>
           <a:prstGeom prst="rect">
             <a:avLst/>
@@ -7033,10 +6949,7 @@
             <a:normAutofit/>
           </a:bodyPr>
           <a:p>
-            <a:endParaRPr b="0" lang="de-DE" sz="2800" spc="-1" strike="noStrike">
-              <a:solidFill>
-                <a:srgbClr val="000000"/>
-              </a:solidFill>
+            <a:endParaRPr b="0" lang="de-DE" sz="3200" spc="-1" strike="noStrike">
               <a:latin typeface="Arial"/>
             </a:endParaRPr>
           </a:p>
@@ -7076,8 +6989,8 @@
         </p:nvSpPr>
         <p:spPr>
           <a:xfrm>
-            <a:off x="1451520" y="804600"/>
-            <a:ext cx="9602280" cy="1048320"/>
+            <a:off x="609480" y="273600"/>
+            <a:ext cx="10972440" cy="1144800"/>
           </a:xfrm>
           <a:prstGeom prst="rect">
             <a:avLst/>
@@ -7088,10 +7001,8 @@
             <a:noAutofit/>
           </a:bodyPr>
           <a:p>
-            <a:endParaRPr b="0" lang="de-DE" sz="1800" spc="-1" strike="noStrike">
-              <a:solidFill>
-                <a:srgbClr val="000000"/>
-              </a:solidFill>
+            <a:pPr algn="ctr"/>
+            <a:endParaRPr b="0" lang="de-DE" sz="4400" spc="-1" strike="noStrike">
               <a:latin typeface="Arial"/>
             </a:endParaRPr>
           </a:p>
@@ -7110,7 +7021,7 @@
         <p:spPr>
           <a:xfrm>
             <a:off x="609480" y="1604520"/>
-            <a:ext cx="10972080" cy="1896840"/>
+            <a:ext cx="10972440" cy="1896840"/>
           </a:xfrm>
           <a:prstGeom prst="rect">
             <a:avLst/>
@@ -7121,10 +7032,7 @@
             <a:normAutofit/>
           </a:bodyPr>
           <a:p>
-            <a:endParaRPr b="0" lang="de-DE" sz="2800" spc="-1" strike="noStrike">
-              <a:solidFill>
-                <a:srgbClr val="000000"/>
-              </a:solidFill>
+            <a:endParaRPr b="0" lang="de-DE" sz="3200" spc="-1" strike="noStrike">
               <a:latin typeface="Arial"/>
             </a:endParaRPr>
           </a:p>
@@ -7143,7 +7051,7 @@
         <p:spPr>
           <a:xfrm>
             <a:off x="609480" y="3682080"/>
-            <a:ext cx="10972080" cy="1896840"/>
+            <a:ext cx="10972440" cy="1896840"/>
           </a:xfrm>
           <a:prstGeom prst="rect">
             <a:avLst/>
@@ -7154,10 +7062,7 @@
             <a:normAutofit/>
           </a:bodyPr>
           <a:p>
-            <a:endParaRPr b="0" lang="de-DE" sz="2800" spc="-1" strike="noStrike">
-              <a:solidFill>
-                <a:srgbClr val="000000"/>
-              </a:solidFill>
+            <a:endParaRPr b="0" lang="de-DE" sz="3200" spc="-1" strike="noStrike">
               <a:latin typeface="Arial"/>
             </a:endParaRPr>
           </a:p>
@@ -7197,8 +7102,8 @@
         </p:nvSpPr>
         <p:spPr>
           <a:xfrm>
-            <a:off x="1451520" y="804600"/>
-            <a:ext cx="9602280" cy="1048320"/>
+            <a:off x="609480" y="273600"/>
+            <a:ext cx="10972440" cy="1144800"/>
           </a:xfrm>
           <a:prstGeom prst="rect">
             <a:avLst/>
@@ -7209,10 +7114,8 @@
             <a:noAutofit/>
           </a:bodyPr>
           <a:p>
-            <a:endParaRPr b="0" lang="de-DE" sz="1800" spc="-1" strike="noStrike">
-              <a:solidFill>
-                <a:srgbClr val="000000"/>
-              </a:solidFill>
+            <a:pPr algn="ctr"/>
+            <a:endParaRPr b="0" lang="de-DE" sz="4400" spc="-1" strike="noStrike">
               <a:latin typeface="Arial"/>
             </a:endParaRPr>
           </a:p>
@@ -7242,10 +7145,7 @@
             <a:normAutofit/>
           </a:bodyPr>
           <a:p>
-            <a:endParaRPr b="0" lang="de-DE" sz="2800" spc="-1" strike="noStrike">
-              <a:solidFill>
-                <a:srgbClr val="000000"/>
-              </a:solidFill>
+            <a:endParaRPr b="0" lang="de-DE" sz="3200" spc="-1" strike="noStrike">
               <a:latin typeface="Arial"/>
             </a:endParaRPr>
           </a:p>
@@ -7275,10 +7175,7 @@
             <a:normAutofit/>
           </a:bodyPr>
           <a:p>
-            <a:endParaRPr b="0" lang="de-DE" sz="2800" spc="-1" strike="noStrike">
-              <a:solidFill>
-                <a:srgbClr val="000000"/>
-              </a:solidFill>
+            <a:endParaRPr b="0" lang="de-DE" sz="3200" spc="-1" strike="noStrike">
               <a:latin typeface="Arial"/>
             </a:endParaRPr>
           </a:p>
@@ -7308,10 +7205,7 @@
             <a:normAutofit/>
           </a:bodyPr>
           <a:p>
-            <a:endParaRPr b="0" lang="de-DE" sz="2800" spc="-1" strike="noStrike">
-              <a:solidFill>
-                <a:srgbClr val="000000"/>
-              </a:solidFill>
+            <a:endParaRPr b="0" lang="de-DE" sz="3200" spc="-1" strike="noStrike">
               <a:latin typeface="Arial"/>
             </a:endParaRPr>
           </a:p>
@@ -7341,10 +7235,7 @@
             <a:normAutofit/>
           </a:bodyPr>
           <a:p>
-            <a:endParaRPr b="0" lang="de-DE" sz="2800" spc="-1" strike="noStrike">
-              <a:solidFill>
-                <a:srgbClr val="000000"/>
-              </a:solidFill>
+            <a:endParaRPr b="0" lang="de-DE" sz="3200" spc="-1" strike="noStrike">
               <a:latin typeface="Arial"/>
             </a:endParaRPr>
           </a:p>
@@ -7384,8 +7275,8 @@
         </p:nvSpPr>
         <p:spPr>
           <a:xfrm>
-            <a:off x="1451520" y="804600"/>
-            <a:ext cx="9602280" cy="1048320"/>
+            <a:off x="609480" y="273600"/>
+            <a:ext cx="10972440" cy="1144800"/>
           </a:xfrm>
           <a:prstGeom prst="rect">
             <a:avLst/>
@@ -7396,10 +7287,8 @@
             <a:noAutofit/>
           </a:bodyPr>
           <a:p>
-            <a:endParaRPr b="0" lang="de-DE" sz="1800" spc="-1" strike="noStrike">
-              <a:solidFill>
-                <a:srgbClr val="000000"/>
-              </a:solidFill>
+            <a:pPr algn="ctr"/>
+            <a:endParaRPr b="0" lang="de-DE" sz="4400" spc="-1" strike="noStrike">
               <a:latin typeface="Arial"/>
             </a:endParaRPr>
           </a:p>
@@ -7418,7 +7307,7 @@
         <p:spPr>
           <a:xfrm>
             <a:off x="609480" y="1604520"/>
-            <a:ext cx="3532680" cy="1896840"/>
+            <a:ext cx="3533040" cy="1896840"/>
           </a:xfrm>
           <a:prstGeom prst="rect">
             <a:avLst/>
@@ -7429,10 +7318,7 @@
             <a:normAutofit/>
           </a:bodyPr>
           <a:p>
-            <a:endParaRPr b="0" lang="de-DE" sz="2800" spc="-1" strike="noStrike">
-              <a:solidFill>
-                <a:srgbClr val="000000"/>
-              </a:solidFill>
+            <a:endParaRPr b="0" lang="de-DE" sz="3200" spc="-1" strike="noStrike">
               <a:latin typeface="Arial"/>
             </a:endParaRPr>
           </a:p>
@@ -7450,8 +7336,8 @@
         </p:nvSpPr>
         <p:spPr>
           <a:xfrm>
-            <a:off x="4319280" y="1604520"/>
-            <a:ext cx="3532680" cy="1896840"/>
+            <a:off x="4319640" y="1604520"/>
+            <a:ext cx="3533040" cy="1896840"/>
           </a:xfrm>
           <a:prstGeom prst="rect">
             <a:avLst/>
@@ -7462,10 +7348,7 @@
             <a:normAutofit/>
           </a:bodyPr>
           <a:p>
-            <a:endParaRPr b="0" lang="de-DE" sz="2800" spc="-1" strike="noStrike">
-              <a:solidFill>
-                <a:srgbClr val="000000"/>
-              </a:solidFill>
+            <a:endParaRPr b="0" lang="de-DE" sz="3200" spc="-1" strike="noStrike">
               <a:latin typeface="Arial"/>
             </a:endParaRPr>
           </a:p>
@@ -7483,8 +7366,8 @@
         </p:nvSpPr>
         <p:spPr>
           <a:xfrm>
-            <a:off x="8028720" y="1604520"/>
-            <a:ext cx="3532680" cy="1896840"/>
+            <a:off x="8029800" y="1604520"/>
+            <a:ext cx="3533040" cy="1896840"/>
           </a:xfrm>
           <a:prstGeom prst="rect">
             <a:avLst/>
@@ -7495,10 +7378,7 @@
             <a:normAutofit/>
           </a:bodyPr>
           <a:p>
-            <a:endParaRPr b="0" lang="de-DE" sz="2800" spc="-1" strike="noStrike">
-              <a:solidFill>
-                <a:srgbClr val="000000"/>
-              </a:solidFill>
+            <a:endParaRPr b="0" lang="de-DE" sz="3200" spc="-1" strike="noStrike">
               <a:latin typeface="Arial"/>
             </a:endParaRPr>
           </a:p>
@@ -7517,7 +7397,7 @@
         <p:spPr>
           <a:xfrm>
             <a:off x="609480" y="3682080"/>
-            <a:ext cx="3532680" cy="1896840"/>
+            <a:ext cx="3533040" cy="1896840"/>
           </a:xfrm>
           <a:prstGeom prst="rect">
             <a:avLst/>
@@ -7528,10 +7408,7 @@
             <a:normAutofit/>
           </a:bodyPr>
           <a:p>
-            <a:endParaRPr b="0" lang="de-DE" sz="2800" spc="-1" strike="noStrike">
-              <a:solidFill>
-                <a:srgbClr val="000000"/>
-              </a:solidFill>
+            <a:endParaRPr b="0" lang="de-DE" sz="3200" spc="-1" strike="noStrike">
               <a:latin typeface="Arial"/>
             </a:endParaRPr>
           </a:p>
@@ -7549,8 +7426,8 @@
         </p:nvSpPr>
         <p:spPr>
           <a:xfrm>
-            <a:off x="4319280" y="3682080"/>
-            <a:ext cx="3532680" cy="1896840"/>
+            <a:off x="4319640" y="3682080"/>
+            <a:ext cx="3533040" cy="1896840"/>
           </a:xfrm>
           <a:prstGeom prst="rect">
             <a:avLst/>
@@ -7561,10 +7438,7 @@
             <a:normAutofit/>
           </a:bodyPr>
           <a:p>
-            <a:endParaRPr b="0" lang="de-DE" sz="2800" spc="-1" strike="noStrike">
-              <a:solidFill>
-                <a:srgbClr val="000000"/>
-              </a:solidFill>
+            <a:endParaRPr b="0" lang="de-DE" sz="3200" spc="-1" strike="noStrike">
               <a:latin typeface="Arial"/>
             </a:endParaRPr>
           </a:p>
@@ -7582,8 +7456,8 @@
         </p:nvSpPr>
         <p:spPr>
           <a:xfrm>
-            <a:off x="8028720" y="3682080"/>
-            <a:ext cx="3532680" cy="1896840"/>
+            <a:off x="8029800" y="3682080"/>
+            <a:ext cx="3533040" cy="1896840"/>
           </a:xfrm>
           <a:prstGeom prst="rect">
             <a:avLst/>
@@ -7594,10 +7468,362 @@
             <a:normAutofit/>
           </a:bodyPr>
           <a:p>
-            <a:endParaRPr b="0" lang="de-DE" sz="2800" spc="-1" strike="noStrike">
-              <a:solidFill>
-                <a:srgbClr val="000000"/>
-              </a:solidFill>
+            <a:endParaRPr b="0" lang="de-DE" sz="3200" spc="-1" strike="noStrike">
+              <a:latin typeface="Arial"/>
+            </a:endParaRPr>
+          </a:p>
+        </p:txBody>
+      </p:sp>
+    </p:spTree>
+  </p:cSld>
+</p:sldLayout>
+</file>
+
+<file path=ppt/slideLayouts/slideLayout25.xml><?xml version="1.0" encoding="utf-8"?>
+<p:sldLayout xmlns:a="http://schemas.openxmlformats.org/drawingml/2006/main" xmlns:p="http://schemas.openxmlformats.org/presentationml/2006/main" xmlns:r="http://schemas.openxmlformats.org/officeDocument/2006/relationships" xmlns:p14="http://schemas.microsoft.com/office/powerpoint/2010/main" xmlns:p15="http://schemas.microsoft.com/office/powerpoint/2012/main" xmlns:mc="http://schemas.openxmlformats.org/markup-compatibility/2006" type="blank" preserve="1">
+  <p:cSld name="Blank Slide">
+    <p:spTree>
+      <p:nvGrpSpPr>
+        <p:cNvPr id="1" name=""/>
+        <p:cNvGrpSpPr/>
+        <p:nvPr/>
+      </p:nvGrpSpPr>
+      <p:grpSpPr>
+        <a:xfrm>
+          <a:off x="0" y="0"/>
+          <a:ext cx="0" cy="0"/>
+          <a:chOff x="0" y="0"/>
+          <a:chExt cx="0" cy="0"/>
+        </a:xfrm>
+      </p:grpSpPr>
+    </p:spTree>
+  </p:cSld>
+</p:sldLayout>
+</file>
+
+<file path=ppt/slideLayouts/slideLayout26.xml><?xml version="1.0" encoding="utf-8"?>
+<p:sldLayout xmlns:a="http://schemas.openxmlformats.org/drawingml/2006/main" xmlns:p="http://schemas.openxmlformats.org/presentationml/2006/main" xmlns:r="http://schemas.openxmlformats.org/officeDocument/2006/relationships" xmlns:p14="http://schemas.microsoft.com/office/powerpoint/2010/main" xmlns:p15="http://schemas.microsoft.com/office/powerpoint/2012/main" xmlns:mc="http://schemas.openxmlformats.org/markup-compatibility/2006" type="tx" preserve="1">
+  <p:cSld name="Title Slide">
+    <p:spTree>
+      <p:nvGrpSpPr>
+        <p:cNvPr id="1" name=""/>
+        <p:cNvGrpSpPr/>
+        <p:nvPr/>
+      </p:nvGrpSpPr>
+      <p:grpSpPr>
+        <a:xfrm>
+          <a:off x="0" y="0"/>
+          <a:ext cx="0" cy="0"/>
+          <a:chOff x="0" y="0"/>
+          <a:chExt cx="0" cy="0"/>
+        </a:xfrm>
+      </p:grpSpPr>
+      <p:sp>
+        <p:nvSpPr>
+          <p:cNvPr id="90" name="PlaceHolder 1"/>
+          <p:cNvSpPr>
+            <a:spLocks noGrp="1"/>
+          </p:cNvSpPr>
+          <p:nvPr>
+            <p:ph type="title"/>
+          </p:nvPr>
+        </p:nvSpPr>
+        <p:spPr>
+          <a:xfrm>
+            <a:off x="609480" y="273600"/>
+            <a:ext cx="10972440" cy="1144800"/>
+          </a:xfrm>
+          <a:prstGeom prst="rect">
+            <a:avLst/>
+          </a:prstGeom>
+        </p:spPr>
+        <p:txBody>
+          <a:bodyPr lIns="0" rIns="0" tIns="0" bIns="0" anchor="ctr">
+            <a:noAutofit/>
+          </a:bodyPr>
+          <a:p>
+            <a:pPr algn="ctr"/>
+            <a:endParaRPr b="0" lang="de-DE" sz="4400" spc="-1" strike="noStrike">
+              <a:latin typeface="Arial"/>
+            </a:endParaRPr>
+          </a:p>
+        </p:txBody>
+      </p:sp>
+      <p:sp>
+        <p:nvSpPr>
+          <p:cNvPr id="91" name="PlaceHolder 2"/>
+          <p:cNvSpPr>
+            <a:spLocks noGrp="1"/>
+          </p:cNvSpPr>
+          <p:nvPr>
+            <p:ph type="subTitle"/>
+          </p:nvPr>
+        </p:nvSpPr>
+        <p:spPr>
+          <a:xfrm>
+            <a:off x="609480" y="1604520"/>
+            <a:ext cx="10972440" cy="3977280"/>
+          </a:xfrm>
+          <a:prstGeom prst="rect">
+            <a:avLst/>
+          </a:prstGeom>
+        </p:spPr>
+        <p:txBody>
+          <a:bodyPr lIns="0" rIns="0" tIns="0" bIns="0" anchor="ctr">
+            <a:noAutofit/>
+          </a:bodyPr>
+          <a:p>
+            <a:pPr algn="ctr"/>
+            <a:endParaRPr b="0" lang="de-DE" sz="3200" spc="-1" strike="noStrike">
+              <a:latin typeface="Arial"/>
+            </a:endParaRPr>
+          </a:p>
+        </p:txBody>
+      </p:sp>
+    </p:spTree>
+  </p:cSld>
+</p:sldLayout>
+</file>
+
+<file path=ppt/slideLayouts/slideLayout27.xml><?xml version="1.0" encoding="utf-8"?>
+<p:sldLayout xmlns:a="http://schemas.openxmlformats.org/drawingml/2006/main" xmlns:p="http://schemas.openxmlformats.org/presentationml/2006/main" xmlns:r="http://schemas.openxmlformats.org/officeDocument/2006/relationships" xmlns:p14="http://schemas.microsoft.com/office/powerpoint/2010/main" xmlns:p15="http://schemas.microsoft.com/office/powerpoint/2012/main" xmlns:mc="http://schemas.openxmlformats.org/markup-compatibility/2006" type="obj" preserve="1">
+  <p:cSld name="Title, Content">
+    <p:spTree>
+      <p:nvGrpSpPr>
+        <p:cNvPr id="1" name=""/>
+        <p:cNvGrpSpPr/>
+        <p:nvPr/>
+      </p:nvGrpSpPr>
+      <p:grpSpPr>
+        <a:xfrm>
+          <a:off x="0" y="0"/>
+          <a:ext cx="0" cy="0"/>
+          <a:chOff x="0" y="0"/>
+          <a:chExt cx="0" cy="0"/>
+        </a:xfrm>
+      </p:grpSpPr>
+      <p:sp>
+        <p:nvSpPr>
+          <p:cNvPr id="92" name="PlaceHolder 1"/>
+          <p:cNvSpPr>
+            <a:spLocks noGrp="1"/>
+          </p:cNvSpPr>
+          <p:nvPr>
+            <p:ph type="title"/>
+          </p:nvPr>
+        </p:nvSpPr>
+        <p:spPr>
+          <a:xfrm>
+            <a:off x="609480" y="273600"/>
+            <a:ext cx="10972440" cy="1144800"/>
+          </a:xfrm>
+          <a:prstGeom prst="rect">
+            <a:avLst/>
+          </a:prstGeom>
+        </p:spPr>
+        <p:txBody>
+          <a:bodyPr lIns="0" rIns="0" tIns="0" bIns="0" anchor="ctr">
+            <a:noAutofit/>
+          </a:bodyPr>
+          <a:p>
+            <a:pPr algn="ctr"/>
+            <a:endParaRPr b="0" lang="de-DE" sz="4400" spc="-1" strike="noStrike">
+              <a:latin typeface="Arial"/>
+            </a:endParaRPr>
+          </a:p>
+        </p:txBody>
+      </p:sp>
+      <p:sp>
+        <p:nvSpPr>
+          <p:cNvPr id="93" name="PlaceHolder 2"/>
+          <p:cNvSpPr>
+            <a:spLocks noGrp="1"/>
+          </p:cNvSpPr>
+          <p:nvPr>
+            <p:ph type="body"/>
+          </p:nvPr>
+        </p:nvSpPr>
+        <p:spPr>
+          <a:xfrm>
+            <a:off x="609480" y="1604520"/>
+            <a:ext cx="10972440" cy="3977280"/>
+          </a:xfrm>
+          <a:prstGeom prst="rect">
+            <a:avLst/>
+          </a:prstGeom>
+        </p:spPr>
+        <p:txBody>
+          <a:bodyPr lIns="0" rIns="0" tIns="0" bIns="0">
+            <a:normAutofit/>
+          </a:bodyPr>
+          <a:p>
+            <a:endParaRPr b="0" lang="de-DE" sz="3200" spc="-1" strike="noStrike">
+              <a:latin typeface="Arial"/>
+            </a:endParaRPr>
+          </a:p>
+        </p:txBody>
+      </p:sp>
+    </p:spTree>
+  </p:cSld>
+</p:sldLayout>
+</file>
+
+<file path=ppt/slideLayouts/slideLayout28.xml><?xml version="1.0" encoding="utf-8"?>
+<p:sldLayout xmlns:a="http://schemas.openxmlformats.org/drawingml/2006/main" xmlns:p="http://schemas.openxmlformats.org/presentationml/2006/main" xmlns:r="http://schemas.openxmlformats.org/officeDocument/2006/relationships" xmlns:p14="http://schemas.microsoft.com/office/powerpoint/2010/main" xmlns:p15="http://schemas.microsoft.com/office/powerpoint/2012/main" xmlns:mc="http://schemas.openxmlformats.org/markup-compatibility/2006" type="twoObj" preserve="1">
+  <p:cSld name="Title, 2 Content">
+    <p:spTree>
+      <p:nvGrpSpPr>
+        <p:cNvPr id="1" name=""/>
+        <p:cNvGrpSpPr/>
+        <p:nvPr/>
+      </p:nvGrpSpPr>
+      <p:grpSpPr>
+        <a:xfrm>
+          <a:off x="0" y="0"/>
+          <a:ext cx="0" cy="0"/>
+          <a:chOff x="0" y="0"/>
+          <a:chExt cx="0" cy="0"/>
+        </a:xfrm>
+      </p:grpSpPr>
+      <p:sp>
+        <p:nvSpPr>
+          <p:cNvPr id="94" name="PlaceHolder 1"/>
+          <p:cNvSpPr>
+            <a:spLocks noGrp="1"/>
+          </p:cNvSpPr>
+          <p:nvPr>
+            <p:ph type="title"/>
+          </p:nvPr>
+        </p:nvSpPr>
+        <p:spPr>
+          <a:xfrm>
+            <a:off x="609480" y="273600"/>
+            <a:ext cx="10972440" cy="1144800"/>
+          </a:xfrm>
+          <a:prstGeom prst="rect">
+            <a:avLst/>
+          </a:prstGeom>
+        </p:spPr>
+        <p:txBody>
+          <a:bodyPr lIns="0" rIns="0" tIns="0" bIns="0" anchor="ctr">
+            <a:noAutofit/>
+          </a:bodyPr>
+          <a:p>
+            <a:pPr algn="ctr"/>
+            <a:endParaRPr b="0" lang="de-DE" sz="4400" spc="-1" strike="noStrike">
+              <a:latin typeface="Arial"/>
+            </a:endParaRPr>
+          </a:p>
+        </p:txBody>
+      </p:sp>
+      <p:sp>
+        <p:nvSpPr>
+          <p:cNvPr id="95" name="PlaceHolder 2"/>
+          <p:cNvSpPr>
+            <a:spLocks noGrp="1"/>
+          </p:cNvSpPr>
+          <p:nvPr>
+            <p:ph type="body"/>
+          </p:nvPr>
+        </p:nvSpPr>
+        <p:spPr>
+          <a:xfrm>
+            <a:off x="609480" y="1604520"/>
+            <a:ext cx="5354280" cy="3977280"/>
+          </a:xfrm>
+          <a:prstGeom prst="rect">
+            <a:avLst/>
+          </a:prstGeom>
+        </p:spPr>
+        <p:txBody>
+          <a:bodyPr lIns="0" rIns="0" tIns="0" bIns="0">
+            <a:normAutofit/>
+          </a:bodyPr>
+          <a:p>
+            <a:endParaRPr b="0" lang="de-DE" sz="3200" spc="-1" strike="noStrike">
+              <a:latin typeface="Arial"/>
+            </a:endParaRPr>
+          </a:p>
+        </p:txBody>
+      </p:sp>
+      <p:sp>
+        <p:nvSpPr>
+          <p:cNvPr id="96" name="PlaceHolder 3"/>
+          <p:cNvSpPr>
+            <a:spLocks noGrp="1"/>
+          </p:cNvSpPr>
+          <p:nvPr>
+            <p:ph type="body"/>
+          </p:nvPr>
+        </p:nvSpPr>
+        <p:spPr>
+          <a:xfrm>
+            <a:off x="6231960" y="1604520"/>
+            <a:ext cx="5354280" cy="3977280"/>
+          </a:xfrm>
+          <a:prstGeom prst="rect">
+            <a:avLst/>
+          </a:prstGeom>
+        </p:spPr>
+        <p:txBody>
+          <a:bodyPr lIns="0" rIns="0" tIns="0" bIns="0">
+            <a:normAutofit/>
+          </a:bodyPr>
+          <a:p>
+            <a:endParaRPr b="0" lang="de-DE" sz="3200" spc="-1" strike="noStrike">
+              <a:latin typeface="Arial"/>
+            </a:endParaRPr>
+          </a:p>
+        </p:txBody>
+      </p:sp>
+    </p:spTree>
+  </p:cSld>
+</p:sldLayout>
+</file>
+
+<file path=ppt/slideLayouts/slideLayout29.xml><?xml version="1.0" encoding="utf-8"?>
+<p:sldLayout xmlns:a="http://schemas.openxmlformats.org/drawingml/2006/main" xmlns:p="http://schemas.openxmlformats.org/presentationml/2006/main" xmlns:r="http://schemas.openxmlformats.org/officeDocument/2006/relationships" xmlns:p14="http://schemas.microsoft.com/office/powerpoint/2010/main" xmlns:p15="http://schemas.microsoft.com/office/powerpoint/2012/main" xmlns:mc="http://schemas.openxmlformats.org/markup-compatibility/2006" type="titleOnly" preserve="1">
+  <p:cSld name="Title Only">
+    <p:spTree>
+      <p:nvGrpSpPr>
+        <p:cNvPr id="1" name=""/>
+        <p:cNvGrpSpPr/>
+        <p:nvPr/>
+      </p:nvGrpSpPr>
+      <p:grpSpPr>
+        <a:xfrm>
+          <a:off x="0" y="0"/>
+          <a:ext cx="0" cy="0"/>
+          <a:chOff x="0" y="0"/>
+          <a:chExt cx="0" cy="0"/>
+        </a:xfrm>
+      </p:grpSpPr>
+      <p:sp>
+        <p:nvSpPr>
+          <p:cNvPr id="97" name="PlaceHolder 1"/>
+          <p:cNvSpPr>
+            <a:spLocks noGrp="1"/>
+          </p:cNvSpPr>
+          <p:nvPr>
+            <p:ph type="title"/>
+          </p:nvPr>
+        </p:nvSpPr>
+        <p:spPr>
+          <a:xfrm>
+            <a:off x="609480" y="273600"/>
+            <a:ext cx="10972440" cy="1144800"/>
+          </a:xfrm>
+          <a:prstGeom prst="rect">
+            <a:avLst/>
+          </a:prstGeom>
+        </p:spPr>
+        <p:txBody>
+          <a:bodyPr lIns="0" rIns="0" tIns="0" bIns="0" anchor="ctr">
+            <a:noAutofit/>
+          </a:bodyPr>
+          <a:p>
+            <a:pPr algn="ctr"/>
+            <a:endParaRPr b="0" lang="de-DE" sz="4400" spc="-1" strike="noStrike">
               <a:latin typeface="Arial"/>
             </a:endParaRPr>
           </a:p>
@@ -7637,8 +7863,8 @@
         </p:nvSpPr>
         <p:spPr>
           <a:xfrm>
-            <a:off x="1451520" y="804600"/>
-            <a:ext cx="9602280" cy="1048320"/>
+            <a:off x="609480" y="273600"/>
+            <a:ext cx="10972440" cy="1144800"/>
           </a:xfrm>
           <a:prstGeom prst="rect">
             <a:avLst/>
@@ -7649,10 +7875,8 @@
             <a:noAutofit/>
           </a:bodyPr>
           <a:p>
-            <a:endParaRPr b="0" lang="de-DE" sz="1800" spc="-1" strike="noStrike">
-              <a:solidFill>
-                <a:srgbClr val="000000"/>
-              </a:solidFill>
+            <a:pPr algn="ctr"/>
+            <a:endParaRPr b="0" lang="de-DE" sz="4400" spc="-1" strike="noStrike">
               <a:latin typeface="Arial"/>
             </a:endParaRPr>
           </a:p>
@@ -7671,7 +7895,7 @@
         <p:spPr>
           <a:xfrm>
             <a:off x="609480" y="1604520"/>
-            <a:ext cx="10972080" cy="3976920"/>
+            <a:ext cx="10972440" cy="3977280"/>
           </a:xfrm>
           <a:prstGeom prst="rect">
             <a:avLst/>
@@ -7682,10 +7906,1197 @@
             <a:normAutofit/>
           </a:bodyPr>
           <a:p>
-            <a:endParaRPr b="0" lang="de-DE" sz="2800" spc="-1" strike="noStrike">
-              <a:solidFill>
-                <a:srgbClr val="000000"/>
-              </a:solidFill>
+            <a:endParaRPr b="0" lang="de-DE" sz="3200" spc="-1" strike="noStrike">
+              <a:latin typeface="Arial"/>
+            </a:endParaRPr>
+          </a:p>
+        </p:txBody>
+      </p:sp>
+    </p:spTree>
+  </p:cSld>
+</p:sldLayout>
+</file>
+
+<file path=ppt/slideLayouts/slideLayout30.xml><?xml version="1.0" encoding="utf-8"?>
+<p:sldLayout xmlns:a="http://schemas.openxmlformats.org/drawingml/2006/main" xmlns:p="http://schemas.openxmlformats.org/presentationml/2006/main" xmlns:r="http://schemas.openxmlformats.org/officeDocument/2006/relationships" xmlns:p14="http://schemas.microsoft.com/office/powerpoint/2010/main" xmlns:p15="http://schemas.microsoft.com/office/powerpoint/2012/main" xmlns:mc="http://schemas.openxmlformats.org/markup-compatibility/2006" type="objOnly" preserve="1">
+  <p:cSld name="Centered Text">
+    <p:spTree>
+      <p:nvGrpSpPr>
+        <p:cNvPr id="1" name=""/>
+        <p:cNvGrpSpPr/>
+        <p:nvPr/>
+      </p:nvGrpSpPr>
+      <p:grpSpPr>
+        <a:xfrm>
+          <a:off x="0" y="0"/>
+          <a:ext cx="0" cy="0"/>
+          <a:chOff x="0" y="0"/>
+          <a:chExt cx="0" cy="0"/>
+        </a:xfrm>
+      </p:grpSpPr>
+      <p:sp>
+        <p:nvSpPr>
+          <p:cNvPr id="98" name="PlaceHolder 1"/>
+          <p:cNvSpPr>
+            <a:spLocks noGrp="1"/>
+          </p:cNvSpPr>
+          <p:nvPr>
+            <p:ph type="subTitle"/>
+          </p:nvPr>
+        </p:nvSpPr>
+        <p:spPr>
+          <a:xfrm>
+            <a:off x="609480" y="273600"/>
+            <a:ext cx="10972440" cy="5307840"/>
+          </a:xfrm>
+          <a:prstGeom prst="rect">
+            <a:avLst/>
+          </a:prstGeom>
+        </p:spPr>
+        <p:txBody>
+          <a:bodyPr lIns="0" rIns="0" tIns="0" bIns="0" anchor="ctr">
+            <a:noAutofit/>
+          </a:bodyPr>
+          <a:p>
+            <a:pPr algn="ctr"/>
+            <a:endParaRPr b="0" lang="de-DE" sz="3200" spc="-1" strike="noStrike">
+              <a:latin typeface="Arial"/>
+            </a:endParaRPr>
+          </a:p>
+        </p:txBody>
+      </p:sp>
+    </p:spTree>
+  </p:cSld>
+</p:sldLayout>
+</file>
+
+<file path=ppt/slideLayouts/slideLayout31.xml><?xml version="1.0" encoding="utf-8"?>
+<p:sldLayout xmlns:a="http://schemas.openxmlformats.org/drawingml/2006/main" xmlns:p="http://schemas.openxmlformats.org/presentationml/2006/main" xmlns:r="http://schemas.openxmlformats.org/officeDocument/2006/relationships" xmlns:p14="http://schemas.microsoft.com/office/powerpoint/2010/main" xmlns:p15="http://schemas.microsoft.com/office/powerpoint/2012/main" xmlns:mc="http://schemas.openxmlformats.org/markup-compatibility/2006" type="twoObjAndObj" preserve="1">
+  <p:cSld name="Title, 2 Content and Content">
+    <p:spTree>
+      <p:nvGrpSpPr>
+        <p:cNvPr id="1" name=""/>
+        <p:cNvGrpSpPr/>
+        <p:nvPr/>
+      </p:nvGrpSpPr>
+      <p:grpSpPr>
+        <a:xfrm>
+          <a:off x="0" y="0"/>
+          <a:ext cx="0" cy="0"/>
+          <a:chOff x="0" y="0"/>
+          <a:chExt cx="0" cy="0"/>
+        </a:xfrm>
+      </p:grpSpPr>
+      <p:sp>
+        <p:nvSpPr>
+          <p:cNvPr id="99" name="PlaceHolder 1"/>
+          <p:cNvSpPr>
+            <a:spLocks noGrp="1"/>
+          </p:cNvSpPr>
+          <p:nvPr>
+            <p:ph type="title"/>
+          </p:nvPr>
+        </p:nvSpPr>
+        <p:spPr>
+          <a:xfrm>
+            <a:off x="609480" y="273600"/>
+            <a:ext cx="10972440" cy="1144800"/>
+          </a:xfrm>
+          <a:prstGeom prst="rect">
+            <a:avLst/>
+          </a:prstGeom>
+        </p:spPr>
+        <p:txBody>
+          <a:bodyPr lIns="0" rIns="0" tIns="0" bIns="0" anchor="ctr">
+            <a:noAutofit/>
+          </a:bodyPr>
+          <a:p>
+            <a:pPr algn="ctr"/>
+            <a:endParaRPr b="0" lang="de-DE" sz="4400" spc="-1" strike="noStrike">
+              <a:latin typeface="Arial"/>
+            </a:endParaRPr>
+          </a:p>
+        </p:txBody>
+      </p:sp>
+      <p:sp>
+        <p:nvSpPr>
+          <p:cNvPr id="100" name="PlaceHolder 2"/>
+          <p:cNvSpPr>
+            <a:spLocks noGrp="1"/>
+          </p:cNvSpPr>
+          <p:nvPr>
+            <p:ph type="body"/>
+          </p:nvPr>
+        </p:nvSpPr>
+        <p:spPr>
+          <a:xfrm>
+            <a:off x="609480" y="1604520"/>
+            <a:ext cx="5354280" cy="1896840"/>
+          </a:xfrm>
+          <a:prstGeom prst="rect">
+            <a:avLst/>
+          </a:prstGeom>
+        </p:spPr>
+        <p:txBody>
+          <a:bodyPr lIns="0" rIns="0" tIns="0" bIns="0">
+            <a:normAutofit/>
+          </a:bodyPr>
+          <a:p>
+            <a:endParaRPr b="0" lang="de-DE" sz="3200" spc="-1" strike="noStrike">
+              <a:latin typeface="Arial"/>
+            </a:endParaRPr>
+          </a:p>
+        </p:txBody>
+      </p:sp>
+      <p:sp>
+        <p:nvSpPr>
+          <p:cNvPr id="101" name="PlaceHolder 3"/>
+          <p:cNvSpPr>
+            <a:spLocks noGrp="1"/>
+          </p:cNvSpPr>
+          <p:nvPr>
+            <p:ph type="body"/>
+          </p:nvPr>
+        </p:nvSpPr>
+        <p:spPr>
+          <a:xfrm>
+            <a:off x="6231960" y="1604520"/>
+            <a:ext cx="5354280" cy="3977280"/>
+          </a:xfrm>
+          <a:prstGeom prst="rect">
+            <a:avLst/>
+          </a:prstGeom>
+        </p:spPr>
+        <p:txBody>
+          <a:bodyPr lIns="0" rIns="0" tIns="0" bIns="0">
+            <a:normAutofit/>
+          </a:bodyPr>
+          <a:p>
+            <a:endParaRPr b="0" lang="de-DE" sz="3200" spc="-1" strike="noStrike">
+              <a:latin typeface="Arial"/>
+            </a:endParaRPr>
+          </a:p>
+        </p:txBody>
+      </p:sp>
+      <p:sp>
+        <p:nvSpPr>
+          <p:cNvPr id="102" name="PlaceHolder 4"/>
+          <p:cNvSpPr>
+            <a:spLocks noGrp="1"/>
+          </p:cNvSpPr>
+          <p:nvPr>
+            <p:ph type="body"/>
+          </p:nvPr>
+        </p:nvSpPr>
+        <p:spPr>
+          <a:xfrm>
+            <a:off x="609480" y="3682080"/>
+            <a:ext cx="5354280" cy="1896840"/>
+          </a:xfrm>
+          <a:prstGeom prst="rect">
+            <a:avLst/>
+          </a:prstGeom>
+        </p:spPr>
+        <p:txBody>
+          <a:bodyPr lIns="0" rIns="0" tIns="0" bIns="0">
+            <a:normAutofit/>
+          </a:bodyPr>
+          <a:p>
+            <a:endParaRPr b="0" lang="de-DE" sz="3200" spc="-1" strike="noStrike">
+              <a:latin typeface="Arial"/>
+            </a:endParaRPr>
+          </a:p>
+        </p:txBody>
+      </p:sp>
+    </p:spTree>
+  </p:cSld>
+</p:sldLayout>
+</file>
+
+<file path=ppt/slideLayouts/slideLayout32.xml><?xml version="1.0" encoding="utf-8"?>
+<p:sldLayout xmlns:a="http://schemas.openxmlformats.org/drawingml/2006/main" xmlns:p="http://schemas.openxmlformats.org/presentationml/2006/main" xmlns:r="http://schemas.openxmlformats.org/officeDocument/2006/relationships" xmlns:p14="http://schemas.microsoft.com/office/powerpoint/2010/main" xmlns:p15="http://schemas.microsoft.com/office/powerpoint/2012/main" xmlns:mc="http://schemas.openxmlformats.org/markup-compatibility/2006" type="objAndTwoObj" preserve="1">
+  <p:cSld name="Title Content and 2 Content">
+    <p:spTree>
+      <p:nvGrpSpPr>
+        <p:cNvPr id="1" name=""/>
+        <p:cNvGrpSpPr/>
+        <p:nvPr/>
+      </p:nvGrpSpPr>
+      <p:grpSpPr>
+        <a:xfrm>
+          <a:off x="0" y="0"/>
+          <a:ext cx="0" cy="0"/>
+          <a:chOff x="0" y="0"/>
+          <a:chExt cx="0" cy="0"/>
+        </a:xfrm>
+      </p:grpSpPr>
+      <p:sp>
+        <p:nvSpPr>
+          <p:cNvPr id="103" name="PlaceHolder 1"/>
+          <p:cNvSpPr>
+            <a:spLocks noGrp="1"/>
+          </p:cNvSpPr>
+          <p:nvPr>
+            <p:ph type="title"/>
+          </p:nvPr>
+        </p:nvSpPr>
+        <p:spPr>
+          <a:xfrm>
+            <a:off x="609480" y="273600"/>
+            <a:ext cx="10972440" cy="1144800"/>
+          </a:xfrm>
+          <a:prstGeom prst="rect">
+            <a:avLst/>
+          </a:prstGeom>
+        </p:spPr>
+        <p:txBody>
+          <a:bodyPr lIns="0" rIns="0" tIns="0" bIns="0" anchor="ctr">
+            <a:noAutofit/>
+          </a:bodyPr>
+          <a:p>
+            <a:pPr algn="ctr"/>
+            <a:endParaRPr b="0" lang="de-DE" sz="4400" spc="-1" strike="noStrike">
+              <a:latin typeface="Arial"/>
+            </a:endParaRPr>
+          </a:p>
+        </p:txBody>
+      </p:sp>
+      <p:sp>
+        <p:nvSpPr>
+          <p:cNvPr id="104" name="PlaceHolder 2"/>
+          <p:cNvSpPr>
+            <a:spLocks noGrp="1"/>
+          </p:cNvSpPr>
+          <p:nvPr>
+            <p:ph type="body"/>
+          </p:nvPr>
+        </p:nvSpPr>
+        <p:spPr>
+          <a:xfrm>
+            <a:off x="609480" y="1604520"/>
+            <a:ext cx="5354280" cy="3977280"/>
+          </a:xfrm>
+          <a:prstGeom prst="rect">
+            <a:avLst/>
+          </a:prstGeom>
+        </p:spPr>
+        <p:txBody>
+          <a:bodyPr lIns="0" rIns="0" tIns="0" bIns="0">
+            <a:normAutofit/>
+          </a:bodyPr>
+          <a:p>
+            <a:endParaRPr b="0" lang="de-DE" sz="3200" spc="-1" strike="noStrike">
+              <a:latin typeface="Arial"/>
+            </a:endParaRPr>
+          </a:p>
+        </p:txBody>
+      </p:sp>
+      <p:sp>
+        <p:nvSpPr>
+          <p:cNvPr id="105" name="PlaceHolder 3"/>
+          <p:cNvSpPr>
+            <a:spLocks noGrp="1"/>
+          </p:cNvSpPr>
+          <p:nvPr>
+            <p:ph type="body"/>
+          </p:nvPr>
+        </p:nvSpPr>
+        <p:spPr>
+          <a:xfrm>
+            <a:off x="6231960" y="1604520"/>
+            <a:ext cx="5354280" cy="1896840"/>
+          </a:xfrm>
+          <a:prstGeom prst="rect">
+            <a:avLst/>
+          </a:prstGeom>
+        </p:spPr>
+        <p:txBody>
+          <a:bodyPr lIns="0" rIns="0" tIns="0" bIns="0">
+            <a:normAutofit/>
+          </a:bodyPr>
+          <a:p>
+            <a:endParaRPr b="0" lang="de-DE" sz="3200" spc="-1" strike="noStrike">
+              <a:latin typeface="Arial"/>
+            </a:endParaRPr>
+          </a:p>
+        </p:txBody>
+      </p:sp>
+      <p:sp>
+        <p:nvSpPr>
+          <p:cNvPr id="106" name="PlaceHolder 4"/>
+          <p:cNvSpPr>
+            <a:spLocks noGrp="1"/>
+          </p:cNvSpPr>
+          <p:nvPr>
+            <p:ph type="body"/>
+          </p:nvPr>
+        </p:nvSpPr>
+        <p:spPr>
+          <a:xfrm>
+            <a:off x="6231960" y="3682080"/>
+            <a:ext cx="5354280" cy="1896840"/>
+          </a:xfrm>
+          <a:prstGeom prst="rect">
+            <a:avLst/>
+          </a:prstGeom>
+        </p:spPr>
+        <p:txBody>
+          <a:bodyPr lIns="0" rIns="0" tIns="0" bIns="0">
+            <a:normAutofit/>
+          </a:bodyPr>
+          <a:p>
+            <a:endParaRPr b="0" lang="de-DE" sz="3200" spc="-1" strike="noStrike">
+              <a:latin typeface="Arial"/>
+            </a:endParaRPr>
+          </a:p>
+        </p:txBody>
+      </p:sp>
+    </p:spTree>
+  </p:cSld>
+</p:sldLayout>
+</file>
+
+<file path=ppt/slideLayouts/slideLayout33.xml><?xml version="1.0" encoding="utf-8"?>
+<p:sldLayout xmlns:a="http://schemas.openxmlformats.org/drawingml/2006/main" xmlns:p="http://schemas.openxmlformats.org/presentationml/2006/main" xmlns:r="http://schemas.openxmlformats.org/officeDocument/2006/relationships" xmlns:p14="http://schemas.microsoft.com/office/powerpoint/2010/main" xmlns:p15="http://schemas.microsoft.com/office/powerpoint/2012/main" xmlns:mc="http://schemas.openxmlformats.org/markup-compatibility/2006" type="twoObjOverTx" preserve="1">
+  <p:cSld name="Title, 2 Content over Content">
+    <p:spTree>
+      <p:nvGrpSpPr>
+        <p:cNvPr id="1" name=""/>
+        <p:cNvGrpSpPr/>
+        <p:nvPr/>
+      </p:nvGrpSpPr>
+      <p:grpSpPr>
+        <a:xfrm>
+          <a:off x="0" y="0"/>
+          <a:ext cx="0" cy="0"/>
+          <a:chOff x="0" y="0"/>
+          <a:chExt cx="0" cy="0"/>
+        </a:xfrm>
+      </p:grpSpPr>
+      <p:sp>
+        <p:nvSpPr>
+          <p:cNvPr id="107" name="PlaceHolder 1"/>
+          <p:cNvSpPr>
+            <a:spLocks noGrp="1"/>
+          </p:cNvSpPr>
+          <p:nvPr>
+            <p:ph type="title"/>
+          </p:nvPr>
+        </p:nvSpPr>
+        <p:spPr>
+          <a:xfrm>
+            <a:off x="609480" y="273600"/>
+            <a:ext cx="10972440" cy="1144800"/>
+          </a:xfrm>
+          <a:prstGeom prst="rect">
+            <a:avLst/>
+          </a:prstGeom>
+        </p:spPr>
+        <p:txBody>
+          <a:bodyPr lIns="0" rIns="0" tIns="0" bIns="0" anchor="ctr">
+            <a:noAutofit/>
+          </a:bodyPr>
+          <a:p>
+            <a:pPr algn="ctr"/>
+            <a:endParaRPr b="0" lang="de-DE" sz="4400" spc="-1" strike="noStrike">
+              <a:latin typeface="Arial"/>
+            </a:endParaRPr>
+          </a:p>
+        </p:txBody>
+      </p:sp>
+      <p:sp>
+        <p:nvSpPr>
+          <p:cNvPr id="108" name="PlaceHolder 2"/>
+          <p:cNvSpPr>
+            <a:spLocks noGrp="1"/>
+          </p:cNvSpPr>
+          <p:nvPr>
+            <p:ph type="body"/>
+          </p:nvPr>
+        </p:nvSpPr>
+        <p:spPr>
+          <a:xfrm>
+            <a:off x="609480" y="1604520"/>
+            <a:ext cx="5354280" cy="1896840"/>
+          </a:xfrm>
+          <a:prstGeom prst="rect">
+            <a:avLst/>
+          </a:prstGeom>
+        </p:spPr>
+        <p:txBody>
+          <a:bodyPr lIns="0" rIns="0" tIns="0" bIns="0">
+            <a:normAutofit/>
+          </a:bodyPr>
+          <a:p>
+            <a:endParaRPr b="0" lang="de-DE" sz="3200" spc="-1" strike="noStrike">
+              <a:latin typeface="Arial"/>
+            </a:endParaRPr>
+          </a:p>
+        </p:txBody>
+      </p:sp>
+      <p:sp>
+        <p:nvSpPr>
+          <p:cNvPr id="109" name="PlaceHolder 3"/>
+          <p:cNvSpPr>
+            <a:spLocks noGrp="1"/>
+          </p:cNvSpPr>
+          <p:nvPr>
+            <p:ph type="body"/>
+          </p:nvPr>
+        </p:nvSpPr>
+        <p:spPr>
+          <a:xfrm>
+            <a:off x="6231960" y="1604520"/>
+            <a:ext cx="5354280" cy="1896840"/>
+          </a:xfrm>
+          <a:prstGeom prst="rect">
+            <a:avLst/>
+          </a:prstGeom>
+        </p:spPr>
+        <p:txBody>
+          <a:bodyPr lIns="0" rIns="0" tIns="0" bIns="0">
+            <a:normAutofit/>
+          </a:bodyPr>
+          <a:p>
+            <a:endParaRPr b="0" lang="de-DE" sz="3200" spc="-1" strike="noStrike">
+              <a:latin typeface="Arial"/>
+            </a:endParaRPr>
+          </a:p>
+        </p:txBody>
+      </p:sp>
+      <p:sp>
+        <p:nvSpPr>
+          <p:cNvPr id="110" name="PlaceHolder 4"/>
+          <p:cNvSpPr>
+            <a:spLocks noGrp="1"/>
+          </p:cNvSpPr>
+          <p:nvPr>
+            <p:ph type="body"/>
+          </p:nvPr>
+        </p:nvSpPr>
+        <p:spPr>
+          <a:xfrm>
+            <a:off x="609480" y="3682080"/>
+            <a:ext cx="10972440" cy="1896840"/>
+          </a:xfrm>
+          <a:prstGeom prst="rect">
+            <a:avLst/>
+          </a:prstGeom>
+        </p:spPr>
+        <p:txBody>
+          <a:bodyPr lIns="0" rIns="0" tIns="0" bIns="0">
+            <a:normAutofit/>
+          </a:bodyPr>
+          <a:p>
+            <a:endParaRPr b="0" lang="de-DE" sz="3200" spc="-1" strike="noStrike">
+              <a:latin typeface="Arial"/>
+            </a:endParaRPr>
+          </a:p>
+        </p:txBody>
+      </p:sp>
+    </p:spTree>
+  </p:cSld>
+</p:sldLayout>
+</file>
+
+<file path=ppt/slideLayouts/slideLayout34.xml><?xml version="1.0" encoding="utf-8"?>
+<p:sldLayout xmlns:a="http://schemas.openxmlformats.org/drawingml/2006/main" xmlns:p="http://schemas.openxmlformats.org/presentationml/2006/main" xmlns:r="http://schemas.openxmlformats.org/officeDocument/2006/relationships" xmlns:p14="http://schemas.microsoft.com/office/powerpoint/2010/main" xmlns:p15="http://schemas.microsoft.com/office/powerpoint/2012/main" xmlns:mc="http://schemas.openxmlformats.org/markup-compatibility/2006" type="objOverTx" preserve="1">
+  <p:cSld name="Title, Content over Content">
+    <p:spTree>
+      <p:nvGrpSpPr>
+        <p:cNvPr id="1" name=""/>
+        <p:cNvGrpSpPr/>
+        <p:nvPr/>
+      </p:nvGrpSpPr>
+      <p:grpSpPr>
+        <a:xfrm>
+          <a:off x="0" y="0"/>
+          <a:ext cx="0" cy="0"/>
+          <a:chOff x="0" y="0"/>
+          <a:chExt cx="0" cy="0"/>
+        </a:xfrm>
+      </p:grpSpPr>
+      <p:sp>
+        <p:nvSpPr>
+          <p:cNvPr id="111" name="PlaceHolder 1"/>
+          <p:cNvSpPr>
+            <a:spLocks noGrp="1"/>
+          </p:cNvSpPr>
+          <p:nvPr>
+            <p:ph type="title"/>
+          </p:nvPr>
+        </p:nvSpPr>
+        <p:spPr>
+          <a:xfrm>
+            <a:off x="609480" y="273600"/>
+            <a:ext cx="10972440" cy="1144800"/>
+          </a:xfrm>
+          <a:prstGeom prst="rect">
+            <a:avLst/>
+          </a:prstGeom>
+        </p:spPr>
+        <p:txBody>
+          <a:bodyPr lIns="0" rIns="0" tIns="0" bIns="0" anchor="ctr">
+            <a:noAutofit/>
+          </a:bodyPr>
+          <a:p>
+            <a:pPr algn="ctr"/>
+            <a:endParaRPr b="0" lang="de-DE" sz="4400" spc="-1" strike="noStrike">
+              <a:latin typeface="Arial"/>
+            </a:endParaRPr>
+          </a:p>
+        </p:txBody>
+      </p:sp>
+      <p:sp>
+        <p:nvSpPr>
+          <p:cNvPr id="112" name="PlaceHolder 2"/>
+          <p:cNvSpPr>
+            <a:spLocks noGrp="1"/>
+          </p:cNvSpPr>
+          <p:nvPr>
+            <p:ph type="body"/>
+          </p:nvPr>
+        </p:nvSpPr>
+        <p:spPr>
+          <a:xfrm>
+            <a:off x="609480" y="1604520"/>
+            <a:ext cx="10972440" cy="1896840"/>
+          </a:xfrm>
+          <a:prstGeom prst="rect">
+            <a:avLst/>
+          </a:prstGeom>
+        </p:spPr>
+        <p:txBody>
+          <a:bodyPr lIns="0" rIns="0" tIns="0" bIns="0">
+            <a:normAutofit/>
+          </a:bodyPr>
+          <a:p>
+            <a:endParaRPr b="0" lang="de-DE" sz="3200" spc="-1" strike="noStrike">
+              <a:latin typeface="Arial"/>
+            </a:endParaRPr>
+          </a:p>
+        </p:txBody>
+      </p:sp>
+      <p:sp>
+        <p:nvSpPr>
+          <p:cNvPr id="113" name="PlaceHolder 3"/>
+          <p:cNvSpPr>
+            <a:spLocks noGrp="1"/>
+          </p:cNvSpPr>
+          <p:nvPr>
+            <p:ph type="body"/>
+          </p:nvPr>
+        </p:nvSpPr>
+        <p:spPr>
+          <a:xfrm>
+            <a:off x="609480" y="3682080"/>
+            <a:ext cx="10972440" cy="1896840"/>
+          </a:xfrm>
+          <a:prstGeom prst="rect">
+            <a:avLst/>
+          </a:prstGeom>
+        </p:spPr>
+        <p:txBody>
+          <a:bodyPr lIns="0" rIns="0" tIns="0" bIns="0">
+            <a:normAutofit/>
+          </a:bodyPr>
+          <a:p>
+            <a:endParaRPr b="0" lang="de-DE" sz="3200" spc="-1" strike="noStrike">
+              <a:latin typeface="Arial"/>
+            </a:endParaRPr>
+          </a:p>
+        </p:txBody>
+      </p:sp>
+    </p:spTree>
+  </p:cSld>
+</p:sldLayout>
+</file>
+
+<file path=ppt/slideLayouts/slideLayout35.xml><?xml version="1.0" encoding="utf-8"?>
+<p:sldLayout xmlns:a="http://schemas.openxmlformats.org/drawingml/2006/main" xmlns:p="http://schemas.openxmlformats.org/presentationml/2006/main" xmlns:r="http://schemas.openxmlformats.org/officeDocument/2006/relationships" xmlns:p14="http://schemas.microsoft.com/office/powerpoint/2010/main" xmlns:p15="http://schemas.microsoft.com/office/powerpoint/2012/main" xmlns:mc="http://schemas.openxmlformats.org/markup-compatibility/2006" type="fourObj" preserve="1">
+  <p:cSld name="Title, 4 Content">
+    <p:spTree>
+      <p:nvGrpSpPr>
+        <p:cNvPr id="1" name=""/>
+        <p:cNvGrpSpPr/>
+        <p:nvPr/>
+      </p:nvGrpSpPr>
+      <p:grpSpPr>
+        <a:xfrm>
+          <a:off x="0" y="0"/>
+          <a:ext cx="0" cy="0"/>
+          <a:chOff x="0" y="0"/>
+          <a:chExt cx="0" cy="0"/>
+        </a:xfrm>
+      </p:grpSpPr>
+      <p:sp>
+        <p:nvSpPr>
+          <p:cNvPr id="114" name="PlaceHolder 1"/>
+          <p:cNvSpPr>
+            <a:spLocks noGrp="1"/>
+          </p:cNvSpPr>
+          <p:nvPr>
+            <p:ph type="title"/>
+          </p:nvPr>
+        </p:nvSpPr>
+        <p:spPr>
+          <a:xfrm>
+            <a:off x="609480" y="273600"/>
+            <a:ext cx="10972440" cy="1144800"/>
+          </a:xfrm>
+          <a:prstGeom prst="rect">
+            <a:avLst/>
+          </a:prstGeom>
+        </p:spPr>
+        <p:txBody>
+          <a:bodyPr lIns="0" rIns="0" tIns="0" bIns="0" anchor="ctr">
+            <a:noAutofit/>
+          </a:bodyPr>
+          <a:p>
+            <a:pPr algn="ctr"/>
+            <a:endParaRPr b="0" lang="de-DE" sz="4400" spc="-1" strike="noStrike">
+              <a:latin typeface="Arial"/>
+            </a:endParaRPr>
+          </a:p>
+        </p:txBody>
+      </p:sp>
+      <p:sp>
+        <p:nvSpPr>
+          <p:cNvPr id="115" name="PlaceHolder 2"/>
+          <p:cNvSpPr>
+            <a:spLocks noGrp="1"/>
+          </p:cNvSpPr>
+          <p:nvPr>
+            <p:ph type="body"/>
+          </p:nvPr>
+        </p:nvSpPr>
+        <p:spPr>
+          <a:xfrm>
+            <a:off x="609480" y="1604520"/>
+            <a:ext cx="5354280" cy="1896840"/>
+          </a:xfrm>
+          <a:prstGeom prst="rect">
+            <a:avLst/>
+          </a:prstGeom>
+        </p:spPr>
+        <p:txBody>
+          <a:bodyPr lIns="0" rIns="0" tIns="0" bIns="0">
+            <a:normAutofit/>
+          </a:bodyPr>
+          <a:p>
+            <a:endParaRPr b="0" lang="de-DE" sz="3200" spc="-1" strike="noStrike">
+              <a:latin typeface="Arial"/>
+            </a:endParaRPr>
+          </a:p>
+        </p:txBody>
+      </p:sp>
+      <p:sp>
+        <p:nvSpPr>
+          <p:cNvPr id="116" name="PlaceHolder 3"/>
+          <p:cNvSpPr>
+            <a:spLocks noGrp="1"/>
+          </p:cNvSpPr>
+          <p:nvPr>
+            <p:ph type="body"/>
+          </p:nvPr>
+        </p:nvSpPr>
+        <p:spPr>
+          <a:xfrm>
+            <a:off x="6231960" y="1604520"/>
+            <a:ext cx="5354280" cy="1896840"/>
+          </a:xfrm>
+          <a:prstGeom prst="rect">
+            <a:avLst/>
+          </a:prstGeom>
+        </p:spPr>
+        <p:txBody>
+          <a:bodyPr lIns="0" rIns="0" tIns="0" bIns="0">
+            <a:normAutofit/>
+          </a:bodyPr>
+          <a:p>
+            <a:endParaRPr b="0" lang="de-DE" sz="3200" spc="-1" strike="noStrike">
+              <a:latin typeface="Arial"/>
+            </a:endParaRPr>
+          </a:p>
+        </p:txBody>
+      </p:sp>
+      <p:sp>
+        <p:nvSpPr>
+          <p:cNvPr id="117" name="PlaceHolder 4"/>
+          <p:cNvSpPr>
+            <a:spLocks noGrp="1"/>
+          </p:cNvSpPr>
+          <p:nvPr>
+            <p:ph type="body"/>
+          </p:nvPr>
+        </p:nvSpPr>
+        <p:spPr>
+          <a:xfrm>
+            <a:off x="609480" y="3682080"/>
+            <a:ext cx="5354280" cy="1896840"/>
+          </a:xfrm>
+          <a:prstGeom prst="rect">
+            <a:avLst/>
+          </a:prstGeom>
+        </p:spPr>
+        <p:txBody>
+          <a:bodyPr lIns="0" rIns="0" tIns="0" bIns="0">
+            <a:normAutofit/>
+          </a:bodyPr>
+          <a:p>
+            <a:endParaRPr b="0" lang="de-DE" sz="3200" spc="-1" strike="noStrike">
+              <a:latin typeface="Arial"/>
+            </a:endParaRPr>
+          </a:p>
+        </p:txBody>
+      </p:sp>
+      <p:sp>
+        <p:nvSpPr>
+          <p:cNvPr id="118" name="PlaceHolder 5"/>
+          <p:cNvSpPr>
+            <a:spLocks noGrp="1"/>
+          </p:cNvSpPr>
+          <p:nvPr>
+            <p:ph type="body"/>
+          </p:nvPr>
+        </p:nvSpPr>
+        <p:spPr>
+          <a:xfrm>
+            <a:off x="6231960" y="3682080"/>
+            <a:ext cx="5354280" cy="1896840"/>
+          </a:xfrm>
+          <a:prstGeom prst="rect">
+            <a:avLst/>
+          </a:prstGeom>
+        </p:spPr>
+        <p:txBody>
+          <a:bodyPr lIns="0" rIns="0" tIns="0" bIns="0">
+            <a:normAutofit/>
+          </a:bodyPr>
+          <a:p>
+            <a:endParaRPr b="0" lang="de-DE" sz="3200" spc="-1" strike="noStrike">
+              <a:latin typeface="Arial"/>
+            </a:endParaRPr>
+          </a:p>
+        </p:txBody>
+      </p:sp>
+    </p:spTree>
+  </p:cSld>
+</p:sldLayout>
+</file>
+
+<file path=ppt/slideLayouts/slideLayout36.xml><?xml version="1.0" encoding="utf-8"?>
+<p:sldLayout xmlns:a="http://schemas.openxmlformats.org/drawingml/2006/main" xmlns:p="http://schemas.openxmlformats.org/presentationml/2006/main" xmlns:r="http://schemas.openxmlformats.org/officeDocument/2006/relationships" xmlns:p14="http://schemas.microsoft.com/office/powerpoint/2010/main" xmlns:p15="http://schemas.microsoft.com/office/powerpoint/2012/main" xmlns:mc="http://schemas.openxmlformats.org/markup-compatibility/2006" type="blank" preserve="1">
+  <p:cSld name="Title, 6 Content">
+    <p:spTree>
+      <p:nvGrpSpPr>
+        <p:cNvPr id="1" name=""/>
+        <p:cNvGrpSpPr/>
+        <p:nvPr/>
+      </p:nvGrpSpPr>
+      <p:grpSpPr>
+        <a:xfrm>
+          <a:off x="0" y="0"/>
+          <a:ext cx="0" cy="0"/>
+          <a:chOff x="0" y="0"/>
+          <a:chExt cx="0" cy="0"/>
+        </a:xfrm>
+      </p:grpSpPr>
+      <p:sp>
+        <p:nvSpPr>
+          <p:cNvPr id="119" name="PlaceHolder 1"/>
+          <p:cNvSpPr>
+            <a:spLocks noGrp="1"/>
+          </p:cNvSpPr>
+          <p:nvPr>
+            <p:ph type="title"/>
+          </p:nvPr>
+        </p:nvSpPr>
+        <p:spPr>
+          <a:xfrm>
+            <a:off x="609480" y="273600"/>
+            <a:ext cx="10972440" cy="1144800"/>
+          </a:xfrm>
+          <a:prstGeom prst="rect">
+            <a:avLst/>
+          </a:prstGeom>
+        </p:spPr>
+        <p:txBody>
+          <a:bodyPr lIns="0" rIns="0" tIns="0" bIns="0" anchor="ctr">
+            <a:noAutofit/>
+          </a:bodyPr>
+          <a:p>
+            <a:pPr algn="ctr"/>
+            <a:endParaRPr b="0" lang="de-DE" sz="4400" spc="-1" strike="noStrike">
+              <a:latin typeface="Arial"/>
+            </a:endParaRPr>
+          </a:p>
+        </p:txBody>
+      </p:sp>
+      <p:sp>
+        <p:nvSpPr>
+          <p:cNvPr id="120" name="PlaceHolder 2"/>
+          <p:cNvSpPr>
+            <a:spLocks noGrp="1"/>
+          </p:cNvSpPr>
+          <p:nvPr>
+            <p:ph type="body"/>
+          </p:nvPr>
+        </p:nvSpPr>
+        <p:spPr>
+          <a:xfrm>
+            <a:off x="609480" y="1604520"/>
+            <a:ext cx="3533040" cy="1896840"/>
+          </a:xfrm>
+          <a:prstGeom prst="rect">
+            <a:avLst/>
+          </a:prstGeom>
+        </p:spPr>
+        <p:txBody>
+          <a:bodyPr lIns="0" rIns="0" tIns="0" bIns="0">
+            <a:normAutofit/>
+          </a:bodyPr>
+          <a:p>
+            <a:endParaRPr b="0" lang="de-DE" sz="3200" spc="-1" strike="noStrike">
+              <a:latin typeface="Arial"/>
+            </a:endParaRPr>
+          </a:p>
+        </p:txBody>
+      </p:sp>
+      <p:sp>
+        <p:nvSpPr>
+          <p:cNvPr id="121" name="PlaceHolder 3"/>
+          <p:cNvSpPr>
+            <a:spLocks noGrp="1"/>
+          </p:cNvSpPr>
+          <p:nvPr>
+            <p:ph type="body"/>
+          </p:nvPr>
+        </p:nvSpPr>
+        <p:spPr>
+          <a:xfrm>
+            <a:off x="4319640" y="1604520"/>
+            <a:ext cx="3533040" cy="1896840"/>
+          </a:xfrm>
+          <a:prstGeom prst="rect">
+            <a:avLst/>
+          </a:prstGeom>
+        </p:spPr>
+        <p:txBody>
+          <a:bodyPr lIns="0" rIns="0" tIns="0" bIns="0">
+            <a:normAutofit/>
+          </a:bodyPr>
+          <a:p>
+            <a:endParaRPr b="0" lang="de-DE" sz="3200" spc="-1" strike="noStrike">
+              <a:latin typeface="Arial"/>
+            </a:endParaRPr>
+          </a:p>
+        </p:txBody>
+      </p:sp>
+      <p:sp>
+        <p:nvSpPr>
+          <p:cNvPr id="122" name="PlaceHolder 4"/>
+          <p:cNvSpPr>
+            <a:spLocks noGrp="1"/>
+          </p:cNvSpPr>
+          <p:nvPr>
+            <p:ph type="body"/>
+          </p:nvPr>
+        </p:nvSpPr>
+        <p:spPr>
+          <a:xfrm>
+            <a:off x="8029800" y="1604520"/>
+            <a:ext cx="3533040" cy="1896840"/>
+          </a:xfrm>
+          <a:prstGeom prst="rect">
+            <a:avLst/>
+          </a:prstGeom>
+        </p:spPr>
+        <p:txBody>
+          <a:bodyPr lIns="0" rIns="0" tIns="0" bIns="0">
+            <a:normAutofit/>
+          </a:bodyPr>
+          <a:p>
+            <a:endParaRPr b="0" lang="de-DE" sz="3200" spc="-1" strike="noStrike">
+              <a:latin typeface="Arial"/>
+            </a:endParaRPr>
+          </a:p>
+        </p:txBody>
+      </p:sp>
+      <p:sp>
+        <p:nvSpPr>
+          <p:cNvPr id="123" name="PlaceHolder 5"/>
+          <p:cNvSpPr>
+            <a:spLocks noGrp="1"/>
+          </p:cNvSpPr>
+          <p:nvPr>
+            <p:ph type="body"/>
+          </p:nvPr>
+        </p:nvSpPr>
+        <p:spPr>
+          <a:xfrm>
+            <a:off x="609480" y="3682080"/>
+            <a:ext cx="3533040" cy="1896840"/>
+          </a:xfrm>
+          <a:prstGeom prst="rect">
+            <a:avLst/>
+          </a:prstGeom>
+        </p:spPr>
+        <p:txBody>
+          <a:bodyPr lIns="0" rIns="0" tIns="0" bIns="0">
+            <a:normAutofit/>
+          </a:bodyPr>
+          <a:p>
+            <a:endParaRPr b="0" lang="de-DE" sz="3200" spc="-1" strike="noStrike">
+              <a:latin typeface="Arial"/>
+            </a:endParaRPr>
+          </a:p>
+        </p:txBody>
+      </p:sp>
+      <p:sp>
+        <p:nvSpPr>
+          <p:cNvPr id="124" name="PlaceHolder 6"/>
+          <p:cNvSpPr>
+            <a:spLocks noGrp="1"/>
+          </p:cNvSpPr>
+          <p:nvPr>
+            <p:ph type="body"/>
+          </p:nvPr>
+        </p:nvSpPr>
+        <p:spPr>
+          <a:xfrm>
+            <a:off x="4319640" y="3682080"/>
+            <a:ext cx="3533040" cy="1896840"/>
+          </a:xfrm>
+          <a:prstGeom prst="rect">
+            <a:avLst/>
+          </a:prstGeom>
+        </p:spPr>
+        <p:txBody>
+          <a:bodyPr lIns="0" rIns="0" tIns="0" bIns="0">
+            <a:normAutofit/>
+          </a:bodyPr>
+          <a:p>
+            <a:endParaRPr b="0" lang="de-DE" sz="3200" spc="-1" strike="noStrike">
+              <a:latin typeface="Arial"/>
+            </a:endParaRPr>
+          </a:p>
+        </p:txBody>
+      </p:sp>
+      <p:sp>
+        <p:nvSpPr>
+          <p:cNvPr id="125" name="PlaceHolder 7"/>
+          <p:cNvSpPr>
+            <a:spLocks noGrp="1"/>
+          </p:cNvSpPr>
+          <p:nvPr>
+            <p:ph type="body"/>
+          </p:nvPr>
+        </p:nvSpPr>
+        <p:spPr>
+          <a:xfrm>
+            <a:off x="8029800" y="3682080"/>
+            <a:ext cx="3533040" cy="1896840"/>
+          </a:xfrm>
+          <a:prstGeom prst="rect">
+            <a:avLst/>
+          </a:prstGeom>
+        </p:spPr>
+        <p:txBody>
+          <a:bodyPr lIns="0" rIns="0" tIns="0" bIns="0">
+            <a:normAutofit/>
+          </a:bodyPr>
+          <a:p>
+            <a:endParaRPr b="0" lang="de-DE" sz="3200" spc="-1" strike="noStrike">
+              <a:latin typeface="Arial"/>
+            </a:endParaRPr>
+          </a:p>
+        </p:txBody>
+      </p:sp>
+    </p:spTree>
+  </p:cSld>
+</p:sldLayout>
+</file>
+
+<file path=ppt/slideLayouts/slideLayout37.xml><?xml version="1.0" encoding="utf-8"?>
+<p:sldLayout xmlns:a="http://schemas.openxmlformats.org/drawingml/2006/main" xmlns:p="http://schemas.openxmlformats.org/presentationml/2006/main" xmlns:r="http://schemas.openxmlformats.org/officeDocument/2006/relationships" xmlns:p14="http://schemas.microsoft.com/office/powerpoint/2010/main" xmlns:p15="http://schemas.microsoft.com/office/powerpoint/2012/main" xmlns:mc="http://schemas.openxmlformats.org/markup-compatibility/2006" type="blank" preserve="1">
+  <p:cSld name="Blank Slide">
+    <p:spTree>
+      <p:nvGrpSpPr>
+        <p:cNvPr id="1" name=""/>
+        <p:cNvGrpSpPr/>
+        <p:nvPr/>
+      </p:nvGrpSpPr>
+      <p:grpSpPr>
+        <a:xfrm>
+          <a:off x="0" y="0"/>
+          <a:ext cx="0" cy="0"/>
+          <a:chOff x="0" y="0"/>
+          <a:chExt cx="0" cy="0"/>
+        </a:xfrm>
+      </p:grpSpPr>
+    </p:spTree>
+  </p:cSld>
+</p:sldLayout>
+</file>
+
+<file path=ppt/slideLayouts/slideLayout38.xml><?xml version="1.0" encoding="utf-8"?>
+<p:sldLayout xmlns:a="http://schemas.openxmlformats.org/drawingml/2006/main" xmlns:p="http://schemas.openxmlformats.org/presentationml/2006/main" xmlns:r="http://schemas.openxmlformats.org/officeDocument/2006/relationships" xmlns:p14="http://schemas.microsoft.com/office/powerpoint/2010/main" xmlns:p15="http://schemas.microsoft.com/office/powerpoint/2012/main" xmlns:mc="http://schemas.openxmlformats.org/markup-compatibility/2006" type="tx" preserve="1">
+  <p:cSld name="Title Slide">
+    <p:spTree>
+      <p:nvGrpSpPr>
+        <p:cNvPr id="1" name=""/>
+        <p:cNvGrpSpPr/>
+        <p:nvPr/>
+      </p:nvGrpSpPr>
+      <p:grpSpPr>
+        <a:xfrm>
+          <a:off x="0" y="0"/>
+          <a:ext cx="0" cy="0"/>
+          <a:chOff x="0" y="0"/>
+          <a:chExt cx="0" cy="0"/>
+        </a:xfrm>
+      </p:grpSpPr>
+      <p:sp>
+        <p:nvSpPr>
+          <p:cNvPr id="132" name="PlaceHolder 1"/>
+          <p:cNvSpPr>
+            <a:spLocks noGrp="1"/>
+          </p:cNvSpPr>
+          <p:nvPr>
+            <p:ph type="title"/>
+          </p:nvPr>
+        </p:nvSpPr>
+        <p:spPr>
+          <a:xfrm>
+            <a:off x="609480" y="273600"/>
+            <a:ext cx="10972440" cy="1144800"/>
+          </a:xfrm>
+          <a:prstGeom prst="rect">
+            <a:avLst/>
+          </a:prstGeom>
+        </p:spPr>
+        <p:txBody>
+          <a:bodyPr lIns="0" rIns="0" tIns="0" bIns="0" anchor="ctr">
+            <a:noAutofit/>
+          </a:bodyPr>
+          <a:p>
+            <a:pPr algn="ctr"/>
+            <a:endParaRPr b="0" lang="de-DE" sz="4400" spc="-1" strike="noStrike">
+              <a:latin typeface="Arial"/>
+            </a:endParaRPr>
+          </a:p>
+        </p:txBody>
+      </p:sp>
+      <p:sp>
+        <p:nvSpPr>
+          <p:cNvPr id="133" name="PlaceHolder 2"/>
+          <p:cNvSpPr>
+            <a:spLocks noGrp="1"/>
+          </p:cNvSpPr>
+          <p:nvPr>
+            <p:ph type="subTitle"/>
+          </p:nvPr>
+        </p:nvSpPr>
+        <p:spPr>
+          <a:xfrm>
+            <a:off x="609480" y="1604520"/>
+            <a:ext cx="10972440" cy="3977280"/>
+          </a:xfrm>
+          <a:prstGeom prst="rect">
+            <a:avLst/>
+          </a:prstGeom>
+        </p:spPr>
+        <p:txBody>
+          <a:bodyPr lIns="0" rIns="0" tIns="0" bIns="0" anchor="ctr">
+            <a:noAutofit/>
+          </a:bodyPr>
+          <a:p>
+            <a:pPr algn="ctr"/>
+            <a:endParaRPr b="0" lang="de-DE" sz="3200" spc="-1" strike="noStrike">
+              <a:latin typeface="Arial"/>
+            </a:endParaRPr>
+          </a:p>
+        </p:txBody>
+      </p:sp>
+    </p:spTree>
+  </p:cSld>
+</p:sldLayout>
+</file>
+
+<file path=ppt/slideLayouts/slideLayout39.xml><?xml version="1.0" encoding="utf-8"?>
+<p:sldLayout xmlns:a="http://schemas.openxmlformats.org/drawingml/2006/main" xmlns:p="http://schemas.openxmlformats.org/presentationml/2006/main" xmlns:r="http://schemas.openxmlformats.org/officeDocument/2006/relationships" xmlns:p14="http://schemas.microsoft.com/office/powerpoint/2010/main" xmlns:p15="http://schemas.microsoft.com/office/powerpoint/2012/main" xmlns:mc="http://schemas.openxmlformats.org/markup-compatibility/2006" type="obj" preserve="1">
+  <p:cSld name="Title, Content">
+    <p:spTree>
+      <p:nvGrpSpPr>
+        <p:cNvPr id="1" name=""/>
+        <p:cNvGrpSpPr/>
+        <p:nvPr/>
+      </p:nvGrpSpPr>
+      <p:grpSpPr>
+        <a:xfrm>
+          <a:off x="0" y="0"/>
+          <a:ext cx="0" cy="0"/>
+          <a:chOff x="0" y="0"/>
+          <a:chExt cx="0" cy="0"/>
+        </a:xfrm>
+      </p:grpSpPr>
+      <p:sp>
+        <p:nvSpPr>
+          <p:cNvPr id="134" name="PlaceHolder 1"/>
+          <p:cNvSpPr>
+            <a:spLocks noGrp="1"/>
+          </p:cNvSpPr>
+          <p:nvPr>
+            <p:ph type="title"/>
+          </p:nvPr>
+        </p:nvSpPr>
+        <p:spPr>
+          <a:xfrm>
+            <a:off x="609480" y="273600"/>
+            <a:ext cx="10972440" cy="1144800"/>
+          </a:xfrm>
+          <a:prstGeom prst="rect">
+            <a:avLst/>
+          </a:prstGeom>
+        </p:spPr>
+        <p:txBody>
+          <a:bodyPr lIns="0" rIns="0" tIns="0" bIns="0" anchor="ctr">
+            <a:noAutofit/>
+          </a:bodyPr>
+          <a:p>
+            <a:pPr algn="ctr"/>
+            <a:endParaRPr b="0" lang="de-DE" sz="4400" spc="-1" strike="noStrike">
+              <a:latin typeface="Arial"/>
+            </a:endParaRPr>
+          </a:p>
+        </p:txBody>
+      </p:sp>
+      <p:sp>
+        <p:nvSpPr>
+          <p:cNvPr id="135" name="PlaceHolder 2"/>
+          <p:cNvSpPr>
+            <a:spLocks noGrp="1"/>
+          </p:cNvSpPr>
+          <p:nvPr>
+            <p:ph type="body"/>
+          </p:nvPr>
+        </p:nvSpPr>
+        <p:spPr>
+          <a:xfrm>
+            <a:off x="609480" y="1604520"/>
+            <a:ext cx="10972440" cy="3977280"/>
+          </a:xfrm>
+          <a:prstGeom prst="rect">
+            <a:avLst/>
+          </a:prstGeom>
+        </p:spPr>
+        <p:txBody>
+          <a:bodyPr lIns="0" rIns="0" tIns="0" bIns="0">
+            <a:normAutofit/>
+          </a:bodyPr>
+          <a:p>
+            <a:endParaRPr b="0" lang="de-DE" sz="3200" spc="-1" strike="noStrike">
               <a:latin typeface="Arial"/>
             </a:endParaRPr>
           </a:p>
@@ -7725,8 +9136,8 @@
         </p:nvSpPr>
         <p:spPr>
           <a:xfrm>
-            <a:off x="1451520" y="804600"/>
-            <a:ext cx="9602280" cy="1048320"/>
+            <a:off x="609480" y="273600"/>
+            <a:ext cx="10972440" cy="1144800"/>
           </a:xfrm>
           <a:prstGeom prst="rect">
             <a:avLst/>
@@ -7737,10 +9148,8 @@
             <a:noAutofit/>
           </a:bodyPr>
           <a:p>
-            <a:endParaRPr b="0" lang="de-DE" sz="1800" spc="-1" strike="noStrike">
-              <a:solidFill>
-                <a:srgbClr val="000000"/>
-              </a:solidFill>
+            <a:pPr algn="ctr"/>
+            <a:endParaRPr b="0" lang="de-DE" sz="4400" spc="-1" strike="noStrike">
               <a:latin typeface="Arial"/>
             </a:endParaRPr>
           </a:p>
@@ -7759,7 +9168,7 @@
         <p:spPr>
           <a:xfrm>
             <a:off x="609480" y="1604520"/>
-            <a:ext cx="5354280" cy="3976920"/>
+            <a:ext cx="5354280" cy="3977280"/>
           </a:xfrm>
           <a:prstGeom prst="rect">
             <a:avLst/>
@@ -7770,10 +9179,7 @@
             <a:normAutofit/>
           </a:bodyPr>
           <a:p>
-            <a:endParaRPr b="0" lang="de-DE" sz="2800" spc="-1" strike="noStrike">
-              <a:solidFill>
-                <a:srgbClr val="000000"/>
-              </a:solidFill>
+            <a:endParaRPr b="0" lang="de-DE" sz="3200" spc="-1" strike="noStrike">
               <a:latin typeface="Arial"/>
             </a:endParaRPr>
           </a:p>
@@ -7792,7 +9198,7 @@
         <p:spPr>
           <a:xfrm>
             <a:off x="6231960" y="1604520"/>
-            <a:ext cx="5354280" cy="3976920"/>
+            <a:ext cx="5354280" cy="3977280"/>
           </a:xfrm>
           <a:prstGeom prst="rect">
             <a:avLst/>
@@ -7803,10 +9209,1174 @@
             <a:normAutofit/>
           </a:bodyPr>
           <a:p>
-            <a:endParaRPr b="0" lang="de-DE" sz="2800" spc="-1" strike="noStrike">
-              <a:solidFill>
-                <a:srgbClr val="000000"/>
-              </a:solidFill>
+            <a:endParaRPr b="0" lang="de-DE" sz="3200" spc="-1" strike="noStrike">
+              <a:latin typeface="Arial"/>
+            </a:endParaRPr>
+          </a:p>
+        </p:txBody>
+      </p:sp>
+    </p:spTree>
+  </p:cSld>
+</p:sldLayout>
+</file>
+
+<file path=ppt/slideLayouts/slideLayout40.xml><?xml version="1.0" encoding="utf-8"?>
+<p:sldLayout xmlns:a="http://schemas.openxmlformats.org/drawingml/2006/main" xmlns:p="http://schemas.openxmlformats.org/presentationml/2006/main" xmlns:r="http://schemas.openxmlformats.org/officeDocument/2006/relationships" xmlns:p14="http://schemas.microsoft.com/office/powerpoint/2010/main" xmlns:p15="http://schemas.microsoft.com/office/powerpoint/2012/main" xmlns:mc="http://schemas.openxmlformats.org/markup-compatibility/2006" type="twoObj" preserve="1">
+  <p:cSld name="Title, 2 Content">
+    <p:spTree>
+      <p:nvGrpSpPr>
+        <p:cNvPr id="1" name=""/>
+        <p:cNvGrpSpPr/>
+        <p:nvPr/>
+      </p:nvGrpSpPr>
+      <p:grpSpPr>
+        <a:xfrm>
+          <a:off x="0" y="0"/>
+          <a:ext cx="0" cy="0"/>
+          <a:chOff x="0" y="0"/>
+          <a:chExt cx="0" cy="0"/>
+        </a:xfrm>
+      </p:grpSpPr>
+      <p:sp>
+        <p:nvSpPr>
+          <p:cNvPr id="136" name="PlaceHolder 1"/>
+          <p:cNvSpPr>
+            <a:spLocks noGrp="1"/>
+          </p:cNvSpPr>
+          <p:nvPr>
+            <p:ph type="title"/>
+          </p:nvPr>
+        </p:nvSpPr>
+        <p:spPr>
+          <a:xfrm>
+            <a:off x="609480" y="273600"/>
+            <a:ext cx="10972440" cy="1144800"/>
+          </a:xfrm>
+          <a:prstGeom prst="rect">
+            <a:avLst/>
+          </a:prstGeom>
+        </p:spPr>
+        <p:txBody>
+          <a:bodyPr lIns="0" rIns="0" tIns="0" bIns="0" anchor="ctr">
+            <a:noAutofit/>
+          </a:bodyPr>
+          <a:p>
+            <a:pPr algn="ctr"/>
+            <a:endParaRPr b="0" lang="de-DE" sz="4400" spc="-1" strike="noStrike">
+              <a:latin typeface="Arial"/>
+            </a:endParaRPr>
+          </a:p>
+        </p:txBody>
+      </p:sp>
+      <p:sp>
+        <p:nvSpPr>
+          <p:cNvPr id="137" name="PlaceHolder 2"/>
+          <p:cNvSpPr>
+            <a:spLocks noGrp="1"/>
+          </p:cNvSpPr>
+          <p:nvPr>
+            <p:ph type="body"/>
+          </p:nvPr>
+        </p:nvSpPr>
+        <p:spPr>
+          <a:xfrm>
+            <a:off x="609480" y="1604520"/>
+            <a:ext cx="5354280" cy="3977280"/>
+          </a:xfrm>
+          <a:prstGeom prst="rect">
+            <a:avLst/>
+          </a:prstGeom>
+        </p:spPr>
+        <p:txBody>
+          <a:bodyPr lIns="0" rIns="0" tIns="0" bIns="0">
+            <a:normAutofit/>
+          </a:bodyPr>
+          <a:p>
+            <a:endParaRPr b="0" lang="de-DE" sz="3200" spc="-1" strike="noStrike">
+              <a:latin typeface="Arial"/>
+            </a:endParaRPr>
+          </a:p>
+        </p:txBody>
+      </p:sp>
+      <p:sp>
+        <p:nvSpPr>
+          <p:cNvPr id="138" name="PlaceHolder 3"/>
+          <p:cNvSpPr>
+            <a:spLocks noGrp="1"/>
+          </p:cNvSpPr>
+          <p:nvPr>
+            <p:ph type="body"/>
+          </p:nvPr>
+        </p:nvSpPr>
+        <p:spPr>
+          <a:xfrm>
+            <a:off x="6231960" y="1604520"/>
+            <a:ext cx="5354280" cy="3977280"/>
+          </a:xfrm>
+          <a:prstGeom prst="rect">
+            <a:avLst/>
+          </a:prstGeom>
+        </p:spPr>
+        <p:txBody>
+          <a:bodyPr lIns="0" rIns="0" tIns="0" bIns="0">
+            <a:normAutofit/>
+          </a:bodyPr>
+          <a:p>
+            <a:endParaRPr b="0" lang="de-DE" sz="3200" spc="-1" strike="noStrike">
+              <a:latin typeface="Arial"/>
+            </a:endParaRPr>
+          </a:p>
+        </p:txBody>
+      </p:sp>
+    </p:spTree>
+  </p:cSld>
+</p:sldLayout>
+</file>
+
+<file path=ppt/slideLayouts/slideLayout41.xml><?xml version="1.0" encoding="utf-8"?>
+<p:sldLayout xmlns:a="http://schemas.openxmlformats.org/drawingml/2006/main" xmlns:p="http://schemas.openxmlformats.org/presentationml/2006/main" xmlns:r="http://schemas.openxmlformats.org/officeDocument/2006/relationships" xmlns:p14="http://schemas.microsoft.com/office/powerpoint/2010/main" xmlns:p15="http://schemas.microsoft.com/office/powerpoint/2012/main" xmlns:mc="http://schemas.openxmlformats.org/markup-compatibility/2006" type="titleOnly" preserve="1">
+  <p:cSld name="Title Only">
+    <p:spTree>
+      <p:nvGrpSpPr>
+        <p:cNvPr id="1" name=""/>
+        <p:cNvGrpSpPr/>
+        <p:nvPr/>
+      </p:nvGrpSpPr>
+      <p:grpSpPr>
+        <a:xfrm>
+          <a:off x="0" y="0"/>
+          <a:ext cx="0" cy="0"/>
+          <a:chOff x="0" y="0"/>
+          <a:chExt cx="0" cy="0"/>
+        </a:xfrm>
+      </p:grpSpPr>
+      <p:sp>
+        <p:nvSpPr>
+          <p:cNvPr id="139" name="PlaceHolder 1"/>
+          <p:cNvSpPr>
+            <a:spLocks noGrp="1"/>
+          </p:cNvSpPr>
+          <p:nvPr>
+            <p:ph type="title"/>
+          </p:nvPr>
+        </p:nvSpPr>
+        <p:spPr>
+          <a:xfrm>
+            <a:off x="609480" y="273600"/>
+            <a:ext cx="10972440" cy="1144800"/>
+          </a:xfrm>
+          <a:prstGeom prst="rect">
+            <a:avLst/>
+          </a:prstGeom>
+        </p:spPr>
+        <p:txBody>
+          <a:bodyPr lIns="0" rIns="0" tIns="0" bIns="0" anchor="ctr">
+            <a:noAutofit/>
+          </a:bodyPr>
+          <a:p>
+            <a:pPr algn="ctr"/>
+            <a:endParaRPr b="0" lang="de-DE" sz="4400" spc="-1" strike="noStrike">
+              <a:latin typeface="Arial"/>
+            </a:endParaRPr>
+          </a:p>
+        </p:txBody>
+      </p:sp>
+    </p:spTree>
+  </p:cSld>
+</p:sldLayout>
+</file>
+
+<file path=ppt/slideLayouts/slideLayout42.xml><?xml version="1.0" encoding="utf-8"?>
+<p:sldLayout xmlns:a="http://schemas.openxmlformats.org/drawingml/2006/main" xmlns:p="http://schemas.openxmlformats.org/presentationml/2006/main" xmlns:r="http://schemas.openxmlformats.org/officeDocument/2006/relationships" xmlns:p14="http://schemas.microsoft.com/office/powerpoint/2010/main" xmlns:p15="http://schemas.microsoft.com/office/powerpoint/2012/main" xmlns:mc="http://schemas.openxmlformats.org/markup-compatibility/2006" type="objOnly" preserve="1">
+  <p:cSld name="Centered Text">
+    <p:spTree>
+      <p:nvGrpSpPr>
+        <p:cNvPr id="1" name=""/>
+        <p:cNvGrpSpPr/>
+        <p:nvPr/>
+      </p:nvGrpSpPr>
+      <p:grpSpPr>
+        <a:xfrm>
+          <a:off x="0" y="0"/>
+          <a:ext cx="0" cy="0"/>
+          <a:chOff x="0" y="0"/>
+          <a:chExt cx="0" cy="0"/>
+        </a:xfrm>
+      </p:grpSpPr>
+      <p:sp>
+        <p:nvSpPr>
+          <p:cNvPr id="140" name="PlaceHolder 1"/>
+          <p:cNvSpPr>
+            <a:spLocks noGrp="1"/>
+          </p:cNvSpPr>
+          <p:nvPr>
+            <p:ph type="subTitle"/>
+          </p:nvPr>
+        </p:nvSpPr>
+        <p:spPr>
+          <a:xfrm>
+            <a:off x="609480" y="273600"/>
+            <a:ext cx="10972440" cy="5307840"/>
+          </a:xfrm>
+          <a:prstGeom prst="rect">
+            <a:avLst/>
+          </a:prstGeom>
+        </p:spPr>
+        <p:txBody>
+          <a:bodyPr lIns="0" rIns="0" tIns="0" bIns="0" anchor="ctr">
+            <a:noAutofit/>
+          </a:bodyPr>
+          <a:p>
+            <a:pPr algn="ctr"/>
+            <a:endParaRPr b="0" lang="de-DE" sz="3200" spc="-1" strike="noStrike">
+              <a:latin typeface="Arial"/>
+            </a:endParaRPr>
+          </a:p>
+        </p:txBody>
+      </p:sp>
+    </p:spTree>
+  </p:cSld>
+</p:sldLayout>
+</file>
+
+<file path=ppt/slideLayouts/slideLayout43.xml><?xml version="1.0" encoding="utf-8"?>
+<p:sldLayout xmlns:a="http://schemas.openxmlformats.org/drawingml/2006/main" xmlns:p="http://schemas.openxmlformats.org/presentationml/2006/main" xmlns:r="http://schemas.openxmlformats.org/officeDocument/2006/relationships" xmlns:p14="http://schemas.microsoft.com/office/powerpoint/2010/main" xmlns:p15="http://schemas.microsoft.com/office/powerpoint/2012/main" xmlns:mc="http://schemas.openxmlformats.org/markup-compatibility/2006" type="twoObjAndObj" preserve="1">
+  <p:cSld name="Title, 2 Content and Content">
+    <p:spTree>
+      <p:nvGrpSpPr>
+        <p:cNvPr id="1" name=""/>
+        <p:cNvGrpSpPr/>
+        <p:nvPr/>
+      </p:nvGrpSpPr>
+      <p:grpSpPr>
+        <a:xfrm>
+          <a:off x="0" y="0"/>
+          <a:ext cx="0" cy="0"/>
+          <a:chOff x="0" y="0"/>
+          <a:chExt cx="0" cy="0"/>
+        </a:xfrm>
+      </p:grpSpPr>
+      <p:sp>
+        <p:nvSpPr>
+          <p:cNvPr id="141" name="PlaceHolder 1"/>
+          <p:cNvSpPr>
+            <a:spLocks noGrp="1"/>
+          </p:cNvSpPr>
+          <p:nvPr>
+            <p:ph type="title"/>
+          </p:nvPr>
+        </p:nvSpPr>
+        <p:spPr>
+          <a:xfrm>
+            <a:off x="609480" y="273600"/>
+            <a:ext cx="10972440" cy="1144800"/>
+          </a:xfrm>
+          <a:prstGeom prst="rect">
+            <a:avLst/>
+          </a:prstGeom>
+        </p:spPr>
+        <p:txBody>
+          <a:bodyPr lIns="0" rIns="0" tIns="0" bIns="0" anchor="ctr">
+            <a:noAutofit/>
+          </a:bodyPr>
+          <a:p>
+            <a:pPr algn="ctr"/>
+            <a:endParaRPr b="0" lang="de-DE" sz="4400" spc="-1" strike="noStrike">
+              <a:latin typeface="Arial"/>
+            </a:endParaRPr>
+          </a:p>
+        </p:txBody>
+      </p:sp>
+      <p:sp>
+        <p:nvSpPr>
+          <p:cNvPr id="142" name="PlaceHolder 2"/>
+          <p:cNvSpPr>
+            <a:spLocks noGrp="1"/>
+          </p:cNvSpPr>
+          <p:nvPr>
+            <p:ph type="body"/>
+          </p:nvPr>
+        </p:nvSpPr>
+        <p:spPr>
+          <a:xfrm>
+            <a:off x="609480" y="1604520"/>
+            <a:ext cx="5354280" cy="1896840"/>
+          </a:xfrm>
+          <a:prstGeom prst="rect">
+            <a:avLst/>
+          </a:prstGeom>
+        </p:spPr>
+        <p:txBody>
+          <a:bodyPr lIns="0" rIns="0" tIns="0" bIns="0">
+            <a:normAutofit/>
+          </a:bodyPr>
+          <a:p>
+            <a:endParaRPr b="0" lang="de-DE" sz="3200" spc="-1" strike="noStrike">
+              <a:latin typeface="Arial"/>
+            </a:endParaRPr>
+          </a:p>
+        </p:txBody>
+      </p:sp>
+      <p:sp>
+        <p:nvSpPr>
+          <p:cNvPr id="143" name="PlaceHolder 3"/>
+          <p:cNvSpPr>
+            <a:spLocks noGrp="1"/>
+          </p:cNvSpPr>
+          <p:nvPr>
+            <p:ph type="body"/>
+          </p:nvPr>
+        </p:nvSpPr>
+        <p:spPr>
+          <a:xfrm>
+            <a:off x="6231960" y="1604520"/>
+            <a:ext cx="5354280" cy="3977280"/>
+          </a:xfrm>
+          <a:prstGeom prst="rect">
+            <a:avLst/>
+          </a:prstGeom>
+        </p:spPr>
+        <p:txBody>
+          <a:bodyPr lIns="0" rIns="0" tIns="0" bIns="0">
+            <a:normAutofit/>
+          </a:bodyPr>
+          <a:p>
+            <a:endParaRPr b="0" lang="de-DE" sz="3200" spc="-1" strike="noStrike">
+              <a:latin typeface="Arial"/>
+            </a:endParaRPr>
+          </a:p>
+        </p:txBody>
+      </p:sp>
+      <p:sp>
+        <p:nvSpPr>
+          <p:cNvPr id="144" name="PlaceHolder 4"/>
+          <p:cNvSpPr>
+            <a:spLocks noGrp="1"/>
+          </p:cNvSpPr>
+          <p:nvPr>
+            <p:ph type="body"/>
+          </p:nvPr>
+        </p:nvSpPr>
+        <p:spPr>
+          <a:xfrm>
+            <a:off x="609480" y="3682080"/>
+            <a:ext cx="5354280" cy="1896840"/>
+          </a:xfrm>
+          <a:prstGeom prst="rect">
+            <a:avLst/>
+          </a:prstGeom>
+        </p:spPr>
+        <p:txBody>
+          <a:bodyPr lIns="0" rIns="0" tIns="0" bIns="0">
+            <a:normAutofit/>
+          </a:bodyPr>
+          <a:p>
+            <a:endParaRPr b="0" lang="de-DE" sz="3200" spc="-1" strike="noStrike">
+              <a:latin typeface="Arial"/>
+            </a:endParaRPr>
+          </a:p>
+        </p:txBody>
+      </p:sp>
+    </p:spTree>
+  </p:cSld>
+</p:sldLayout>
+</file>
+
+<file path=ppt/slideLayouts/slideLayout44.xml><?xml version="1.0" encoding="utf-8"?>
+<p:sldLayout xmlns:a="http://schemas.openxmlformats.org/drawingml/2006/main" xmlns:p="http://schemas.openxmlformats.org/presentationml/2006/main" xmlns:r="http://schemas.openxmlformats.org/officeDocument/2006/relationships" xmlns:p14="http://schemas.microsoft.com/office/powerpoint/2010/main" xmlns:p15="http://schemas.microsoft.com/office/powerpoint/2012/main" xmlns:mc="http://schemas.openxmlformats.org/markup-compatibility/2006" type="objAndTwoObj" preserve="1">
+  <p:cSld name="Title Content and 2 Content">
+    <p:spTree>
+      <p:nvGrpSpPr>
+        <p:cNvPr id="1" name=""/>
+        <p:cNvGrpSpPr/>
+        <p:nvPr/>
+      </p:nvGrpSpPr>
+      <p:grpSpPr>
+        <a:xfrm>
+          <a:off x="0" y="0"/>
+          <a:ext cx="0" cy="0"/>
+          <a:chOff x="0" y="0"/>
+          <a:chExt cx="0" cy="0"/>
+        </a:xfrm>
+      </p:grpSpPr>
+      <p:sp>
+        <p:nvSpPr>
+          <p:cNvPr id="145" name="PlaceHolder 1"/>
+          <p:cNvSpPr>
+            <a:spLocks noGrp="1"/>
+          </p:cNvSpPr>
+          <p:nvPr>
+            <p:ph type="title"/>
+          </p:nvPr>
+        </p:nvSpPr>
+        <p:spPr>
+          <a:xfrm>
+            <a:off x="609480" y="273600"/>
+            <a:ext cx="10972440" cy="1144800"/>
+          </a:xfrm>
+          <a:prstGeom prst="rect">
+            <a:avLst/>
+          </a:prstGeom>
+        </p:spPr>
+        <p:txBody>
+          <a:bodyPr lIns="0" rIns="0" tIns="0" bIns="0" anchor="ctr">
+            <a:noAutofit/>
+          </a:bodyPr>
+          <a:p>
+            <a:pPr algn="ctr"/>
+            <a:endParaRPr b="0" lang="de-DE" sz="4400" spc="-1" strike="noStrike">
+              <a:latin typeface="Arial"/>
+            </a:endParaRPr>
+          </a:p>
+        </p:txBody>
+      </p:sp>
+      <p:sp>
+        <p:nvSpPr>
+          <p:cNvPr id="146" name="PlaceHolder 2"/>
+          <p:cNvSpPr>
+            <a:spLocks noGrp="1"/>
+          </p:cNvSpPr>
+          <p:nvPr>
+            <p:ph type="body"/>
+          </p:nvPr>
+        </p:nvSpPr>
+        <p:spPr>
+          <a:xfrm>
+            <a:off x="609480" y="1604520"/>
+            <a:ext cx="5354280" cy="3977280"/>
+          </a:xfrm>
+          <a:prstGeom prst="rect">
+            <a:avLst/>
+          </a:prstGeom>
+        </p:spPr>
+        <p:txBody>
+          <a:bodyPr lIns="0" rIns="0" tIns="0" bIns="0">
+            <a:normAutofit/>
+          </a:bodyPr>
+          <a:p>
+            <a:endParaRPr b="0" lang="de-DE" sz="3200" spc="-1" strike="noStrike">
+              <a:latin typeface="Arial"/>
+            </a:endParaRPr>
+          </a:p>
+        </p:txBody>
+      </p:sp>
+      <p:sp>
+        <p:nvSpPr>
+          <p:cNvPr id="147" name="PlaceHolder 3"/>
+          <p:cNvSpPr>
+            <a:spLocks noGrp="1"/>
+          </p:cNvSpPr>
+          <p:nvPr>
+            <p:ph type="body"/>
+          </p:nvPr>
+        </p:nvSpPr>
+        <p:spPr>
+          <a:xfrm>
+            <a:off x="6231960" y="1604520"/>
+            <a:ext cx="5354280" cy="1896840"/>
+          </a:xfrm>
+          <a:prstGeom prst="rect">
+            <a:avLst/>
+          </a:prstGeom>
+        </p:spPr>
+        <p:txBody>
+          <a:bodyPr lIns="0" rIns="0" tIns="0" bIns="0">
+            <a:normAutofit/>
+          </a:bodyPr>
+          <a:p>
+            <a:endParaRPr b="0" lang="de-DE" sz="3200" spc="-1" strike="noStrike">
+              <a:latin typeface="Arial"/>
+            </a:endParaRPr>
+          </a:p>
+        </p:txBody>
+      </p:sp>
+      <p:sp>
+        <p:nvSpPr>
+          <p:cNvPr id="148" name="PlaceHolder 4"/>
+          <p:cNvSpPr>
+            <a:spLocks noGrp="1"/>
+          </p:cNvSpPr>
+          <p:nvPr>
+            <p:ph type="body"/>
+          </p:nvPr>
+        </p:nvSpPr>
+        <p:spPr>
+          <a:xfrm>
+            <a:off x="6231960" y="3682080"/>
+            <a:ext cx="5354280" cy="1896840"/>
+          </a:xfrm>
+          <a:prstGeom prst="rect">
+            <a:avLst/>
+          </a:prstGeom>
+        </p:spPr>
+        <p:txBody>
+          <a:bodyPr lIns="0" rIns="0" tIns="0" bIns="0">
+            <a:normAutofit/>
+          </a:bodyPr>
+          <a:p>
+            <a:endParaRPr b="0" lang="de-DE" sz="3200" spc="-1" strike="noStrike">
+              <a:latin typeface="Arial"/>
+            </a:endParaRPr>
+          </a:p>
+        </p:txBody>
+      </p:sp>
+    </p:spTree>
+  </p:cSld>
+</p:sldLayout>
+</file>
+
+<file path=ppt/slideLayouts/slideLayout45.xml><?xml version="1.0" encoding="utf-8"?>
+<p:sldLayout xmlns:a="http://schemas.openxmlformats.org/drawingml/2006/main" xmlns:p="http://schemas.openxmlformats.org/presentationml/2006/main" xmlns:r="http://schemas.openxmlformats.org/officeDocument/2006/relationships" xmlns:p14="http://schemas.microsoft.com/office/powerpoint/2010/main" xmlns:p15="http://schemas.microsoft.com/office/powerpoint/2012/main" xmlns:mc="http://schemas.openxmlformats.org/markup-compatibility/2006" type="twoObjOverTx" preserve="1">
+  <p:cSld name="Title, 2 Content over Content">
+    <p:spTree>
+      <p:nvGrpSpPr>
+        <p:cNvPr id="1" name=""/>
+        <p:cNvGrpSpPr/>
+        <p:nvPr/>
+      </p:nvGrpSpPr>
+      <p:grpSpPr>
+        <a:xfrm>
+          <a:off x="0" y="0"/>
+          <a:ext cx="0" cy="0"/>
+          <a:chOff x="0" y="0"/>
+          <a:chExt cx="0" cy="0"/>
+        </a:xfrm>
+      </p:grpSpPr>
+      <p:sp>
+        <p:nvSpPr>
+          <p:cNvPr id="149" name="PlaceHolder 1"/>
+          <p:cNvSpPr>
+            <a:spLocks noGrp="1"/>
+          </p:cNvSpPr>
+          <p:nvPr>
+            <p:ph type="title"/>
+          </p:nvPr>
+        </p:nvSpPr>
+        <p:spPr>
+          <a:xfrm>
+            <a:off x="609480" y="273600"/>
+            <a:ext cx="10972440" cy="1144800"/>
+          </a:xfrm>
+          <a:prstGeom prst="rect">
+            <a:avLst/>
+          </a:prstGeom>
+        </p:spPr>
+        <p:txBody>
+          <a:bodyPr lIns="0" rIns="0" tIns="0" bIns="0" anchor="ctr">
+            <a:noAutofit/>
+          </a:bodyPr>
+          <a:p>
+            <a:pPr algn="ctr"/>
+            <a:endParaRPr b="0" lang="de-DE" sz="4400" spc="-1" strike="noStrike">
+              <a:latin typeface="Arial"/>
+            </a:endParaRPr>
+          </a:p>
+        </p:txBody>
+      </p:sp>
+      <p:sp>
+        <p:nvSpPr>
+          <p:cNvPr id="150" name="PlaceHolder 2"/>
+          <p:cNvSpPr>
+            <a:spLocks noGrp="1"/>
+          </p:cNvSpPr>
+          <p:nvPr>
+            <p:ph type="body"/>
+          </p:nvPr>
+        </p:nvSpPr>
+        <p:spPr>
+          <a:xfrm>
+            <a:off x="609480" y="1604520"/>
+            <a:ext cx="5354280" cy="1896840"/>
+          </a:xfrm>
+          <a:prstGeom prst="rect">
+            <a:avLst/>
+          </a:prstGeom>
+        </p:spPr>
+        <p:txBody>
+          <a:bodyPr lIns="0" rIns="0" tIns="0" bIns="0">
+            <a:normAutofit/>
+          </a:bodyPr>
+          <a:p>
+            <a:endParaRPr b="0" lang="de-DE" sz="3200" spc="-1" strike="noStrike">
+              <a:latin typeface="Arial"/>
+            </a:endParaRPr>
+          </a:p>
+        </p:txBody>
+      </p:sp>
+      <p:sp>
+        <p:nvSpPr>
+          <p:cNvPr id="151" name="PlaceHolder 3"/>
+          <p:cNvSpPr>
+            <a:spLocks noGrp="1"/>
+          </p:cNvSpPr>
+          <p:nvPr>
+            <p:ph type="body"/>
+          </p:nvPr>
+        </p:nvSpPr>
+        <p:spPr>
+          <a:xfrm>
+            <a:off x="6231960" y="1604520"/>
+            <a:ext cx="5354280" cy="1896840"/>
+          </a:xfrm>
+          <a:prstGeom prst="rect">
+            <a:avLst/>
+          </a:prstGeom>
+        </p:spPr>
+        <p:txBody>
+          <a:bodyPr lIns="0" rIns="0" tIns="0" bIns="0">
+            <a:normAutofit/>
+          </a:bodyPr>
+          <a:p>
+            <a:endParaRPr b="0" lang="de-DE" sz="3200" spc="-1" strike="noStrike">
+              <a:latin typeface="Arial"/>
+            </a:endParaRPr>
+          </a:p>
+        </p:txBody>
+      </p:sp>
+      <p:sp>
+        <p:nvSpPr>
+          <p:cNvPr id="152" name="PlaceHolder 4"/>
+          <p:cNvSpPr>
+            <a:spLocks noGrp="1"/>
+          </p:cNvSpPr>
+          <p:nvPr>
+            <p:ph type="body"/>
+          </p:nvPr>
+        </p:nvSpPr>
+        <p:spPr>
+          <a:xfrm>
+            <a:off x="609480" y="3682080"/>
+            <a:ext cx="10972440" cy="1896840"/>
+          </a:xfrm>
+          <a:prstGeom prst="rect">
+            <a:avLst/>
+          </a:prstGeom>
+        </p:spPr>
+        <p:txBody>
+          <a:bodyPr lIns="0" rIns="0" tIns="0" bIns="0">
+            <a:normAutofit/>
+          </a:bodyPr>
+          <a:p>
+            <a:endParaRPr b="0" lang="de-DE" sz="3200" spc="-1" strike="noStrike">
+              <a:latin typeface="Arial"/>
+            </a:endParaRPr>
+          </a:p>
+        </p:txBody>
+      </p:sp>
+    </p:spTree>
+  </p:cSld>
+</p:sldLayout>
+</file>
+
+<file path=ppt/slideLayouts/slideLayout46.xml><?xml version="1.0" encoding="utf-8"?>
+<p:sldLayout xmlns:a="http://schemas.openxmlformats.org/drawingml/2006/main" xmlns:p="http://schemas.openxmlformats.org/presentationml/2006/main" xmlns:r="http://schemas.openxmlformats.org/officeDocument/2006/relationships" xmlns:p14="http://schemas.microsoft.com/office/powerpoint/2010/main" xmlns:p15="http://schemas.microsoft.com/office/powerpoint/2012/main" xmlns:mc="http://schemas.openxmlformats.org/markup-compatibility/2006" type="objOverTx" preserve="1">
+  <p:cSld name="Title, Content over Content">
+    <p:spTree>
+      <p:nvGrpSpPr>
+        <p:cNvPr id="1" name=""/>
+        <p:cNvGrpSpPr/>
+        <p:nvPr/>
+      </p:nvGrpSpPr>
+      <p:grpSpPr>
+        <a:xfrm>
+          <a:off x="0" y="0"/>
+          <a:ext cx="0" cy="0"/>
+          <a:chOff x="0" y="0"/>
+          <a:chExt cx="0" cy="0"/>
+        </a:xfrm>
+      </p:grpSpPr>
+      <p:sp>
+        <p:nvSpPr>
+          <p:cNvPr id="153" name="PlaceHolder 1"/>
+          <p:cNvSpPr>
+            <a:spLocks noGrp="1"/>
+          </p:cNvSpPr>
+          <p:nvPr>
+            <p:ph type="title"/>
+          </p:nvPr>
+        </p:nvSpPr>
+        <p:spPr>
+          <a:xfrm>
+            <a:off x="609480" y="273600"/>
+            <a:ext cx="10972440" cy="1144800"/>
+          </a:xfrm>
+          <a:prstGeom prst="rect">
+            <a:avLst/>
+          </a:prstGeom>
+        </p:spPr>
+        <p:txBody>
+          <a:bodyPr lIns="0" rIns="0" tIns="0" bIns="0" anchor="ctr">
+            <a:noAutofit/>
+          </a:bodyPr>
+          <a:p>
+            <a:pPr algn="ctr"/>
+            <a:endParaRPr b="0" lang="de-DE" sz="4400" spc="-1" strike="noStrike">
+              <a:latin typeface="Arial"/>
+            </a:endParaRPr>
+          </a:p>
+        </p:txBody>
+      </p:sp>
+      <p:sp>
+        <p:nvSpPr>
+          <p:cNvPr id="154" name="PlaceHolder 2"/>
+          <p:cNvSpPr>
+            <a:spLocks noGrp="1"/>
+          </p:cNvSpPr>
+          <p:nvPr>
+            <p:ph type="body"/>
+          </p:nvPr>
+        </p:nvSpPr>
+        <p:spPr>
+          <a:xfrm>
+            <a:off x="609480" y="1604520"/>
+            <a:ext cx="10972440" cy="1896840"/>
+          </a:xfrm>
+          <a:prstGeom prst="rect">
+            <a:avLst/>
+          </a:prstGeom>
+        </p:spPr>
+        <p:txBody>
+          <a:bodyPr lIns="0" rIns="0" tIns="0" bIns="0">
+            <a:normAutofit/>
+          </a:bodyPr>
+          <a:p>
+            <a:endParaRPr b="0" lang="de-DE" sz="3200" spc="-1" strike="noStrike">
+              <a:latin typeface="Arial"/>
+            </a:endParaRPr>
+          </a:p>
+        </p:txBody>
+      </p:sp>
+      <p:sp>
+        <p:nvSpPr>
+          <p:cNvPr id="155" name="PlaceHolder 3"/>
+          <p:cNvSpPr>
+            <a:spLocks noGrp="1"/>
+          </p:cNvSpPr>
+          <p:nvPr>
+            <p:ph type="body"/>
+          </p:nvPr>
+        </p:nvSpPr>
+        <p:spPr>
+          <a:xfrm>
+            <a:off x="609480" y="3682080"/>
+            <a:ext cx="10972440" cy="1896840"/>
+          </a:xfrm>
+          <a:prstGeom prst="rect">
+            <a:avLst/>
+          </a:prstGeom>
+        </p:spPr>
+        <p:txBody>
+          <a:bodyPr lIns="0" rIns="0" tIns="0" bIns="0">
+            <a:normAutofit/>
+          </a:bodyPr>
+          <a:p>
+            <a:endParaRPr b="0" lang="de-DE" sz="3200" spc="-1" strike="noStrike">
+              <a:latin typeface="Arial"/>
+            </a:endParaRPr>
+          </a:p>
+        </p:txBody>
+      </p:sp>
+    </p:spTree>
+  </p:cSld>
+</p:sldLayout>
+</file>
+
+<file path=ppt/slideLayouts/slideLayout47.xml><?xml version="1.0" encoding="utf-8"?>
+<p:sldLayout xmlns:a="http://schemas.openxmlformats.org/drawingml/2006/main" xmlns:p="http://schemas.openxmlformats.org/presentationml/2006/main" xmlns:r="http://schemas.openxmlformats.org/officeDocument/2006/relationships" xmlns:p14="http://schemas.microsoft.com/office/powerpoint/2010/main" xmlns:p15="http://schemas.microsoft.com/office/powerpoint/2012/main" xmlns:mc="http://schemas.openxmlformats.org/markup-compatibility/2006" type="fourObj" preserve="1">
+  <p:cSld name="Title, 4 Content">
+    <p:spTree>
+      <p:nvGrpSpPr>
+        <p:cNvPr id="1" name=""/>
+        <p:cNvGrpSpPr/>
+        <p:nvPr/>
+      </p:nvGrpSpPr>
+      <p:grpSpPr>
+        <a:xfrm>
+          <a:off x="0" y="0"/>
+          <a:ext cx="0" cy="0"/>
+          <a:chOff x="0" y="0"/>
+          <a:chExt cx="0" cy="0"/>
+        </a:xfrm>
+      </p:grpSpPr>
+      <p:sp>
+        <p:nvSpPr>
+          <p:cNvPr id="156" name="PlaceHolder 1"/>
+          <p:cNvSpPr>
+            <a:spLocks noGrp="1"/>
+          </p:cNvSpPr>
+          <p:nvPr>
+            <p:ph type="title"/>
+          </p:nvPr>
+        </p:nvSpPr>
+        <p:spPr>
+          <a:xfrm>
+            <a:off x="609480" y="273600"/>
+            <a:ext cx="10972440" cy="1144800"/>
+          </a:xfrm>
+          <a:prstGeom prst="rect">
+            <a:avLst/>
+          </a:prstGeom>
+        </p:spPr>
+        <p:txBody>
+          <a:bodyPr lIns="0" rIns="0" tIns="0" bIns="0" anchor="ctr">
+            <a:noAutofit/>
+          </a:bodyPr>
+          <a:p>
+            <a:pPr algn="ctr"/>
+            <a:endParaRPr b="0" lang="de-DE" sz="4400" spc="-1" strike="noStrike">
+              <a:latin typeface="Arial"/>
+            </a:endParaRPr>
+          </a:p>
+        </p:txBody>
+      </p:sp>
+      <p:sp>
+        <p:nvSpPr>
+          <p:cNvPr id="157" name="PlaceHolder 2"/>
+          <p:cNvSpPr>
+            <a:spLocks noGrp="1"/>
+          </p:cNvSpPr>
+          <p:nvPr>
+            <p:ph type="body"/>
+          </p:nvPr>
+        </p:nvSpPr>
+        <p:spPr>
+          <a:xfrm>
+            <a:off x="609480" y="1604520"/>
+            <a:ext cx="5354280" cy="1896840"/>
+          </a:xfrm>
+          <a:prstGeom prst="rect">
+            <a:avLst/>
+          </a:prstGeom>
+        </p:spPr>
+        <p:txBody>
+          <a:bodyPr lIns="0" rIns="0" tIns="0" bIns="0">
+            <a:normAutofit/>
+          </a:bodyPr>
+          <a:p>
+            <a:endParaRPr b="0" lang="de-DE" sz="3200" spc="-1" strike="noStrike">
+              <a:latin typeface="Arial"/>
+            </a:endParaRPr>
+          </a:p>
+        </p:txBody>
+      </p:sp>
+      <p:sp>
+        <p:nvSpPr>
+          <p:cNvPr id="158" name="PlaceHolder 3"/>
+          <p:cNvSpPr>
+            <a:spLocks noGrp="1"/>
+          </p:cNvSpPr>
+          <p:nvPr>
+            <p:ph type="body"/>
+          </p:nvPr>
+        </p:nvSpPr>
+        <p:spPr>
+          <a:xfrm>
+            <a:off x="6231960" y="1604520"/>
+            <a:ext cx="5354280" cy="1896840"/>
+          </a:xfrm>
+          <a:prstGeom prst="rect">
+            <a:avLst/>
+          </a:prstGeom>
+        </p:spPr>
+        <p:txBody>
+          <a:bodyPr lIns="0" rIns="0" tIns="0" bIns="0">
+            <a:normAutofit/>
+          </a:bodyPr>
+          <a:p>
+            <a:endParaRPr b="0" lang="de-DE" sz="3200" spc="-1" strike="noStrike">
+              <a:latin typeface="Arial"/>
+            </a:endParaRPr>
+          </a:p>
+        </p:txBody>
+      </p:sp>
+      <p:sp>
+        <p:nvSpPr>
+          <p:cNvPr id="159" name="PlaceHolder 4"/>
+          <p:cNvSpPr>
+            <a:spLocks noGrp="1"/>
+          </p:cNvSpPr>
+          <p:nvPr>
+            <p:ph type="body"/>
+          </p:nvPr>
+        </p:nvSpPr>
+        <p:spPr>
+          <a:xfrm>
+            <a:off x="609480" y="3682080"/>
+            <a:ext cx="5354280" cy="1896840"/>
+          </a:xfrm>
+          <a:prstGeom prst="rect">
+            <a:avLst/>
+          </a:prstGeom>
+        </p:spPr>
+        <p:txBody>
+          <a:bodyPr lIns="0" rIns="0" tIns="0" bIns="0">
+            <a:normAutofit/>
+          </a:bodyPr>
+          <a:p>
+            <a:endParaRPr b="0" lang="de-DE" sz="3200" spc="-1" strike="noStrike">
+              <a:latin typeface="Arial"/>
+            </a:endParaRPr>
+          </a:p>
+        </p:txBody>
+      </p:sp>
+      <p:sp>
+        <p:nvSpPr>
+          <p:cNvPr id="160" name="PlaceHolder 5"/>
+          <p:cNvSpPr>
+            <a:spLocks noGrp="1"/>
+          </p:cNvSpPr>
+          <p:nvPr>
+            <p:ph type="body"/>
+          </p:nvPr>
+        </p:nvSpPr>
+        <p:spPr>
+          <a:xfrm>
+            <a:off x="6231960" y="3682080"/>
+            <a:ext cx="5354280" cy="1896840"/>
+          </a:xfrm>
+          <a:prstGeom prst="rect">
+            <a:avLst/>
+          </a:prstGeom>
+        </p:spPr>
+        <p:txBody>
+          <a:bodyPr lIns="0" rIns="0" tIns="0" bIns="0">
+            <a:normAutofit/>
+          </a:bodyPr>
+          <a:p>
+            <a:endParaRPr b="0" lang="de-DE" sz="3200" spc="-1" strike="noStrike">
+              <a:latin typeface="Arial"/>
+            </a:endParaRPr>
+          </a:p>
+        </p:txBody>
+      </p:sp>
+    </p:spTree>
+  </p:cSld>
+</p:sldLayout>
+</file>
+
+<file path=ppt/slideLayouts/slideLayout48.xml><?xml version="1.0" encoding="utf-8"?>
+<p:sldLayout xmlns:a="http://schemas.openxmlformats.org/drawingml/2006/main" xmlns:p="http://schemas.openxmlformats.org/presentationml/2006/main" xmlns:r="http://schemas.openxmlformats.org/officeDocument/2006/relationships" xmlns:p14="http://schemas.microsoft.com/office/powerpoint/2010/main" xmlns:p15="http://schemas.microsoft.com/office/powerpoint/2012/main" xmlns:mc="http://schemas.openxmlformats.org/markup-compatibility/2006" type="blank" preserve="1">
+  <p:cSld name="Title, 6 Content">
+    <p:spTree>
+      <p:nvGrpSpPr>
+        <p:cNvPr id="1" name=""/>
+        <p:cNvGrpSpPr/>
+        <p:nvPr/>
+      </p:nvGrpSpPr>
+      <p:grpSpPr>
+        <a:xfrm>
+          <a:off x="0" y="0"/>
+          <a:ext cx="0" cy="0"/>
+          <a:chOff x="0" y="0"/>
+          <a:chExt cx="0" cy="0"/>
+        </a:xfrm>
+      </p:grpSpPr>
+      <p:sp>
+        <p:nvSpPr>
+          <p:cNvPr id="161" name="PlaceHolder 1"/>
+          <p:cNvSpPr>
+            <a:spLocks noGrp="1"/>
+          </p:cNvSpPr>
+          <p:nvPr>
+            <p:ph type="title"/>
+          </p:nvPr>
+        </p:nvSpPr>
+        <p:spPr>
+          <a:xfrm>
+            <a:off x="609480" y="273600"/>
+            <a:ext cx="10972440" cy="1144800"/>
+          </a:xfrm>
+          <a:prstGeom prst="rect">
+            <a:avLst/>
+          </a:prstGeom>
+        </p:spPr>
+        <p:txBody>
+          <a:bodyPr lIns="0" rIns="0" tIns="0" bIns="0" anchor="ctr">
+            <a:noAutofit/>
+          </a:bodyPr>
+          <a:p>
+            <a:pPr algn="ctr"/>
+            <a:endParaRPr b="0" lang="de-DE" sz="4400" spc="-1" strike="noStrike">
+              <a:latin typeface="Arial"/>
+            </a:endParaRPr>
+          </a:p>
+        </p:txBody>
+      </p:sp>
+      <p:sp>
+        <p:nvSpPr>
+          <p:cNvPr id="162" name="PlaceHolder 2"/>
+          <p:cNvSpPr>
+            <a:spLocks noGrp="1"/>
+          </p:cNvSpPr>
+          <p:nvPr>
+            <p:ph type="body"/>
+          </p:nvPr>
+        </p:nvSpPr>
+        <p:spPr>
+          <a:xfrm>
+            <a:off x="609480" y="1604520"/>
+            <a:ext cx="3533040" cy="1896840"/>
+          </a:xfrm>
+          <a:prstGeom prst="rect">
+            <a:avLst/>
+          </a:prstGeom>
+        </p:spPr>
+        <p:txBody>
+          <a:bodyPr lIns="0" rIns="0" tIns="0" bIns="0">
+            <a:normAutofit/>
+          </a:bodyPr>
+          <a:p>
+            <a:endParaRPr b="0" lang="de-DE" sz="3200" spc="-1" strike="noStrike">
+              <a:latin typeface="Arial"/>
+            </a:endParaRPr>
+          </a:p>
+        </p:txBody>
+      </p:sp>
+      <p:sp>
+        <p:nvSpPr>
+          <p:cNvPr id="163" name="PlaceHolder 3"/>
+          <p:cNvSpPr>
+            <a:spLocks noGrp="1"/>
+          </p:cNvSpPr>
+          <p:nvPr>
+            <p:ph type="body"/>
+          </p:nvPr>
+        </p:nvSpPr>
+        <p:spPr>
+          <a:xfrm>
+            <a:off x="4319640" y="1604520"/>
+            <a:ext cx="3533040" cy="1896840"/>
+          </a:xfrm>
+          <a:prstGeom prst="rect">
+            <a:avLst/>
+          </a:prstGeom>
+        </p:spPr>
+        <p:txBody>
+          <a:bodyPr lIns="0" rIns="0" tIns="0" bIns="0">
+            <a:normAutofit/>
+          </a:bodyPr>
+          <a:p>
+            <a:endParaRPr b="0" lang="de-DE" sz="3200" spc="-1" strike="noStrike">
+              <a:latin typeface="Arial"/>
+            </a:endParaRPr>
+          </a:p>
+        </p:txBody>
+      </p:sp>
+      <p:sp>
+        <p:nvSpPr>
+          <p:cNvPr id="164" name="PlaceHolder 4"/>
+          <p:cNvSpPr>
+            <a:spLocks noGrp="1"/>
+          </p:cNvSpPr>
+          <p:nvPr>
+            <p:ph type="body"/>
+          </p:nvPr>
+        </p:nvSpPr>
+        <p:spPr>
+          <a:xfrm>
+            <a:off x="8029800" y="1604520"/>
+            <a:ext cx="3533040" cy="1896840"/>
+          </a:xfrm>
+          <a:prstGeom prst="rect">
+            <a:avLst/>
+          </a:prstGeom>
+        </p:spPr>
+        <p:txBody>
+          <a:bodyPr lIns="0" rIns="0" tIns="0" bIns="0">
+            <a:normAutofit/>
+          </a:bodyPr>
+          <a:p>
+            <a:endParaRPr b="0" lang="de-DE" sz="3200" spc="-1" strike="noStrike">
+              <a:latin typeface="Arial"/>
+            </a:endParaRPr>
+          </a:p>
+        </p:txBody>
+      </p:sp>
+      <p:sp>
+        <p:nvSpPr>
+          <p:cNvPr id="165" name="PlaceHolder 5"/>
+          <p:cNvSpPr>
+            <a:spLocks noGrp="1"/>
+          </p:cNvSpPr>
+          <p:nvPr>
+            <p:ph type="body"/>
+          </p:nvPr>
+        </p:nvSpPr>
+        <p:spPr>
+          <a:xfrm>
+            <a:off x="609480" y="3682080"/>
+            <a:ext cx="3533040" cy="1896840"/>
+          </a:xfrm>
+          <a:prstGeom prst="rect">
+            <a:avLst/>
+          </a:prstGeom>
+        </p:spPr>
+        <p:txBody>
+          <a:bodyPr lIns="0" rIns="0" tIns="0" bIns="0">
+            <a:normAutofit/>
+          </a:bodyPr>
+          <a:p>
+            <a:endParaRPr b="0" lang="de-DE" sz="3200" spc="-1" strike="noStrike">
+              <a:latin typeface="Arial"/>
+            </a:endParaRPr>
+          </a:p>
+        </p:txBody>
+      </p:sp>
+      <p:sp>
+        <p:nvSpPr>
+          <p:cNvPr id="166" name="PlaceHolder 6"/>
+          <p:cNvSpPr>
+            <a:spLocks noGrp="1"/>
+          </p:cNvSpPr>
+          <p:nvPr>
+            <p:ph type="body"/>
+          </p:nvPr>
+        </p:nvSpPr>
+        <p:spPr>
+          <a:xfrm>
+            <a:off x="4319640" y="3682080"/>
+            <a:ext cx="3533040" cy="1896840"/>
+          </a:xfrm>
+          <a:prstGeom prst="rect">
+            <a:avLst/>
+          </a:prstGeom>
+        </p:spPr>
+        <p:txBody>
+          <a:bodyPr lIns="0" rIns="0" tIns="0" bIns="0">
+            <a:normAutofit/>
+          </a:bodyPr>
+          <a:p>
+            <a:endParaRPr b="0" lang="de-DE" sz="3200" spc="-1" strike="noStrike">
+              <a:latin typeface="Arial"/>
+            </a:endParaRPr>
+          </a:p>
+        </p:txBody>
+      </p:sp>
+      <p:sp>
+        <p:nvSpPr>
+          <p:cNvPr id="167" name="PlaceHolder 7"/>
+          <p:cNvSpPr>
+            <a:spLocks noGrp="1"/>
+          </p:cNvSpPr>
+          <p:nvPr>
+            <p:ph type="body"/>
+          </p:nvPr>
+        </p:nvSpPr>
+        <p:spPr>
+          <a:xfrm>
+            <a:off x="8029800" y="3682080"/>
+            <a:ext cx="3533040" cy="1896840"/>
+          </a:xfrm>
+          <a:prstGeom prst="rect">
+            <a:avLst/>
+          </a:prstGeom>
+        </p:spPr>
+        <p:txBody>
+          <a:bodyPr lIns="0" rIns="0" tIns="0" bIns="0">
+            <a:normAutofit/>
+          </a:bodyPr>
+          <a:p>
+            <a:endParaRPr b="0" lang="de-DE" sz="3200" spc="-1" strike="noStrike">
               <a:latin typeface="Arial"/>
             </a:endParaRPr>
           </a:p>
@@ -7846,8 +10416,8 @@
         </p:nvSpPr>
         <p:spPr>
           <a:xfrm>
-            <a:off x="1451520" y="804600"/>
-            <a:ext cx="9602280" cy="1048320"/>
+            <a:off x="609480" y="273600"/>
+            <a:ext cx="10972440" cy="1144800"/>
           </a:xfrm>
           <a:prstGeom prst="rect">
             <a:avLst/>
@@ -7858,10 +10428,8 @@
             <a:noAutofit/>
           </a:bodyPr>
           <a:p>
-            <a:endParaRPr b="0" lang="de-DE" sz="1800" spc="-1" strike="noStrike">
-              <a:solidFill>
-                <a:srgbClr val="000000"/>
-              </a:solidFill>
+            <a:pPr algn="ctr"/>
+            <a:endParaRPr b="0" lang="de-DE" sz="4400" spc="-1" strike="noStrike">
               <a:latin typeface="Arial"/>
             </a:endParaRPr>
           </a:p>
@@ -7901,8 +10469,8 @@
         </p:nvSpPr>
         <p:spPr>
           <a:xfrm>
-            <a:off x="1451520" y="804600"/>
-            <a:ext cx="9602280" cy="4860720"/>
+            <a:off x="609480" y="273600"/>
+            <a:ext cx="10972440" cy="5307840"/>
           </a:xfrm>
           <a:prstGeom prst="rect">
             <a:avLst/>
@@ -7954,8 +10522,8 @@
         </p:nvSpPr>
         <p:spPr>
           <a:xfrm>
-            <a:off x="1451520" y="804600"/>
-            <a:ext cx="9602280" cy="1048320"/>
+            <a:off x="609480" y="273600"/>
+            <a:ext cx="10972440" cy="1144800"/>
           </a:xfrm>
           <a:prstGeom prst="rect">
             <a:avLst/>
@@ -7966,10 +10534,8 @@
             <a:noAutofit/>
           </a:bodyPr>
           <a:p>
-            <a:endParaRPr b="0" lang="de-DE" sz="1800" spc="-1" strike="noStrike">
-              <a:solidFill>
-                <a:srgbClr val="000000"/>
-              </a:solidFill>
+            <a:pPr algn="ctr"/>
+            <a:endParaRPr b="0" lang="de-DE" sz="4400" spc="-1" strike="noStrike">
               <a:latin typeface="Arial"/>
             </a:endParaRPr>
           </a:p>
@@ -7999,10 +10565,7 @@
             <a:normAutofit/>
           </a:bodyPr>
           <a:p>
-            <a:endParaRPr b="0" lang="de-DE" sz="2800" spc="-1" strike="noStrike">
-              <a:solidFill>
-                <a:srgbClr val="000000"/>
-              </a:solidFill>
+            <a:endParaRPr b="0" lang="de-DE" sz="3200" spc="-1" strike="noStrike">
               <a:latin typeface="Arial"/>
             </a:endParaRPr>
           </a:p>
@@ -8021,7 +10584,7 @@
         <p:spPr>
           <a:xfrm>
             <a:off x="6231960" y="1604520"/>
-            <a:ext cx="5354280" cy="3976920"/>
+            <a:ext cx="5354280" cy="3977280"/>
           </a:xfrm>
           <a:prstGeom prst="rect">
             <a:avLst/>
@@ -8032,10 +10595,7 @@
             <a:normAutofit/>
           </a:bodyPr>
           <a:p>
-            <a:endParaRPr b="0" lang="de-DE" sz="2800" spc="-1" strike="noStrike">
-              <a:solidFill>
-                <a:srgbClr val="000000"/>
-              </a:solidFill>
+            <a:endParaRPr b="0" lang="de-DE" sz="3200" spc="-1" strike="noStrike">
               <a:latin typeface="Arial"/>
             </a:endParaRPr>
           </a:p>
@@ -8065,10 +10625,7 @@
             <a:normAutofit/>
           </a:bodyPr>
           <a:p>
-            <a:endParaRPr b="0" lang="de-DE" sz="2800" spc="-1" strike="noStrike">
-              <a:solidFill>
-                <a:srgbClr val="000000"/>
-              </a:solidFill>
+            <a:endParaRPr b="0" lang="de-DE" sz="3200" spc="-1" strike="noStrike">
               <a:latin typeface="Arial"/>
             </a:endParaRPr>
           </a:p>
@@ -8108,8 +10665,8 @@
         </p:nvSpPr>
         <p:spPr>
           <a:xfrm>
-            <a:off x="1451520" y="804600"/>
-            <a:ext cx="9602280" cy="1048320"/>
+            <a:off x="609480" y="273600"/>
+            <a:ext cx="10972440" cy="1144800"/>
           </a:xfrm>
           <a:prstGeom prst="rect">
             <a:avLst/>
@@ -8120,10 +10677,8 @@
             <a:noAutofit/>
           </a:bodyPr>
           <a:p>
-            <a:endParaRPr b="0" lang="de-DE" sz="1800" spc="-1" strike="noStrike">
-              <a:solidFill>
-                <a:srgbClr val="000000"/>
-              </a:solidFill>
+            <a:pPr algn="ctr"/>
+            <a:endParaRPr b="0" lang="de-DE" sz="4400" spc="-1" strike="noStrike">
               <a:latin typeface="Arial"/>
             </a:endParaRPr>
           </a:p>
@@ -8142,7 +10697,7 @@
         <p:spPr>
           <a:xfrm>
             <a:off x="609480" y="1604520"/>
-            <a:ext cx="5354280" cy="3976920"/>
+            <a:ext cx="5354280" cy="3977280"/>
           </a:xfrm>
           <a:prstGeom prst="rect">
             <a:avLst/>
@@ -8153,10 +10708,7 @@
             <a:normAutofit/>
           </a:bodyPr>
           <a:p>
-            <a:endParaRPr b="0" lang="de-DE" sz="2800" spc="-1" strike="noStrike">
-              <a:solidFill>
-                <a:srgbClr val="000000"/>
-              </a:solidFill>
+            <a:endParaRPr b="0" lang="de-DE" sz="3200" spc="-1" strike="noStrike">
               <a:latin typeface="Arial"/>
             </a:endParaRPr>
           </a:p>
@@ -8186,10 +10738,7 @@
             <a:normAutofit/>
           </a:bodyPr>
           <a:p>
-            <a:endParaRPr b="0" lang="de-DE" sz="2800" spc="-1" strike="noStrike">
-              <a:solidFill>
-                <a:srgbClr val="000000"/>
-              </a:solidFill>
+            <a:endParaRPr b="0" lang="de-DE" sz="3200" spc="-1" strike="noStrike">
               <a:latin typeface="Arial"/>
             </a:endParaRPr>
           </a:p>
@@ -8219,10 +10768,7 @@
             <a:normAutofit/>
           </a:bodyPr>
           <a:p>
-            <a:endParaRPr b="0" lang="de-DE" sz="2800" spc="-1" strike="noStrike">
-              <a:solidFill>
-                <a:srgbClr val="000000"/>
-              </a:solidFill>
+            <a:endParaRPr b="0" lang="de-DE" sz="3200" spc="-1" strike="noStrike">
               <a:latin typeface="Arial"/>
             </a:endParaRPr>
           </a:p>
@@ -8262,8 +10808,8 @@
         </p:nvSpPr>
         <p:spPr>
           <a:xfrm>
-            <a:off x="1451520" y="804600"/>
-            <a:ext cx="9602280" cy="1048320"/>
+            <a:off x="609480" y="273600"/>
+            <a:ext cx="10972440" cy="1144800"/>
           </a:xfrm>
           <a:prstGeom prst="rect">
             <a:avLst/>
@@ -8274,10 +10820,8 @@
             <a:noAutofit/>
           </a:bodyPr>
           <a:p>
-            <a:endParaRPr b="0" lang="de-DE" sz="1800" spc="-1" strike="noStrike">
-              <a:solidFill>
-                <a:srgbClr val="000000"/>
-              </a:solidFill>
+            <a:pPr algn="ctr"/>
+            <a:endParaRPr b="0" lang="de-DE" sz="4400" spc="-1" strike="noStrike">
               <a:latin typeface="Arial"/>
             </a:endParaRPr>
           </a:p>
@@ -8307,10 +10851,7 @@
             <a:normAutofit/>
           </a:bodyPr>
           <a:p>
-            <a:endParaRPr b="0" lang="de-DE" sz="2800" spc="-1" strike="noStrike">
-              <a:solidFill>
-                <a:srgbClr val="000000"/>
-              </a:solidFill>
+            <a:endParaRPr b="0" lang="de-DE" sz="3200" spc="-1" strike="noStrike">
               <a:latin typeface="Arial"/>
             </a:endParaRPr>
           </a:p>
@@ -8340,10 +10881,7 @@
             <a:normAutofit/>
           </a:bodyPr>
           <a:p>
-            <a:endParaRPr b="0" lang="de-DE" sz="2800" spc="-1" strike="noStrike">
-              <a:solidFill>
-                <a:srgbClr val="000000"/>
-              </a:solidFill>
+            <a:endParaRPr b="0" lang="de-DE" sz="3200" spc="-1" strike="noStrike">
               <a:latin typeface="Arial"/>
             </a:endParaRPr>
           </a:p>
@@ -8362,7 +10900,7 @@
         <p:spPr>
           <a:xfrm>
             <a:off x="609480" y="3682080"/>
-            <a:ext cx="10972080" cy="1896840"/>
+            <a:ext cx="10972440" cy="1896840"/>
           </a:xfrm>
           <a:prstGeom prst="rect">
             <a:avLst/>
@@ -8373,10 +10911,7 @@
             <a:normAutofit/>
           </a:bodyPr>
           <a:p>
-            <a:endParaRPr b="0" lang="de-DE" sz="2800" spc="-1" strike="noStrike">
-              <a:solidFill>
-                <a:srgbClr val="000000"/>
-              </a:solidFill>
+            <a:endParaRPr b="0" lang="de-DE" sz="3200" spc="-1" strike="noStrike">
               <a:latin typeface="Arial"/>
             </a:endParaRPr>
           </a:p>
@@ -8420,7 +10955,7 @@
         <p:spPr>
           <a:xfrm>
             <a:off x="0" y="2019600"/>
-            <a:ext cx="12191040" cy="4104720"/>
+            <a:ext cx="12190680" cy="4104360"/>
           </a:xfrm>
           <a:prstGeom prst="rect">
             <a:avLst/>
@@ -8471,7 +11006,7 @@
         <p:spPr>
           <a:xfrm>
             <a:off x="0" y="6126480"/>
-            <a:ext cx="12191040" cy="741960"/>
+            <a:ext cx="12190680" cy="741600"/>
           </a:xfrm>
           <a:prstGeom prst="rect">
             <a:avLst/>
@@ -8558,8 +11093,8 @@
         </p:nvSpPr>
         <p:spPr>
           <a:xfrm>
-            <a:off x="1451520" y="804600"/>
-            <a:ext cx="9602280" cy="1048320"/>
+            <a:off x="609480" y="273600"/>
+            <a:ext cx="10972440" cy="1144800"/>
           </a:xfrm>
           <a:prstGeom prst="rect">
             <a:avLst/>
@@ -8570,19 +11105,14 @@
             <a:noAutofit/>
           </a:bodyPr>
           <a:p>
+            <a:pPr algn="ctr"/>
             <a:r>
               <a:rPr b="0" lang="de-DE" sz="4400" spc="-1" strike="noStrike">
-                <a:solidFill>
-                  <a:srgbClr val="000000"/>
-                </a:solidFill>
                 <a:latin typeface="Arial"/>
               </a:rPr>
               <a:t>Format des Titeltextes durch Klicken bearbeiten</a:t>
             </a:r>
             <a:endParaRPr b="0" lang="de-DE" sz="4400" spc="-1" strike="noStrike">
-              <a:solidFill>
-                <a:srgbClr val="000000"/>
-              </a:solidFill>
               <a:latin typeface="Arial"/>
             </a:endParaRPr>
           </a:p>
@@ -8601,7 +11131,7 @@
         <p:spPr>
           <a:xfrm>
             <a:off x="609480" y="1604520"/>
-            <a:ext cx="10972080" cy="3976920"/>
+            <a:ext cx="10972440" cy="3977280"/>
           </a:xfrm>
           <a:prstGeom prst="rect">
             <a:avLst/>
@@ -8624,18 +11154,12 @@
               <a:buChar char=""/>
             </a:pPr>
             <a:r>
-              <a:rPr b="0" lang="de-DE" sz="2800" spc="-1" strike="noStrike">
-                <a:solidFill>
-                  <a:srgbClr val="000000"/>
-                </a:solidFill>
+              <a:rPr b="0" lang="de-DE" sz="3200" spc="-1" strike="noStrike">
                 <a:latin typeface="Arial"/>
               </a:rPr>
               <a:t>Format des Gliederungstextes durch Klicken bearbeiten</a:t>
             </a:r>
-            <a:endParaRPr b="0" lang="de-DE" sz="2800" spc="-1" strike="noStrike">
-              <a:solidFill>
-                <a:srgbClr val="000000"/>
-              </a:solidFill>
+            <a:endParaRPr b="0" lang="de-DE" sz="3200" spc="-1" strike="noStrike">
               <a:latin typeface="Arial"/>
             </a:endParaRPr>
           </a:p>
@@ -8653,17 +11177,11 @@
             </a:pPr>
             <a:r>
               <a:rPr b="0" lang="de-DE" sz="2800" spc="-1" strike="noStrike">
-                <a:solidFill>
-                  <a:srgbClr val="000000"/>
-                </a:solidFill>
                 <a:latin typeface="Arial"/>
               </a:rPr>
               <a:t>Zweite Gliederungsebene</a:t>
             </a:r>
             <a:endParaRPr b="0" lang="de-DE" sz="2800" spc="-1" strike="noStrike">
-              <a:solidFill>
-                <a:srgbClr val="000000"/>
-              </a:solidFill>
               <a:latin typeface="Arial"/>
             </a:endParaRPr>
           </a:p>
@@ -8680,18 +11198,12 @@
               <a:buChar char=""/>
             </a:pPr>
             <a:r>
-              <a:rPr b="0" lang="de-DE" sz="2800" spc="-1" strike="noStrike">
-                <a:solidFill>
-                  <a:srgbClr val="000000"/>
-                </a:solidFill>
+              <a:rPr b="0" lang="de-DE" sz="2400" spc="-1" strike="noStrike">
                 <a:latin typeface="Arial"/>
               </a:rPr>
               <a:t>Dritte Gliederungsebene</a:t>
             </a:r>
-            <a:endParaRPr b="0" lang="de-DE" sz="2800" spc="-1" strike="noStrike">
-              <a:solidFill>
-                <a:srgbClr val="000000"/>
-              </a:solidFill>
+            <a:endParaRPr b="0" lang="de-DE" sz="2400" spc="-1" strike="noStrike">
               <a:latin typeface="Arial"/>
             </a:endParaRPr>
           </a:p>
@@ -8708,18 +11220,12 @@
               <a:buChar char=""/>
             </a:pPr>
             <a:r>
-              <a:rPr b="0" lang="de-DE" sz="2800" spc="-1" strike="noStrike">
-                <a:solidFill>
-                  <a:srgbClr val="000000"/>
-                </a:solidFill>
+              <a:rPr b="0" lang="de-DE" sz="2000" spc="-1" strike="noStrike">
                 <a:latin typeface="Arial"/>
               </a:rPr>
               <a:t>Vierte Gliederungsebene</a:t>
             </a:r>
-            <a:endParaRPr b="0" lang="de-DE" sz="2800" spc="-1" strike="noStrike">
-              <a:solidFill>
-                <a:srgbClr val="000000"/>
-              </a:solidFill>
+            <a:endParaRPr b="0" lang="de-DE" sz="2000" spc="-1" strike="noStrike">
               <a:latin typeface="Arial"/>
             </a:endParaRPr>
           </a:p>
@@ -8736,18 +11242,12 @@
               <a:buChar char=""/>
             </a:pPr>
             <a:r>
-              <a:rPr b="0" lang="de-DE" sz="2800" spc="-1" strike="noStrike">
-                <a:solidFill>
-                  <a:srgbClr val="000000"/>
-                </a:solidFill>
+              <a:rPr b="0" lang="de-DE" sz="2000" spc="-1" strike="noStrike">
                 <a:latin typeface="Arial"/>
               </a:rPr>
               <a:t>Fünfte Gliederungsebene</a:t>
             </a:r>
-            <a:endParaRPr b="0" lang="de-DE" sz="2800" spc="-1" strike="noStrike">
-              <a:solidFill>
-                <a:srgbClr val="000000"/>
-              </a:solidFill>
+            <a:endParaRPr b="0" lang="de-DE" sz="2000" spc="-1" strike="noStrike">
               <a:latin typeface="Arial"/>
             </a:endParaRPr>
           </a:p>
@@ -8764,18 +11264,12 @@
               <a:buChar char=""/>
             </a:pPr>
             <a:r>
-              <a:rPr b="0" lang="de-DE" sz="2800" spc="-1" strike="noStrike">
-                <a:solidFill>
-                  <a:srgbClr val="000000"/>
-                </a:solidFill>
+              <a:rPr b="0" lang="de-DE" sz="2000" spc="-1" strike="noStrike">
                 <a:latin typeface="Arial"/>
               </a:rPr>
               <a:t>Sechste Gliederungsebene</a:t>
             </a:r>
-            <a:endParaRPr b="0" lang="de-DE" sz="2800" spc="-1" strike="noStrike">
-              <a:solidFill>
-                <a:srgbClr val="000000"/>
-              </a:solidFill>
+            <a:endParaRPr b="0" lang="de-DE" sz="2000" spc="-1" strike="noStrike">
               <a:latin typeface="Arial"/>
             </a:endParaRPr>
           </a:p>
@@ -8792,18 +11286,12 @@
               <a:buChar char=""/>
             </a:pPr>
             <a:r>
-              <a:rPr b="0" lang="de-DE" sz="2800" spc="-1" strike="noStrike">
-                <a:solidFill>
-                  <a:srgbClr val="000000"/>
-                </a:solidFill>
+              <a:rPr b="0" lang="de-DE" sz="2000" spc="-1" strike="noStrike">
                 <a:latin typeface="Arial"/>
               </a:rPr>
               <a:t>Siebte Gliederungsebene</a:t>
             </a:r>
-            <a:endParaRPr b="0" lang="de-DE" sz="2800" spc="-1" strike="noStrike">
-              <a:solidFill>
-                <a:srgbClr val="000000"/>
-              </a:solidFill>
+            <a:endParaRPr b="0" lang="de-DE" sz="2000" spc="-1" strike="noStrike">
               <a:latin typeface="Arial"/>
             </a:endParaRPr>
           </a:p>
@@ -8862,7 +11350,7 @@
         <p:spPr>
           <a:xfrm>
             <a:off x="0" y="2019600"/>
-            <a:ext cx="12191040" cy="4104720"/>
+            <a:ext cx="12190680" cy="4104360"/>
           </a:xfrm>
           <a:prstGeom prst="rect">
             <a:avLst/>
@@ -8913,7 +11401,7 @@
         <p:spPr>
           <a:xfrm>
             <a:off x="0" y="6126480"/>
-            <a:ext cx="12191040" cy="741960"/>
+            <a:ext cx="12190680" cy="741600"/>
           </a:xfrm>
           <a:prstGeom prst="rect">
             <a:avLst/>
@@ -9000,8 +11488,798 @@
         </p:nvSpPr>
         <p:spPr>
           <a:xfrm>
-            <a:off x="1451520" y="804600"/>
-            <a:ext cx="9602280" cy="1048320"/>
+            <a:off x="609480" y="273600"/>
+            <a:ext cx="10972440" cy="1144800"/>
+          </a:xfrm>
+          <a:prstGeom prst="rect">
+            <a:avLst/>
+          </a:prstGeom>
+        </p:spPr>
+        <p:txBody>
+          <a:bodyPr lIns="0" rIns="0" tIns="0" bIns="0" anchor="ctr">
+            <a:noAutofit/>
+          </a:bodyPr>
+          <a:p>
+            <a:pPr algn="ctr"/>
+            <a:r>
+              <a:rPr b="0" lang="de-DE" sz="4400" spc="-1" strike="noStrike">
+                <a:latin typeface="Arial"/>
+              </a:rPr>
+              <a:t>Format des Titeltextes durch Klicken bearbeiten</a:t>
+            </a:r>
+            <a:endParaRPr b="0" lang="de-DE" sz="4400" spc="-1" strike="noStrike">
+              <a:latin typeface="Arial"/>
+            </a:endParaRPr>
+          </a:p>
+        </p:txBody>
+      </p:sp>
+      <p:sp>
+        <p:nvSpPr>
+          <p:cNvPr id="47" name="PlaceHolder 5"/>
+          <p:cNvSpPr>
+            <a:spLocks noGrp="1"/>
+          </p:cNvSpPr>
+          <p:nvPr>
+            <p:ph type="body"/>
+          </p:nvPr>
+        </p:nvSpPr>
+        <p:spPr>
+          <a:xfrm>
+            <a:off x="609480" y="1604520"/>
+            <a:ext cx="10972440" cy="3977280"/>
+          </a:xfrm>
+          <a:prstGeom prst="rect">
+            <a:avLst/>
+          </a:prstGeom>
+        </p:spPr>
+        <p:txBody>
+          <a:bodyPr lIns="0" rIns="0" tIns="0" bIns="0">
+            <a:normAutofit/>
+          </a:bodyPr>
+          <a:p>
+            <a:pPr marL="432000" indent="-324000">
+              <a:spcBef>
+                <a:spcPts val="1417"/>
+              </a:spcBef>
+              <a:buClr>
+                <a:srgbClr val="000000"/>
+              </a:buClr>
+              <a:buSzPct val="45000"/>
+              <a:buFont typeface="Wingdings" charset="2"/>
+              <a:buChar char=""/>
+            </a:pPr>
+            <a:r>
+              <a:rPr b="0" lang="de-DE" sz="3200" spc="-1" strike="noStrike">
+                <a:latin typeface="Arial"/>
+              </a:rPr>
+              <a:t>Format des Gliederungstextes durch Klicken bearbeiten</a:t>
+            </a:r>
+            <a:endParaRPr b="0" lang="de-DE" sz="3200" spc="-1" strike="noStrike">
+              <a:latin typeface="Arial"/>
+            </a:endParaRPr>
+          </a:p>
+          <a:p>
+            <a:pPr lvl="1" marL="864000" indent="-324000">
+              <a:spcBef>
+                <a:spcPts val="1134"/>
+              </a:spcBef>
+              <a:buClr>
+                <a:srgbClr val="000000"/>
+              </a:buClr>
+              <a:buSzPct val="75000"/>
+              <a:buFont typeface="Symbol" charset="2"/>
+              <a:buChar char=""/>
+            </a:pPr>
+            <a:r>
+              <a:rPr b="0" lang="de-DE" sz="2800" spc="-1" strike="noStrike">
+                <a:latin typeface="Arial"/>
+              </a:rPr>
+              <a:t>Zweite Gliederungsebene</a:t>
+            </a:r>
+            <a:endParaRPr b="0" lang="de-DE" sz="2800" spc="-1" strike="noStrike">
+              <a:latin typeface="Arial"/>
+            </a:endParaRPr>
+          </a:p>
+          <a:p>
+            <a:pPr lvl="2" marL="1296000" indent="-288000">
+              <a:spcBef>
+                <a:spcPts val="850"/>
+              </a:spcBef>
+              <a:buClr>
+                <a:srgbClr val="000000"/>
+              </a:buClr>
+              <a:buSzPct val="45000"/>
+              <a:buFont typeface="Wingdings" charset="2"/>
+              <a:buChar char=""/>
+            </a:pPr>
+            <a:r>
+              <a:rPr b="0" lang="de-DE" sz="2400" spc="-1" strike="noStrike">
+                <a:latin typeface="Arial"/>
+              </a:rPr>
+              <a:t>Dritte Gliederungsebene</a:t>
+            </a:r>
+            <a:endParaRPr b="0" lang="de-DE" sz="2400" spc="-1" strike="noStrike">
+              <a:latin typeface="Arial"/>
+            </a:endParaRPr>
+          </a:p>
+          <a:p>
+            <a:pPr lvl="3" marL="1728000" indent="-216000">
+              <a:spcBef>
+                <a:spcPts val="567"/>
+              </a:spcBef>
+              <a:buClr>
+                <a:srgbClr val="000000"/>
+              </a:buClr>
+              <a:buSzPct val="75000"/>
+              <a:buFont typeface="Symbol" charset="2"/>
+              <a:buChar char=""/>
+            </a:pPr>
+            <a:r>
+              <a:rPr b="0" lang="de-DE" sz="2000" spc="-1" strike="noStrike">
+                <a:latin typeface="Arial"/>
+              </a:rPr>
+              <a:t>Vierte Gliederungsebene</a:t>
+            </a:r>
+            <a:endParaRPr b="0" lang="de-DE" sz="2000" spc="-1" strike="noStrike">
+              <a:latin typeface="Arial"/>
+            </a:endParaRPr>
+          </a:p>
+          <a:p>
+            <a:pPr lvl="4" marL="2160000" indent="-216000">
+              <a:spcBef>
+                <a:spcPts val="283"/>
+              </a:spcBef>
+              <a:buClr>
+                <a:srgbClr val="000000"/>
+              </a:buClr>
+              <a:buSzPct val="45000"/>
+              <a:buFont typeface="Wingdings" charset="2"/>
+              <a:buChar char=""/>
+            </a:pPr>
+            <a:r>
+              <a:rPr b="0" lang="de-DE" sz="2000" spc="-1" strike="noStrike">
+                <a:latin typeface="Arial"/>
+              </a:rPr>
+              <a:t>Fünfte Gliederungsebene</a:t>
+            </a:r>
+            <a:endParaRPr b="0" lang="de-DE" sz="2000" spc="-1" strike="noStrike">
+              <a:latin typeface="Arial"/>
+            </a:endParaRPr>
+          </a:p>
+          <a:p>
+            <a:pPr lvl="5" marL="2592000" indent="-216000">
+              <a:spcBef>
+                <a:spcPts val="283"/>
+              </a:spcBef>
+              <a:buClr>
+                <a:srgbClr val="000000"/>
+              </a:buClr>
+              <a:buSzPct val="45000"/>
+              <a:buFont typeface="Wingdings" charset="2"/>
+              <a:buChar char=""/>
+            </a:pPr>
+            <a:r>
+              <a:rPr b="0" lang="de-DE" sz="2000" spc="-1" strike="noStrike">
+                <a:latin typeface="Arial"/>
+              </a:rPr>
+              <a:t>Sechste Gliederungsebene</a:t>
+            </a:r>
+            <a:endParaRPr b="0" lang="de-DE" sz="2000" spc="-1" strike="noStrike">
+              <a:latin typeface="Arial"/>
+            </a:endParaRPr>
+          </a:p>
+          <a:p>
+            <a:pPr lvl="6" marL="3024000" indent="-216000">
+              <a:spcBef>
+                <a:spcPts val="283"/>
+              </a:spcBef>
+              <a:buClr>
+                <a:srgbClr val="000000"/>
+              </a:buClr>
+              <a:buSzPct val="45000"/>
+              <a:buFont typeface="Wingdings" charset="2"/>
+              <a:buChar char=""/>
+            </a:pPr>
+            <a:r>
+              <a:rPr b="0" lang="de-DE" sz="2000" spc="-1" strike="noStrike">
+                <a:latin typeface="Arial"/>
+              </a:rPr>
+              <a:t>Siebte Gliederungsebene</a:t>
+            </a:r>
+            <a:endParaRPr b="0" lang="de-DE" sz="2000" spc="-1" strike="noStrike">
+              <a:latin typeface="Arial"/>
+            </a:endParaRPr>
+          </a:p>
+        </p:txBody>
+      </p:sp>
+    </p:spTree>
+  </p:cSld>
+  <p:clrMap bg1="lt1" bg2="lt2" tx1="dk1" tx2="dk2" accent1="accent1" accent2="accent2" accent3="accent3" accent4="accent4" accent5="accent5" accent6="accent6" hlink="hlink" folHlink="folHlink"/>
+  <p:sldLayoutIdLst>
+    <p:sldLayoutId id="2147483662" r:id="rId3"/>
+    <p:sldLayoutId id="2147483663" r:id="rId4"/>
+    <p:sldLayoutId id="2147483664" r:id="rId5"/>
+    <p:sldLayoutId id="2147483665" r:id="rId6"/>
+    <p:sldLayoutId id="2147483666" r:id="rId7"/>
+    <p:sldLayoutId id="2147483667" r:id="rId8"/>
+    <p:sldLayoutId id="2147483668" r:id="rId9"/>
+    <p:sldLayoutId id="2147483669" r:id="rId10"/>
+    <p:sldLayoutId id="2147483670" r:id="rId11"/>
+    <p:sldLayoutId id="2147483671" r:id="rId12"/>
+    <p:sldLayoutId id="2147483672" r:id="rId13"/>
+    <p:sldLayoutId id="2147483673" r:id="rId14"/>
+  </p:sldLayoutIdLst>
+</p:sldMaster>
+</file>
+
+<file path=ppt/slideMasters/slideMaster3.xml><?xml version="1.0" encoding="utf-8"?>
+<p:sldMaster xmlns:a="http://schemas.openxmlformats.org/drawingml/2006/main" xmlns:p="http://schemas.openxmlformats.org/presentationml/2006/main" xmlns:r="http://schemas.openxmlformats.org/officeDocument/2006/relationships" xmlns:p14="http://schemas.microsoft.com/office/powerpoint/2010/main" xmlns:p15="http://schemas.microsoft.com/office/powerpoint/2012/main" xmlns:mc="http://schemas.openxmlformats.org/markup-compatibility/2006">
+  <p:cSld>
+    <p:bg>
+      <p:bgPr>
+        <a:solidFill>
+          <a:srgbClr val="ffffff"/>
+        </a:solidFill>
+      </p:bgPr>
+    </p:bg>
+    <p:spTree>
+      <p:nvGrpSpPr>
+        <p:cNvPr id="1" name=""/>
+        <p:cNvGrpSpPr/>
+        <p:nvPr/>
+      </p:nvGrpSpPr>
+      <p:grpSpPr>
+        <a:xfrm>
+          <a:off x="0" y="0"/>
+          <a:ext cx="0" cy="0"/>
+          <a:chOff x="0" y="0"/>
+          <a:chExt cx="0" cy="0"/>
+        </a:xfrm>
+      </p:grpSpPr>
+      <p:sp>
+        <p:nvSpPr>
+          <p:cNvPr id="84" name="CustomShape 1"/>
+          <p:cNvSpPr/>
+          <p:nvPr/>
+        </p:nvSpPr>
+        <p:spPr>
+          <a:xfrm>
+            <a:off x="0" y="2019600"/>
+            <a:ext cx="12190680" cy="4104360"/>
+          </a:xfrm>
+          <a:prstGeom prst="rect">
+            <a:avLst/>
+          </a:prstGeom>
+          <a:gradFill rotWithShape="0">
+            <a:gsLst>
+              <a:gs pos="0">
+                <a:srgbClr val="dfdbd5">
+                  <a:alpha val="0"/>
+                </a:srgbClr>
+              </a:gs>
+              <a:gs pos="100000">
+                <a:srgbClr val="dfdbd5"/>
+              </a:gs>
+            </a:gsLst>
+            <a:lin ang="5400000"/>
+          </a:gradFill>
+          <a:ln>
+            <a:noFill/>
+          </a:ln>
+        </p:spPr>
+        <p:style>
+          <a:lnRef idx="2">
+            <a:schemeClr val="accent1">
+              <a:shade val="50000"/>
+            </a:schemeClr>
+          </a:lnRef>
+          <a:fillRef idx="1">
+            <a:schemeClr val="accent1"/>
+          </a:fillRef>
+          <a:effectRef idx="0">
+            <a:schemeClr val="accent1"/>
+          </a:effectRef>
+          <a:fontRef idx="minor"/>
+        </p:style>
+      </p:sp>
+      <p:pic>
+        <p:nvPicPr>
+          <p:cNvPr id="85" name="Picture 6" descr=""/>
+          <p:cNvPicPr/>
+          <p:nvPr/>
+        </p:nvPicPr>
+        <p:blipFill>
+          <a:blip r:embed="rId2"/>
+          <a:srcRect l="0" t="1545" r="0" b="-1545"/>
+          <a:stretch/>
+        </p:blipFill>
+        <p:spPr>
+          <a:xfrm>
+            <a:off x="0" y="6126480"/>
+            <a:ext cx="12190680" cy="741600"/>
+          </a:xfrm>
+          <a:prstGeom prst="rect">
+            <a:avLst/>
+          </a:prstGeom>
+          <a:ln>
+            <a:noFill/>
+          </a:ln>
+        </p:spPr>
+      </p:pic>
+      <p:sp>
+        <p:nvSpPr>
+          <p:cNvPr id="86" name="Line 2"/>
+          <p:cNvSpPr/>
+          <p:nvPr/>
+        </p:nvSpPr>
+        <p:spPr>
+          <a:xfrm>
+            <a:off x="0" y="6128280"/>
+            <a:ext cx="12191760" cy="0"/>
+          </a:xfrm>
+          <a:prstGeom prst="line">
+            <a:avLst/>
+          </a:prstGeom>
+          <a:ln w="12600">
+            <a:solidFill>
+              <a:srgbClr val="000001"/>
+            </a:solidFill>
+            <a:round/>
+          </a:ln>
+        </p:spPr>
+        <p:style>
+          <a:lnRef idx="1">
+            <a:schemeClr val="accent1"/>
+          </a:lnRef>
+          <a:fillRef idx="0">
+            <a:schemeClr val="accent1"/>
+          </a:fillRef>
+          <a:effectRef idx="0">
+            <a:schemeClr val="accent1"/>
+          </a:effectRef>
+          <a:fontRef idx="minor"/>
+        </p:style>
+      </p:sp>
+      <p:sp>
+        <p:nvSpPr>
+          <p:cNvPr id="87" name="Line 3"/>
+          <p:cNvSpPr/>
+          <p:nvPr/>
+        </p:nvSpPr>
+        <p:spPr>
+          <a:xfrm>
+            <a:off x="1453680" y="1846800"/>
+            <a:ext cx="9607680" cy="0"/>
+          </a:xfrm>
+          <a:prstGeom prst="line">
+            <a:avLst/>
+          </a:prstGeom>
+          <a:ln w="31680">
+            <a:round/>
+          </a:ln>
+        </p:spPr>
+        <p:style>
+          <a:lnRef idx="3">
+            <a:schemeClr val="accent1"/>
+          </a:lnRef>
+          <a:fillRef idx="0">
+            <a:schemeClr val="accent1"/>
+          </a:fillRef>
+          <a:effectRef idx="2">
+            <a:schemeClr val="accent1"/>
+          </a:effectRef>
+          <a:fontRef idx="minor"/>
+        </p:style>
+      </p:sp>
+      <p:sp>
+        <p:nvSpPr>
+          <p:cNvPr id="88" name="PlaceHolder 4"/>
+          <p:cNvSpPr>
+            <a:spLocks noGrp="1"/>
+          </p:cNvSpPr>
+          <p:nvPr>
+            <p:ph type="title"/>
+          </p:nvPr>
+        </p:nvSpPr>
+        <p:spPr>
+          <a:xfrm>
+            <a:off x="609480" y="273600"/>
+            <a:ext cx="10972440" cy="1144800"/>
+          </a:xfrm>
+          <a:prstGeom prst="rect">
+            <a:avLst/>
+          </a:prstGeom>
+        </p:spPr>
+        <p:txBody>
+          <a:bodyPr lIns="0" rIns="0" tIns="0" bIns="0" anchor="ctr">
+            <a:noAutofit/>
+          </a:bodyPr>
+          <a:p>
+            <a:pPr algn="ctr"/>
+            <a:r>
+              <a:rPr b="0" lang="de-DE" sz="4400" spc="-1" strike="noStrike">
+                <a:latin typeface="Arial"/>
+              </a:rPr>
+              <a:t>Format des Titeltextes durch Klicken bearbeiten</a:t>
+            </a:r>
+            <a:endParaRPr b="0" lang="de-DE" sz="4400" spc="-1" strike="noStrike">
+              <a:latin typeface="Arial"/>
+            </a:endParaRPr>
+          </a:p>
+        </p:txBody>
+      </p:sp>
+      <p:sp>
+        <p:nvSpPr>
+          <p:cNvPr id="89" name="PlaceHolder 5"/>
+          <p:cNvSpPr>
+            <a:spLocks noGrp="1"/>
+          </p:cNvSpPr>
+          <p:nvPr>
+            <p:ph type="body"/>
+          </p:nvPr>
+        </p:nvSpPr>
+        <p:spPr>
+          <a:xfrm>
+            <a:off x="609480" y="1604520"/>
+            <a:ext cx="10972440" cy="3977280"/>
+          </a:xfrm>
+          <a:prstGeom prst="rect">
+            <a:avLst/>
+          </a:prstGeom>
+        </p:spPr>
+        <p:txBody>
+          <a:bodyPr lIns="0" rIns="0" tIns="0" bIns="0">
+            <a:normAutofit/>
+          </a:bodyPr>
+          <a:p>
+            <a:pPr marL="432000" indent="-324000">
+              <a:spcBef>
+                <a:spcPts val="1417"/>
+              </a:spcBef>
+              <a:buClr>
+                <a:srgbClr val="000000"/>
+              </a:buClr>
+              <a:buSzPct val="45000"/>
+              <a:buFont typeface="Wingdings" charset="2"/>
+              <a:buChar char=""/>
+            </a:pPr>
+            <a:r>
+              <a:rPr b="0" lang="de-DE" sz="3200" spc="-1" strike="noStrike">
+                <a:latin typeface="Arial"/>
+              </a:rPr>
+              <a:t>Format des Gliederungstextes durch Klicken bearbeiten</a:t>
+            </a:r>
+            <a:endParaRPr b="0" lang="de-DE" sz="3200" spc="-1" strike="noStrike">
+              <a:latin typeface="Arial"/>
+            </a:endParaRPr>
+          </a:p>
+          <a:p>
+            <a:pPr lvl="1" marL="864000" indent="-324000">
+              <a:spcBef>
+                <a:spcPts val="1134"/>
+              </a:spcBef>
+              <a:buClr>
+                <a:srgbClr val="000000"/>
+              </a:buClr>
+              <a:buSzPct val="75000"/>
+              <a:buFont typeface="Symbol" charset="2"/>
+              <a:buChar char=""/>
+            </a:pPr>
+            <a:r>
+              <a:rPr b="0" lang="de-DE" sz="2800" spc="-1" strike="noStrike">
+                <a:latin typeface="Arial"/>
+              </a:rPr>
+              <a:t>Zweite Gliederungsebene</a:t>
+            </a:r>
+            <a:endParaRPr b="0" lang="de-DE" sz="2800" spc="-1" strike="noStrike">
+              <a:latin typeface="Arial"/>
+            </a:endParaRPr>
+          </a:p>
+          <a:p>
+            <a:pPr lvl="2" marL="1296000" indent="-288000">
+              <a:spcBef>
+                <a:spcPts val="850"/>
+              </a:spcBef>
+              <a:buClr>
+                <a:srgbClr val="000000"/>
+              </a:buClr>
+              <a:buSzPct val="45000"/>
+              <a:buFont typeface="Wingdings" charset="2"/>
+              <a:buChar char=""/>
+            </a:pPr>
+            <a:r>
+              <a:rPr b="0" lang="de-DE" sz="2400" spc="-1" strike="noStrike">
+                <a:latin typeface="Arial"/>
+              </a:rPr>
+              <a:t>Dritte Gliederungsebene</a:t>
+            </a:r>
+            <a:endParaRPr b="0" lang="de-DE" sz="2400" spc="-1" strike="noStrike">
+              <a:latin typeface="Arial"/>
+            </a:endParaRPr>
+          </a:p>
+          <a:p>
+            <a:pPr lvl="3" marL="1728000" indent="-216000">
+              <a:spcBef>
+                <a:spcPts val="567"/>
+              </a:spcBef>
+              <a:buClr>
+                <a:srgbClr val="000000"/>
+              </a:buClr>
+              <a:buSzPct val="75000"/>
+              <a:buFont typeface="Symbol" charset="2"/>
+              <a:buChar char=""/>
+            </a:pPr>
+            <a:r>
+              <a:rPr b="0" lang="de-DE" sz="2000" spc="-1" strike="noStrike">
+                <a:latin typeface="Arial"/>
+              </a:rPr>
+              <a:t>Vierte Gliederungsebene</a:t>
+            </a:r>
+            <a:endParaRPr b="0" lang="de-DE" sz="2000" spc="-1" strike="noStrike">
+              <a:latin typeface="Arial"/>
+            </a:endParaRPr>
+          </a:p>
+          <a:p>
+            <a:pPr lvl="4" marL="2160000" indent="-216000">
+              <a:spcBef>
+                <a:spcPts val="283"/>
+              </a:spcBef>
+              <a:buClr>
+                <a:srgbClr val="000000"/>
+              </a:buClr>
+              <a:buSzPct val="45000"/>
+              <a:buFont typeface="Wingdings" charset="2"/>
+              <a:buChar char=""/>
+            </a:pPr>
+            <a:r>
+              <a:rPr b="0" lang="de-DE" sz="2000" spc="-1" strike="noStrike">
+                <a:latin typeface="Arial"/>
+              </a:rPr>
+              <a:t>Fünfte Gliederungsebene</a:t>
+            </a:r>
+            <a:endParaRPr b="0" lang="de-DE" sz="2000" spc="-1" strike="noStrike">
+              <a:latin typeface="Arial"/>
+            </a:endParaRPr>
+          </a:p>
+          <a:p>
+            <a:pPr lvl="5" marL="2592000" indent="-216000">
+              <a:spcBef>
+                <a:spcPts val="283"/>
+              </a:spcBef>
+              <a:buClr>
+                <a:srgbClr val="000000"/>
+              </a:buClr>
+              <a:buSzPct val="45000"/>
+              <a:buFont typeface="Wingdings" charset="2"/>
+              <a:buChar char=""/>
+            </a:pPr>
+            <a:r>
+              <a:rPr b="0" lang="de-DE" sz="2000" spc="-1" strike="noStrike">
+                <a:latin typeface="Arial"/>
+              </a:rPr>
+              <a:t>Sechste Gliederungsebene</a:t>
+            </a:r>
+            <a:endParaRPr b="0" lang="de-DE" sz="2000" spc="-1" strike="noStrike">
+              <a:latin typeface="Arial"/>
+            </a:endParaRPr>
+          </a:p>
+          <a:p>
+            <a:pPr lvl="6" marL="3024000" indent="-216000">
+              <a:spcBef>
+                <a:spcPts val="283"/>
+              </a:spcBef>
+              <a:buClr>
+                <a:srgbClr val="000000"/>
+              </a:buClr>
+              <a:buSzPct val="45000"/>
+              <a:buFont typeface="Wingdings" charset="2"/>
+              <a:buChar char=""/>
+            </a:pPr>
+            <a:r>
+              <a:rPr b="0" lang="de-DE" sz="2000" spc="-1" strike="noStrike">
+                <a:latin typeface="Arial"/>
+              </a:rPr>
+              <a:t>Siebte Gliederungsebene</a:t>
+            </a:r>
+            <a:endParaRPr b="0" lang="de-DE" sz="2000" spc="-1" strike="noStrike">
+              <a:latin typeface="Arial"/>
+            </a:endParaRPr>
+          </a:p>
+        </p:txBody>
+      </p:sp>
+    </p:spTree>
+  </p:cSld>
+  <p:clrMap bg1="lt1" bg2="lt2" tx1="dk1" tx2="dk2" accent1="accent1" accent2="accent2" accent3="accent3" accent4="accent4" accent5="accent5" accent6="accent6" hlink="hlink" folHlink="folHlink"/>
+  <p:sldLayoutIdLst>
+    <p:sldLayoutId id="2147483675" r:id="rId3"/>
+    <p:sldLayoutId id="2147483676" r:id="rId4"/>
+    <p:sldLayoutId id="2147483677" r:id="rId5"/>
+    <p:sldLayoutId id="2147483678" r:id="rId6"/>
+    <p:sldLayoutId id="2147483679" r:id="rId7"/>
+    <p:sldLayoutId id="2147483680" r:id="rId8"/>
+    <p:sldLayoutId id="2147483681" r:id="rId9"/>
+    <p:sldLayoutId id="2147483682" r:id="rId10"/>
+    <p:sldLayoutId id="2147483683" r:id="rId11"/>
+    <p:sldLayoutId id="2147483684" r:id="rId12"/>
+    <p:sldLayoutId id="2147483685" r:id="rId13"/>
+    <p:sldLayoutId id="2147483686" r:id="rId14"/>
+  </p:sldLayoutIdLst>
+</p:sldMaster>
+</file>
+
+<file path=ppt/slideMasters/slideMaster4.xml><?xml version="1.0" encoding="utf-8"?>
+<p:sldMaster xmlns:a="http://schemas.openxmlformats.org/drawingml/2006/main" xmlns:p="http://schemas.openxmlformats.org/presentationml/2006/main" xmlns:r="http://schemas.openxmlformats.org/officeDocument/2006/relationships" xmlns:p14="http://schemas.microsoft.com/office/powerpoint/2010/main" xmlns:p15="http://schemas.microsoft.com/office/powerpoint/2012/main" xmlns:mc="http://schemas.openxmlformats.org/markup-compatibility/2006">
+  <p:cSld>
+    <p:bg>
+      <p:bgPr>
+        <a:solidFill>
+          <a:srgbClr val="ffffff"/>
+        </a:solidFill>
+      </p:bgPr>
+    </p:bg>
+    <p:spTree>
+      <p:nvGrpSpPr>
+        <p:cNvPr id="1" name=""/>
+        <p:cNvGrpSpPr/>
+        <p:nvPr/>
+      </p:nvGrpSpPr>
+      <p:grpSpPr>
+        <a:xfrm>
+          <a:off x="0" y="0"/>
+          <a:ext cx="0" cy="0"/>
+          <a:chOff x="0" y="0"/>
+          <a:chExt cx="0" cy="0"/>
+        </a:xfrm>
+      </p:grpSpPr>
+      <p:sp>
+        <p:nvSpPr>
+          <p:cNvPr id="126" name="CustomShape 1"/>
+          <p:cNvSpPr/>
+          <p:nvPr/>
+        </p:nvSpPr>
+        <p:spPr>
+          <a:xfrm>
+            <a:off x="0" y="2019600"/>
+            <a:ext cx="12190680" cy="4104360"/>
+          </a:xfrm>
+          <a:prstGeom prst="rect">
+            <a:avLst/>
+          </a:prstGeom>
+          <a:gradFill rotWithShape="0">
+            <a:gsLst>
+              <a:gs pos="0">
+                <a:srgbClr val="dfdbd5">
+                  <a:alpha val="0"/>
+                </a:srgbClr>
+              </a:gs>
+              <a:gs pos="100000">
+                <a:srgbClr val="dfdbd5"/>
+              </a:gs>
+            </a:gsLst>
+            <a:lin ang="5400000"/>
+          </a:gradFill>
+          <a:ln>
+            <a:noFill/>
+          </a:ln>
+        </p:spPr>
+        <p:style>
+          <a:lnRef idx="2">
+            <a:schemeClr val="accent1">
+              <a:shade val="50000"/>
+            </a:schemeClr>
+          </a:lnRef>
+          <a:fillRef idx="1">
+            <a:schemeClr val="accent1"/>
+          </a:fillRef>
+          <a:effectRef idx="0">
+            <a:schemeClr val="accent1"/>
+          </a:effectRef>
+          <a:fontRef idx="minor"/>
+        </p:style>
+      </p:sp>
+      <p:pic>
+        <p:nvPicPr>
+          <p:cNvPr id="127" name="Picture 6" descr=""/>
+          <p:cNvPicPr/>
+          <p:nvPr/>
+        </p:nvPicPr>
+        <p:blipFill>
+          <a:blip r:embed="rId2"/>
+          <a:srcRect l="0" t="1545" r="0" b="-1545"/>
+          <a:stretch/>
+        </p:blipFill>
+        <p:spPr>
+          <a:xfrm>
+            <a:off x="0" y="6126480"/>
+            <a:ext cx="12190680" cy="741600"/>
+          </a:xfrm>
+          <a:prstGeom prst="rect">
+            <a:avLst/>
+          </a:prstGeom>
+          <a:ln>
+            <a:noFill/>
+          </a:ln>
+        </p:spPr>
+      </p:pic>
+      <p:sp>
+        <p:nvSpPr>
+          <p:cNvPr id="128" name="Line 2"/>
+          <p:cNvSpPr/>
+          <p:nvPr/>
+        </p:nvSpPr>
+        <p:spPr>
+          <a:xfrm>
+            <a:off x="0" y="6128280"/>
+            <a:ext cx="12191760" cy="0"/>
+          </a:xfrm>
+          <a:prstGeom prst="line">
+            <a:avLst/>
+          </a:prstGeom>
+          <a:ln w="12600">
+            <a:solidFill>
+              <a:srgbClr val="000001"/>
+            </a:solidFill>
+            <a:round/>
+          </a:ln>
+        </p:spPr>
+        <p:style>
+          <a:lnRef idx="1">
+            <a:schemeClr val="accent1"/>
+          </a:lnRef>
+          <a:fillRef idx="0">
+            <a:schemeClr val="accent1"/>
+          </a:fillRef>
+          <a:effectRef idx="0">
+            <a:schemeClr val="accent1"/>
+          </a:effectRef>
+          <a:fontRef idx="minor"/>
+        </p:style>
+      </p:sp>
+      <p:sp>
+        <p:nvSpPr>
+          <p:cNvPr id="129" name="Line 3"/>
+          <p:cNvSpPr/>
+          <p:nvPr/>
+        </p:nvSpPr>
+        <p:spPr>
+          <a:xfrm>
+            <a:off x="1453680" y="1846800"/>
+            <a:ext cx="9607680" cy="0"/>
+          </a:xfrm>
+          <a:prstGeom prst="line">
+            <a:avLst/>
+          </a:prstGeom>
+          <a:ln w="31680">
+            <a:round/>
+          </a:ln>
+        </p:spPr>
+        <p:style>
+          <a:lnRef idx="3">
+            <a:schemeClr val="accent1"/>
+          </a:lnRef>
+          <a:fillRef idx="0">
+            <a:schemeClr val="accent1"/>
+          </a:fillRef>
+          <a:effectRef idx="2">
+            <a:schemeClr val="accent1"/>
+          </a:effectRef>
+          <a:fontRef idx="minor"/>
+        </p:style>
+      </p:sp>
+      <p:sp>
+        <p:nvSpPr>
+          <p:cNvPr id="130" name="PlaceHolder 4"/>
+          <p:cNvSpPr>
+            <a:spLocks noGrp="1"/>
+          </p:cNvSpPr>
+          <p:nvPr>
+            <p:ph type="title"/>
+          </p:nvPr>
+        </p:nvSpPr>
+        <p:spPr>
+          <a:xfrm>
+            <a:off x="609480" y="273600"/>
+            <a:ext cx="10972080" cy="1144440"/>
           </a:xfrm>
           <a:prstGeom prst="rect">
             <a:avLst/>
@@ -9032,7 +12310,7 @@
       </p:sp>
       <p:sp>
         <p:nvSpPr>
-          <p:cNvPr id="47" name="PlaceHolder 5"/>
+          <p:cNvPr id="131" name="PlaceHolder 5"/>
           <p:cNvSpPr>
             <a:spLocks noGrp="1"/>
           </p:cNvSpPr>
@@ -9043,7 +12321,7 @@
         <p:spPr>
           <a:xfrm>
             <a:off x="609480" y="1604520"/>
-            <a:ext cx="10972080" cy="3976920"/>
+            <a:ext cx="10972440" cy="3977280"/>
           </a:xfrm>
           <a:prstGeom prst="rect">
             <a:avLst/>
@@ -9094,7 +12372,7 @@
               <a:buChar char=""/>
             </a:pPr>
             <a:r>
-              <a:rPr b="0" lang="de-DE" sz="2800" spc="-1" strike="noStrike">
+              <a:rPr b="0" lang="de-DE" sz="2000" spc="-1" strike="noStrike">
                 <a:solidFill>
                   <a:srgbClr val="000000"/>
                 </a:solidFill>
@@ -9102,7 +12380,7 @@
               </a:rPr>
               <a:t>Zweite Gliederungsebene</a:t>
             </a:r>
-            <a:endParaRPr b="0" lang="de-DE" sz="2800" spc="-1" strike="noStrike">
+            <a:endParaRPr b="0" lang="de-DE" sz="2000" spc="-1" strike="noStrike">
               <a:solidFill>
                 <a:srgbClr val="000000"/>
               </a:solidFill>
@@ -9122,7 +12400,7 @@
               <a:buChar char=""/>
             </a:pPr>
             <a:r>
-              <a:rPr b="0" lang="de-DE" sz="2800" spc="-1" strike="noStrike">
+              <a:rPr b="0" lang="de-DE" sz="1800" spc="-1" strike="noStrike">
                 <a:solidFill>
                   <a:srgbClr val="000000"/>
                 </a:solidFill>
@@ -9130,7 +12408,7 @@
               </a:rPr>
               <a:t>Dritte Gliederungsebene</a:t>
             </a:r>
-            <a:endParaRPr b="0" lang="de-DE" sz="2800" spc="-1" strike="noStrike">
+            <a:endParaRPr b="0" lang="de-DE" sz="1800" spc="-1" strike="noStrike">
               <a:solidFill>
                 <a:srgbClr val="000000"/>
               </a:solidFill>
@@ -9150,7 +12428,7 @@
               <a:buChar char=""/>
             </a:pPr>
             <a:r>
-              <a:rPr b="0" lang="de-DE" sz="2800" spc="-1" strike="noStrike">
+              <a:rPr b="0" lang="de-DE" sz="1800" spc="-1" strike="noStrike">
                 <a:solidFill>
                   <a:srgbClr val="000000"/>
                 </a:solidFill>
@@ -9158,7 +12436,7 @@
               </a:rPr>
               <a:t>Vierte Gliederungsebene</a:t>
             </a:r>
-            <a:endParaRPr b="0" lang="de-DE" sz="2800" spc="-1" strike="noStrike">
+            <a:endParaRPr b="0" lang="de-DE" sz="1800" spc="-1" strike="noStrike">
               <a:solidFill>
                 <a:srgbClr val="000000"/>
               </a:solidFill>
@@ -9178,7 +12456,7 @@
               <a:buChar char=""/>
             </a:pPr>
             <a:r>
-              <a:rPr b="0" lang="de-DE" sz="2800" spc="-1" strike="noStrike">
+              <a:rPr b="0" lang="de-DE" sz="2000" spc="-1" strike="noStrike">
                 <a:solidFill>
                   <a:srgbClr val="000000"/>
                 </a:solidFill>
@@ -9186,7 +12464,7 @@
               </a:rPr>
               <a:t>Fünfte Gliederungsebene</a:t>
             </a:r>
-            <a:endParaRPr b="0" lang="de-DE" sz="2800" spc="-1" strike="noStrike">
+            <a:endParaRPr b="0" lang="de-DE" sz="2000" spc="-1" strike="noStrike">
               <a:solidFill>
                 <a:srgbClr val="000000"/>
               </a:solidFill>
@@ -9206,7 +12484,7 @@
               <a:buChar char=""/>
             </a:pPr>
             <a:r>
-              <a:rPr b="0" lang="de-DE" sz="2800" spc="-1" strike="noStrike">
+              <a:rPr b="0" lang="de-DE" sz="2000" spc="-1" strike="noStrike">
                 <a:solidFill>
                   <a:srgbClr val="000000"/>
                 </a:solidFill>
@@ -9214,7 +12492,7 @@
               </a:rPr>
               <a:t>Sechste Gliederungsebene</a:t>
             </a:r>
-            <a:endParaRPr b="0" lang="de-DE" sz="2800" spc="-1" strike="noStrike">
+            <a:endParaRPr b="0" lang="de-DE" sz="2000" spc="-1" strike="noStrike">
               <a:solidFill>
                 <a:srgbClr val="000000"/>
               </a:solidFill>
@@ -9234,7 +12512,7 @@
               <a:buChar char=""/>
             </a:pPr>
             <a:r>
-              <a:rPr b="0" lang="de-DE" sz="2800" spc="-1" strike="noStrike">
+              <a:rPr b="0" lang="de-DE" sz="2000" spc="-1" strike="noStrike">
                 <a:solidFill>
                   <a:srgbClr val="000000"/>
                 </a:solidFill>
@@ -9242,7 +12520,7 @@
               </a:rPr>
               <a:t>Siebte Gliederungsebene</a:t>
             </a:r>
-            <a:endParaRPr b="0" lang="de-DE" sz="2800" spc="-1" strike="noStrike">
+            <a:endParaRPr b="0" lang="de-DE" sz="2000" spc="-1" strike="noStrike">
               <a:solidFill>
                 <a:srgbClr val="000000"/>
               </a:solidFill>
@@ -9255,18 +12533,18 @@
   </p:cSld>
   <p:clrMap bg1="lt1" bg2="lt2" tx1="dk1" tx2="dk2" accent1="accent1" accent2="accent2" accent3="accent3" accent4="accent4" accent5="accent5" accent6="accent6" hlink="hlink" folHlink="folHlink"/>
   <p:sldLayoutIdLst>
-    <p:sldLayoutId id="2147483662" r:id="rId3"/>
-    <p:sldLayoutId id="2147483663" r:id="rId4"/>
-    <p:sldLayoutId id="2147483664" r:id="rId5"/>
-    <p:sldLayoutId id="2147483665" r:id="rId6"/>
-    <p:sldLayoutId id="2147483666" r:id="rId7"/>
-    <p:sldLayoutId id="2147483667" r:id="rId8"/>
-    <p:sldLayoutId id="2147483668" r:id="rId9"/>
-    <p:sldLayoutId id="2147483669" r:id="rId10"/>
-    <p:sldLayoutId id="2147483670" r:id="rId11"/>
-    <p:sldLayoutId id="2147483671" r:id="rId12"/>
-    <p:sldLayoutId id="2147483672" r:id="rId13"/>
-    <p:sldLayoutId id="2147483673" r:id="rId14"/>
+    <p:sldLayoutId id="2147483688" r:id="rId3"/>
+    <p:sldLayoutId id="2147483689" r:id="rId4"/>
+    <p:sldLayoutId id="2147483690" r:id="rId5"/>
+    <p:sldLayoutId id="2147483691" r:id="rId6"/>
+    <p:sldLayoutId id="2147483692" r:id="rId7"/>
+    <p:sldLayoutId id="2147483693" r:id="rId8"/>
+    <p:sldLayoutId id="2147483694" r:id="rId9"/>
+    <p:sldLayoutId id="2147483695" r:id="rId10"/>
+    <p:sldLayoutId id="2147483696" r:id="rId11"/>
+    <p:sldLayoutId id="2147483697" r:id="rId12"/>
+    <p:sldLayoutId id="2147483698" r:id="rId13"/>
+    <p:sldLayoutId id="2147483699" r:id="rId14"/>
   </p:sldLayoutIdLst>
 </p:sldMaster>
 </file>
@@ -9290,14 +12568,14 @@
       </p:grpSpPr>
       <p:sp>
         <p:nvSpPr>
-          <p:cNvPr id="84" name="TextShape 1"/>
-          <p:cNvSpPr txBox="1"/>
+          <p:cNvPr id="168" name="CustomShape 1"/>
+          <p:cNvSpPr/>
           <p:nvPr/>
         </p:nvSpPr>
         <p:spPr>
           <a:xfrm>
             <a:off x="1451520" y="804600"/>
-            <a:ext cx="9602280" cy="1048320"/>
+            <a:ext cx="9601920" cy="1047960"/>
           </a:xfrm>
           <a:prstGeom prst="rect">
             <a:avLst/>
@@ -9307,11 +12585,22 @@
             <a:noFill/>
           </a:ln>
         </p:spPr>
+        <p:style>
+          <a:lnRef idx="0"/>
+          <a:fillRef idx="0"/>
+          <a:effectRef idx="0"/>
+          <a:fontRef idx="minor"/>
+        </p:style>
         <p:txBody>
           <a:bodyPr lIns="0" rIns="0" tIns="0" bIns="0" anchor="ctr">
             <a:noAutofit/>
           </a:bodyPr>
           <a:p>
+            <a:pPr>
+              <a:lnSpc>
+                <a:spcPct val="100000"/>
+              </a:lnSpc>
+            </a:pPr>
             <a:r>
               <a:rPr b="0" lang="de-DE" sz="4400" spc="-1" strike="noStrike">
                 <a:solidFill>
@@ -9320,7 +12609,7 @@
                 <a:latin typeface="Arial"/>
                 <a:ea typeface="DejaVu Sans"/>
               </a:rPr>
-              <a:t>Produktmanagement</a:t>
+              <a:t>Projektmanagement </a:t>
             </a:r>
             <a:r>
               <a:rPr b="0" lang="de-DE" sz="4400" spc="-1" strike="noStrike">
@@ -9333,24 +12622,21 @@
               <a:t>	</a:t>
             </a:r>
             <a:endParaRPr b="0" lang="de-DE" sz="4400" spc="-1" strike="noStrike">
-              <a:solidFill>
-                <a:srgbClr val="000000"/>
-              </a:solidFill>
-              <a:latin typeface="Arial"/>
-            </a:endParaRPr>
-          </a:p>
-        </p:txBody>
-      </p:sp>
-      <p:sp>
-        <p:nvSpPr>
-          <p:cNvPr id="85" name="TextShape 2"/>
-          <p:cNvSpPr txBox="1"/>
+              <a:latin typeface="Arial"/>
+            </a:endParaRPr>
+          </a:p>
+        </p:txBody>
+      </p:sp>
+      <p:sp>
+        <p:nvSpPr>
+          <p:cNvPr id="169" name="CustomShape 2"/>
+          <p:cNvSpPr/>
           <p:nvPr/>
         </p:nvSpPr>
         <p:spPr>
           <a:xfrm>
-            <a:off x="1440000" y="2160000"/>
-            <a:ext cx="9144000" cy="2394000"/>
+            <a:off x="432000" y="2028960"/>
+            <a:ext cx="9143640" cy="2393640"/>
           </a:xfrm>
           <a:prstGeom prst="rect">
             <a:avLst/>
@@ -9360,6 +12646,819 @@
             <a:noFill/>
           </a:ln>
         </p:spPr>
+        <p:style>
+          <a:lnRef idx="0"/>
+          <a:fillRef idx="0"/>
+          <a:effectRef idx="0"/>
+          <a:fontRef idx="minor"/>
+        </p:style>
+        <p:txBody>
+          <a:bodyPr lIns="90000" rIns="90000" tIns="45000" bIns="45000">
+            <a:noAutofit/>
+          </a:bodyPr>
+          <a:p>
+            <a:pPr>
+              <a:lnSpc>
+                <a:spcPct val="100000"/>
+              </a:lnSpc>
+            </a:pPr>
+            <a:endParaRPr b="0" lang="de-DE" sz="1800" spc="-1" strike="noStrike">
+              <a:latin typeface="Arial"/>
+            </a:endParaRPr>
+          </a:p>
+          <a:p>
+            <a:pPr>
+              <a:lnSpc>
+                <a:spcPct val="100000"/>
+              </a:lnSpc>
+            </a:pPr>
+            <a:endParaRPr b="0" lang="de-DE" sz="1800" spc="-1" strike="noStrike">
+              <a:latin typeface="Arial"/>
+            </a:endParaRPr>
+          </a:p>
+          <a:p>
+            <a:pPr>
+              <a:lnSpc>
+                <a:spcPct val="100000"/>
+              </a:lnSpc>
+            </a:pPr>
+            <a:endParaRPr b="0" lang="de-DE" sz="1800" spc="-1" strike="noStrike">
+              <a:latin typeface="Arial"/>
+            </a:endParaRPr>
+          </a:p>
+        </p:txBody>
+      </p:sp>
+      <p:pic>
+        <p:nvPicPr>
+          <p:cNvPr id="170" name="" descr=""/>
+          <p:cNvPicPr/>
+          <p:nvPr/>
+        </p:nvPicPr>
+        <p:blipFill>
+          <a:blip r:embed="rId1"/>
+          <a:stretch/>
+        </p:blipFill>
+        <p:spPr>
+          <a:xfrm>
+            <a:off x="1440000" y="2028960"/>
+            <a:ext cx="8801280" cy="1859040"/>
+          </a:xfrm>
+          <a:prstGeom prst="rect">
+            <a:avLst/>
+          </a:prstGeom>
+          <a:ln>
+            <a:noFill/>
+          </a:ln>
+        </p:spPr>
+      </p:pic>
+      <p:pic>
+        <p:nvPicPr>
+          <p:cNvPr id="171" name="" descr=""/>
+          <p:cNvPicPr/>
+          <p:nvPr/>
+        </p:nvPicPr>
+        <p:blipFill>
+          <a:blip r:embed="rId2"/>
+          <a:stretch/>
+        </p:blipFill>
+        <p:spPr>
+          <a:xfrm>
+            <a:off x="1224000" y="4176000"/>
+            <a:ext cx="9360000" cy="1249920"/>
+          </a:xfrm>
+          <a:prstGeom prst="rect">
+            <a:avLst/>
+          </a:prstGeom>
+          <a:ln>
+            <a:noFill/>
+          </a:ln>
+        </p:spPr>
+      </p:pic>
+    </p:spTree>
+  </p:cSld>
+  <mc:AlternateContent>
+    <mc:Choice Requires="p14">
+      <p:transition spd="slow" p14:dur="2000"/>
+    </mc:Choice>
+    <mc:Fallback>
+      <p:transition spd="slow"/>
+    </mc:Fallback>
+  </mc:AlternateContent>
+</p:sld>
+</file>
+
+<file path=ppt/slides/slide10.xml><?xml version="1.0" encoding="utf-8"?>
+<p:sld xmlns:a="http://schemas.openxmlformats.org/drawingml/2006/main" xmlns:p="http://schemas.openxmlformats.org/presentationml/2006/main" xmlns:r="http://schemas.openxmlformats.org/officeDocument/2006/relationships" xmlns:p14="http://schemas.microsoft.com/office/powerpoint/2010/main" xmlns:p15="http://schemas.microsoft.com/office/powerpoint/2012/main" xmlns:mc="http://schemas.openxmlformats.org/markup-compatibility/2006">
+  <p:cSld>
+    <p:spTree>
+      <p:nvGrpSpPr>
+        <p:cNvPr id="1" name=""/>
+        <p:cNvGrpSpPr/>
+        <p:nvPr/>
+      </p:nvGrpSpPr>
+      <p:grpSpPr>
+        <a:xfrm>
+          <a:off x="0" y="0"/>
+          <a:ext cx="0" cy="0"/>
+          <a:chOff x="0" y="0"/>
+          <a:chExt cx="0" cy="0"/>
+        </a:xfrm>
+      </p:grpSpPr>
+      <p:sp>
+        <p:nvSpPr>
+          <p:cNvPr id="195" name="CustomShape 1"/>
+          <p:cNvSpPr/>
+          <p:nvPr/>
+        </p:nvSpPr>
+        <p:spPr>
+          <a:xfrm>
+            <a:off x="1451520" y="804600"/>
+            <a:ext cx="9601920" cy="1047960"/>
+          </a:xfrm>
+          <a:prstGeom prst="rect">
+            <a:avLst/>
+          </a:prstGeom>
+          <a:noFill/>
+          <a:ln>
+            <a:noFill/>
+          </a:ln>
+        </p:spPr>
+        <p:style>
+          <a:lnRef idx="0"/>
+          <a:fillRef idx="0"/>
+          <a:effectRef idx="0"/>
+          <a:fontRef idx="minor"/>
+        </p:style>
+        <p:txBody>
+          <a:bodyPr lIns="0" rIns="0" tIns="0" bIns="0" anchor="ctr">
+            <a:noAutofit/>
+          </a:bodyPr>
+          <a:p>
+            <a:pPr>
+              <a:lnSpc>
+                <a:spcPct val="90000"/>
+              </a:lnSpc>
+            </a:pPr>
+            <a:r>
+              <a:rPr b="0" lang="de-DE" sz="4400" spc="-1" strike="noStrike">
+                <a:solidFill>
+                  <a:srgbClr val="000000"/>
+                </a:solidFill>
+                <a:latin typeface="Arial"/>
+                <a:ea typeface="DejaVu Sans"/>
+              </a:rPr>
+              <a:t>Qr-Code Bilderkennung</a:t>
+            </a:r>
+            <a:r>
+              <a:rPr b="0" lang="de-DE" sz="4400" spc="-1" strike="noStrike">
+                <a:solidFill>
+                  <a:srgbClr val="000000"/>
+                </a:solidFill>
+                <a:latin typeface="Arial"/>
+                <a:ea typeface="DejaVu Sans"/>
+              </a:rPr>
+              <a:t>	</a:t>
+            </a:r>
+            <a:endParaRPr b="0" lang="de-DE" sz="4400" spc="-1" strike="noStrike">
+              <a:latin typeface="Arial"/>
+            </a:endParaRPr>
+          </a:p>
+        </p:txBody>
+      </p:sp>
+      <p:pic>
+        <p:nvPicPr>
+          <p:cNvPr id="196" name="Grafik 2" descr=""/>
+          <p:cNvPicPr/>
+          <p:nvPr/>
+        </p:nvPicPr>
+        <p:blipFill>
+          <a:blip r:embed="rId1"/>
+          <a:srcRect l="6124" t="13664" r="8523" b="24034"/>
+          <a:stretch/>
+        </p:blipFill>
+        <p:spPr>
+          <a:xfrm>
+            <a:off x="2236680" y="2120760"/>
+            <a:ext cx="7718040" cy="3755520"/>
+          </a:xfrm>
+          <a:prstGeom prst="rect">
+            <a:avLst/>
+          </a:prstGeom>
+          <a:ln>
+            <a:noFill/>
+          </a:ln>
+        </p:spPr>
+      </p:pic>
+      <p:sp>
+        <p:nvSpPr>
+          <p:cNvPr id="197" name="CustomShape 2"/>
+          <p:cNvSpPr/>
+          <p:nvPr/>
+        </p:nvSpPr>
+        <p:spPr>
+          <a:xfrm>
+            <a:off x="2236680" y="2120760"/>
+            <a:ext cx="2644920" cy="1473120"/>
+          </a:xfrm>
+          <a:prstGeom prst="rect">
+            <a:avLst/>
+          </a:prstGeom>
+          <a:solidFill>
+            <a:srgbClr val="00b0f0">
+              <a:alpha val="31000"/>
+            </a:srgbClr>
+          </a:solidFill>
+          <a:ln>
+            <a:solidFill>
+              <a:schemeClr val="bg1">
+                <a:lumMod val="95000"/>
+              </a:schemeClr>
+            </a:solidFill>
+          </a:ln>
+        </p:spPr>
+        <p:style>
+          <a:lnRef idx="2">
+            <a:schemeClr val="accent1">
+              <a:shade val="50000"/>
+            </a:schemeClr>
+          </a:lnRef>
+          <a:fillRef idx="1">
+            <a:schemeClr val="accent1"/>
+          </a:fillRef>
+          <a:effectRef idx="0">
+            <a:schemeClr val="accent1"/>
+          </a:effectRef>
+          <a:fontRef idx="minor"/>
+        </p:style>
+      </p:sp>
+      <p:sp>
+        <p:nvSpPr>
+          <p:cNvPr id="198" name="CustomShape 3"/>
+          <p:cNvSpPr/>
+          <p:nvPr/>
+        </p:nvSpPr>
+        <p:spPr>
+          <a:xfrm>
+            <a:off x="4456080" y="2120760"/>
+            <a:ext cx="2644920" cy="1473120"/>
+          </a:xfrm>
+          <a:prstGeom prst="rect">
+            <a:avLst/>
+          </a:prstGeom>
+          <a:solidFill>
+            <a:srgbClr val="00b0f0">
+              <a:alpha val="31000"/>
+            </a:srgbClr>
+          </a:solidFill>
+          <a:ln>
+            <a:solidFill>
+              <a:schemeClr val="bg1">
+                <a:lumMod val="95000"/>
+              </a:schemeClr>
+            </a:solidFill>
+          </a:ln>
+        </p:spPr>
+        <p:style>
+          <a:lnRef idx="2">
+            <a:schemeClr val="accent1">
+              <a:shade val="50000"/>
+            </a:schemeClr>
+          </a:lnRef>
+          <a:fillRef idx="1">
+            <a:schemeClr val="accent1"/>
+          </a:fillRef>
+          <a:effectRef idx="0">
+            <a:schemeClr val="accent1"/>
+          </a:effectRef>
+          <a:fontRef idx="minor"/>
+        </p:style>
+      </p:sp>
+      <p:sp>
+        <p:nvSpPr>
+          <p:cNvPr id="199" name="CustomShape 4"/>
+          <p:cNvSpPr/>
+          <p:nvPr/>
+        </p:nvSpPr>
+        <p:spPr>
+          <a:xfrm>
+            <a:off x="2236680" y="3261960"/>
+            <a:ext cx="2644920" cy="1473120"/>
+          </a:xfrm>
+          <a:prstGeom prst="rect">
+            <a:avLst/>
+          </a:prstGeom>
+          <a:solidFill>
+            <a:srgbClr val="00b0f0">
+              <a:alpha val="31000"/>
+            </a:srgbClr>
+          </a:solidFill>
+          <a:ln>
+            <a:solidFill>
+              <a:schemeClr val="bg1">
+                <a:lumMod val="95000"/>
+              </a:schemeClr>
+            </a:solidFill>
+          </a:ln>
+        </p:spPr>
+        <p:style>
+          <a:lnRef idx="2">
+            <a:schemeClr val="accent1">
+              <a:shade val="50000"/>
+            </a:schemeClr>
+          </a:lnRef>
+          <a:fillRef idx="1">
+            <a:schemeClr val="accent1"/>
+          </a:fillRef>
+          <a:effectRef idx="0">
+            <a:schemeClr val="accent1"/>
+          </a:effectRef>
+          <a:fontRef idx="minor"/>
+        </p:style>
+      </p:sp>
+      <p:sp>
+        <p:nvSpPr>
+          <p:cNvPr id="200" name="CustomShape 5"/>
+          <p:cNvSpPr/>
+          <p:nvPr/>
+        </p:nvSpPr>
+        <p:spPr>
+          <a:xfrm>
+            <a:off x="4100400" y="3261960"/>
+            <a:ext cx="316080" cy="247320"/>
+          </a:xfrm>
+          <a:prstGeom prst="rect">
+            <a:avLst/>
+          </a:prstGeom>
+          <a:noFill/>
+          <a:ln/>
+        </p:spPr>
+        <p:style>
+          <a:lnRef idx="2">
+            <a:schemeClr val="accent1">
+              <a:shade val="50000"/>
+            </a:schemeClr>
+          </a:lnRef>
+          <a:fillRef idx="1">
+            <a:schemeClr val="accent1"/>
+          </a:fillRef>
+          <a:effectRef idx="0">
+            <a:schemeClr val="accent1"/>
+          </a:effectRef>
+          <a:fontRef idx="minor"/>
+        </p:style>
+      </p:sp>
+      <p:sp>
+        <p:nvSpPr>
+          <p:cNvPr id="201" name="CustomShape 6"/>
+          <p:cNvSpPr/>
+          <p:nvPr/>
+        </p:nvSpPr>
+        <p:spPr>
+          <a:xfrm>
+            <a:off x="5983200" y="4487760"/>
+            <a:ext cx="316080" cy="247320"/>
+          </a:xfrm>
+          <a:prstGeom prst="rect">
+            <a:avLst/>
+          </a:prstGeom>
+          <a:noFill/>
+          <a:ln/>
+        </p:spPr>
+        <p:style>
+          <a:lnRef idx="2">
+            <a:schemeClr val="accent1">
+              <a:shade val="50000"/>
+            </a:schemeClr>
+          </a:lnRef>
+          <a:fillRef idx="1">
+            <a:schemeClr val="accent1"/>
+          </a:fillRef>
+          <a:effectRef idx="0">
+            <a:schemeClr val="accent1"/>
+          </a:effectRef>
+          <a:fontRef idx="minor"/>
+        </p:style>
+      </p:sp>
+      <p:sp>
+        <p:nvSpPr>
+          <p:cNvPr id="202" name="CustomShape 7"/>
+          <p:cNvSpPr/>
+          <p:nvPr/>
+        </p:nvSpPr>
+        <p:spPr>
+          <a:xfrm>
+            <a:off x="7358040" y="3261960"/>
+            <a:ext cx="316080" cy="247320"/>
+          </a:xfrm>
+          <a:prstGeom prst="rect">
+            <a:avLst/>
+          </a:prstGeom>
+          <a:noFill/>
+          <a:ln/>
+        </p:spPr>
+        <p:style>
+          <a:lnRef idx="2">
+            <a:schemeClr val="accent1">
+              <a:shade val="50000"/>
+            </a:schemeClr>
+          </a:lnRef>
+          <a:fillRef idx="1">
+            <a:schemeClr val="accent1"/>
+          </a:fillRef>
+          <a:effectRef idx="0">
+            <a:schemeClr val="accent1"/>
+          </a:effectRef>
+          <a:fontRef idx="minor"/>
+        </p:style>
+      </p:sp>
+    </p:spTree>
+  </p:cSld>
+  <mc:AlternateContent>
+    <mc:Choice Requires="p14">
+      <p:transition spd="slow" p14:dur="2000"/>
+    </mc:Choice>
+    <mc:Fallback>
+      <p:transition spd="slow"/>
+    </mc:Fallback>
+  </mc:AlternateContent>
+</p:sld>
+</file>
+
+<file path=ppt/slides/slide11.xml><?xml version="1.0" encoding="utf-8"?>
+<p:sld xmlns:a="http://schemas.openxmlformats.org/drawingml/2006/main" xmlns:p="http://schemas.openxmlformats.org/presentationml/2006/main" xmlns:r="http://schemas.openxmlformats.org/officeDocument/2006/relationships" xmlns:p14="http://schemas.microsoft.com/office/powerpoint/2010/main" xmlns:p15="http://schemas.microsoft.com/office/powerpoint/2012/main" xmlns:mc="http://schemas.openxmlformats.org/markup-compatibility/2006">
+  <p:cSld>
+    <p:spTree>
+      <p:nvGrpSpPr>
+        <p:cNvPr id="1" name=""/>
+        <p:cNvGrpSpPr/>
+        <p:nvPr/>
+      </p:nvGrpSpPr>
+      <p:grpSpPr>
+        <a:xfrm>
+          <a:off x="0" y="0"/>
+          <a:ext cx="0" cy="0"/>
+          <a:chOff x="0" y="0"/>
+          <a:chExt cx="0" cy="0"/>
+        </a:xfrm>
+      </p:grpSpPr>
+      <p:sp>
+        <p:nvSpPr>
+          <p:cNvPr id="203" name="CustomShape 1"/>
+          <p:cNvSpPr/>
+          <p:nvPr/>
+        </p:nvSpPr>
+        <p:spPr>
+          <a:xfrm>
+            <a:off x="1451520" y="804600"/>
+            <a:ext cx="9601920" cy="1047960"/>
+          </a:xfrm>
+          <a:prstGeom prst="rect">
+            <a:avLst/>
+          </a:prstGeom>
+          <a:noFill/>
+          <a:ln>
+            <a:noFill/>
+          </a:ln>
+        </p:spPr>
+        <p:style>
+          <a:lnRef idx="0"/>
+          <a:fillRef idx="0"/>
+          <a:effectRef idx="0"/>
+          <a:fontRef idx="minor"/>
+        </p:style>
+        <p:txBody>
+          <a:bodyPr lIns="0" rIns="0" tIns="0" bIns="0" anchor="ctr">
+            <a:noAutofit/>
+          </a:bodyPr>
+          <a:p>
+            <a:pPr>
+              <a:lnSpc>
+                <a:spcPct val="90000"/>
+              </a:lnSpc>
+            </a:pPr>
+            <a:r>
+              <a:rPr b="0" lang="de-DE" sz="4400" spc="-1" strike="noStrike">
+                <a:solidFill>
+                  <a:srgbClr val="000000"/>
+                </a:solidFill>
+                <a:latin typeface="Arial"/>
+                <a:ea typeface="DejaVu Sans"/>
+              </a:rPr>
+              <a:t>Management der Ladungsträger</a:t>
+            </a:r>
+            <a:r>
+              <a:rPr b="0" lang="de-DE" sz="4400" spc="-1" strike="noStrike">
+                <a:solidFill>
+                  <a:srgbClr val="000000"/>
+                </a:solidFill>
+                <a:latin typeface="Arial"/>
+                <a:ea typeface="DejaVu Sans"/>
+              </a:rPr>
+              <a:t>	</a:t>
+            </a:r>
+            <a:endParaRPr b="0" lang="de-DE" sz="4400" spc="-1" strike="noStrike">
+              <a:latin typeface="Arial"/>
+            </a:endParaRPr>
+          </a:p>
+        </p:txBody>
+      </p:sp>
+      <p:graphicFrame>
+        <p:nvGraphicFramePr>
+          <p:cNvPr id="1" name="Diagram1"/>
+          <p:cNvGraphicFramePr/>
+          <p:nvPr>
+            <p:extLst>
+              <p:ext uri="{D42A27DB-BD31-4B8C-83A1-F6EECF244321}">
+                <p14:modId xmlns:p14="http://schemas.microsoft.com/office/powerpoint/2010/main" val="882246098"/>
+              </p:ext>
+            </p:extLst>
+          </p:nvPr>
+        </p:nvGraphicFramePr>
+        <p:xfrm>
+          <a:off x="1451520" y="2432880"/>
+          <a:ext cx="3382560" cy="3034800"/>
+        </p:xfrm>
+        <a:graphic>
+          <a:graphicData uri="http://schemas.openxmlformats.org/drawingml/2006/diagram">
+            <dgm:relIds xmlns:dgm="http://schemas.openxmlformats.org/drawingml/2006/diagram" xmlns:r="http://schemas.openxmlformats.org/officeDocument/2006/relationships" r:dm="rId1" r:lo="rId2" r:qs="rId3" r:cs="rId4"/>
+          </a:graphicData>
+        </a:graphic>
+      </p:graphicFrame>
+      <p:graphicFrame>
+        <p:nvGraphicFramePr>
+          <p:cNvPr id="2" name="Diagram2"/>
+          <p:cNvGraphicFramePr/>
+          <p:nvPr>
+            <p:extLst>
+              <p:ext uri="{D42A27DB-BD31-4B8C-83A1-F6EECF244321}">
+                <p14:modId xmlns:p14="http://schemas.microsoft.com/office/powerpoint/2010/main" val="2644530233"/>
+              </p:ext>
+            </p:extLst>
+          </p:nvPr>
+        </p:nvGraphicFramePr>
+        <p:xfrm>
+          <a:off x="7356960" y="2432880"/>
+          <a:ext cx="3845880" cy="3247920"/>
+        </p:xfrm>
+        <a:graphic>
+          <a:graphicData uri="http://schemas.openxmlformats.org/drawingml/2006/diagram">
+            <dgm:relIds xmlns:dgm="http://schemas.openxmlformats.org/drawingml/2006/diagram" xmlns:r="http://schemas.openxmlformats.org/officeDocument/2006/relationships" r:dm="rId6" r:lo="rId7" r:qs="rId8" r:cs="rId9"/>
+          </a:graphicData>
+        </a:graphic>
+      </p:graphicFrame>
+      <p:sp>
+        <p:nvSpPr>
+          <p:cNvPr id="204" name="CustomShape 2"/>
+          <p:cNvSpPr/>
+          <p:nvPr/>
+        </p:nvSpPr>
+        <p:spPr>
+          <a:xfrm>
+            <a:off x="7611480" y="5459760"/>
+            <a:ext cx="3187800" cy="364320"/>
+          </a:xfrm>
+          <a:prstGeom prst="rect">
+            <a:avLst/>
+          </a:prstGeom>
+          <a:noFill/>
+          <a:ln>
+            <a:noFill/>
+          </a:ln>
+        </p:spPr>
+        <p:style>
+          <a:lnRef idx="2"/>
+          <a:fillRef idx="0"/>
+          <a:effectRef idx="0"/>
+          <a:fontRef idx="minor"/>
+        </p:style>
+        <p:txBody>
+          <a:bodyPr lIns="90000" rIns="90000" tIns="45000" bIns="45000">
+            <a:spAutoFit/>
+          </a:bodyPr>
+          <a:p>
+            <a:pPr algn="ctr">
+              <a:lnSpc>
+                <a:spcPct val="100000"/>
+              </a:lnSpc>
+            </a:pPr>
+            <a:r>
+              <a:rPr b="0" lang="de-DE" sz="1800" spc="-1" strike="noStrike">
+                <a:solidFill>
+                  <a:srgbClr val="000000"/>
+                </a:solidFill>
+                <a:latin typeface="Arial"/>
+                <a:ea typeface="DejaVu Sans"/>
+              </a:rPr>
+              <a:t>Alle 5 Sekunden</a:t>
+            </a:r>
+            <a:endParaRPr b="0" lang="de-DE" sz="1800" spc="-1" strike="noStrike">
+              <a:latin typeface="Arial"/>
+            </a:endParaRPr>
+          </a:p>
+        </p:txBody>
+      </p:sp>
+      <p:sp>
+        <p:nvSpPr>
+          <p:cNvPr id="205" name="CustomShape 3"/>
+          <p:cNvSpPr/>
+          <p:nvPr/>
+        </p:nvSpPr>
+        <p:spPr>
+          <a:xfrm>
+            <a:off x="1549080" y="5459760"/>
+            <a:ext cx="3187800" cy="364320"/>
+          </a:xfrm>
+          <a:prstGeom prst="rect">
+            <a:avLst/>
+          </a:prstGeom>
+          <a:noFill/>
+          <a:ln>
+            <a:noFill/>
+          </a:ln>
+        </p:spPr>
+        <p:style>
+          <a:lnRef idx="0"/>
+          <a:fillRef idx="0"/>
+          <a:effectRef idx="0"/>
+          <a:fontRef idx="minor"/>
+        </p:style>
+        <p:txBody>
+          <a:bodyPr lIns="90000" rIns="90000" tIns="45000" bIns="45000">
+            <a:spAutoFit/>
+          </a:bodyPr>
+          <a:p>
+            <a:pPr algn="ctr">
+              <a:lnSpc>
+                <a:spcPct val="100000"/>
+              </a:lnSpc>
+            </a:pPr>
+            <a:r>
+              <a:rPr b="0" lang="de-DE" sz="1800" spc="-1" strike="noStrike">
+                <a:solidFill>
+                  <a:srgbClr val="000000"/>
+                </a:solidFill>
+                <a:latin typeface="Arial"/>
+                <a:ea typeface="DejaVu Sans"/>
+              </a:rPr>
+              <a:t>Intervall auswählbar</a:t>
+            </a:r>
+            <a:endParaRPr b="0" lang="de-DE" sz="1800" spc="-1" strike="noStrike">
+              <a:latin typeface="Arial"/>
+            </a:endParaRPr>
+          </a:p>
+        </p:txBody>
+      </p:sp>
+    </p:spTree>
+  </p:cSld>
+  <mc:AlternateContent>
+    <mc:Choice Requires="p14">
+      <p:transition spd="slow" p14:dur="2000"/>
+    </mc:Choice>
+    <mc:Fallback>
+      <p:transition spd="slow"/>
+    </mc:Fallback>
+  </mc:AlternateContent>
+</p:sld>
+</file>
+
+<file path=ppt/slides/slide12.xml><?xml version="1.0" encoding="utf-8"?>
+<p:sld xmlns:a="http://schemas.openxmlformats.org/drawingml/2006/main" xmlns:p="http://schemas.openxmlformats.org/presentationml/2006/main" xmlns:r="http://schemas.openxmlformats.org/officeDocument/2006/relationships" xmlns:p14="http://schemas.microsoft.com/office/powerpoint/2010/main" xmlns:p15="http://schemas.microsoft.com/office/powerpoint/2012/main" xmlns:mc="http://schemas.openxmlformats.org/markup-compatibility/2006">
+  <p:cSld>
+    <p:spTree>
+      <p:nvGrpSpPr>
+        <p:cNvPr id="1" name=""/>
+        <p:cNvGrpSpPr/>
+        <p:nvPr/>
+      </p:nvGrpSpPr>
+      <p:grpSpPr>
+        <a:xfrm>
+          <a:off x="0" y="0"/>
+          <a:ext cx="0" cy="0"/>
+          <a:chOff x="0" y="0"/>
+          <a:chExt cx="0" cy="0"/>
+        </a:xfrm>
+      </p:grpSpPr>
+      <p:sp>
+        <p:nvSpPr>
+          <p:cNvPr id="206" name="CustomShape 1"/>
+          <p:cNvSpPr/>
+          <p:nvPr/>
+        </p:nvSpPr>
+        <p:spPr>
+          <a:xfrm>
+            <a:off x="1451520" y="804600"/>
+            <a:ext cx="9601920" cy="1047960"/>
+          </a:xfrm>
+          <a:prstGeom prst="rect">
+            <a:avLst/>
+          </a:prstGeom>
+          <a:noFill/>
+          <a:ln>
+            <a:noFill/>
+          </a:ln>
+        </p:spPr>
+        <p:style>
+          <a:lnRef idx="0"/>
+          <a:fillRef idx="0"/>
+          <a:effectRef idx="0"/>
+          <a:fontRef idx="minor"/>
+        </p:style>
+        <p:txBody>
+          <a:bodyPr lIns="0" rIns="0" tIns="0" bIns="0" anchor="ctr">
+            <a:noAutofit/>
+          </a:bodyPr>
+          <a:p>
+            <a:pPr>
+              <a:lnSpc>
+                <a:spcPct val="100000"/>
+              </a:lnSpc>
+            </a:pPr>
+            <a:r>
+              <a:rPr b="0" lang="de-DE" sz="4400" spc="-1" strike="noStrike">
+                <a:solidFill>
+                  <a:srgbClr val="000000"/>
+                </a:solidFill>
+                <a:latin typeface="Arial"/>
+                <a:ea typeface="DejaVu Sans"/>
+              </a:rPr>
+              <a:t>Fazit</a:t>
+            </a:r>
+            <a:endParaRPr b="0" lang="de-DE" sz="4400" spc="-1" strike="noStrike">
+              <a:latin typeface="Arial"/>
+            </a:endParaRPr>
+          </a:p>
+        </p:txBody>
+      </p:sp>
+      <p:sp>
+        <p:nvSpPr>
+          <p:cNvPr id="207" name="CustomShape 2"/>
+          <p:cNvSpPr/>
+          <p:nvPr/>
+        </p:nvSpPr>
+        <p:spPr>
+          <a:xfrm>
+            <a:off x="1440000" y="2160000"/>
+            <a:ext cx="9143640" cy="2393640"/>
+          </a:xfrm>
+          <a:prstGeom prst="rect">
+            <a:avLst/>
+          </a:prstGeom>
+          <a:noFill/>
+          <a:ln>
+            <a:noFill/>
+          </a:ln>
+        </p:spPr>
+        <p:style>
+          <a:lnRef idx="0"/>
+          <a:fillRef idx="0"/>
+          <a:effectRef idx="0"/>
+          <a:fontRef idx="minor"/>
+        </p:style>
+        <p:txBody>
+          <a:bodyPr lIns="90000" rIns="90000" tIns="45000" bIns="45000">
+            <a:noAutofit/>
+          </a:bodyPr>
+          <a:p>
+            <a:pPr>
+              <a:lnSpc>
+                <a:spcPct val="100000"/>
+              </a:lnSpc>
+            </a:pPr>
+            <a:endParaRPr b="0" lang="de-DE" sz="1800" spc="-1" strike="noStrike">
+              <a:latin typeface="Arial"/>
+            </a:endParaRPr>
+          </a:p>
+          <a:p>
+            <a:pPr>
+              <a:lnSpc>
+                <a:spcPct val="100000"/>
+              </a:lnSpc>
+            </a:pPr>
+            <a:endParaRPr b="0" lang="de-DE" sz="1800" spc="-1" strike="noStrike">
+              <a:latin typeface="Arial"/>
+            </a:endParaRPr>
+          </a:p>
+        </p:txBody>
+      </p:sp>
+      <p:sp>
+        <p:nvSpPr>
+          <p:cNvPr id="208" name="TextShape 3"/>
+          <p:cNvSpPr txBox="1"/>
+          <p:nvPr/>
+        </p:nvSpPr>
+        <p:spPr>
+          <a:xfrm>
+            <a:off x="1440000" y="2088000"/>
+            <a:ext cx="9504000" cy="1882080"/>
+          </a:xfrm>
+          <a:prstGeom prst="rect">
+            <a:avLst/>
+          </a:prstGeom>
+          <a:noFill/>
+          <a:ln>
+            <a:noFill/>
+          </a:ln>
+        </p:spPr>
         <p:txBody>
           <a:bodyPr lIns="90000" rIns="90000" tIns="45000" bIns="45000">
             <a:noAutofit/>
@@ -9369,8 +13468,13 @@
               <a:rPr b="0" lang="de-DE" sz="1800" spc="-1" strike="noStrike">
                 <a:latin typeface="Arial"/>
               </a:rPr>
-              <a:t>- Scrum bla bla</a:t>
+              <a:t>- Weiterentwicklung der Fachkenntnisse sowohl als Team als auch individuell </a:t>
             </a:r>
+            <a:endParaRPr b="0" lang="de-DE" sz="1800" spc="-1" strike="noStrike">
+              <a:latin typeface="Arial"/>
+            </a:endParaRPr>
+          </a:p>
+          <a:p>
             <a:endParaRPr b="0" lang="de-DE" sz="1800" spc="-1" strike="noStrike">
               <a:latin typeface="Arial"/>
             </a:endParaRPr>
@@ -9380,13 +13484,23 @@
               <a:rPr b="0" lang="de-DE" sz="1800" spc="-1" strike="noStrike">
                 <a:latin typeface="Arial"/>
               </a:rPr>
-              <a:t> </a:t>
+              <a:t>- Vorteile von Teamprojekten mit Scrum</a:t>
             </a:r>
+            <a:endParaRPr b="0" lang="de-DE" sz="1800" spc="-1" strike="noStrike">
+              <a:latin typeface="Arial"/>
+            </a:endParaRPr>
+          </a:p>
+          <a:p>
+            <a:endParaRPr b="0" lang="de-DE" sz="1800" spc="-1" strike="noStrike">
+              <a:latin typeface="Arial"/>
+            </a:endParaRPr>
+          </a:p>
+          <a:p>
             <a:r>
               <a:rPr b="0" lang="de-DE" sz="1800" spc="-1" strike="noStrike">
                 <a:latin typeface="Arial"/>
               </a:rPr>
-              <a:t>bidl</a:t>
+              <a:t>- Einführung praktische Arbeitsweise an einem realitätsnahen Projekt</a:t>
             </a:r>
             <a:endParaRPr b="0" lang="de-DE" sz="1800" spc="-1" strike="noStrike">
               <a:latin typeface="Arial"/>
@@ -9398,62 +13512,173 @@
             </a:endParaRPr>
           </a:p>
           <a:p>
+            <a:endParaRPr b="0" lang="de-DE" sz="1800" spc="-1" strike="noStrike">
+              <a:latin typeface="Arial"/>
+            </a:endParaRPr>
+          </a:p>
+        </p:txBody>
+      </p:sp>
+    </p:spTree>
+  </p:cSld>
+  <mc:AlternateContent>
+    <mc:Choice Requires="p14">
+      <p:transition spd="slow" p14:dur="2000"/>
+    </mc:Choice>
+    <mc:Fallback>
+      <p:transition spd="slow"/>
+    </mc:Fallback>
+  </mc:AlternateContent>
+</p:sld>
+</file>
+
+<file path=ppt/slides/slide13.xml><?xml version="1.0" encoding="utf-8"?>
+<p:sld xmlns:a="http://schemas.openxmlformats.org/drawingml/2006/main" xmlns:p="http://schemas.openxmlformats.org/presentationml/2006/main" xmlns:r="http://schemas.openxmlformats.org/officeDocument/2006/relationships" xmlns:p14="http://schemas.microsoft.com/office/powerpoint/2010/main" xmlns:p15="http://schemas.microsoft.com/office/powerpoint/2012/main" xmlns:mc="http://schemas.openxmlformats.org/markup-compatibility/2006">
+  <p:cSld>
+    <p:spTree>
+      <p:nvGrpSpPr>
+        <p:cNvPr id="1" name=""/>
+        <p:cNvGrpSpPr/>
+        <p:nvPr/>
+      </p:nvGrpSpPr>
+      <p:grpSpPr>
+        <a:xfrm>
+          <a:off x="0" y="0"/>
+          <a:ext cx="0" cy="0"/>
+          <a:chOff x="0" y="0"/>
+          <a:chExt cx="0" cy="0"/>
+        </a:xfrm>
+      </p:grpSpPr>
+      <p:sp>
+        <p:nvSpPr>
+          <p:cNvPr id="209" name="CustomShape 1"/>
+          <p:cNvSpPr/>
+          <p:nvPr/>
+        </p:nvSpPr>
+        <p:spPr>
+          <a:xfrm>
+            <a:off x="1451520" y="804600"/>
+            <a:ext cx="9601920" cy="1047960"/>
+          </a:xfrm>
+          <a:prstGeom prst="rect">
+            <a:avLst/>
+          </a:prstGeom>
+          <a:noFill/>
+          <a:ln>
+            <a:noFill/>
+          </a:ln>
+        </p:spPr>
+        <p:style>
+          <a:lnRef idx="0"/>
+          <a:fillRef idx="0"/>
+          <a:effectRef idx="0"/>
+          <a:fontRef idx="minor"/>
+        </p:style>
+        <p:txBody>
+          <a:bodyPr lIns="0" rIns="0" tIns="0" bIns="0" anchor="ctr">
+            <a:noAutofit/>
+          </a:bodyPr>
+          <a:p>
+            <a:pPr>
+              <a:lnSpc>
+                <a:spcPct val="100000"/>
+              </a:lnSpc>
+            </a:pPr>
             <a:r>
-              <a:rPr b="0" lang="de-DE" sz="1800" spc="-1" strike="noStrike">
+              <a:rPr b="0" lang="de-DE" sz="4400" spc="-1" strike="noStrike">
+                <a:solidFill>
+                  <a:srgbClr val="000000"/>
+                </a:solidFill>
                 <a:latin typeface="Arial"/>
+                <a:ea typeface="DejaVu Sans"/>
               </a:rPr>
-              <a:t>- GitHub </a:t>
+              <a:t>Vielen Dank für Ihre Aufmerksamkeit</a:t>
             </a:r>
+            <a:endParaRPr b="0" lang="de-DE" sz="4400" spc="-1" strike="noStrike">
+              <a:latin typeface="Arial"/>
+            </a:endParaRPr>
+          </a:p>
+        </p:txBody>
+      </p:sp>
+      <p:sp>
+        <p:nvSpPr>
+          <p:cNvPr id="210" name="CustomShape 2"/>
+          <p:cNvSpPr/>
+          <p:nvPr/>
+        </p:nvSpPr>
+        <p:spPr>
+          <a:xfrm>
+            <a:off x="1440000" y="2160000"/>
+            <a:ext cx="9143640" cy="2393640"/>
+          </a:xfrm>
+          <a:prstGeom prst="rect">
+            <a:avLst/>
+          </a:prstGeom>
+          <a:noFill/>
+          <a:ln>
+            <a:noFill/>
+          </a:ln>
+        </p:spPr>
+        <p:style>
+          <a:lnRef idx="0"/>
+          <a:fillRef idx="0"/>
+          <a:effectRef idx="0"/>
+          <a:fontRef idx="minor"/>
+        </p:style>
+        <p:txBody>
+          <a:bodyPr lIns="90000" rIns="90000" tIns="45000" bIns="45000">
+            <a:noAutofit/>
+          </a:bodyPr>
+          <a:p>
+            <a:pPr>
+              <a:lnSpc>
+                <a:spcPct val="100000"/>
+              </a:lnSpc>
+            </a:pPr>
             <a:endParaRPr b="0" lang="de-DE" sz="1800" spc="-1" strike="noStrike">
               <a:latin typeface="Arial"/>
             </a:endParaRPr>
           </a:p>
           <a:p>
-            <a:r>
-              <a:rPr b="0" lang="de-DE" sz="1800" spc="-1" strike="noStrike">
-                <a:latin typeface="Arial"/>
-              </a:rPr>
-              <a:t> </a:t>
-            </a:r>
-            <a:r>
-              <a:rPr b="0" lang="de-DE" sz="1800" spc="-1" strike="noStrike">
-                <a:latin typeface="Arial"/>
-              </a:rPr>
-              <a:t>Laksdjfl</a:t>
-            </a:r>
+            <a:pPr>
+              <a:lnSpc>
+                <a:spcPct val="100000"/>
+              </a:lnSpc>
+            </a:pPr>
             <a:endParaRPr b="0" lang="de-DE" sz="1800" spc="-1" strike="noStrike">
               <a:latin typeface="Arial"/>
             </a:endParaRPr>
           </a:p>
-          <a:p>
-            <a:r>
-              <a:rPr b="0" lang="de-DE" sz="1800" spc="-1" strike="noStrike">
-                <a:latin typeface="Arial"/>
-              </a:rPr>
-              <a:t>asdf</a:t>
-            </a:r>
+        </p:txBody>
+      </p:sp>
+      <p:sp>
+        <p:nvSpPr>
+          <p:cNvPr id="211" name="TextShape 3"/>
+          <p:cNvSpPr txBox="1"/>
+          <p:nvPr/>
+        </p:nvSpPr>
+        <p:spPr>
+          <a:xfrm>
+            <a:off x="1440000" y="2088000"/>
+            <a:ext cx="9504000" cy="858240"/>
+          </a:xfrm>
+          <a:prstGeom prst="rect">
+            <a:avLst/>
+          </a:prstGeom>
+          <a:noFill/>
+          <a:ln>
+            <a:noFill/>
+          </a:ln>
+        </p:spPr>
+        <p:txBody>
+          <a:bodyPr lIns="90000" rIns="90000" tIns="45000" bIns="45000">
+            <a:noAutofit/>
+          </a:bodyPr>
+          <a:p>
             <a:endParaRPr b="0" lang="de-DE" sz="1800" spc="-1" strike="noStrike">
               <a:latin typeface="Arial"/>
             </a:endParaRPr>
           </a:p>
           <a:p>
-            <a:r>
-              <a:rPr b="0" lang="de-DE" sz="1800" spc="-1" strike="noStrike">
-                <a:latin typeface="Arial"/>
-              </a:rPr>
-              <a:t>- Dropbox </a:t>
-            </a:r>
-            <a:endParaRPr b="0" lang="de-DE" sz="1800" spc="-1" strike="noStrike">
-              <a:latin typeface="Arial"/>
-            </a:endParaRPr>
-          </a:p>
-          <a:p>
-            <a:r>
-              <a:rPr b="0" lang="de-DE" sz="1800" spc="-1" strike="noStrike">
-                <a:latin typeface="Arial"/>
-              </a:rPr>
-              <a:t>asdf</a:t>
-            </a:r>
             <a:endParaRPr b="0" lang="de-DE" sz="1800" spc="-1" strike="noStrike">
               <a:latin typeface="Arial"/>
             </a:endParaRPr>
@@ -9497,14 +13722,14 @@
       </p:grpSpPr>
       <p:sp>
         <p:nvSpPr>
-          <p:cNvPr id="86" name="TextShape 1"/>
-          <p:cNvSpPr txBox="1"/>
+          <p:cNvPr id="172" name="CustomShape 1"/>
+          <p:cNvSpPr/>
           <p:nvPr/>
         </p:nvSpPr>
         <p:spPr>
           <a:xfrm>
             <a:off x="1451520" y="804600"/>
-            <a:ext cx="9602280" cy="1048320"/>
+            <a:ext cx="9601920" cy="1047960"/>
           </a:xfrm>
           <a:prstGeom prst="rect">
             <a:avLst/>
@@ -9514,11 +13739,22 @@
             <a:noFill/>
           </a:ln>
         </p:spPr>
+        <p:style>
+          <a:lnRef idx="0"/>
+          <a:fillRef idx="0"/>
+          <a:effectRef idx="0"/>
+          <a:fontRef idx="minor"/>
+        </p:style>
         <p:txBody>
           <a:bodyPr lIns="0" rIns="0" tIns="0" bIns="0" anchor="ctr">
             <a:noAutofit/>
           </a:bodyPr>
           <a:p>
+            <a:pPr>
+              <a:lnSpc>
+                <a:spcPct val="100000"/>
+              </a:lnSpc>
+            </a:pPr>
             <a:r>
               <a:rPr b="0" lang="de-DE" sz="4400" spc="-1" strike="noStrike">
                 <a:solidFill>
@@ -9527,7 +13763,7 @@
                 <a:latin typeface="Arial"/>
                 <a:ea typeface="DejaVu Sans"/>
               </a:rPr>
-              <a:t>Herausforderungen</a:t>
+              <a:t>Projektmanagement</a:t>
             </a:r>
             <a:r>
               <a:rPr b="0" lang="de-DE" sz="4400" spc="-1" strike="noStrike">
@@ -9540,24 +13776,21 @@
               <a:t>	</a:t>
             </a:r>
             <a:endParaRPr b="0" lang="de-DE" sz="4400" spc="-1" strike="noStrike">
-              <a:solidFill>
-                <a:srgbClr val="000000"/>
-              </a:solidFill>
-              <a:latin typeface="Arial"/>
-            </a:endParaRPr>
-          </a:p>
-        </p:txBody>
-      </p:sp>
-      <p:sp>
-        <p:nvSpPr>
-          <p:cNvPr id="87" name="TextShape 2"/>
-          <p:cNvSpPr txBox="1"/>
+              <a:latin typeface="Arial"/>
+            </a:endParaRPr>
+          </a:p>
+        </p:txBody>
+      </p:sp>
+      <p:sp>
+        <p:nvSpPr>
+          <p:cNvPr id="173" name="CustomShape 2"/>
+          <p:cNvSpPr/>
           <p:nvPr/>
         </p:nvSpPr>
         <p:spPr>
           <a:xfrm>
             <a:off x="1440000" y="2160000"/>
-            <a:ext cx="10224000" cy="2905920"/>
+            <a:ext cx="9143640" cy="2393640"/>
           </a:xfrm>
           <a:prstGeom prst="rect">
             <a:avLst/>
@@ -9567,100 +13800,126 @@
             <a:noFill/>
           </a:ln>
         </p:spPr>
+        <p:style>
+          <a:lnRef idx="0"/>
+          <a:fillRef idx="0"/>
+          <a:effectRef idx="0"/>
+          <a:fontRef idx="minor"/>
+        </p:style>
         <p:txBody>
           <a:bodyPr lIns="90000" rIns="90000" tIns="45000" bIns="45000">
             <a:noAutofit/>
           </a:bodyPr>
           <a:p>
+            <a:pPr>
+              <a:lnSpc>
+                <a:spcPct val="100000"/>
+              </a:lnSpc>
+            </a:pPr>
             <a:r>
               <a:rPr b="0" lang="de-DE" sz="1800" spc="-1" strike="noStrike">
                 <a:latin typeface="Arial"/>
               </a:rPr>
-              <a:t>- Coronasemester</a:t>
+              <a:t>- Scrum Rollenverteilung, Aufgabenverteilung und Unterstützung </a:t>
             </a:r>
             <a:endParaRPr b="0" lang="de-DE" sz="1800" spc="-1" strike="noStrike">
               <a:latin typeface="Arial"/>
             </a:endParaRPr>
           </a:p>
           <a:p>
+            <a:pPr>
+              <a:lnSpc>
+                <a:spcPct val="100000"/>
+              </a:lnSpc>
+            </a:pPr>
             <a:endParaRPr b="0" lang="de-DE" sz="1800" spc="-1" strike="noStrike">
               <a:latin typeface="Arial"/>
             </a:endParaRPr>
           </a:p>
           <a:p>
+            <a:pPr>
+              <a:lnSpc>
+                <a:spcPct val="100000"/>
+              </a:lnSpc>
+            </a:pPr>
             <a:r>
               <a:rPr b="0" lang="de-DE" sz="1800" spc="-1" strike="noStrike">
                 <a:latin typeface="Arial"/>
               </a:rPr>
-              <a:t>- QR-Code Erkennung Bibliothek </a:t>
+              <a:t>- Kommunikation über Webex, Messenger </a:t>
             </a:r>
             <a:endParaRPr b="0" lang="de-DE" sz="1800" spc="-1" strike="noStrike">
               <a:latin typeface="Arial"/>
             </a:endParaRPr>
           </a:p>
           <a:p>
+            <a:pPr>
+              <a:lnSpc>
+                <a:spcPct val="100000"/>
+              </a:lnSpc>
+            </a:pPr>
             <a:endParaRPr b="0" lang="de-DE" sz="1800" spc="-1" strike="noStrike">
               <a:latin typeface="Arial"/>
             </a:endParaRPr>
           </a:p>
           <a:p>
+            <a:pPr>
+              <a:lnSpc>
+                <a:spcPct val="100000"/>
+              </a:lnSpc>
+            </a:pPr>
             <a:r>
               <a:rPr b="0" lang="de-DE" sz="1800" spc="-1" strike="noStrike">
                 <a:latin typeface="Arial"/>
               </a:rPr>
-              <a:t>- </a:t>
+              <a:t>- GitHub zur Versionsverwaltung, Dropbox zum Datenaustausch</a:t>
             </a:r>
+            <a:endParaRPr b="0" lang="de-DE" sz="1800" spc="-1" strike="noStrike">
+              <a:latin typeface="Arial"/>
+            </a:endParaRPr>
+          </a:p>
+          <a:p>
+            <a:pPr>
+              <a:lnSpc>
+                <a:spcPct val="100000"/>
+              </a:lnSpc>
+            </a:pPr>
+            <a:endParaRPr b="0" lang="de-DE" sz="1800" spc="-1" strike="noStrike">
+              <a:latin typeface="Arial"/>
+            </a:endParaRPr>
+          </a:p>
+          <a:p>
+            <a:pPr>
+              <a:lnSpc>
+                <a:spcPct val="100000"/>
+              </a:lnSpc>
+            </a:pPr>
             <a:r>
               <a:rPr b="0" lang="de-DE" sz="1800" spc="-1" strike="noStrike">
                 <a:latin typeface="Arial"/>
-                <a:ea typeface="Microsoft YaHei"/>
               </a:rPr>
-              <a:t>zu entwickelnde Software auf mehrere Personen aufteilen und anschließend zusammenführen</a:t>
+              <a:t> </a:t>
             </a:r>
             <a:endParaRPr b="0" lang="de-DE" sz="1800" spc="-1" strike="noStrike">
               <a:latin typeface="Arial"/>
             </a:endParaRPr>
           </a:p>
           <a:p>
+            <a:pPr>
+              <a:lnSpc>
+                <a:spcPct val="100000"/>
+              </a:lnSpc>
+            </a:pPr>
             <a:endParaRPr b="0" lang="de-DE" sz="1800" spc="-1" strike="noStrike">
               <a:latin typeface="Arial"/>
             </a:endParaRPr>
           </a:p>
           <a:p>
-            <a:r>
-              <a:rPr b="0" lang="de-DE" sz="1800" spc="-1" strike="noStrike">
-                <a:latin typeface="Arial"/>
-                <a:ea typeface="Microsoft YaHei"/>
-              </a:rPr>
-              <a:t>- unterschiedliche Kenntnisse in Projektdurchführung</a:t>
-            </a:r>
-            <a:endParaRPr b="0" lang="de-DE" sz="1800" spc="-1" strike="noStrike">
-              <a:latin typeface="Arial"/>
-            </a:endParaRPr>
-          </a:p>
-          <a:p>
-            <a:endParaRPr b="0" lang="de-DE" sz="1800" spc="-1" strike="noStrike">
-              <a:latin typeface="Arial"/>
-            </a:endParaRPr>
-          </a:p>
-          <a:p>
-            <a:r>
-              <a:rPr b="0" lang="de-DE" sz="1800" spc="-1" strike="noStrike">
-                <a:latin typeface="Arial"/>
-                <a:ea typeface="Microsoft YaHei"/>
-              </a:rPr>
-              <a:t>- Einarbeitung in Unity</a:t>
-            </a:r>
-            <a:endParaRPr b="0" lang="de-DE" sz="1800" spc="-1" strike="noStrike">
-              <a:latin typeface="Arial"/>
-            </a:endParaRPr>
-          </a:p>
-          <a:p>
-            <a:endParaRPr b="0" lang="de-DE" sz="1800" spc="-1" strike="noStrike">
-              <a:latin typeface="Arial"/>
-            </a:endParaRPr>
-          </a:p>
-          <a:p>
+            <a:pPr>
+              <a:lnSpc>
+                <a:spcPct val="100000"/>
+              </a:lnSpc>
+            </a:pPr>
             <a:endParaRPr b="0" lang="de-DE" sz="1800" spc="-1" strike="noStrike">
               <a:latin typeface="Arial"/>
             </a:endParaRPr>
@@ -9699,14 +13958,14 @@
       </p:grpSpPr>
       <p:sp>
         <p:nvSpPr>
-          <p:cNvPr id="88" name="TextShape 1"/>
-          <p:cNvSpPr txBox="1"/>
+          <p:cNvPr id="174" name="CustomShape 1"/>
+          <p:cNvSpPr/>
           <p:nvPr/>
         </p:nvSpPr>
         <p:spPr>
           <a:xfrm>
             <a:off x="1451520" y="804600"/>
-            <a:ext cx="9602280" cy="1048320"/>
+            <a:ext cx="9601920" cy="1047960"/>
           </a:xfrm>
           <a:prstGeom prst="rect">
             <a:avLst/>
@@ -9716,11 +13975,22 @@
             <a:noFill/>
           </a:ln>
         </p:spPr>
+        <p:style>
+          <a:lnRef idx="0"/>
+          <a:fillRef idx="0"/>
+          <a:effectRef idx="0"/>
+          <a:fontRef idx="minor"/>
+        </p:style>
         <p:txBody>
           <a:bodyPr lIns="0" rIns="0" tIns="0" bIns="0" anchor="ctr">
             <a:noAutofit/>
           </a:bodyPr>
           <a:p>
+            <a:pPr>
+              <a:lnSpc>
+                <a:spcPct val="100000"/>
+              </a:lnSpc>
+            </a:pPr>
             <a:r>
               <a:rPr b="0" lang="de-DE" sz="4400" spc="-1" strike="noStrike">
                 <a:solidFill>
@@ -9729,7 +13999,7 @@
                 <a:latin typeface="Arial"/>
                 <a:ea typeface="DejaVu Sans"/>
               </a:rPr>
-              <a:t>GUI</a:t>
+              <a:t>Herausforderungen</a:t>
             </a:r>
             <a:r>
               <a:rPr b="0" lang="de-DE" sz="4400" spc="-1" strike="noStrike">
@@ -9742,24 +14012,21 @@
               <a:t>	</a:t>
             </a:r>
             <a:endParaRPr b="0" lang="de-DE" sz="4400" spc="-1" strike="noStrike">
-              <a:solidFill>
-                <a:srgbClr val="000000"/>
-              </a:solidFill>
-              <a:latin typeface="Arial"/>
-            </a:endParaRPr>
-          </a:p>
-        </p:txBody>
-      </p:sp>
-      <p:sp>
-        <p:nvSpPr>
-          <p:cNvPr id="89" name="TextShape 2"/>
-          <p:cNvSpPr txBox="1"/>
+              <a:latin typeface="Arial"/>
+            </a:endParaRPr>
+          </a:p>
+        </p:txBody>
+      </p:sp>
+      <p:sp>
+        <p:nvSpPr>
+          <p:cNvPr id="175" name="CustomShape 2"/>
+          <p:cNvSpPr/>
           <p:nvPr/>
         </p:nvSpPr>
         <p:spPr>
           <a:xfrm>
             <a:off x="1440000" y="2160000"/>
-            <a:ext cx="10224000" cy="2905920"/>
+            <a:ext cx="10223640" cy="2905560"/>
           </a:xfrm>
           <a:prstGeom prst="rect">
             <a:avLst/>
@@ -9769,11 +14036,22 @@
             <a:noFill/>
           </a:ln>
         </p:spPr>
+        <p:style>
+          <a:lnRef idx="0"/>
+          <a:fillRef idx="0"/>
+          <a:effectRef idx="0"/>
+          <a:fontRef idx="minor"/>
+        </p:style>
         <p:txBody>
           <a:bodyPr lIns="90000" rIns="90000" tIns="45000" bIns="45000">
             <a:noAutofit/>
           </a:bodyPr>
           <a:p>
+            <a:pPr>
+              <a:lnSpc>
+                <a:spcPct val="100000"/>
+              </a:lnSpc>
+            </a:pPr>
             <a:r>
               <a:rPr b="0" lang="de-DE" sz="1800" spc="-1" strike="noStrike">
                 <a:latin typeface="Arial"/>
@@ -9785,11 +14063,21 @@
             </a:endParaRPr>
           </a:p>
           <a:p>
+            <a:pPr>
+              <a:lnSpc>
+                <a:spcPct val="100000"/>
+              </a:lnSpc>
+            </a:pPr>
             <a:endParaRPr b="0" lang="de-DE" sz="1800" spc="-1" strike="noStrike">
               <a:latin typeface="Arial"/>
             </a:endParaRPr>
           </a:p>
           <a:p>
+            <a:pPr>
+              <a:lnSpc>
+                <a:spcPct val="100000"/>
+              </a:lnSpc>
+            </a:pPr>
             <a:r>
               <a:rPr b="0" lang="de-DE" sz="1800" spc="-1" strike="noStrike">
                 <a:latin typeface="Arial"/>
@@ -9801,11 +14089,21 @@
             </a:endParaRPr>
           </a:p>
           <a:p>
+            <a:pPr>
+              <a:lnSpc>
+                <a:spcPct val="100000"/>
+              </a:lnSpc>
+            </a:pPr>
             <a:endParaRPr b="0" lang="de-DE" sz="1800" spc="-1" strike="noStrike">
               <a:latin typeface="Arial"/>
             </a:endParaRPr>
           </a:p>
           <a:p>
+            <a:pPr>
+              <a:lnSpc>
+                <a:spcPct val="100000"/>
+              </a:lnSpc>
+            </a:pPr>
             <a:r>
               <a:rPr b="0" lang="de-DE" sz="1800" spc="-1" strike="noStrike">
                 <a:latin typeface="Arial"/>
@@ -9824,11 +14122,21 @@
             </a:endParaRPr>
           </a:p>
           <a:p>
+            <a:pPr>
+              <a:lnSpc>
+                <a:spcPct val="100000"/>
+              </a:lnSpc>
+            </a:pPr>
             <a:endParaRPr b="0" lang="de-DE" sz="1800" spc="-1" strike="noStrike">
               <a:latin typeface="Arial"/>
             </a:endParaRPr>
           </a:p>
           <a:p>
+            <a:pPr>
+              <a:lnSpc>
+                <a:spcPct val="100000"/>
+              </a:lnSpc>
+            </a:pPr>
             <a:r>
               <a:rPr b="0" lang="de-DE" sz="1800" spc="-1" strike="noStrike">
                 <a:latin typeface="Arial"/>
@@ -9841,11 +14149,21 @@
             </a:endParaRPr>
           </a:p>
           <a:p>
+            <a:pPr>
+              <a:lnSpc>
+                <a:spcPct val="100000"/>
+              </a:lnSpc>
+            </a:pPr>
             <a:endParaRPr b="0" lang="de-DE" sz="1800" spc="-1" strike="noStrike">
               <a:latin typeface="Arial"/>
             </a:endParaRPr>
           </a:p>
           <a:p>
+            <a:pPr>
+              <a:lnSpc>
+                <a:spcPct val="100000"/>
+              </a:lnSpc>
+            </a:pPr>
             <a:r>
               <a:rPr b="0" lang="de-DE" sz="1800" spc="-1" strike="noStrike">
                 <a:latin typeface="Arial"/>
@@ -9858,11 +14176,21 @@
             </a:endParaRPr>
           </a:p>
           <a:p>
+            <a:pPr>
+              <a:lnSpc>
+                <a:spcPct val="100000"/>
+              </a:lnSpc>
+            </a:pPr>
             <a:endParaRPr b="0" lang="de-DE" sz="1800" spc="-1" strike="noStrike">
               <a:latin typeface="Arial"/>
             </a:endParaRPr>
           </a:p>
           <a:p>
+            <a:pPr>
+              <a:lnSpc>
+                <a:spcPct val="100000"/>
+              </a:lnSpc>
+            </a:pPr>
             <a:endParaRPr b="0" lang="de-DE" sz="1800" spc="-1" strike="noStrike">
               <a:latin typeface="Arial"/>
             </a:endParaRPr>
@@ -9901,14 +14229,14 @@
       </p:grpSpPr>
       <p:sp>
         <p:nvSpPr>
-          <p:cNvPr id="90" name="TextShape 1"/>
-          <p:cNvSpPr txBox="1"/>
+          <p:cNvPr id="176" name="CustomShape 1"/>
+          <p:cNvSpPr/>
           <p:nvPr/>
         </p:nvSpPr>
         <p:spPr>
           <a:xfrm>
             <a:off x="1451520" y="804600"/>
-            <a:ext cx="9602280" cy="1048320"/>
+            <a:ext cx="9601920" cy="1047960"/>
           </a:xfrm>
           <a:prstGeom prst="rect">
             <a:avLst/>
@@ -9918,11 +14246,32 @@
             <a:noFill/>
           </a:ln>
         </p:spPr>
+        <p:style>
+          <a:lnRef idx="0"/>
+          <a:fillRef idx="0"/>
+          <a:effectRef idx="0"/>
+          <a:fontRef idx="minor"/>
+        </p:style>
         <p:txBody>
           <a:bodyPr lIns="0" rIns="0" tIns="0" bIns="0" anchor="ctr">
             <a:noAutofit/>
           </a:bodyPr>
           <a:p>
+            <a:pPr>
+              <a:lnSpc>
+                <a:spcPct val="100000"/>
+              </a:lnSpc>
+            </a:pPr>
+            <a:r>
+              <a:rPr b="0" lang="de-DE" sz="3200" spc="-1" strike="noStrike" cap="all">
+                <a:solidFill>
+                  <a:srgbClr val="000000"/>
+                </a:solidFill>
+                <a:latin typeface="Gill Sans MT"/>
+                <a:ea typeface="DejaVu Sans"/>
+              </a:rPr>
+              <a:t>Grafische Benutzeroberfläche</a:t>
+            </a:r>
             <a:r>
               <a:rPr b="0" lang="de-DE" sz="4400" spc="-1" strike="noStrike">
                 <a:solidFill>
@@ -9931,27 +14280,24 @@
                 <a:latin typeface="Arial"/>
                 <a:ea typeface="DejaVu Sans"/>
               </a:rPr>
-              <a:t>GUI</a:t>
+              <a:t>	</a:t>
             </a:r>
             <a:endParaRPr b="0" lang="de-DE" sz="4400" spc="-1" strike="noStrike">
-              <a:solidFill>
-                <a:srgbClr val="000000"/>
-              </a:solidFill>
-              <a:latin typeface="Arial"/>
-            </a:endParaRPr>
-          </a:p>
-        </p:txBody>
-      </p:sp>
-      <p:sp>
-        <p:nvSpPr>
-          <p:cNvPr id="91" name="TextShape 2"/>
-          <p:cNvSpPr txBox="1"/>
+              <a:latin typeface="Arial"/>
+            </a:endParaRPr>
+          </a:p>
+        </p:txBody>
+      </p:sp>
+      <p:sp>
+        <p:nvSpPr>
+          <p:cNvPr id="177" name="CustomShape 2"/>
+          <p:cNvSpPr/>
           <p:nvPr/>
         </p:nvSpPr>
         <p:spPr>
           <a:xfrm>
             <a:off x="1440000" y="2160000"/>
-            <a:ext cx="10224000" cy="2905920"/>
+            <a:ext cx="10223640" cy="2905560"/>
           </a:xfrm>
           <a:prstGeom prst="rect">
             <a:avLst/>
@@ -9961,106 +14307,71 @@
             <a:noFill/>
           </a:ln>
         </p:spPr>
+        <p:style>
+          <a:lnRef idx="0"/>
+          <a:fillRef idx="0"/>
+          <a:effectRef idx="0"/>
+          <a:fontRef idx="minor"/>
+        </p:style>
         <p:txBody>
           <a:bodyPr lIns="90000" rIns="90000" tIns="45000" bIns="45000">
             <a:noAutofit/>
           </a:bodyPr>
           <a:p>
-            <a:r>
-              <a:rPr b="0" lang="de-DE" sz="1800" spc="-1" strike="noStrike">
-                <a:latin typeface="Arial"/>
-              </a:rPr>
-              <a:t>- Coronasemester</a:t>
-            </a:r>
+            <a:pPr>
+              <a:lnSpc>
+                <a:spcPct val="100000"/>
+              </a:lnSpc>
+            </a:pPr>
             <a:endParaRPr b="0" lang="de-DE" sz="1800" spc="-1" strike="noStrike">
               <a:latin typeface="Arial"/>
             </a:endParaRPr>
           </a:p>
           <a:p>
+            <a:pPr>
+              <a:lnSpc>
+                <a:spcPct val="100000"/>
+              </a:lnSpc>
+            </a:pPr>
             <a:endParaRPr b="0" lang="de-DE" sz="1800" spc="-1" strike="noStrike">
               <a:latin typeface="Arial"/>
             </a:endParaRPr>
           </a:p>
           <a:p>
-            <a:r>
-              <a:rPr b="0" lang="de-DE" sz="1800" spc="-1" strike="noStrike">
-                <a:latin typeface="Arial"/>
-              </a:rPr>
-              <a:t>- QR-Code Erkennung Bibliothek </a:t>
-            </a:r>
+            <a:pPr>
+              <a:lnSpc>
+                <a:spcPct val="100000"/>
+              </a:lnSpc>
+            </a:pPr>
             <a:endParaRPr b="0" lang="de-DE" sz="1800" spc="-1" strike="noStrike">
               <a:latin typeface="Arial"/>
             </a:endParaRPr>
           </a:p>
-          <a:p>
-            <a:endParaRPr b="0" lang="de-DE" sz="1800" spc="-1" strike="noStrike">
-              <a:latin typeface="Arial"/>
-            </a:endParaRPr>
-          </a:p>
-          <a:p>
-            <a:r>
-              <a:rPr b="0" lang="de-DE" sz="1800" spc="-1" strike="noStrike">
-                <a:latin typeface="Arial"/>
-              </a:rPr>
-              <a:t>- </a:t>
-            </a:r>
-            <a:r>
-              <a:rPr b="0" lang="de-DE" sz="1800" spc="-1" strike="noStrike">
-                <a:latin typeface="Arial"/>
-                <a:ea typeface="Microsoft YaHei"/>
-              </a:rPr>
-              <a:t>zu entwickelnde Software auf mehrere Personen aufteilen und anschließend zusammenführen</a:t>
-            </a:r>
-            <a:endParaRPr b="0" lang="de-DE" sz="1800" spc="-1" strike="noStrike">
-              <a:latin typeface="Arial"/>
-            </a:endParaRPr>
-          </a:p>
-          <a:p>
-            <a:endParaRPr b="0" lang="de-DE" sz="1800" spc="-1" strike="noStrike">
-              <a:latin typeface="Arial"/>
-            </a:endParaRPr>
-          </a:p>
-          <a:p>
-            <a:r>
-              <a:rPr b="0" lang="de-DE" sz="1800" spc="-1" strike="noStrike">
-                <a:latin typeface="Arial"/>
-                <a:ea typeface="Microsoft YaHei"/>
-              </a:rPr>
-              <a:t>- unterschiedliche Kenntnisse in Projektdurchführung</a:t>
-            </a:r>
-            <a:endParaRPr b="0" lang="de-DE" sz="1800" spc="-1" strike="noStrike">
-              <a:latin typeface="Arial"/>
-            </a:endParaRPr>
-          </a:p>
-          <a:p>
-            <a:endParaRPr b="0" lang="de-DE" sz="1800" spc="-1" strike="noStrike">
-              <a:latin typeface="Arial"/>
-            </a:endParaRPr>
-          </a:p>
-          <a:p>
-            <a:r>
-              <a:rPr b="0" lang="de-DE" sz="1800" spc="-1" strike="noStrike">
-                <a:latin typeface="Arial"/>
-                <a:ea typeface="Microsoft YaHei"/>
-              </a:rPr>
-              <a:t>- Einarbeitung in Unity</a:t>
-            </a:r>
-            <a:endParaRPr b="0" lang="de-DE" sz="1800" spc="-1" strike="noStrike">
-              <a:latin typeface="Arial"/>
-            </a:endParaRPr>
-          </a:p>
-          <a:p>
-            <a:endParaRPr b="0" lang="de-DE" sz="1800" spc="-1" strike="noStrike">
-              <a:latin typeface="Arial"/>
-            </a:endParaRPr>
-          </a:p>
-          <a:p>
-            <a:endParaRPr b="0" lang="de-DE" sz="1800" spc="-1" strike="noStrike">
-              <a:latin typeface="Arial"/>
-            </a:endParaRPr>
-          </a:p>
-        </p:txBody>
-      </p:sp>
+        </p:txBody>
+      </p:sp>
+      <p:pic>
+        <p:nvPicPr>
+          <p:cNvPr id="178" name="Grafik 2" descr="Ein Bild, das Text, Elektronik, Screenshot, Anzeige enthält.&#10;&#10;Automatisch generierte Beschreibung"/>
+          <p:cNvPicPr/>
+          <p:nvPr/>
+        </p:nvPicPr>
+        <p:blipFill>
+          <a:blip r:embed="rId1"/>
+          <a:stretch/>
+        </p:blipFill>
+        <p:spPr>
+          <a:xfrm>
+            <a:off x="1872000" y="1913760"/>
+            <a:ext cx="7696800" cy="4139640"/>
+          </a:xfrm>
+          <a:prstGeom prst="rect">
+            <a:avLst/>
+          </a:prstGeom>
+          <a:ln>
+            <a:noFill/>
+          </a:ln>
+        </p:spPr>
+      </p:pic>
     </p:spTree>
   </p:cSld>
   <mc:AlternateContent>
@@ -10093,14 +14404,14 @@
       </p:grpSpPr>
       <p:sp>
         <p:nvSpPr>
-          <p:cNvPr id="92" name="TextShape 1"/>
-          <p:cNvSpPr txBox="1"/>
+          <p:cNvPr id="179" name="CustomShape 1"/>
+          <p:cNvSpPr/>
           <p:nvPr/>
         </p:nvSpPr>
         <p:spPr>
           <a:xfrm>
             <a:off x="1451520" y="804600"/>
-            <a:ext cx="9602280" cy="1048320"/>
+            <a:ext cx="9601920" cy="1047960"/>
           </a:xfrm>
           <a:prstGeom prst="rect">
             <a:avLst/>
@@ -10110,11 +14421,32 @@
             <a:noFill/>
           </a:ln>
         </p:spPr>
+        <p:style>
+          <a:lnRef idx="0"/>
+          <a:fillRef idx="0"/>
+          <a:effectRef idx="0"/>
+          <a:fontRef idx="minor"/>
+        </p:style>
         <p:txBody>
           <a:bodyPr lIns="0" rIns="0" tIns="0" bIns="0" anchor="ctr">
             <a:noAutofit/>
           </a:bodyPr>
           <a:p>
+            <a:pPr>
+              <a:lnSpc>
+                <a:spcPct val="100000"/>
+              </a:lnSpc>
+            </a:pPr>
+            <a:r>
+              <a:rPr b="0" lang="de-DE" sz="3200" spc="-1" strike="noStrike" cap="all">
+                <a:solidFill>
+                  <a:srgbClr val="000000"/>
+                </a:solidFill>
+                <a:latin typeface="Gill Sans MT"/>
+                <a:ea typeface="DejaVu Sans"/>
+              </a:rPr>
+              <a:t>Grafische Benutzeroberfläche</a:t>
+            </a:r>
             <a:r>
               <a:rPr b="0" lang="de-DE" sz="4400" spc="-1" strike="noStrike">
                 <a:solidFill>
@@ -10123,27 +14455,24 @@
                 <a:latin typeface="Arial"/>
                 <a:ea typeface="DejaVu Sans"/>
               </a:rPr>
-              <a:t>Stationen verwalten</a:t>
+              <a:t>	</a:t>
             </a:r>
             <a:endParaRPr b="0" lang="de-DE" sz="4400" spc="-1" strike="noStrike">
-              <a:solidFill>
-                <a:srgbClr val="000000"/>
-              </a:solidFill>
-              <a:latin typeface="Arial"/>
-            </a:endParaRPr>
-          </a:p>
-        </p:txBody>
-      </p:sp>
-      <p:sp>
-        <p:nvSpPr>
-          <p:cNvPr id="93" name="TextShape 2"/>
-          <p:cNvSpPr txBox="1"/>
+              <a:latin typeface="Arial"/>
+            </a:endParaRPr>
+          </a:p>
+        </p:txBody>
+      </p:sp>
+      <p:sp>
+        <p:nvSpPr>
+          <p:cNvPr id="180" name="CustomShape 2"/>
+          <p:cNvSpPr/>
           <p:nvPr/>
         </p:nvSpPr>
         <p:spPr>
           <a:xfrm>
-            <a:off x="2304000" y="1877760"/>
-            <a:ext cx="5400000" cy="858240"/>
+            <a:off x="1440000" y="2160000"/>
+            <a:ext cx="10223640" cy="2905560"/>
           </a:xfrm>
           <a:prstGeom prst="rect">
             <a:avLst/>
@@ -10153,27 +14482,42 @@
             <a:noFill/>
           </a:ln>
         </p:spPr>
+        <p:style>
+          <a:lnRef idx="0"/>
+          <a:fillRef idx="0"/>
+          <a:effectRef idx="0"/>
+          <a:fontRef idx="minor"/>
+        </p:style>
         <p:txBody>
           <a:bodyPr lIns="90000" rIns="90000" tIns="45000" bIns="45000">
             <a:noAutofit/>
           </a:bodyPr>
           <a:p>
+            <a:pPr>
+              <a:lnSpc>
+                <a:spcPct val="100000"/>
+              </a:lnSpc>
+            </a:pPr>
             <a:endParaRPr b="0" lang="de-DE" sz="1800" spc="-1" strike="noStrike">
               <a:latin typeface="Arial"/>
             </a:endParaRPr>
           </a:p>
           <a:p>
-            <a:r>
-              <a:rPr b="0" lang="de-DE" sz="1800" spc="-1" strike="noStrike">
-                <a:latin typeface="Arial"/>
-              </a:rPr>
-              <a:t>Stationen werden in Reihe platziert</a:t>
-            </a:r>
+            <a:pPr>
+              <a:lnSpc>
+                <a:spcPct val="100000"/>
+              </a:lnSpc>
+            </a:pPr>
             <a:endParaRPr b="0" lang="de-DE" sz="1800" spc="-1" strike="noStrike">
               <a:latin typeface="Arial"/>
             </a:endParaRPr>
           </a:p>
           <a:p>
+            <a:pPr>
+              <a:lnSpc>
+                <a:spcPct val="100000"/>
+              </a:lnSpc>
+            </a:pPr>
             <a:endParaRPr b="0" lang="de-DE" sz="1800" spc="-1" strike="noStrike">
               <a:latin typeface="Arial"/>
             </a:endParaRPr>
@@ -10182,7 +14526,7 @@
       </p:sp>
       <p:pic>
         <p:nvPicPr>
-          <p:cNvPr id="94" name="" descr=""/>
+          <p:cNvPr id="181" name="Grafik 4" descr=""/>
           <p:cNvPicPr/>
           <p:nvPr/>
         </p:nvPicPr>
@@ -10192,31 +14536,8 @@
         </p:blipFill>
         <p:spPr>
           <a:xfrm>
-            <a:off x="2206080" y="2520000"/>
-            <a:ext cx="1897920" cy="3096000"/>
-          </a:xfrm>
-          <a:prstGeom prst="rect">
-            <a:avLst/>
-          </a:prstGeom>
-          <a:ln>
-            <a:noFill/>
-          </a:ln>
-        </p:spPr>
-      </p:pic>
-      <p:pic>
-        <p:nvPicPr>
-          <p:cNvPr id="95" name="" descr=""/>
-          <p:cNvPicPr/>
-          <p:nvPr/>
-        </p:nvPicPr>
-        <p:blipFill>
-          <a:blip r:embed="rId2"/>
-          <a:stretch/>
-        </p:blipFill>
-        <p:spPr>
-          <a:xfrm>
-            <a:off x="3952080" y="2670480"/>
-            <a:ext cx="4615920" cy="3089520"/>
+            <a:off x="1872000" y="1913760"/>
+            <a:ext cx="7688160" cy="4139640"/>
           </a:xfrm>
           <a:prstGeom prst="rect">
             <a:avLst/>
@@ -10258,14 +14579,14 @@
       </p:grpSpPr>
       <p:sp>
         <p:nvSpPr>
-          <p:cNvPr id="96" name="TextShape 1"/>
-          <p:cNvSpPr txBox="1"/>
+          <p:cNvPr id="182" name="CustomShape 1"/>
+          <p:cNvSpPr/>
           <p:nvPr/>
         </p:nvSpPr>
         <p:spPr>
           <a:xfrm>
             <a:off x="1451520" y="804600"/>
-            <a:ext cx="9602280" cy="1048320"/>
+            <a:ext cx="9601920" cy="1047960"/>
           </a:xfrm>
           <a:prstGeom prst="rect">
             <a:avLst/>
@@ -10275,40 +14596,68 @@
             <a:noFill/>
           </a:ln>
         </p:spPr>
-        <p:txBody>
-          <a:bodyPr lIns="0" rIns="0" tIns="0" bIns="0" anchor="ctr">
+        <p:style>
+          <a:lnRef idx="0"/>
+          <a:fillRef idx="0"/>
+          <a:effectRef idx="0"/>
+          <a:fontRef idx="minor"/>
+        </p:style>
+        <p:txBody>
+          <a:bodyPr lIns="90000" rIns="90000" tIns="45000" bIns="45000">
             <a:noAutofit/>
           </a:bodyPr>
           <a:p>
+            <a:pPr>
+              <a:lnSpc>
+                <a:spcPct val="90000"/>
+              </a:lnSpc>
+            </a:pPr>
             <a:r>
-              <a:rPr b="0" lang="de-DE" sz="4400" spc="-1" strike="noStrike">
+              <a:rPr b="0" lang="de-DE" sz="3200" spc="-1" strike="noStrike" cap="all">
                 <a:solidFill>
                   <a:srgbClr val="000000"/>
                 </a:solidFill>
-                <a:latin typeface="Arial"/>
+                <a:latin typeface="Gill Sans MT"/>
                 <a:ea typeface="DejaVu Sans"/>
               </a:rPr>
-              <a:t>Kamera positionieren</a:t>
+              <a:t> </a:t>
             </a:r>
-            <a:endParaRPr b="0" lang="de-DE" sz="4400" spc="-1" strike="noStrike">
-              <a:solidFill>
-                <a:srgbClr val="000000"/>
-              </a:solidFill>
-              <a:latin typeface="Arial"/>
-            </a:endParaRPr>
-          </a:p>
-        </p:txBody>
-      </p:sp>
-      <p:sp>
-        <p:nvSpPr>
-          <p:cNvPr id="97" name="TextShape 2"/>
-          <p:cNvSpPr txBox="1"/>
+            <a:endParaRPr b="0" lang="de-DE" sz="3200" spc="-1" strike="noStrike">
+              <a:latin typeface="Arial"/>
+            </a:endParaRPr>
+          </a:p>
+          <a:p>
+            <a:pPr>
+              <a:lnSpc>
+                <a:spcPct val="90000"/>
+              </a:lnSpc>
+            </a:pPr>
+            <a:r>
+              <a:rPr b="0" lang="de-DE" sz="3200" spc="-1" strike="noStrike" cap="all">
+                <a:solidFill>
+                  <a:srgbClr val="000000"/>
+                </a:solidFill>
+                <a:latin typeface="Gill Sans MT"/>
+                <a:ea typeface="DejaVu Sans"/>
+              </a:rPr>
+              <a:t>Grafische Benutzeroberfläche</a:t>
+            </a:r>
+            <a:endParaRPr b="0" lang="de-DE" sz="3200" spc="-1" strike="noStrike">
+              <a:latin typeface="Arial"/>
+            </a:endParaRPr>
+          </a:p>
+        </p:txBody>
+      </p:sp>
+      <p:sp>
+        <p:nvSpPr>
+          <p:cNvPr id="183" name="CustomShape 2"/>
+          <p:cNvSpPr/>
           <p:nvPr/>
         </p:nvSpPr>
         <p:spPr>
           <a:xfrm>
-            <a:off x="5832000" y="2189880"/>
-            <a:ext cx="6192000" cy="1626120"/>
+            <a:off x="1451520" y="2015640"/>
+            <a:ext cx="9601920" cy="3449160"/>
           </a:xfrm>
           <a:prstGeom prst="rect">
             <a:avLst/>
@@ -10318,77 +14667,202 @@
             <a:noFill/>
           </a:ln>
         </p:spPr>
-        <p:txBody>
-          <a:bodyPr lIns="90000" rIns="90000" tIns="45000" bIns="45000">
-            <a:noAutofit/>
-          </a:bodyPr>
-          <a:p>
-            <a:r>
-              <a:rPr b="0" lang="de-DE" sz="1800" spc="-1" strike="noStrike">
-                <a:latin typeface="Arial"/>
-              </a:rPr>
-              <a:t>Kamera wird mit User Interface </a:t>
-            </a:r>
-            <a:endParaRPr b="0" lang="de-DE" sz="1800" spc="-1" strike="noStrike">
-              <a:latin typeface="Arial"/>
-            </a:endParaRPr>
-          </a:p>
-          <a:p>
-            <a:r>
-              <a:rPr b="0" lang="de-DE" sz="1800" spc="-1" strike="noStrike">
-                <a:latin typeface="Arial"/>
-              </a:rPr>
-              <a:t>über ausgewählter Station positioniert</a:t>
-            </a:r>
-            <a:endParaRPr b="0" lang="de-DE" sz="1800" spc="-1" strike="noStrike">
-              <a:latin typeface="Arial"/>
-            </a:endParaRPr>
-          </a:p>
-          <a:p>
-            <a:endParaRPr b="0" lang="de-DE" sz="1800" spc="-1" strike="noStrike">
-              <a:latin typeface="Arial"/>
-            </a:endParaRPr>
-          </a:p>
-          <a:p>
-            <a:endParaRPr b="0" lang="de-DE" sz="1800" spc="-1" strike="noStrike">
-              <a:latin typeface="Arial"/>
-            </a:endParaRPr>
-          </a:p>
-          <a:p>
-            <a:endParaRPr b="0" lang="de-DE" sz="1800" spc="-1" strike="noStrike">
-              <a:latin typeface="Arial"/>
-            </a:endParaRPr>
-          </a:p>
-          <a:p>
-            <a:endParaRPr b="0" lang="de-DE" sz="1800" spc="-1" strike="noStrike">
-              <a:latin typeface="Arial"/>
-            </a:endParaRPr>
-          </a:p>
-        </p:txBody>
-      </p:sp>
-      <p:pic>
-        <p:nvPicPr>
-          <p:cNvPr id="98" name="" descr=""/>
-          <p:cNvPicPr/>
+        <p:style>
+          <a:lnRef idx="0"/>
+          <a:fillRef idx="0"/>
+          <a:effectRef idx="0"/>
+          <a:fontRef idx="minor"/>
+        </p:style>
+      </p:sp>
+      <p:sp>
+        <p:nvSpPr>
+          <p:cNvPr id="184" name="CustomShape 3"/>
+          <p:cNvSpPr/>
           <p:nvPr/>
-        </p:nvPicPr>
-        <p:blipFill>
-          <a:blip r:embed="rId1"/>
-          <a:stretch/>
-        </p:blipFill>
-        <p:spPr>
-          <a:xfrm>
-            <a:off x="1992600" y="2047320"/>
-            <a:ext cx="3695400" cy="3424680"/>
-          </a:xfrm>
-          <a:prstGeom prst="rect">
-            <a:avLst/>
-          </a:prstGeom>
+        </p:nvSpPr>
+        <p:spPr>
+          <a:xfrm>
+            <a:off x="1603800" y="2167920"/>
+            <a:ext cx="9601920" cy="3449160"/>
+          </a:xfrm>
+          <a:prstGeom prst="rect">
+            <a:avLst/>
+          </a:prstGeom>
+          <a:noFill/>
           <a:ln>
             <a:noFill/>
           </a:ln>
         </p:spPr>
-      </p:pic>
+        <p:style>
+          <a:lnRef idx="0"/>
+          <a:fillRef idx="0"/>
+          <a:effectRef idx="0"/>
+          <a:fontRef idx="minor"/>
+        </p:style>
+        <p:txBody>
+          <a:bodyPr lIns="90000" rIns="90000" tIns="45000" bIns="45000">
+            <a:normAutofit/>
+          </a:bodyPr>
+          <a:p>
+            <a:pPr>
+              <a:lnSpc>
+                <a:spcPct val="120000"/>
+              </a:lnSpc>
+              <a:spcBef>
+                <a:spcPts val="1001"/>
+              </a:spcBef>
+            </a:pPr>
+            <a:r>
+              <a:rPr b="0" lang="de-DE" sz="2000" spc="-1" strike="noStrike">
+                <a:solidFill>
+                  <a:srgbClr val="000000"/>
+                </a:solidFill>
+                <a:latin typeface="Gill Sans MT"/>
+                <a:ea typeface="DejaVu Sans"/>
+              </a:rPr>
+              <a:t>Technische Highlights: </a:t>
+            </a:r>
+            <a:endParaRPr b="0" lang="de-DE" sz="2000" spc="-1" strike="noStrike">
+              <a:latin typeface="Arial"/>
+            </a:endParaRPr>
+          </a:p>
+          <a:p>
+            <a:pPr lvl="1" marL="800280" indent="-342720">
+              <a:lnSpc>
+                <a:spcPct val="120000"/>
+              </a:lnSpc>
+              <a:spcBef>
+                <a:spcPts val="1001"/>
+              </a:spcBef>
+              <a:buClr>
+                <a:srgbClr val="000000"/>
+              </a:buClr>
+              <a:buFont typeface="Arial"/>
+              <a:buChar char="•"/>
+            </a:pPr>
+            <a:r>
+              <a:rPr b="0" lang="de-DE" sz="2000" spc="-1" strike="noStrike">
+                <a:solidFill>
+                  <a:srgbClr val="000000"/>
+                </a:solidFill>
+                <a:latin typeface="Gill Sans MT"/>
+                <a:ea typeface="DejaVu Sans"/>
+              </a:rPr>
+              <a:t>Model-View-Controller Pattern</a:t>
+            </a:r>
+            <a:endParaRPr b="0" lang="de-DE" sz="2000" spc="-1" strike="noStrike">
+              <a:latin typeface="Arial"/>
+            </a:endParaRPr>
+          </a:p>
+          <a:p>
+            <a:pPr lvl="1" marL="800280" indent="-342720">
+              <a:lnSpc>
+                <a:spcPct val="120000"/>
+              </a:lnSpc>
+              <a:spcBef>
+                <a:spcPts val="1001"/>
+              </a:spcBef>
+              <a:buClr>
+                <a:srgbClr val="000000"/>
+              </a:buClr>
+              <a:buFont typeface="Arial"/>
+              <a:buChar char="•"/>
+            </a:pPr>
+            <a:r>
+              <a:rPr b="0" lang="de-DE" sz="2000" spc="-1" strike="noStrike">
+                <a:solidFill>
+                  <a:srgbClr val="000000"/>
+                </a:solidFill>
+                <a:latin typeface="Gill Sans MT"/>
+                <a:ea typeface="DejaVu Sans"/>
+              </a:rPr>
+              <a:t>Singleton Pattern</a:t>
+            </a:r>
+            <a:endParaRPr b="0" lang="de-DE" sz="2000" spc="-1" strike="noStrike">
+              <a:latin typeface="Arial"/>
+            </a:endParaRPr>
+          </a:p>
+          <a:p>
+            <a:pPr>
+              <a:lnSpc>
+                <a:spcPct val="120000"/>
+              </a:lnSpc>
+              <a:spcBef>
+                <a:spcPts val="1001"/>
+              </a:spcBef>
+            </a:pPr>
+            <a:r>
+              <a:rPr b="0" lang="de-DE" sz="2000" spc="-1" strike="noStrike">
+                <a:solidFill>
+                  <a:srgbClr val="000000"/>
+                </a:solidFill>
+                <a:latin typeface="Gill Sans MT"/>
+                <a:ea typeface="DejaVu Sans"/>
+              </a:rPr>
+              <a:t>Herausforderungen: </a:t>
+            </a:r>
+            <a:endParaRPr b="0" lang="de-DE" sz="2000" spc="-1" strike="noStrike">
+              <a:latin typeface="Arial"/>
+            </a:endParaRPr>
+          </a:p>
+          <a:p>
+            <a:pPr lvl="1" marL="800280" indent="-342720">
+              <a:lnSpc>
+                <a:spcPct val="120000"/>
+              </a:lnSpc>
+              <a:spcBef>
+                <a:spcPts val="1001"/>
+              </a:spcBef>
+              <a:buClr>
+                <a:srgbClr val="000000"/>
+              </a:buClr>
+              <a:buFont typeface="Arial"/>
+              <a:buChar char="•"/>
+            </a:pPr>
+            <a:r>
+              <a:rPr b="0" lang="de-DE" sz="2000" spc="-1" strike="noStrike">
+                <a:solidFill>
+                  <a:srgbClr val="000000"/>
+                </a:solidFill>
+                <a:latin typeface="Gill Sans MT"/>
+                <a:ea typeface="DejaVu Sans"/>
+              </a:rPr>
+              <a:t>Unity </a:t>
+            </a:r>
+            <a:endParaRPr b="0" lang="de-DE" sz="2000" spc="-1" strike="noStrike">
+              <a:latin typeface="Arial"/>
+            </a:endParaRPr>
+          </a:p>
+          <a:p>
+            <a:pPr lvl="1" marL="800280" indent="-342720">
+              <a:lnSpc>
+                <a:spcPct val="120000"/>
+              </a:lnSpc>
+              <a:spcBef>
+                <a:spcPts val="1001"/>
+              </a:spcBef>
+              <a:buClr>
+                <a:srgbClr val="000000"/>
+              </a:buClr>
+              <a:buFont typeface="Arial"/>
+              <a:buChar char="•"/>
+            </a:pPr>
+            <a:r>
+              <a:rPr b="0" lang="de-DE" sz="2000" spc="-1" strike="noStrike">
+                <a:solidFill>
+                  <a:srgbClr val="000000"/>
+                </a:solidFill>
+                <a:latin typeface="Gill Sans MT"/>
+                <a:ea typeface="DejaVu Sans"/>
+              </a:rPr>
+              <a:t>Definition der Schnittstellen</a:t>
+            </a:r>
+            <a:endParaRPr b="0" lang="de-DE" sz="2000" spc="-1" strike="noStrike">
+              <a:latin typeface="Arial"/>
+            </a:endParaRPr>
+          </a:p>
+        </p:txBody>
+      </p:sp>
     </p:spTree>
   </p:cSld>
   <mc:AlternateContent>
@@ -10421,14 +14895,14 @@
       </p:grpSpPr>
       <p:sp>
         <p:nvSpPr>
-          <p:cNvPr id="99" name="CustomShape 1"/>
+          <p:cNvPr id="185" name="CustomShape 1"/>
           <p:cNvSpPr/>
           <p:nvPr/>
         </p:nvSpPr>
         <p:spPr>
           <a:xfrm>
             <a:off x="1451520" y="804600"/>
-            <a:ext cx="9602280" cy="1048320"/>
+            <a:ext cx="9601920" cy="1047960"/>
           </a:xfrm>
           <a:prstGeom prst="rect">
             <a:avLst/>
@@ -10451,7 +14925,7 @@
           <a:p>
             <a:pPr>
               <a:lnSpc>
-                <a:spcPct val="90000"/>
+                <a:spcPct val="100000"/>
               </a:lnSpc>
             </a:pPr>
             <a:r>
@@ -10462,17 +14936,7 @@
                 <a:latin typeface="Arial"/>
                 <a:ea typeface="DejaVu Sans"/>
               </a:rPr>
-              <a:t>Qr-Code Bilderkennung</a:t>
-            </a:r>
-            <a:r>
-              <a:rPr b="0" lang="de-DE" sz="4400" spc="-1" strike="noStrike">
-                <a:solidFill>
-                  <a:srgbClr val="000000"/>
-                </a:solidFill>
-                <a:latin typeface="Arial"/>
-                <a:ea typeface="DejaVu Sans"/>
-              </a:rPr>
-              <a:t>	</a:t>
+              <a:t>Stationen verwalten</a:t>
             </a:r>
             <a:endParaRPr b="0" lang="de-DE" sz="4400" spc="-1" strike="noStrike">
               <a:latin typeface="Arial"/>
@@ -10480,21 +14944,87 @@
           </a:p>
         </p:txBody>
       </p:sp>
+      <p:sp>
+        <p:nvSpPr>
+          <p:cNvPr id="186" name="CustomShape 2"/>
+          <p:cNvSpPr/>
+          <p:nvPr/>
+        </p:nvSpPr>
+        <p:spPr>
+          <a:xfrm>
+            <a:off x="2304000" y="1877760"/>
+            <a:ext cx="5399640" cy="857880"/>
+          </a:xfrm>
+          <a:prstGeom prst="rect">
+            <a:avLst/>
+          </a:prstGeom>
+          <a:noFill/>
+          <a:ln>
+            <a:noFill/>
+          </a:ln>
+        </p:spPr>
+        <p:style>
+          <a:lnRef idx="0"/>
+          <a:fillRef idx="0"/>
+          <a:effectRef idx="0"/>
+          <a:fontRef idx="minor"/>
+        </p:style>
+        <p:txBody>
+          <a:bodyPr lIns="90000" rIns="90000" tIns="45000" bIns="45000">
+            <a:noAutofit/>
+          </a:bodyPr>
+          <a:p>
+            <a:pPr>
+              <a:lnSpc>
+                <a:spcPct val="100000"/>
+              </a:lnSpc>
+            </a:pPr>
+            <a:endParaRPr b="0" lang="de-DE" sz="1800" spc="-1" strike="noStrike">
+              <a:latin typeface="Arial"/>
+            </a:endParaRPr>
+          </a:p>
+          <a:p>
+            <a:pPr>
+              <a:lnSpc>
+                <a:spcPct val="100000"/>
+              </a:lnSpc>
+            </a:pPr>
+            <a:r>
+              <a:rPr b="0" lang="de-DE" sz="1800" spc="-1" strike="noStrike">
+                <a:latin typeface="Arial"/>
+              </a:rPr>
+              <a:t>Stationen werden in Reihe platziert</a:t>
+            </a:r>
+            <a:endParaRPr b="0" lang="de-DE" sz="1800" spc="-1" strike="noStrike">
+              <a:latin typeface="Arial"/>
+            </a:endParaRPr>
+          </a:p>
+          <a:p>
+            <a:pPr>
+              <a:lnSpc>
+                <a:spcPct val="100000"/>
+              </a:lnSpc>
+            </a:pPr>
+            <a:endParaRPr b="0" lang="de-DE" sz="1800" spc="-1" strike="noStrike">
+              <a:latin typeface="Arial"/>
+            </a:endParaRPr>
+          </a:p>
+        </p:txBody>
+      </p:sp>
       <p:pic>
         <p:nvPicPr>
-          <p:cNvPr id="100" name="Grafik 2" descr=""/>
+          <p:cNvPr id="187" name="" descr=""/>
           <p:cNvPicPr/>
           <p:nvPr/>
         </p:nvPicPr>
         <p:blipFill>
           <a:blip r:embed="rId1"/>
-          <a:srcRect l="6124" t="13664" r="8523" b="24034"/>
           <a:stretch/>
         </p:blipFill>
         <p:spPr>
           <a:xfrm>
-            <a:off x="2236680" y="2120760"/>
-            <a:ext cx="7718400" cy="3755880"/>
+            <a:off x="144000" y="2448000"/>
+            <a:ext cx="1897560" cy="3095640"/>
           </a:xfrm>
           <a:prstGeom prst="rect">
             <a:avLst/>
@@ -10504,227 +15034,103 @@
           </a:ln>
         </p:spPr>
       </p:pic>
-      <p:sp>
-        <p:nvSpPr>
-          <p:cNvPr id="101" name="CustomShape 2"/>
-          <p:cNvSpPr/>
+      <p:pic>
+        <p:nvPicPr>
+          <p:cNvPr id="188" name="" descr=""/>
+          <p:cNvPicPr/>
           <p:nvPr/>
-        </p:nvSpPr>
-        <p:spPr>
-          <a:xfrm>
-            <a:off x="2236680" y="2120760"/>
-            <a:ext cx="2645280" cy="1473480"/>
-          </a:xfrm>
-          <a:prstGeom prst="rect">
-            <a:avLst/>
-          </a:prstGeom>
-          <a:solidFill>
-            <a:srgbClr val="00b0f0">
-              <a:alpha val="31000"/>
-            </a:srgbClr>
-          </a:solidFill>
+        </p:nvPicPr>
+        <p:blipFill>
+          <a:blip r:embed="rId2"/>
+          <a:stretch/>
+        </p:blipFill>
+        <p:spPr>
+          <a:xfrm>
+            <a:off x="1656000" y="2454840"/>
+            <a:ext cx="4615560" cy="3089160"/>
+          </a:xfrm>
+          <a:prstGeom prst="rect">
+            <a:avLst/>
+          </a:prstGeom>
           <a:ln>
-            <a:solidFill>
-              <a:schemeClr val="bg1">
-                <a:lumMod val="95000"/>
-              </a:schemeClr>
-            </a:solidFill>
+            <a:noFill/>
           </a:ln>
         </p:spPr>
-        <p:style>
-          <a:lnRef idx="2">
-            <a:schemeClr val="accent1">
-              <a:shade val="50000"/>
-            </a:schemeClr>
-          </a:lnRef>
-          <a:fillRef idx="1">
-            <a:schemeClr val="accent1"/>
-          </a:fillRef>
-          <a:effectRef idx="0">
-            <a:schemeClr val="accent1"/>
-          </a:effectRef>
-          <a:fontRef idx="minor"/>
-        </p:style>
-      </p:sp>
-      <p:sp>
-        <p:nvSpPr>
-          <p:cNvPr id="102" name="CustomShape 3"/>
-          <p:cNvSpPr/>
+      </p:pic>
+      <p:pic>
+        <p:nvPicPr>
+          <p:cNvPr id="189" name="" descr=""/>
+          <p:cNvPicPr/>
           <p:nvPr/>
-        </p:nvSpPr>
-        <p:spPr>
-          <a:xfrm>
-            <a:off x="4456080" y="2120760"/>
-            <a:ext cx="2645280" cy="1473480"/>
-          </a:xfrm>
-          <a:prstGeom prst="rect">
-            <a:avLst/>
-          </a:prstGeom>
-          <a:solidFill>
-            <a:srgbClr val="00b0f0">
-              <a:alpha val="31000"/>
-            </a:srgbClr>
-          </a:solidFill>
+        </p:nvPicPr>
+        <p:blipFill>
+          <a:blip r:embed="rId3"/>
+          <a:stretch/>
+        </p:blipFill>
+        <p:spPr>
+          <a:xfrm>
+            <a:off x="8568000" y="2623680"/>
+            <a:ext cx="3306600" cy="3064320"/>
+          </a:xfrm>
+          <a:prstGeom prst="rect">
+            <a:avLst/>
+          </a:prstGeom>
           <a:ln>
-            <a:solidFill>
-              <a:schemeClr val="bg1">
-                <a:lumMod val="95000"/>
-              </a:schemeClr>
-            </a:solidFill>
+            <a:noFill/>
           </a:ln>
         </p:spPr>
-        <p:style>
-          <a:lnRef idx="2">
-            <a:schemeClr val="accent1">
-              <a:shade val="50000"/>
-            </a:schemeClr>
-          </a:lnRef>
-          <a:fillRef idx="1">
-            <a:schemeClr val="accent1"/>
-          </a:fillRef>
-          <a:effectRef idx="0">
-            <a:schemeClr val="accent1"/>
-          </a:effectRef>
-          <a:fontRef idx="minor"/>
-        </p:style>
-      </p:sp>
-      <p:sp>
-        <p:nvSpPr>
-          <p:cNvPr id="103" name="CustomShape 4"/>
-          <p:cNvSpPr/>
+      </p:pic>
+      <p:sp>
+        <p:nvSpPr>
+          <p:cNvPr id="190" name="TextShape 3"/>
+          <p:cNvSpPr txBox="1"/>
           <p:nvPr/>
         </p:nvSpPr>
         <p:spPr>
           <a:xfrm>
-            <a:off x="2236680" y="3261960"/>
-            <a:ext cx="2645280" cy="1473480"/>
-          </a:xfrm>
-          <a:prstGeom prst="rect">
-            <a:avLst/>
-          </a:prstGeom>
-          <a:solidFill>
-            <a:srgbClr val="00b0f0">
-              <a:alpha val="31000"/>
-            </a:srgbClr>
-          </a:solidFill>
+            <a:off x="7272000" y="2016000"/>
+            <a:ext cx="3960000" cy="858240"/>
+          </a:xfrm>
+          <a:prstGeom prst="rect">
+            <a:avLst/>
+          </a:prstGeom>
+          <a:noFill/>
           <a:ln>
-            <a:solidFill>
-              <a:schemeClr val="bg1">
-                <a:lumMod val="95000"/>
-              </a:schemeClr>
-            </a:solidFill>
+            <a:noFill/>
           </a:ln>
         </p:spPr>
-        <p:style>
-          <a:lnRef idx="2">
-            <a:schemeClr val="accent1">
-              <a:shade val="50000"/>
-            </a:schemeClr>
-          </a:lnRef>
-          <a:fillRef idx="1">
-            <a:schemeClr val="accent1"/>
-          </a:fillRef>
-          <a:effectRef idx="0">
-            <a:schemeClr val="accent1"/>
-          </a:effectRef>
-          <a:fontRef idx="minor"/>
-        </p:style>
-      </p:sp>
-      <p:sp>
-        <p:nvSpPr>
-          <p:cNvPr id="104" name="CustomShape 5"/>
-          <p:cNvSpPr/>
-          <p:nvPr/>
-        </p:nvSpPr>
-        <p:spPr>
-          <a:xfrm>
-            <a:off x="4100400" y="3261960"/>
-            <a:ext cx="316440" cy="247680"/>
-          </a:xfrm>
-          <a:prstGeom prst="rect">
-            <a:avLst/>
-          </a:prstGeom>
-          <a:noFill/>
-          <a:ln/>
-        </p:spPr>
-        <p:style>
-          <a:lnRef idx="2">
-            <a:schemeClr val="accent1">
-              <a:shade val="50000"/>
-            </a:schemeClr>
-          </a:lnRef>
-          <a:fillRef idx="1">
-            <a:schemeClr val="accent1"/>
-          </a:fillRef>
-          <a:effectRef idx="0">
-            <a:schemeClr val="accent1"/>
-          </a:effectRef>
-          <a:fontRef idx="minor"/>
-        </p:style>
-      </p:sp>
-      <p:sp>
-        <p:nvSpPr>
-          <p:cNvPr id="105" name="CustomShape 6"/>
-          <p:cNvSpPr/>
-          <p:nvPr/>
-        </p:nvSpPr>
-        <p:spPr>
-          <a:xfrm>
-            <a:off x="5983200" y="4487760"/>
-            <a:ext cx="316440" cy="247680"/>
-          </a:xfrm>
-          <a:prstGeom prst="rect">
-            <a:avLst/>
-          </a:prstGeom>
-          <a:noFill/>
-          <a:ln/>
-        </p:spPr>
-        <p:style>
-          <a:lnRef idx="2">
-            <a:schemeClr val="accent1">
-              <a:shade val="50000"/>
-            </a:schemeClr>
-          </a:lnRef>
-          <a:fillRef idx="1">
-            <a:schemeClr val="accent1"/>
-          </a:fillRef>
-          <a:effectRef idx="0">
-            <a:schemeClr val="accent1"/>
-          </a:effectRef>
-          <a:fontRef idx="minor"/>
-        </p:style>
-      </p:sp>
-      <p:sp>
-        <p:nvSpPr>
-          <p:cNvPr id="106" name="CustomShape 7"/>
-          <p:cNvSpPr/>
-          <p:nvPr/>
-        </p:nvSpPr>
-        <p:spPr>
-          <a:xfrm>
-            <a:off x="7358040" y="3261960"/>
-            <a:ext cx="316440" cy="247680"/>
-          </a:xfrm>
-          <a:prstGeom prst="rect">
-            <a:avLst/>
-          </a:prstGeom>
-          <a:noFill/>
-          <a:ln/>
-        </p:spPr>
-        <p:style>
-          <a:lnRef idx="2">
-            <a:schemeClr val="accent1">
-              <a:shade val="50000"/>
-            </a:schemeClr>
-          </a:lnRef>
-          <a:fillRef idx="1">
-            <a:schemeClr val="accent1"/>
-          </a:fillRef>
-          <a:effectRef idx="0">
-            <a:schemeClr val="accent1"/>
-          </a:effectRef>
-          <a:fontRef idx="minor"/>
-        </p:style>
+        <p:txBody>
+          <a:bodyPr lIns="90000" rIns="90000" tIns="45000" bIns="45000">
+            <a:noAutofit/>
+          </a:bodyPr>
+          <a:p>
+            <a:pPr>
+              <a:lnSpc>
+                <a:spcPct val="100000"/>
+              </a:lnSpc>
+            </a:pPr>
+            <a:r>
+              <a:rPr b="0" lang="de-DE" sz="1800" spc="-1" strike="noStrike">
+                <a:latin typeface="Arial"/>
+              </a:rPr>
+              <a:t>Kamera wird mit User Interface </a:t>
+            </a:r>
+            <a:endParaRPr b="0" lang="de-DE" sz="1800" spc="-1" strike="noStrike">
+              <a:latin typeface="Arial"/>
+            </a:endParaRPr>
+          </a:p>
+          <a:p>
+            <a:r>
+              <a:rPr b="0" lang="de-DE" sz="1800" spc="-1" strike="noStrike">
+                <a:latin typeface="Arial"/>
+              </a:rPr>
+              <a:t>über ausgewählter Station positioniert</a:t>
+            </a:r>
+            <a:endParaRPr b="0" lang="de-DE" sz="1800" spc="-1" strike="noStrike">
+              <a:latin typeface="Arial"/>
+            </a:endParaRPr>
+          </a:p>
+        </p:txBody>
       </p:sp>
     </p:spTree>
   </p:cSld>
@@ -10758,14 +15164,14 @@
       </p:grpSpPr>
       <p:sp>
         <p:nvSpPr>
-          <p:cNvPr id="107" name="CustomShape 1"/>
-          <p:cNvSpPr/>
+          <p:cNvPr id="191" name="TextShape 1"/>
+          <p:cNvSpPr txBox="1"/>
           <p:nvPr/>
         </p:nvSpPr>
         <p:spPr>
           <a:xfrm>
-            <a:off x="1451520" y="804600"/>
-            <a:ext cx="9602280" cy="1048320"/>
+            <a:off x="1440000" y="943560"/>
+            <a:ext cx="10972080" cy="1144440"/>
           </a:xfrm>
           <a:prstGeom prst="rect">
             <a:avLst/>
@@ -10775,12 +15181,6 @@
             <a:noFill/>
           </a:ln>
         </p:spPr>
-        <p:style>
-          <a:lnRef idx="0"/>
-          <a:fillRef idx="0"/>
-          <a:effectRef idx="0"/>
-          <a:fontRef idx="minor"/>
-        </p:style>
         <p:txBody>
           <a:bodyPr lIns="0" rIns="0" tIns="0" bIns="0" anchor="ctr">
             <a:noAutofit/>
@@ -10799,8 +15199,224 @@
                 <a:latin typeface="Arial"/>
                 <a:ea typeface="DejaVu Sans"/>
               </a:rPr>
-              <a:t>Management der Ladungsträger</a:t>
+              <a:t>Laden &amp; Speichern</a:t>
             </a:r>
+            <a:endParaRPr b="0" lang="de-DE" sz="4400" spc="-1" strike="noStrike">
+              <a:solidFill>
+                <a:srgbClr val="000000"/>
+              </a:solidFill>
+              <a:latin typeface="Arial"/>
+            </a:endParaRPr>
+          </a:p>
+        </p:txBody>
+      </p:sp>
+      <p:sp>
+        <p:nvSpPr>
+          <p:cNvPr id="192" name="TextShape 2"/>
+          <p:cNvSpPr txBox="1"/>
+          <p:nvPr/>
+        </p:nvSpPr>
+        <p:spPr>
+          <a:xfrm>
+            <a:off x="1267920" y="1800000"/>
+            <a:ext cx="10972080" cy="3976920"/>
+          </a:xfrm>
+          <a:prstGeom prst="rect">
+            <a:avLst/>
+          </a:prstGeom>
+          <a:noFill/>
+          <a:ln>
+            <a:noFill/>
+          </a:ln>
+        </p:spPr>
+        <p:txBody>
+          <a:bodyPr lIns="0" rIns="0" tIns="0" bIns="0" anchor="ctr">
+            <a:noAutofit/>
+          </a:bodyPr>
+          <a:p>
+            <a:pPr marL="228600" indent="-228240">
+              <a:lnSpc>
+                <a:spcPct val="90000"/>
+              </a:lnSpc>
+              <a:spcBef>
+                <a:spcPts val="1001"/>
+              </a:spcBef>
+              <a:buClr>
+                <a:srgbClr val="000000"/>
+              </a:buClr>
+              <a:buFont typeface="Arial"/>
+              <a:buChar char="•"/>
+            </a:pPr>
+            <a:r>
+              <a:rPr b="0" lang="de-DE" sz="2800" spc="-1" strike="noStrike">
+                <a:solidFill>
+                  <a:srgbClr val="000000"/>
+                </a:solidFill>
+                <a:latin typeface="Arial"/>
+                <a:ea typeface="DejaVu Sans"/>
+              </a:rPr>
+              <a:t>- JSON Export aller GameObjects</a:t>
+            </a:r>
+            <a:endParaRPr b="0" lang="de-DE" sz="2800" spc="-1" strike="noStrike">
+              <a:latin typeface="Arial"/>
+            </a:endParaRPr>
+          </a:p>
+          <a:p>
+            <a:pPr>
+              <a:lnSpc>
+                <a:spcPct val="90000"/>
+              </a:lnSpc>
+              <a:spcBef>
+                <a:spcPts val="1001"/>
+              </a:spcBef>
+            </a:pPr>
+            <a:endParaRPr b="0" lang="de-DE" sz="2800" spc="-1" strike="noStrike">
+              <a:latin typeface="Arial"/>
+            </a:endParaRPr>
+          </a:p>
+          <a:p>
+            <a:pPr marL="228600" indent="-228240">
+              <a:lnSpc>
+                <a:spcPct val="90000"/>
+              </a:lnSpc>
+              <a:spcBef>
+                <a:spcPts val="1001"/>
+              </a:spcBef>
+              <a:buClr>
+                <a:srgbClr val="000000"/>
+              </a:buClr>
+              <a:buFont typeface="Arial"/>
+              <a:buChar char="•"/>
+            </a:pPr>
+            <a:r>
+              <a:rPr b="0" lang="de-DE" sz="2800" spc="-1" strike="noStrike">
+                <a:solidFill>
+                  <a:srgbClr val="000000"/>
+                </a:solidFill>
+                <a:latin typeface="Arial"/>
+                <a:ea typeface="DejaVu Sans"/>
+              </a:rPr>
+              <a:t>- GameObject.toJSON() nicht möglich</a:t>
+            </a:r>
+            <a:endParaRPr b="0" lang="de-DE" sz="2800" spc="-1" strike="noStrike">
+              <a:latin typeface="Arial"/>
+            </a:endParaRPr>
+          </a:p>
+          <a:p>
+            <a:pPr>
+              <a:lnSpc>
+                <a:spcPct val="90000"/>
+              </a:lnSpc>
+              <a:spcBef>
+                <a:spcPts val="1001"/>
+              </a:spcBef>
+            </a:pPr>
+            <a:endParaRPr b="0" lang="de-DE" sz="2800" spc="-1" strike="noStrike">
+              <a:latin typeface="Arial"/>
+            </a:endParaRPr>
+          </a:p>
+          <a:p>
+            <a:pPr marL="228600" indent="-228240">
+              <a:lnSpc>
+                <a:spcPct val="90000"/>
+              </a:lnSpc>
+              <a:spcBef>
+                <a:spcPts val="1001"/>
+              </a:spcBef>
+              <a:buClr>
+                <a:srgbClr val="000000"/>
+              </a:buClr>
+              <a:buFont typeface="Arial"/>
+              <a:buChar char="•"/>
+            </a:pPr>
+            <a:r>
+              <a:rPr b="0" lang="de-DE" sz="2800" spc="-1" strike="noStrike">
+                <a:solidFill>
+                  <a:srgbClr val="000000"/>
+                </a:solidFill>
+                <a:latin typeface="Arial"/>
+                <a:ea typeface="DejaVu Sans"/>
+              </a:rPr>
+              <a:t>- Models für Stationen und Ladungsträger erstellt</a:t>
+            </a:r>
+            <a:endParaRPr b="0" lang="de-DE" sz="2800" spc="-1" strike="noStrike">
+              <a:latin typeface="Arial"/>
+            </a:endParaRPr>
+          </a:p>
+          <a:p>
+            <a:pPr>
+              <a:lnSpc>
+                <a:spcPct val="90000"/>
+              </a:lnSpc>
+              <a:spcBef>
+                <a:spcPts val="1001"/>
+              </a:spcBef>
+            </a:pPr>
+            <a:endParaRPr b="0" lang="de-DE" sz="2800" spc="-1" strike="noStrike">
+              <a:latin typeface="Arial"/>
+            </a:endParaRPr>
+          </a:p>
+        </p:txBody>
+      </p:sp>
+    </p:spTree>
+  </p:cSld>
+  <mc:AlternateContent>
+    <mc:Choice Requires="p14">
+      <p:transition spd="slow" p14:dur="2000"/>
+    </mc:Choice>
+    <mc:Fallback>
+      <p:transition spd="slow"/>
+    </mc:Fallback>
+  </mc:AlternateContent>
+</p:sld>
+</file>
+
+<file path=ppt/slides/slide9.xml><?xml version="1.0" encoding="utf-8"?>
+<p:sld xmlns:a="http://schemas.openxmlformats.org/drawingml/2006/main" xmlns:p="http://schemas.openxmlformats.org/presentationml/2006/main" xmlns:r="http://schemas.openxmlformats.org/officeDocument/2006/relationships" xmlns:p14="http://schemas.microsoft.com/office/powerpoint/2010/main" xmlns:p15="http://schemas.microsoft.com/office/powerpoint/2012/main" xmlns:mc="http://schemas.openxmlformats.org/markup-compatibility/2006">
+  <p:cSld>
+    <p:spTree>
+      <p:nvGrpSpPr>
+        <p:cNvPr id="1" name=""/>
+        <p:cNvGrpSpPr/>
+        <p:nvPr/>
+      </p:nvGrpSpPr>
+      <p:grpSpPr>
+        <a:xfrm>
+          <a:off x="0" y="0"/>
+          <a:ext cx="0" cy="0"/>
+          <a:chOff x="0" y="0"/>
+          <a:chExt cx="0" cy="0"/>
+        </a:xfrm>
+      </p:grpSpPr>
+      <p:sp>
+        <p:nvSpPr>
+          <p:cNvPr id="193" name="TextShape 1"/>
+          <p:cNvSpPr txBox="1"/>
+          <p:nvPr/>
+        </p:nvSpPr>
+        <p:spPr>
+          <a:xfrm>
+            <a:off x="1446480" y="936000"/>
+            <a:ext cx="10972080" cy="1144440"/>
+          </a:xfrm>
+          <a:prstGeom prst="rect">
+            <a:avLst/>
+          </a:prstGeom>
+          <a:noFill/>
+          <a:ln>
+            <a:noFill/>
+          </a:ln>
+        </p:spPr>
+        <p:txBody>
+          <a:bodyPr lIns="0" rIns="0" tIns="0" bIns="0" anchor="ctr">
+            <a:noAutofit/>
+          </a:bodyPr>
+          <a:p>
+            <a:pPr>
+              <a:lnSpc>
+                <a:spcPct val="90000"/>
+              </a:lnSpc>
+            </a:pPr>
             <a:r>
               <a:rPr b="0" lang="de-DE" sz="4400" spc="-1" strike="noStrike">
                 <a:solidFill>
@@ -10809,68 +15425,27 @@
                 <a:latin typeface="Arial"/>
                 <a:ea typeface="DejaVu Sans"/>
               </a:rPr>
-              <a:t>	</a:t>
+              <a:t>Laden &amp; Speichern</a:t>
             </a:r>
             <a:endParaRPr b="0" lang="de-DE" sz="4400" spc="-1" strike="noStrike">
-              <a:latin typeface="Arial"/>
-            </a:endParaRPr>
-          </a:p>
-        </p:txBody>
-      </p:sp>
-      <p:graphicFrame>
-        <p:nvGraphicFramePr>
-          <p:cNvPr id="1" name="Diagram1"/>
-          <p:cNvGraphicFramePr/>
-          <p:nvPr>
-            <p:extLst>
-              <p:ext uri="{D42A27DB-BD31-4B8C-83A1-F6EECF244321}">
-                <p14:modId xmlns:p14="http://schemas.microsoft.com/office/powerpoint/2010/main" val="1760329484"/>
-              </p:ext>
-            </p:extLst>
-          </p:nvPr>
-        </p:nvGraphicFramePr>
-        <p:xfrm>
-          <a:off x="1451520" y="2432880"/>
-          <a:ext cx="3382920" cy="3035160"/>
-        </p:xfrm>
-        <a:graphic>
-          <a:graphicData uri="http://schemas.openxmlformats.org/drawingml/2006/diagram">
-            <dgm:relIds xmlns:dgm="http://schemas.openxmlformats.org/drawingml/2006/diagram" xmlns:r="http://schemas.openxmlformats.org/officeDocument/2006/relationships" r:dm="rId1" r:lo="rId2" r:qs="rId3" r:cs="rId4"/>
-          </a:graphicData>
-        </a:graphic>
-      </p:graphicFrame>
-      <p:graphicFrame>
-        <p:nvGraphicFramePr>
-          <p:cNvPr id="2" name="Diagram2"/>
-          <p:cNvGraphicFramePr/>
-          <p:nvPr>
-            <p:extLst>
-              <p:ext uri="{D42A27DB-BD31-4B8C-83A1-F6EECF244321}">
-                <p14:modId xmlns:p14="http://schemas.microsoft.com/office/powerpoint/2010/main" val="3123812627"/>
-              </p:ext>
-            </p:extLst>
-          </p:nvPr>
-        </p:nvGraphicFramePr>
-        <p:xfrm>
-          <a:off x="7356960" y="2432880"/>
-          <a:ext cx="3846240" cy="3248280"/>
-        </p:xfrm>
-        <a:graphic>
-          <a:graphicData uri="http://schemas.openxmlformats.org/drawingml/2006/diagram">
-            <dgm:relIds xmlns:dgm="http://schemas.openxmlformats.org/drawingml/2006/diagram" xmlns:r="http://schemas.openxmlformats.org/officeDocument/2006/relationships" r:dm="rId6" r:lo="rId7" r:qs="rId8" r:cs="rId9"/>
-          </a:graphicData>
-        </a:graphic>
-      </p:graphicFrame>
-      <p:sp>
-        <p:nvSpPr>
-          <p:cNvPr id="108" name="CustomShape 2"/>
-          <p:cNvSpPr/>
+              <a:solidFill>
+                <a:srgbClr val="000000"/>
+              </a:solidFill>
+              <a:latin typeface="Arial"/>
+            </a:endParaRPr>
+          </a:p>
+        </p:txBody>
+      </p:sp>
+      <p:sp>
+        <p:nvSpPr>
+          <p:cNvPr id="194" name="TextShape 2"/>
+          <p:cNvSpPr txBox="1"/>
           <p:nvPr/>
         </p:nvSpPr>
         <p:spPr>
           <a:xfrm>
-            <a:off x="7611480" y="5459760"/>
-            <a:ext cx="3188160" cy="364680"/>
+            <a:off x="1267920" y="1728000"/>
+            <a:ext cx="10972080" cy="3976920"/>
           </a:xfrm>
           <a:prstGeom prst="rect">
             <a:avLst/>
@@ -10880,84 +15455,117 @@
             <a:noFill/>
           </a:ln>
         </p:spPr>
-        <p:style>
-          <a:lnRef idx="2"/>
-          <a:fillRef idx="0"/>
-          <a:effectRef idx="0"/>
-          <a:fontRef idx="minor"/>
-        </p:style>
-        <p:txBody>
-          <a:bodyPr lIns="90000" rIns="90000" tIns="45000" bIns="45000">
-            <a:spAutoFit/>
-          </a:bodyPr>
-          <a:p>
-            <a:pPr algn="ctr">
+        <p:txBody>
+          <a:bodyPr lIns="0" rIns="0" tIns="0" bIns="0" anchor="ctr">
+            <a:noAutofit/>
+          </a:bodyPr>
+          <a:p>
+            <a:pPr marL="228600" indent="-228240">
               <a:lnSpc>
-                <a:spcPct val="100000"/>
+                <a:spcPct val="90000"/>
               </a:lnSpc>
+              <a:spcBef>
+                <a:spcPts val="1001"/>
+              </a:spcBef>
+              <a:buClr>
+                <a:srgbClr val="000000"/>
+              </a:buClr>
+              <a:buFont typeface="Arial"/>
+              <a:buChar char="•"/>
             </a:pPr>
             <a:r>
-              <a:rPr b="0" lang="de-DE" sz="1800" spc="-1" strike="noStrike">
+              <a:rPr b="0" lang="de-DE" sz="2800" spc="-1" strike="noStrike">
                 <a:solidFill>
                   <a:srgbClr val="000000"/>
                 </a:solidFill>
                 <a:latin typeface="Arial"/>
                 <a:ea typeface="DejaVu Sans"/>
               </a:rPr>
-              <a:t>Alle 5 Sekunden</a:t>
+              <a:t>- Die zum Laden wichtigen Eigenschaften der GameObjects  ausgelesen</a:t>
             </a:r>
-            <a:endParaRPr b="0" lang="de-DE" sz="1800" spc="-1" strike="noStrike">
-              <a:latin typeface="Arial"/>
-            </a:endParaRPr>
-          </a:p>
-        </p:txBody>
-      </p:sp>
-      <p:sp>
-        <p:nvSpPr>
-          <p:cNvPr id="109" name="CustomShape 3"/>
-          <p:cNvSpPr/>
-          <p:nvPr/>
-        </p:nvSpPr>
-        <p:spPr>
-          <a:xfrm>
-            <a:off x="1549080" y="5459760"/>
-            <a:ext cx="3188160" cy="364680"/>
-          </a:xfrm>
-          <a:prstGeom prst="rect">
-            <a:avLst/>
-          </a:prstGeom>
-          <a:noFill/>
-          <a:ln>
-            <a:noFill/>
-          </a:ln>
-        </p:spPr>
-        <p:style>
-          <a:lnRef idx="0"/>
-          <a:fillRef idx="0"/>
-          <a:effectRef idx="0"/>
-          <a:fontRef idx="minor"/>
-        </p:style>
-        <p:txBody>
-          <a:bodyPr lIns="90000" rIns="90000" tIns="45000" bIns="45000">
-            <a:spAutoFit/>
-          </a:bodyPr>
-          <a:p>
-            <a:pPr algn="ctr">
+            <a:endParaRPr b="0" lang="de-DE" sz="2800" spc="-1" strike="noStrike">
+              <a:latin typeface="Arial"/>
+            </a:endParaRPr>
+          </a:p>
+          <a:p>
+            <a:pPr>
               <a:lnSpc>
-                <a:spcPct val="100000"/>
+                <a:spcPct val="90000"/>
               </a:lnSpc>
+              <a:spcBef>
+                <a:spcPts val="1001"/>
+              </a:spcBef>
+            </a:pPr>
+            <a:endParaRPr b="0" lang="de-DE" sz="2800" spc="-1" strike="noStrike">
+              <a:latin typeface="Arial"/>
+            </a:endParaRPr>
+          </a:p>
+          <a:p>
+            <a:pPr marL="228600" indent="-228240">
+              <a:lnSpc>
+                <a:spcPct val="90000"/>
+              </a:lnSpc>
+              <a:spcBef>
+                <a:spcPts val="1001"/>
+              </a:spcBef>
+              <a:buClr>
+                <a:srgbClr val="000000"/>
+              </a:buClr>
+              <a:buFont typeface="Arial"/>
+              <a:buChar char="•"/>
             </a:pPr>
             <a:r>
-              <a:rPr b="0" lang="de-DE" sz="1800" spc="-1" strike="noStrike">
+              <a:rPr b="0" lang="de-DE" sz="2800" spc="-1" strike="noStrike">
                 <a:solidFill>
                   <a:srgbClr val="000000"/>
                 </a:solidFill>
                 <a:latin typeface="Arial"/>
                 <a:ea typeface="DejaVu Sans"/>
               </a:rPr>
-              <a:t>Intervall auswählbar</a:t>
+              <a:t>- Stations und Ladungsträger dann in Binary File gespeichert</a:t>
             </a:r>
-            <a:endParaRPr b="0" lang="de-DE" sz="1800" spc="-1" strike="noStrike">
+            <a:endParaRPr b="0" lang="de-DE" sz="2800" spc="-1" strike="noStrike">
+              <a:latin typeface="Arial"/>
+            </a:endParaRPr>
+          </a:p>
+          <a:p>
+            <a:pPr>
+              <a:lnSpc>
+                <a:spcPct val="90000"/>
+              </a:lnSpc>
+              <a:spcBef>
+                <a:spcPts val="1001"/>
+              </a:spcBef>
+            </a:pPr>
+            <a:endParaRPr b="0" lang="de-DE" sz="2800" spc="-1" strike="noStrike">
+              <a:latin typeface="Arial"/>
+            </a:endParaRPr>
+          </a:p>
+          <a:p>
+            <a:pPr marL="228600" indent="-228240">
+              <a:lnSpc>
+                <a:spcPct val="90000"/>
+              </a:lnSpc>
+              <a:spcBef>
+                <a:spcPts val="1001"/>
+              </a:spcBef>
+              <a:buClr>
+                <a:srgbClr val="000000"/>
+              </a:buClr>
+              <a:buFont typeface="Arial"/>
+              <a:buChar char="•"/>
+            </a:pPr>
+            <a:r>
+              <a:rPr b="0" lang="de-DE" sz="2800" spc="-1" strike="noStrike">
+                <a:solidFill>
+                  <a:srgbClr val="000000"/>
+                </a:solidFill>
+                <a:latin typeface="Arial"/>
+                <a:ea typeface="DejaVu Sans"/>
+              </a:rPr>
+              <a:t>- Zum Laden File wieder eingelesen und aus vorhandenen Werten wieder GameObjects erstellt</a:t>
+            </a:r>
+            <a:endParaRPr b="0" lang="de-DE" sz="2800" spc="-1" strike="noStrike">
               <a:latin typeface="Arial"/>
             </a:endParaRPr>
           </a:p>
@@ -11426,4 +16034,456 @@
     </a:fmtScheme>
   </a:themeElements>
 </a:theme>
+</file>
+
+<file path=ppt/theme/theme3.xml><?xml version="1.0" encoding="utf-8"?>
+<a:theme xmlns:a="http://schemas.openxmlformats.org/drawingml/2006/main" name="Office Theme">
+  <a:themeElements>
+    <a:clrScheme name="Office">
+      <a:dk1>
+        <a:sysClr val="windowText" lastClr="000000"/>
+      </a:dk1>
+      <a:lt1>
+        <a:sysClr val="window" lastClr="FFFFFF"/>
+      </a:lt1>
+      <a:dk2>
+        <a:srgbClr val="454545"/>
+      </a:dk2>
+      <a:lt2>
+        <a:srgbClr val="dfdbd5"/>
+      </a:lt2>
+      <a:accent1>
+        <a:srgbClr val="b71e42"/>
+      </a:accent1>
+      <a:accent2>
+        <a:srgbClr val="de478e"/>
+      </a:accent2>
+      <a:accent3>
+        <a:srgbClr val="bc72f0"/>
+      </a:accent3>
+      <a:accent4>
+        <a:srgbClr val="795faf"/>
+      </a:accent4>
+      <a:accent5>
+        <a:srgbClr val="586ea6"/>
+      </a:accent5>
+      <a:accent6>
+        <a:srgbClr val="6892a0"/>
+      </a:accent6>
+      <a:hlink>
+        <a:srgbClr val="fa2b5c"/>
+      </a:hlink>
+      <a:folHlink>
+        <a:srgbClr val="bc658e"/>
+      </a:folHlink>
+    </a:clrScheme>
+    <a:fontScheme name="Office">
+      <a:majorFont>
+        <a:latin typeface="Arial"/>
+        <a:ea typeface="DejaVu Sans"/>
+        <a:cs typeface="DejaVu Sans"/>
+      </a:majorFont>
+      <a:minorFont>
+        <a:latin typeface="Arial"/>
+        <a:ea typeface="DejaVu Sans"/>
+        <a:cs typeface="DejaVu Sans"/>
+      </a:minorFont>
+    </a:fontScheme>
+    <a:fmtScheme name="Office">
+      <a:fillStyleLst>
+        <a:solidFill>
+          <a:schemeClr val="phClr"/>
+        </a:solidFill>
+        <a:gradFill rotWithShape="1">
+          <a:gsLst>
+            <a:gs pos="0">
+              <a:schemeClr val="phClr">
+                <a:tint val="50000"/>
+                <a:satMod val="300000"/>
+              </a:schemeClr>
+            </a:gs>
+            <a:gs pos="35000">
+              <a:schemeClr val="phClr">
+                <a:tint val="37000"/>
+                <a:satMod val="300000"/>
+              </a:schemeClr>
+            </a:gs>
+            <a:gs pos="100000">
+              <a:schemeClr val="phClr">
+                <a:tint val="15000"/>
+                <a:satMod val="350000"/>
+              </a:schemeClr>
+            </a:gs>
+          </a:gsLst>
+          <a:lin ang="16200000" scaled="1"/>
+        </a:gradFill>
+        <a:gradFill rotWithShape="1">
+          <a:gsLst>
+            <a:gs pos="0">
+              <a:schemeClr val="phClr">
+                <a:shade val="51000"/>
+                <a:satMod val="130000"/>
+              </a:schemeClr>
+            </a:gs>
+            <a:gs pos="80000">
+              <a:schemeClr val="phClr">
+                <a:shade val="93000"/>
+                <a:satMod val="130000"/>
+              </a:schemeClr>
+            </a:gs>
+            <a:gs pos="100000">
+              <a:schemeClr val="phClr">
+                <a:shade val="94000"/>
+                <a:satMod val="135000"/>
+              </a:schemeClr>
+            </a:gs>
+          </a:gsLst>
+          <a:lin ang="16200000" scaled="0"/>
+        </a:gradFill>
+      </a:fillStyleLst>
+      <a:lnStyleLst>
+        <a:ln w="9525" cap="flat" cmpd="sng" algn="ctr">
+          <a:solidFill>
+            <a:schemeClr val="phClr">
+              <a:shade val="95000"/>
+              <a:satMod val="105000"/>
+            </a:schemeClr>
+          </a:solidFill>
+          <a:prstDash val="solid"/>
+          <a:miter/>
+        </a:ln>
+        <a:ln w="25400" cap="flat" cmpd="sng" algn="ctr">
+          <a:solidFill>
+            <a:schemeClr val="phClr"/>
+          </a:solidFill>
+          <a:prstDash val="solid"/>
+          <a:miter/>
+        </a:ln>
+        <a:ln w="38100" cap="flat" cmpd="sng" algn="ctr">
+          <a:solidFill>
+            <a:schemeClr val="phClr"/>
+          </a:solidFill>
+          <a:prstDash val="solid"/>
+          <a:miter/>
+        </a:ln>
+      </a:lnStyleLst>
+      <a:effectStyleLst>
+        <a:effectStyle>
+          <a:effectLst>
+            <a:outerShdw blurRad="40000" dist="20000" dir="5400000" rotWithShape="0">
+              <a:srgbClr val="000000">
+                <a:alpha val="38000"/>
+              </a:srgbClr>
+            </a:outerShdw>
+          </a:effectLst>
+        </a:effectStyle>
+        <a:effectStyle>
+          <a:effectLst>
+            <a:outerShdw blurRad="40000" dist="23000" dir="5400000" rotWithShape="0">
+              <a:srgbClr val="000000">
+                <a:alpha val="35000"/>
+              </a:srgbClr>
+            </a:outerShdw>
+          </a:effectLst>
+        </a:effectStyle>
+        <a:effectStyle>
+          <a:effectLst>
+            <a:outerShdw blurRad="40000" dist="23000" dir="5400000" rotWithShape="0">
+              <a:srgbClr val="000000">
+                <a:alpha val="35000"/>
+              </a:srgbClr>
+            </a:outerShdw>
+          </a:effectLst>
+          <a:scene3d>
+            <a:camera prst="orthographicFront">
+              <a:rot lat="0" lon="0" rev="0"/>
+            </a:camera>
+            <a:lightRig rig="threePt" dir="t">
+              <a:rot lat="0" lon="0" rev="1200000"/>
+            </a:lightRig>
+          </a:scene3d>
+          <a:sp3d>
+            <a:bevelT w="63500" h="25400"/>
+          </a:sp3d>
+        </a:effectStyle>
+      </a:effectStyleLst>
+      <a:bgFillStyleLst>
+        <a:solidFill>
+          <a:schemeClr val="phClr"/>
+        </a:solidFill>
+        <a:gradFill rotWithShape="1">
+          <a:gsLst>
+            <a:gs pos="0">
+              <a:schemeClr val="phClr">
+                <a:tint val="40000"/>
+                <a:satMod val="350000"/>
+              </a:schemeClr>
+            </a:gs>
+            <a:gs pos="40000">
+              <a:schemeClr val="phClr">
+                <a:tint val="45000"/>
+                <a:shade val="99000"/>
+                <a:satMod val="350000"/>
+              </a:schemeClr>
+            </a:gs>
+            <a:gs pos="100000">
+              <a:schemeClr val="phClr">
+                <a:shade val="20000"/>
+                <a:satMod val="255000"/>
+              </a:schemeClr>
+            </a:gs>
+          </a:gsLst>
+          <a:path path="circle">
+            <a:fillToRect l="50000" t="-80000" r="50000" b="180000"/>
+          </a:path>
+        </a:gradFill>
+        <a:gradFill rotWithShape="1">
+          <a:gsLst>
+            <a:gs pos="0">
+              <a:schemeClr val="phClr">
+                <a:tint val="80000"/>
+                <a:satMod val="300000"/>
+              </a:schemeClr>
+            </a:gs>
+            <a:gs pos="100000">
+              <a:schemeClr val="phClr">
+                <a:shade val="30000"/>
+                <a:satMod val="200000"/>
+              </a:schemeClr>
+            </a:gs>
+          </a:gsLst>
+          <a:path path="circle">
+            <a:fillToRect l="50000" t="50000" r="50000" b="50000"/>
+          </a:path>
+        </a:gradFill>
+      </a:bgFillStyleLst>
+    </a:fmtScheme>
+  </a:themeElements>
+</a:theme>
+</file>
+
+<file path=ppt/theme/theme4.xml><?xml version="1.0" encoding="utf-8"?>
+<a:theme xmlns:a="http://schemas.openxmlformats.org/drawingml/2006/main" name="Office Theme">
+  <a:themeElements>
+    <a:clrScheme name="Office">
+      <a:dk1>
+        <a:sysClr val="windowText" lastClr="000000"/>
+      </a:dk1>
+      <a:lt1>
+        <a:sysClr val="window" lastClr="FFFFFF"/>
+      </a:lt1>
+      <a:dk2>
+        <a:srgbClr val="454545"/>
+      </a:dk2>
+      <a:lt2>
+        <a:srgbClr val="dfdbd5"/>
+      </a:lt2>
+      <a:accent1>
+        <a:srgbClr val="b71e42"/>
+      </a:accent1>
+      <a:accent2>
+        <a:srgbClr val="de478e"/>
+      </a:accent2>
+      <a:accent3>
+        <a:srgbClr val="bc72f0"/>
+      </a:accent3>
+      <a:accent4>
+        <a:srgbClr val="795faf"/>
+      </a:accent4>
+      <a:accent5>
+        <a:srgbClr val="586ea6"/>
+      </a:accent5>
+      <a:accent6>
+        <a:srgbClr val="6892a0"/>
+      </a:accent6>
+      <a:hlink>
+        <a:srgbClr val="fa2b5c"/>
+      </a:hlink>
+      <a:folHlink>
+        <a:srgbClr val="bc658e"/>
+      </a:folHlink>
+    </a:clrScheme>
+    <a:fontScheme name="Office">
+      <a:majorFont>
+        <a:latin typeface="Arial"/>
+        <a:ea typeface="DejaVu Sans"/>
+        <a:cs typeface="DejaVu Sans"/>
+      </a:majorFont>
+      <a:minorFont>
+        <a:latin typeface="Arial"/>
+        <a:ea typeface="DejaVu Sans"/>
+        <a:cs typeface="DejaVu Sans"/>
+      </a:minorFont>
+    </a:fontScheme>
+    <a:fmtScheme name="Office">
+      <a:fillStyleLst>
+        <a:solidFill>
+          <a:schemeClr val="phClr"/>
+        </a:solidFill>
+        <a:gradFill rotWithShape="1">
+          <a:gsLst>
+            <a:gs pos="0">
+              <a:schemeClr val="phClr">
+                <a:tint val="50000"/>
+                <a:satMod val="300000"/>
+              </a:schemeClr>
+            </a:gs>
+            <a:gs pos="35000">
+              <a:schemeClr val="phClr">
+                <a:tint val="37000"/>
+                <a:satMod val="300000"/>
+              </a:schemeClr>
+            </a:gs>
+            <a:gs pos="100000">
+              <a:schemeClr val="phClr">
+                <a:tint val="15000"/>
+                <a:satMod val="350000"/>
+              </a:schemeClr>
+            </a:gs>
+          </a:gsLst>
+          <a:lin ang="16200000" scaled="1"/>
+        </a:gradFill>
+        <a:gradFill rotWithShape="1">
+          <a:gsLst>
+            <a:gs pos="0">
+              <a:schemeClr val="phClr">
+                <a:shade val="51000"/>
+                <a:satMod val="130000"/>
+              </a:schemeClr>
+            </a:gs>
+            <a:gs pos="80000">
+              <a:schemeClr val="phClr">
+                <a:shade val="93000"/>
+                <a:satMod val="130000"/>
+              </a:schemeClr>
+            </a:gs>
+            <a:gs pos="100000">
+              <a:schemeClr val="phClr">
+                <a:shade val="94000"/>
+                <a:satMod val="135000"/>
+              </a:schemeClr>
+            </a:gs>
+          </a:gsLst>
+          <a:lin ang="16200000" scaled="0"/>
+        </a:gradFill>
+      </a:fillStyleLst>
+      <a:lnStyleLst>
+        <a:ln w="9525" cap="flat" cmpd="sng" algn="ctr">
+          <a:solidFill>
+            <a:schemeClr val="phClr">
+              <a:shade val="95000"/>
+              <a:satMod val="105000"/>
+            </a:schemeClr>
+          </a:solidFill>
+          <a:prstDash val="solid"/>
+          <a:miter/>
+        </a:ln>
+        <a:ln w="25400" cap="flat" cmpd="sng" algn="ctr">
+          <a:solidFill>
+            <a:schemeClr val="phClr"/>
+          </a:solidFill>
+          <a:prstDash val="solid"/>
+          <a:miter/>
+        </a:ln>
+        <a:ln w="38100" cap="flat" cmpd="sng" algn="ctr">
+          <a:solidFill>
+            <a:schemeClr val="phClr"/>
+          </a:solidFill>
+          <a:prstDash val="solid"/>
+          <a:miter/>
+        </a:ln>
+      </a:lnStyleLst>
+      <a:effectStyleLst>
+        <a:effectStyle>
+          <a:effectLst>
+            <a:outerShdw blurRad="40000" dist="20000" dir="5400000" rotWithShape="0">
+              <a:srgbClr val="000000">
+                <a:alpha val="38000"/>
+              </a:srgbClr>
+            </a:outerShdw>
+          </a:effectLst>
+        </a:effectStyle>
+        <a:effectStyle>
+          <a:effectLst>
+            <a:outerShdw blurRad="40000" dist="23000" dir="5400000" rotWithShape="0">
+              <a:srgbClr val="000000">
+                <a:alpha val="35000"/>
+              </a:srgbClr>
+            </a:outerShdw>
+          </a:effectLst>
+        </a:effectStyle>
+        <a:effectStyle>
+          <a:effectLst>
+            <a:outerShdw blurRad="40000" dist="23000" dir="5400000" rotWithShape="0">
+              <a:srgbClr val="000000">
+                <a:alpha val="35000"/>
+              </a:srgbClr>
+            </a:outerShdw>
+          </a:effectLst>
+          <a:scene3d>
+            <a:camera prst="orthographicFront">
+              <a:rot lat="0" lon="0" rev="0"/>
+            </a:camera>
+            <a:lightRig rig="threePt" dir="t">
+              <a:rot lat="0" lon="0" rev="1200000"/>
+            </a:lightRig>
+          </a:scene3d>
+          <a:sp3d>
+            <a:bevelT w="63500" h="25400"/>
+          </a:sp3d>
+        </a:effectStyle>
+      </a:effectStyleLst>
+      <a:bgFillStyleLst>
+        <a:solidFill>
+          <a:schemeClr val="phClr"/>
+        </a:solidFill>
+        <a:gradFill rotWithShape="1">
+          <a:gsLst>
+            <a:gs pos="0">
+              <a:schemeClr val="phClr">
+                <a:tint val="40000"/>
+                <a:satMod val="350000"/>
+              </a:schemeClr>
+            </a:gs>
+            <a:gs pos="40000">
+              <a:schemeClr val="phClr">
+                <a:tint val="45000"/>
+                <a:shade val="99000"/>
+                <a:satMod val="350000"/>
+              </a:schemeClr>
+            </a:gs>
+            <a:gs pos="100000">
+              <a:schemeClr val="phClr">
+                <a:shade val="20000"/>
+                <a:satMod val="255000"/>
+              </a:schemeClr>
+            </a:gs>
+          </a:gsLst>
+          <a:path path="circle">
+            <a:fillToRect l="50000" t="-80000" r="50000" b="180000"/>
+          </a:path>
+        </a:gradFill>
+        <a:gradFill rotWithShape="1">
+          <a:gsLst>
+            <a:gs pos="0">
+              <a:schemeClr val="phClr">
+                <a:tint val="80000"/>
+                <a:satMod val="300000"/>
+              </a:schemeClr>
+            </a:gs>
+            <a:gs pos="100000">
+              <a:schemeClr val="phClr">
+                <a:shade val="30000"/>
+                <a:satMod val="200000"/>
+              </a:schemeClr>
+            </a:gs>
+          </a:gsLst>
+          <a:path path="circle">
+            <a:fillToRect l="50000" t="50000" r="50000" b="50000"/>
+          </a:path>
+        </a:gradFill>
+      </a:bgFillStyleLst>
+    </a:fmtScheme>
+  </a:themeElements>
+</a:theme>
 </file>
--- a/Präsentation/Teil2_Präsentation20_01_2021.pptx
+++ b/Präsentation/Teil2_Präsentation20_01_2021.pptx
@@ -10955,7 +10955,7 @@
         <p:spPr>
           <a:xfrm>
             <a:off x="0" y="2019600"/>
-            <a:ext cx="12190680" cy="4104360"/>
+            <a:ext cx="12190320" cy="4104000"/>
           </a:xfrm>
           <a:prstGeom prst="rect">
             <a:avLst/>
@@ -11006,7 +11006,7 @@
         <p:spPr>
           <a:xfrm>
             <a:off x="0" y="6126480"/>
-            <a:ext cx="12190680" cy="741600"/>
+            <a:ext cx="12190320" cy="741240"/>
           </a:xfrm>
           <a:prstGeom prst="rect">
             <a:avLst/>
@@ -11350,7 +11350,7 @@
         <p:spPr>
           <a:xfrm>
             <a:off x="0" y="2019600"/>
-            <a:ext cx="12190680" cy="4104360"/>
+            <a:ext cx="12190320" cy="4104000"/>
           </a:xfrm>
           <a:prstGeom prst="rect">
             <a:avLst/>
@@ -11401,7 +11401,7 @@
         <p:spPr>
           <a:xfrm>
             <a:off x="0" y="6126480"/>
-            <a:ext cx="12190680" cy="741600"/>
+            <a:ext cx="12190320" cy="741240"/>
           </a:xfrm>
           <a:prstGeom prst="rect">
             <a:avLst/>
@@ -11745,7 +11745,7 @@
         <p:spPr>
           <a:xfrm>
             <a:off x="0" y="2019600"/>
-            <a:ext cx="12190680" cy="4104360"/>
+            <a:ext cx="12190320" cy="4104000"/>
           </a:xfrm>
           <a:prstGeom prst="rect">
             <a:avLst/>
@@ -11796,7 +11796,7 @@
         <p:spPr>
           <a:xfrm>
             <a:off x="0" y="6126480"/>
-            <a:ext cx="12190680" cy="741600"/>
+            <a:ext cx="12190320" cy="741240"/>
           </a:xfrm>
           <a:prstGeom prst="rect">
             <a:avLst/>
@@ -12140,7 +12140,7 @@
         <p:spPr>
           <a:xfrm>
             <a:off x="0" y="2019600"/>
-            <a:ext cx="12190680" cy="4104360"/>
+            <a:ext cx="12190320" cy="4104000"/>
           </a:xfrm>
           <a:prstGeom prst="rect">
             <a:avLst/>
@@ -12191,7 +12191,7 @@
         <p:spPr>
           <a:xfrm>
             <a:off x="0" y="6126480"/>
-            <a:ext cx="12190680" cy="741600"/>
+            <a:ext cx="12190320" cy="741240"/>
           </a:xfrm>
           <a:prstGeom prst="rect">
             <a:avLst/>
@@ -12291,18 +12291,12 @@
           </a:bodyPr>
           <a:p>
             <a:r>
-              <a:rPr b="0" lang="de-DE" sz="4400" spc="-1" strike="noStrike">
-                <a:solidFill>
-                  <a:srgbClr val="000000"/>
-                </a:solidFill>
+              <a:rPr b="0" lang="de-DE" sz="1800" spc="-1" strike="noStrike">
                 <a:latin typeface="Arial"/>
               </a:rPr>
               <a:t>Format des Titeltextes durch Klicken bearbeiten</a:t>
             </a:r>
-            <a:endParaRPr b="0" lang="de-DE" sz="4400" spc="-1" strike="noStrike">
-              <a:solidFill>
-                <a:srgbClr val="000000"/>
-              </a:solidFill>
+            <a:endParaRPr b="0" lang="de-DE" sz="1800" spc="-1" strike="noStrike">
               <a:latin typeface="Arial"/>
             </a:endParaRPr>
           </a:p>
@@ -12321,7 +12315,7 @@
         <p:spPr>
           <a:xfrm>
             <a:off x="609480" y="1604520"/>
-            <a:ext cx="10972440" cy="3977280"/>
+            <a:ext cx="10972080" cy="3976920"/>
           </a:xfrm>
           <a:prstGeom prst="rect">
             <a:avLst/>
@@ -12344,18 +12338,12 @@
               <a:buChar char=""/>
             </a:pPr>
             <a:r>
-              <a:rPr b="0" lang="de-DE" sz="2800" spc="-1" strike="noStrike">
-                <a:solidFill>
-                  <a:srgbClr val="000000"/>
-                </a:solidFill>
+              <a:rPr b="0" lang="de-DE" sz="1800" spc="-1" strike="noStrike">
                 <a:latin typeface="Arial"/>
               </a:rPr>
               <a:t>Format des Gliederungstextes durch Klicken bearbeiten</a:t>
             </a:r>
-            <a:endParaRPr b="0" lang="de-DE" sz="2800" spc="-1" strike="noStrike">
-              <a:solidFill>
-                <a:srgbClr val="000000"/>
-              </a:solidFill>
+            <a:endParaRPr b="0" lang="de-DE" sz="1800" spc="-1" strike="noStrike">
               <a:latin typeface="Arial"/>
             </a:endParaRPr>
           </a:p>
@@ -12372,18 +12360,12 @@
               <a:buChar char=""/>
             </a:pPr>
             <a:r>
-              <a:rPr b="0" lang="de-DE" sz="2000" spc="-1" strike="noStrike">
-                <a:solidFill>
-                  <a:srgbClr val="000000"/>
-                </a:solidFill>
+              <a:rPr b="0" lang="de-DE" sz="1800" spc="-1" strike="noStrike">
                 <a:latin typeface="Arial"/>
               </a:rPr>
               <a:t>Zweite Gliederungsebene</a:t>
             </a:r>
-            <a:endParaRPr b="0" lang="de-DE" sz="2000" spc="-1" strike="noStrike">
-              <a:solidFill>
-                <a:srgbClr val="000000"/>
-              </a:solidFill>
+            <a:endParaRPr b="0" lang="de-DE" sz="1800" spc="-1" strike="noStrike">
               <a:latin typeface="Arial"/>
             </a:endParaRPr>
           </a:p>
@@ -12401,17 +12383,11 @@
             </a:pPr>
             <a:r>
               <a:rPr b="0" lang="de-DE" sz="1800" spc="-1" strike="noStrike">
-                <a:solidFill>
-                  <a:srgbClr val="000000"/>
-                </a:solidFill>
                 <a:latin typeface="Arial"/>
               </a:rPr>
               <a:t>Dritte Gliederungsebene</a:t>
             </a:r>
             <a:endParaRPr b="0" lang="de-DE" sz="1800" spc="-1" strike="noStrike">
-              <a:solidFill>
-                <a:srgbClr val="000000"/>
-              </a:solidFill>
               <a:latin typeface="Arial"/>
             </a:endParaRPr>
           </a:p>
@@ -12429,17 +12405,11 @@
             </a:pPr>
             <a:r>
               <a:rPr b="0" lang="de-DE" sz="1800" spc="-1" strike="noStrike">
-                <a:solidFill>
-                  <a:srgbClr val="000000"/>
-                </a:solidFill>
                 <a:latin typeface="Arial"/>
               </a:rPr>
               <a:t>Vierte Gliederungsebene</a:t>
             </a:r>
             <a:endParaRPr b="0" lang="de-DE" sz="1800" spc="-1" strike="noStrike">
-              <a:solidFill>
-                <a:srgbClr val="000000"/>
-              </a:solidFill>
               <a:latin typeface="Arial"/>
             </a:endParaRPr>
           </a:p>
@@ -12456,18 +12426,12 @@
               <a:buChar char=""/>
             </a:pPr>
             <a:r>
-              <a:rPr b="0" lang="de-DE" sz="2000" spc="-1" strike="noStrike">
-                <a:solidFill>
-                  <a:srgbClr val="000000"/>
-                </a:solidFill>
+              <a:rPr b="0" lang="de-DE" sz="1800" spc="-1" strike="noStrike">
                 <a:latin typeface="Arial"/>
               </a:rPr>
               <a:t>Fünfte Gliederungsebene</a:t>
             </a:r>
-            <a:endParaRPr b="0" lang="de-DE" sz="2000" spc="-1" strike="noStrike">
-              <a:solidFill>
-                <a:srgbClr val="000000"/>
-              </a:solidFill>
+            <a:endParaRPr b="0" lang="de-DE" sz="1800" spc="-1" strike="noStrike">
               <a:latin typeface="Arial"/>
             </a:endParaRPr>
           </a:p>
@@ -12484,18 +12448,12 @@
               <a:buChar char=""/>
             </a:pPr>
             <a:r>
-              <a:rPr b="0" lang="de-DE" sz="2000" spc="-1" strike="noStrike">
-                <a:solidFill>
-                  <a:srgbClr val="000000"/>
-                </a:solidFill>
+              <a:rPr b="0" lang="de-DE" sz="1800" spc="-1" strike="noStrike">
                 <a:latin typeface="Arial"/>
               </a:rPr>
               <a:t>Sechste Gliederungsebene</a:t>
             </a:r>
-            <a:endParaRPr b="0" lang="de-DE" sz="2000" spc="-1" strike="noStrike">
-              <a:solidFill>
-                <a:srgbClr val="000000"/>
-              </a:solidFill>
+            <a:endParaRPr b="0" lang="de-DE" sz="1800" spc="-1" strike="noStrike">
               <a:latin typeface="Arial"/>
             </a:endParaRPr>
           </a:p>
@@ -12512,18 +12470,12 @@
               <a:buChar char=""/>
             </a:pPr>
             <a:r>
-              <a:rPr b="0" lang="de-DE" sz="2000" spc="-1" strike="noStrike">
-                <a:solidFill>
-                  <a:srgbClr val="000000"/>
-                </a:solidFill>
+              <a:rPr b="0" lang="de-DE" sz="1800" spc="-1" strike="noStrike">
                 <a:latin typeface="Arial"/>
               </a:rPr>
               <a:t>Siebte Gliederungsebene</a:t>
             </a:r>
-            <a:endParaRPr b="0" lang="de-DE" sz="2000" spc="-1" strike="noStrike">
-              <a:solidFill>
-                <a:srgbClr val="000000"/>
-              </a:solidFill>
+            <a:endParaRPr b="0" lang="de-DE" sz="1800" spc="-1" strike="noStrike">
               <a:latin typeface="Arial"/>
             </a:endParaRPr>
           </a:p>
@@ -12575,7 +12527,7 @@
         <p:spPr>
           <a:xfrm>
             <a:off x="1451520" y="804600"/>
-            <a:ext cx="9601920" cy="1047960"/>
+            <a:ext cx="9601560" cy="1047600"/>
           </a:xfrm>
           <a:prstGeom prst="rect">
             <a:avLst/>
@@ -12636,7 +12588,7 @@
         <p:spPr>
           <a:xfrm>
             <a:off x="432000" y="2028960"/>
-            <a:ext cx="9143640" cy="2393640"/>
+            <a:ext cx="9143280" cy="2393280"/>
           </a:xfrm>
           <a:prstGeom prst="rect">
             <a:avLst/>
@@ -12701,7 +12653,7 @@
         <p:spPr>
           <a:xfrm>
             <a:off x="1440000" y="2028960"/>
-            <a:ext cx="8801280" cy="1859040"/>
+            <a:ext cx="8800920" cy="1858680"/>
           </a:xfrm>
           <a:prstGeom prst="rect">
             <a:avLst/>
@@ -12724,7 +12676,7 @@
         <p:spPr>
           <a:xfrm>
             <a:off x="1224000" y="4176000"/>
-            <a:ext cx="9360000" cy="1249920"/>
+            <a:ext cx="9359640" cy="1249560"/>
           </a:xfrm>
           <a:prstGeom prst="rect">
             <a:avLst/>
@@ -12773,7 +12725,7 @@
         <p:spPr>
           <a:xfrm>
             <a:off x="1451520" y="804600"/>
-            <a:ext cx="9601920" cy="1047960"/>
+            <a:ext cx="9601560" cy="1047600"/>
           </a:xfrm>
           <a:prstGeom prst="rect">
             <a:avLst/>
@@ -12839,7 +12791,7 @@
         <p:spPr>
           <a:xfrm>
             <a:off x="2236680" y="2120760"/>
-            <a:ext cx="7718040" cy="3755520"/>
+            <a:ext cx="7717680" cy="3755160"/>
           </a:xfrm>
           <a:prstGeom prst="rect">
             <a:avLst/>
@@ -12858,7 +12810,7 @@
         <p:spPr>
           <a:xfrm>
             <a:off x="2236680" y="2120760"/>
-            <a:ext cx="2644920" cy="1473120"/>
+            <a:ext cx="2644560" cy="1472760"/>
           </a:xfrm>
           <a:prstGeom prst="rect">
             <a:avLst/>
@@ -12900,7 +12852,7 @@
         <p:spPr>
           <a:xfrm>
             <a:off x="4456080" y="2120760"/>
-            <a:ext cx="2644920" cy="1473120"/>
+            <a:ext cx="2644560" cy="1472760"/>
           </a:xfrm>
           <a:prstGeom prst="rect">
             <a:avLst/>
@@ -12942,7 +12894,7 @@
         <p:spPr>
           <a:xfrm>
             <a:off x="2236680" y="3261960"/>
-            <a:ext cx="2644920" cy="1473120"/>
+            <a:ext cx="2644560" cy="1472760"/>
           </a:xfrm>
           <a:prstGeom prst="rect">
             <a:avLst/>
@@ -12984,7 +12936,7 @@
         <p:spPr>
           <a:xfrm>
             <a:off x="4100400" y="3261960"/>
-            <a:ext cx="316080" cy="247320"/>
+            <a:ext cx="315720" cy="246960"/>
           </a:xfrm>
           <a:prstGeom prst="rect">
             <a:avLst/>
@@ -13016,7 +12968,7 @@
         <p:spPr>
           <a:xfrm>
             <a:off x="5983200" y="4487760"/>
-            <a:ext cx="316080" cy="247320"/>
+            <a:ext cx="315720" cy="246960"/>
           </a:xfrm>
           <a:prstGeom prst="rect">
             <a:avLst/>
@@ -13048,7 +13000,7 @@
         <p:spPr>
           <a:xfrm>
             <a:off x="7358040" y="3261960"/>
-            <a:ext cx="316080" cy="247320"/>
+            <a:ext cx="315720" cy="246960"/>
           </a:xfrm>
           <a:prstGeom prst="rect">
             <a:avLst/>
@@ -13110,7 +13062,7 @@
         <p:spPr>
           <a:xfrm>
             <a:off x="1451520" y="804600"/>
-            <a:ext cx="9601920" cy="1047960"/>
+            <a:ext cx="9601560" cy="1047600"/>
           </a:xfrm>
           <a:prstGeom prst="rect">
             <a:avLst/>
@@ -13169,14 +13121,14 @@
           <p:nvPr>
             <p:extLst>
               <p:ext uri="{D42A27DB-BD31-4B8C-83A1-F6EECF244321}">
-                <p14:modId xmlns:p14="http://schemas.microsoft.com/office/powerpoint/2010/main" val="882246098"/>
+                <p14:modId xmlns:p14="http://schemas.microsoft.com/office/powerpoint/2010/main" val="2728410122"/>
               </p:ext>
             </p:extLst>
           </p:nvPr>
         </p:nvGraphicFramePr>
         <p:xfrm>
           <a:off x="1451520" y="2432880"/>
-          <a:ext cx="3382560" cy="3034800"/>
+          <a:ext cx="3382200" cy="3034440"/>
         </p:xfrm>
         <a:graphic>
           <a:graphicData uri="http://schemas.openxmlformats.org/drawingml/2006/diagram">
@@ -13191,14 +13143,14 @@
           <p:nvPr>
             <p:extLst>
               <p:ext uri="{D42A27DB-BD31-4B8C-83A1-F6EECF244321}">
-                <p14:modId xmlns:p14="http://schemas.microsoft.com/office/powerpoint/2010/main" val="2644530233"/>
+                <p14:modId xmlns:p14="http://schemas.microsoft.com/office/powerpoint/2010/main" val="3094071900"/>
               </p:ext>
             </p:extLst>
           </p:nvPr>
         </p:nvGraphicFramePr>
         <p:xfrm>
           <a:off x="7356960" y="2432880"/>
-          <a:ext cx="3845880" cy="3247920"/>
+          <a:ext cx="3845520" cy="3247560"/>
         </p:xfrm>
         <a:graphic>
           <a:graphicData uri="http://schemas.openxmlformats.org/drawingml/2006/diagram">
@@ -13215,7 +13167,7 @@
         <p:spPr>
           <a:xfrm>
             <a:off x="7611480" y="5459760"/>
-            <a:ext cx="3187800" cy="364320"/>
+            <a:ext cx="3187440" cy="363960"/>
           </a:xfrm>
           <a:prstGeom prst="rect">
             <a:avLst/>
@@ -13266,7 +13218,7 @@
         <p:spPr>
           <a:xfrm>
             <a:off x="1549080" y="5459760"/>
-            <a:ext cx="3187800" cy="364320"/>
+            <a:ext cx="3187440" cy="363960"/>
           </a:xfrm>
           <a:prstGeom prst="rect">
             <a:avLst/>
@@ -13347,7 +13299,7 @@
         <p:spPr>
           <a:xfrm>
             <a:off x="1451520" y="804600"/>
-            <a:ext cx="9601920" cy="1047960"/>
+            <a:ext cx="9601560" cy="1047600"/>
           </a:xfrm>
           <a:prstGeom prst="rect">
             <a:avLst/>
@@ -13398,7 +13350,7 @@
         <p:spPr>
           <a:xfrm>
             <a:off x="1440000" y="2160000"/>
-            <a:ext cx="9143640" cy="2393640"/>
+            <a:ext cx="9143280" cy="2393280"/>
           </a:xfrm>
           <a:prstGeom prst="rect">
             <a:avLst/>
@@ -13442,14 +13394,14 @@
       </p:sp>
       <p:sp>
         <p:nvSpPr>
-          <p:cNvPr id="208" name="TextShape 3"/>
-          <p:cNvSpPr txBox="1"/>
+          <p:cNvPr id="208" name="CustomShape 3"/>
+          <p:cNvSpPr/>
           <p:nvPr/>
         </p:nvSpPr>
         <p:spPr>
           <a:xfrm>
             <a:off x="1440000" y="2088000"/>
-            <a:ext cx="9504000" cy="1882080"/>
+            <a:ext cx="9503640" cy="1881720"/>
           </a:xfrm>
           <a:prstGeom prst="rect">
             <a:avLst/>
@@ -13459,11 +13411,22 @@
             <a:noFill/>
           </a:ln>
         </p:spPr>
+        <p:style>
+          <a:lnRef idx="0"/>
+          <a:fillRef idx="0"/>
+          <a:effectRef idx="0"/>
+          <a:fontRef idx="minor"/>
+        </p:style>
         <p:txBody>
           <a:bodyPr lIns="90000" rIns="90000" tIns="45000" bIns="45000">
             <a:noAutofit/>
           </a:bodyPr>
           <a:p>
+            <a:pPr>
+              <a:lnSpc>
+                <a:spcPct val="100000"/>
+              </a:lnSpc>
+            </a:pPr>
             <a:r>
               <a:rPr b="0" lang="de-DE" sz="1800" spc="-1" strike="noStrike">
                 <a:latin typeface="Arial"/>
@@ -13475,11 +13438,21 @@
             </a:endParaRPr>
           </a:p>
           <a:p>
+            <a:pPr>
+              <a:lnSpc>
+                <a:spcPct val="100000"/>
+              </a:lnSpc>
+            </a:pPr>
             <a:endParaRPr b="0" lang="de-DE" sz="1800" spc="-1" strike="noStrike">
               <a:latin typeface="Arial"/>
             </a:endParaRPr>
           </a:p>
           <a:p>
+            <a:pPr>
+              <a:lnSpc>
+                <a:spcPct val="100000"/>
+              </a:lnSpc>
+            </a:pPr>
             <a:r>
               <a:rPr b="0" lang="de-DE" sz="1800" spc="-1" strike="noStrike">
                 <a:latin typeface="Arial"/>
@@ -13491,11 +13464,21 @@
             </a:endParaRPr>
           </a:p>
           <a:p>
+            <a:pPr>
+              <a:lnSpc>
+                <a:spcPct val="100000"/>
+              </a:lnSpc>
+            </a:pPr>
             <a:endParaRPr b="0" lang="de-DE" sz="1800" spc="-1" strike="noStrike">
               <a:latin typeface="Arial"/>
             </a:endParaRPr>
           </a:p>
           <a:p>
+            <a:pPr>
+              <a:lnSpc>
+                <a:spcPct val="100000"/>
+              </a:lnSpc>
+            </a:pPr>
             <a:r>
               <a:rPr b="0" lang="de-DE" sz="1800" spc="-1" strike="noStrike">
                 <a:latin typeface="Arial"/>
@@ -13507,11 +13490,21 @@
             </a:endParaRPr>
           </a:p>
           <a:p>
+            <a:pPr>
+              <a:lnSpc>
+                <a:spcPct val="100000"/>
+              </a:lnSpc>
+            </a:pPr>
             <a:endParaRPr b="0" lang="de-DE" sz="1800" spc="-1" strike="noStrike">
               <a:latin typeface="Arial"/>
             </a:endParaRPr>
           </a:p>
           <a:p>
+            <a:pPr>
+              <a:lnSpc>
+                <a:spcPct val="100000"/>
+              </a:lnSpc>
+            </a:pPr>
             <a:endParaRPr b="0" lang="de-DE" sz="1800" spc="-1" strike="noStrike">
               <a:latin typeface="Arial"/>
             </a:endParaRPr>
@@ -13557,7 +13550,7 @@
         <p:spPr>
           <a:xfrm>
             <a:off x="1451520" y="804600"/>
-            <a:ext cx="9601920" cy="1047960"/>
+            <a:ext cx="9601560" cy="1047600"/>
           </a:xfrm>
           <a:prstGeom prst="rect">
             <a:avLst/>
@@ -13608,7 +13601,7 @@
         <p:spPr>
           <a:xfrm>
             <a:off x="1440000" y="2160000"/>
-            <a:ext cx="9143640" cy="2393640"/>
+            <a:ext cx="9143280" cy="2393280"/>
           </a:xfrm>
           <a:prstGeom prst="rect">
             <a:avLst/>
@@ -13652,14 +13645,14 @@
       </p:sp>
       <p:sp>
         <p:nvSpPr>
-          <p:cNvPr id="211" name="TextShape 3"/>
-          <p:cNvSpPr txBox="1"/>
+          <p:cNvPr id="211" name="CustomShape 3"/>
+          <p:cNvSpPr/>
           <p:nvPr/>
         </p:nvSpPr>
         <p:spPr>
           <a:xfrm>
             <a:off x="1440000" y="2088000"/>
-            <a:ext cx="9504000" cy="858240"/>
+            <a:ext cx="9503640" cy="857880"/>
           </a:xfrm>
           <a:prstGeom prst="rect">
             <a:avLst/>
@@ -13669,21 +13662,42 @@
             <a:noFill/>
           </a:ln>
         </p:spPr>
+        <p:style>
+          <a:lnRef idx="0"/>
+          <a:fillRef idx="0"/>
+          <a:effectRef idx="0"/>
+          <a:fontRef idx="minor"/>
+        </p:style>
         <p:txBody>
           <a:bodyPr lIns="90000" rIns="90000" tIns="45000" bIns="45000">
             <a:noAutofit/>
           </a:bodyPr>
           <a:p>
+            <a:pPr>
+              <a:lnSpc>
+                <a:spcPct val="100000"/>
+              </a:lnSpc>
+            </a:pPr>
             <a:endParaRPr b="0" lang="de-DE" sz="1800" spc="-1" strike="noStrike">
               <a:latin typeface="Arial"/>
             </a:endParaRPr>
           </a:p>
           <a:p>
+            <a:pPr>
+              <a:lnSpc>
+                <a:spcPct val="100000"/>
+              </a:lnSpc>
+            </a:pPr>
             <a:endParaRPr b="0" lang="de-DE" sz="1800" spc="-1" strike="noStrike">
               <a:latin typeface="Arial"/>
             </a:endParaRPr>
           </a:p>
           <a:p>
+            <a:pPr>
+              <a:lnSpc>
+                <a:spcPct val="100000"/>
+              </a:lnSpc>
+            </a:pPr>
             <a:endParaRPr b="0" lang="de-DE" sz="1800" spc="-1" strike="noStrike">
               <a:latin typeface="Arial"/>
             </a:endParaRPr>
@@ -13729,7 +13743,7 @@
         <p:spPr>
           <a:xfrm>
             <a:off x="1451520" y="804600"/>
-            <a:ext cx="9601920" cy="1047960"/>
+            <a:ext cx="9601560" cy="1047600"/>
           </a:xfrm>
           <a:prstGeom prst="rect">
             <a:avLst/>
@@ -13790,7 +13804,7 @@
         <p:spPr>
           <a:xfrm>
             <a:off x="1440000" y="2160000"/>
-            <a:ext cx="9143640" cy="2393640"/>
+            <a:ext cx="9143280" cy="2393280"/>
           </a:xfrm>
           <a:prstGeom prst="rect">
             <a:avLst/>
@@ -13818,7 +13832,11 @@
             </a:pPr>
             <a:r>
               <a:rPr b="0" lang="de-DE" sz="1800" spc="-1" strike="noStrike">
+                <a:solidFill>
+                  <a:srgbClr val="000000"/>
+                </a:solidFill>
                 <a:latin typeface="Arial"/>
+                <a:ea typeface="DejaVu Sans"/>
               </a:rPr>
               <a:t>- Scrum Rollenverteilung, Aufgabenverteilung und Unterstützung </a:t>
             </a:r>
@@ -13844,7 +13862,11 @@
             </a:pPr>
             <a:r>
               <a:rPr b="0" lang="de-DE" sz="1800" spc="-1" strike="noStrike">
+                <a:solidFill>
+                  <a:srgbClr val="000000"/>
+                </a:solidFill>
                 <a:latin typeface="Arial"/>
+                <a:ea typeface="DejaVu Sans"/>
               </a:rPr>
               <a:t>- Kommunikation über Webex, Messenger </a:t>
             </a:r>
@@ -13870,7 +13892,11 @@
             </a:pPr>
             <a:r>
               <a:rPr b="0" lang="de-DE" sz="1800" spc="-1" strike="noStrike">
+                <a:solidFill>
+                  <a:srgbClr val="000000"/>
+                </a:solidFill>
                 <a:latin typeface="Arial"/>
+                <a:ea typeface="DejaVu Sans"/>
               </a:rPr>
               <a:t>- GitHub zur Versionsverwaltung, Dropbox zum Datenaustausch</a:t>
             </a:r>
@@ -13896,7 +13922,11 @@
             </a:pPr>
             <a:r>
               <a:rPr b="0" lang="de-DE" sz="1800" spc="-1" strike="noStrike">
+                <a:solidFill>
+                  <a:srgbClr val="000000"/>
+                </a:solidFill>
                 <a:latin typeface="Arial"/>
+                <a:ea typeface="DejaVu Sans"/>
               </a:rPr>
               <a:t> </a:t>
             </a:r>
@@ -13965,7 +13995,7 @@
         <p:spPr>
           <a:xfrm>
             <a:off x="1451520" y="804600"/>
-            <a:ext cx="9601920" cy="1047960"/>
+            <a:ext cx="9601560" cy="1047600"/>
           </a:xfrm>
           <a:prstGeom prst="rect">
             <a:avLst/>
@@ -14026,7 +14056,7 @@
         <p:spPr>
           <a:xfrm>
             <a:off x="1440000" y="2160000"/>
-            <a:ext cx="10223640" cy="2905560"/>
+            <a:ext cx="10223280" cy="2905200"/>
           </a:xfrm>
           <a:prstGeom prst="rect">
             <a:avLst/>
@@ -14054,7 +14084,11 @@
             </a:pPr>
             <a:r>
               <a:rPr b="0" lang="de-DE" sz="1800" spc="-1" strike="noStrike">
+                <a:solidFill>
+                  <a:srgbClr val="000000"/>
+                </a:solidFill>
                 <a:latin typeface="Arial"/>
+                <a:ea typeface="DejaVu Sans"/>
               </a:rPr>
               <a:t>- Coronasemester</a:t>
             </a:r>
@@ -14080,7 +14114,11 @@
             </a:pPr>
             <a:r>
               <a:rPr b="0" lang="de-DE" sz="1800" spc="-1" strike="noStrike">
+                <a:solidFill>
+                  <a:srgbClr val="000000"/>
+                </a:solidFill>
                 <a:latin typeface="Arial"/>
+                <a:ea typeface="DejaVu Sans"/>
               </a:rPr>
               <a:t>- QR-Code Erkennung Bibliothek </a:t>
             </a:r>
@@ -14106,12 +14144,19 @@
             </a:pPr>
             <a:r>
               <a:rPr b="0" lang="de-DE" sz="1800" spc="-1" strike="noStrike">
+                <a:solidFill>
+                  <a:srgbClr val="000000"/>
+                </a:solidFill>
                 <a:latin typeface="Arial"/>
+                <a:ea typeface="DejaVu Sans"/>
               </a:rPr>
               <a:t>- </a:t>
             </a:r>
             <a:r>
               <a:rPr b="0" lang="de-DE" sz="1800" spc="-1" strike="noStrike">
+                <a:solidFill>
+                  <a:srgbClr val="000000"/>
+                </a:solidFill>
                 <a:latin typeface="Arial"/>
                 <a:ea typeface="Microsoft YaHei"/>
               </a:rPr>
@@ -14139,6 +14184,9 @@
             </a:pPr>
             <a:r>
               <a:rPr b="0" lang="de-DE" sz="1800" spc="-1" strike="noStrike">
+                <a:solidFill>
+                  <a:srgbClr val="000000"/>
+                </a:solidFill>
                 <a:latin typeface="Arial"/>
                 <a:ea typeface="Microsoft YaHei"/>
               </a:rPr>
@@ -14166,6 +14214,9 @@
             </a:pPr>
             <a:r>
               <a:rPr b="0" lang="de-DE" sz="1800" spc="-1" strike="noStrike">
+                <a:solidFill>
+                  <a:srgbClr val="000000"/>
+                </a:solidFill>
                 <a:latin typeface="Arial"/>
                 <a:ea typeface="Microsoft YaHei"/>
               </a:rPr>
@@ -14236,7 +14287,7 @@
         <p:spPr>
           <a:xfrm>
             <a:off x="1451520" y="804600"/>
-            <a:ext cx="9601920" cy="1047960"/>
+            <a:ext cx="9601560" cy="1047600"/>
           </a:xfrm>
           <a:prstGeom prst="rect">
             <a:avLst/>
@@ -14297,7 +14348,7 @@
         <p:spPr>
           <a:xfrm>
             <a:off x="1440000" y="2160000"/>
-            <a:ext cx="10223640" cy="2905560"/>
+            <a:ext cx="10223280" cy="2905200"/>
           </a:xfrm>
           <a:prstGeom prst="rect">
             <a:avLst/>
@@ -14362,7 +14413,7 @@
         <p:spPr>
           <a:xfrm>
             <a:off x="1872000" y="1913760"/>
-            <a:ext cx="7696800" cy="4139640"/>
+            <a:ext cx="7696440" cy="4139280"/>
           </a:xfrm>
           <a:prstGeom prst="rect">
             <a:avLst/>
@@ -14411,7 +14462,7 @@
         <p:spPr>
           <a:xfrm>
             <a:off x="1451520" y="804600"/>
-            <a:ext cx="9601920" cy="1047960"/>
+            <a:ext cx="9601560" cy="1047600"/>
           </a:xfrm>
           <a:prstGeom prst="rect">
             <a:avLst/>
@@ -14472,7 +14523,7 @@
         <p:spPr>
           <a:xfrm>
             <a:off x="1440000" y="2160000"/>
-            <a:ext cx="10223640" cy="2905560"/>
+            <a:ext cx="10223280" cy="2905200"/>
           </a:xfrm>
           <a:prstGeom prst="rect">
             <a:avLst/>
@@ -14537,7 +14588,7 @@
         <p:spPr>
           <a:xfrm>
             <a:off x="1872000" y="1913760"/>
-            <a:ext cx="7688160" cy="4139640"/>
+            <a:ext cx="7687800" cy="4139280"/>
           </a:xfrm>
           <a:prstGeom prst="rect">
             <a:avLst/>
@@ -14586,7 +14637,7 @@
         <p:spPr>
           <a:xfrm>
             <a:off x="1451520" y="804600"/>
-            <a:ext cx="9601920" cy="1047960"/>
+            <a:ext cx="9601560" cy="1047600"/>
           </a:xfrm>
           <a:prstGeom prst="rect">
             <a:avLst/>
@@ -14657,7 +14708,7 @@
         <p:spPr>
           <a:xfrm>
             <a:off x="1451520" y="2015640"/>
-            <a:ext cx="9601920" cy="3449160"/>
+            <a:ext cx="9601560" cy="3448800"/>
           </a:xfrm>
           <a:prstGeom prst="rect">
             <a:avLst/>
@@ -14683,7 +14734,7 @@
         <p:spPr>
           <a:xfrm>
             <a:off x="1603800" y="2167920"/>
-            <a:ext cx="9601920" cy="3449160"/>
+            <a:ext cx="9601560" cy="3448800"/>
           </a:xfrm>
           <a:prstGeom prst="rect">
             <a:avLst/>
@@ -14727,7 +14778,7 @@
             </a:endParaRPr>
           </a:p>
           <a:p>
-            <a:pPr lvl="1" marL="800280" indent="-342720">
+            <a:pPr lvl="1" marL="800280" indent="-342360">
               <a:lnSpc>
                 <a:spcPct val="120000"/>
               </a:lnSpc>
@@ -14755,7 +14806,7 @@
             </a:endParaRPr>
           </a:p>
           <a:p>
-            <a:pPr lvl="1" marL="800280" indent="-342720">
+            <a:pPr lvl="1" marL="800280" indent="-342360">
               <a:lnSpc>
                 <a:spcPct val="120000"/>
               </a:lnSpc>
@@ -14806,7 +14857,7 @@
             </a:endParaRPr>
           </a:p>
           <a:p>
-            <a:pPr lvl="1" marL="800280" indent="-342720">
+            <a:pPr lvl="1" marL="800280" indent="-342360">
               <a:lnSpc>
                 <a:spcPct val="120000"/>
               </a:lnSpc>
@@ -14834,7 +14885,7 @@
             </a:endParaRPr>
           </a:p>
           <a:p>
-            <a:pPr lvl="1" marL="800280" indent="-342720">
+            <a:pPr lvl="1" marL="800280" indent="-342360">
               <a:lnSpc>
                 <a:spcPct val="120000"/>
               </a:lnSpc>
@@ -14902,7 +14953,7 @@
         <p:spPr>
           <a:xfrm>
             <a:off x="1451520" y="804600"/>
-            <a:ext cx="9601920" cy="1047960"/>
+            <a:ext cx="9601560" cy="1047600"/>
           </a:xfrm>
           <a:prstGeom prst="rect">
             <a:avLst/>
@@ -14953,7 +15004,7 @@
         <p:spPr>
           <a:xfrm>
             <a:off x="2304000" y="1877760"/>
-            <a:ext cx="5399640" cy="857880"/>
+            <a:ext cx="5399280" cy="857520"/>
           </a:xfrm>
           <a:prstGeom prst="rect">
             <a:avLst/>
@@ -14991,7 +15042,11 @@
             </a:pPr>
             <a:r>
               <a:rPr b="0" lang="de-DE" sz="1800" spc="-1" strike="noStrike">
+                <a:solidFill>
+                  <a:srgbClr val="000000"/>
+                </a:solidFill>
                 <a:latin typeface="Arial"/>
+                <a:ea typeface="DejaVu Sans"/>
               </a:rPr>
               <a:t>Stationen werden in Reihe platziert</a:t>
             </a:r>
@@ -15024,7 +15079,7 @@
         <p:spPr>
           <a:xfrm>
             <a:off x="144000" y="2448000"/>
-            <a:ext cx="1897560" cy="3095640"/>
+            <a:ext cx="1897200" cy="3095280"/>
           </a:xfrm>
           <a:prstGeom prst="rect">
             <a:avLst/>
@@ -15047,7 +15102,7 @@
         <p:spPr>
           <a:xfrm>
             <a:off x="1656000" y="2454840"/>
-            <a:ext cx="4615560" cy="3089160"/>
+            <a:ext cx="4615200" cy="3088800"/>
           </a:xfrm>
           <a:prstGeom prst="rect">
             <a:avLst/>
@@ -15070,7 +15125,7 @@
         <p:spPr>
           <a:xfrm>
             <a:off x="8568000" y="2623680"/>
-            <a:ext cx="3306600" cy="3064320"/>
+            <a:ext cx="3306240" cy="3063960"/>
           </a:xfrm>
           <a:prstGeom prst="rect">
             <a:avLst/>
@@ -15082,14 +15137,14 @@
       </p:pic>
       <p:sp>
         <p:nvSpPr>
-          <p:cNvPr id="190" name="TextShape 3"/>
-          <p:cNvSpPr txBox="1"/>
+          <p:cNvPr id="190" name="CustomShape 3"/>
+          <p:cNvSpPr/>
           <p:nvPr/>
         </p:nvSpPr>
         <p:spPr>
           <a:xfrm>
             <a:off x="7272000" y="2016000"/>
-            <a:ext cx="3960000" cy="858240"/>
+            <a:ext cx="3959640" cy="857880"/>
           </a:xfrm>
           <a:prstGeom prst="rect">
             <a:avLst/>
@@ -15099,6 +15154,12 @@
             <a:noFill/>
           </a:ln>
         </p:spPr>
+        <p:style>
+          <a:lnRef idx="0"/>
+          <a:fillRef idx="0"/>
+          <a:effectRef idx="0"/>
+          <a:fontRef idx="minor"/>
+        </p:style>
         <p:txBody>
           <a:bodyPr lIns="90000" rIns="90000" tIns="45000" bIns="45000">
             <a:noAutofit/>
@@ -15120,6 +15181,11 @@
             </a:endParaRPr>
           </a:p>
           <a:p>
+            <a:pPr>
+              <a:lnSpc>
+                <a:spcPct val="100000"/>
+              </a:lnSpc>
+            </a:pPr>
             <a:r>
               <a:rPr b="0" lang="de-DE" sz="1800" spc="-1" strike="noStrike">
                 <a:latin typeface="Arial"/>
@@ -15164,14 +15230,14 @@
       </p:grpSpPr>
       <p:sp>
         <p:nvSpPr>
-          <p:cNvPr id="191" name="TextShape 1"/>
-          <p:cNvSpPr txBox="1"/>
+          <p:cNvPr id="191" name="CustomShape 1"/>
+          <p:cNvSpPr/>
           <p:nvPr/>
         </p:nvSpPr>
         <p:spPr>
           <a:xfrm>
             <a:off x="1440000" y="943560"/>
-            <a:ext cx="10972080" cy="1144440"/>
+            <a:ext cx="10971720" cy="1144080"/>
           </a:xfrm>
           <a:prstGeom prst="rect">
             <a:avLst/>
@@ -15181,6 +15247,12 @@
             <a:noFill/>
           </a:ln>
         </p:spPr>
+        <p:style>
+          <a:lnRef idx="0"/>
+          <a:fillRef idx="0"/>
+          <a:effectRef idx="0"/>
+          <a:fontRef idx="minor"/>
+        </p:style>
         <p:txBody>
           <a:bodyPr lIns="0" rIns="0" tIns="0" bIns="0" anchor="ctr">
             <a:noAutofit/>
@@ -15202,24 +15274,21 @@
               <a:t>Laden &amp; Speichern</a:t>
             </a:r>
             <a:endParaRPr b="0" lang="de-DE" sz="4400" spc="-1" strike="noStrike">
-              <a:solidFill>
-                <a:srgbClr val="000000"/>
-              </a:solidFill>
-              <a:latin typeface="Arial"/>
-            </a:endParaRPr>
-          </a:p>
-        </p:txBody>
-      </p:sp>
-      <p:sp>
-        <p:nvSpPr>
-          <p:cNvPr id="192" name="TextShape 2"/>
-          <p:cNvSpPr txBox="1"/>
+              <a:latin typeface="Arial"/>
+            </a:endParaRPr>
+          </a:p>
+        </p:txBody>
+      </p:sp>
+      <p:sp>
+        <p:nvSpPr>
+          <p:cNvPr id="192" name="CustomShape 2"/>
+          <p:cNvSpPr/>
           <p:nvPr/>
         </p:nvSpPr>
         <p:spPr>
           <a:xfrm>
             <a:off x="1267920" y="1800000"/>
-            <a:ext cx="10972080" cy="3976920"/>
+            <a:ext cx="10971720" cy="3976560"/>
           </a:xfrm>
           <a:prstGeom prst="rect">
             <a:avLst/>
@@ -15229,12 +15298,18 @@
             <a:noFill/>
           </a:ln>
         </p:spPr>
+        <p:style>
+          <a:lnRef idx="0"/>
+          <a:fillRef idx="0"/>
+          <a:effectRef idx="0"/>
+          <a:fontRef idx="minor"/>
+        </p:style>
         <p:txBody>
           <a:bodyPr lIns="0" rIns="0" tIns="0" bIns="0" anchor="ctr">
             <a:noAutofit/>
           </a:bodyPr>
           <a:p>
-            <a:pPr marL="228600" indent="-228240">
+            <a:pPr marL="228600" indent="-227880">
               <a:lnSpc>
                 <a:spcPct val="90000"/>
               </a:lnSpc>
@@ -15275,7 +15350,7 @@
             </a:endParaRPr>
           </a:p>
           <a:p>
-            <a:pPr marL="228600" indent="-228240">
+            <a:pPr marL="228600" indent="-227880">
               <a:lnSpc>
                 <a:spcPct val="90000"/>
               </a:lnSpc>
@@ -15316,7 +15391,7 @@
             </a:endParaRPr>
           </a:p>
           <a:p>
-            <a:pPr marL="228600" indent="-228240">
+            <a:pPr marL="228600" indent="-227880">
               <a:lnSpc>
                 <a:spcPct val="90000"/>
               </a:lnSpc>
@@ -15390,14 +15465,14 @@
       </p:grpSpPr>
       <p:sp>
         <p:nvSpPr>
-          <p:cNvPr id="193" name="TextShape 1"/>
-          <p:cNvSpPr txBox="1"/>
+          <p:cNvPr id="193" name="CustomShape 1"/>
+          <p:cNvSpPr/>
           <p:nvPr/>
         </p:nvSpPr>
         <p:spPr>
           <a:xfrm>
             <a:off x="1446480" y="936000"/>
-            <a:ext cx="10972080" cy="1144440"/>
+            <a:ext cx="10971720" cy="1144080"/>
           </a:xfrm>
           <a:prstGeom prst="rect">
             <a:avLst/>
@@ -15407,6 +15482,12 @@
             <a:noFill/>
           </a:ln>
         </p:spPr>
+        <p:style>
+          <a:lnRef idx="0"/>
+          <a:fillRef idx="0"/>
+          <a:effectRef idx="0"/>
+          <a:fontRef idx="minor"/>
+        </p:style>
         <p:txBody>
           <a:bodyPr lIns="0" rIns="0" tIns="0" bIns="0" anchor="ctr">
             <a:noAutofit/>
@@ -15428,24 +15509,21 @@
               <a:t>Laden &amp; Speichern</a:t>
             </a:r>
             <a:endParaRPr b="0" lang="de-DE" sz="4400" spc="-1" strike="noStrike">
-              <a:solidFill>
-                <a:srgbClr val="000000"/>
-              </a:solidFill>
-              <a:latin typeface="Arial"/>
-            </a:endParaRPr>
-          </a:p>
-        </p:txBody>
-      </p:sp>
-      <p:sp>
-        <p:nvSpPr>
-          <p:cNvPr id="194" name="TextShape 2"/>
-          <p:cNvSpPr txBox="1"/>
+              <a:latin typeface="Arial"/>
+            </a:endParaRPr>
+          </a:p>
+        </p:txBody>
+      </p:sp>
+      <p:sp>
+        <p:nvSpPr>
+          <p:cNvPr id="194" name="CustomShape 2"/>
+          <p:cNvSpPr/>
           <p:nvPr/>
         </p:nvSpPr>
         <p:spPr>
           <a:xfrm>
             <a:off x="1267920" y="1728000"/>
-            <a:ext cx="10972080" cy="3976920"/>
+            <a:ext cx="10971720" cy="3976560"/>
           </a:xfrm>
           <a:prstGeom prst="rect">
             <a:avLst/>
@@ -15455,12 +15533,18 @@
             <a:noFill/>
           </a:ln>
         </p:spPr>
+        <p:style>
+          <a:lnRef idx="0"/>
+          <a:fillRef idx="0"/>
+          <a:effectRef idx="0"/>
+          <a:fontRef idx="minor"/>
+        </p:style>
         <p:txBody>
           <a:bodyPr lIns="0" rIns="0" tIns="0" bIns="0" anchor="ctr">
             <a:noAutofit/>
           </a:bodyPr>
           <a:p>
-            <a:pPr marL="228600" indent="-228240">
+            <a:pPr marL="228600" indent="-227880">
               <a:lnSpc>
                 <a:spcPct val="90000"/>
               </a:lnSpc>
@@ -15501,7 +15585,7 @@
             </a:endParaRPr>
           </a:p>
           <a:p>
-            <a:pPr marL="228600" indent="-228240">
+            <a:pPr marL="228600" indent="-227880">
               <a:lnSpc>
                 <a:spcPct val="90000"/>
               </a:lnSpc>
@@ -15542,7 +15626,7 @@
             </a:endParaRPr>
           </a:p>
           <a:p>
-            <a:pPr marL="228600" indent="-228240">
+            <a:pPr marL="228600" indent="-227880">
               <a:lnSpc>
                 <a:spcPct val="90000"/>
               </a:lnSpc>
